--- a/my_presentation_modified.pptx
+++ b/my_presentation_modified.pptx
@@ -2,27 +2,21 @@
 <file path=ppt/presentation.xml><?xml version="1.0" encoding="utf-8"?>
 <p:presentation xmlns:a="http://schemas.openxmlformats.org/drawingml/2006/main" xmlns:r="http://schemas.openxmlformats.org/officeDocument/2006/relationships" xmlns:p="http://schemas.openxmlformats.org/presentationml/2006/main" saveSubsetFonts="1" autoCompressPictures="0">
   <p:sldMasterIdLst>
-    <p:sldMasterId id="2147483648" r:id="rId1"/>
+    <p:sldMasterId id="2147483672" r:id="rId1"/>
   </p:sldMasterIdLst>
   <p:sldIdLst>
-    <p:sldId id="256" r:id="rId7"/>
-    <p:sldId id="257" r:id="rId8"/>
-    <p:sldId id="258" r:id="rId9"/>
-    <p:sldId id="259" r:id="rId10"/>
-    <p:sldId id="260" r:id="rId11"/>
-    <p:sldId id="261" r:id="rId12"/>
-    <p:sldId id="262" r:id="rId13"/>
-    <p:sldId id="263" r:id="rId14"/>
-    <p:sldId id="264" r:id="rId15"/>
-    <p:sldId id="265" r:id="rId16"/>
-    <p:sldId id="266" r:id="rId17"/>
-    <p:sldId id="267" r:id="rId18"/>
-    <p:sldId id="268" r:id="rId19"/>
-    <p:sldId id="269" r:id="rId20"/>
-    <p:sldId id="270" r:id="rId21"/>
-    <p:sldId id="271" r:id="rId22"/>
+    <p:sldId id="256" r:id="rId6"/>
+    <p:sldId id="257" r:id="rId7"/>
+    <p:sldId id="258" r:id="rId8"/>
+    <p:sldId id="259" r:id="rId9"/>
+    <p:sldId id="260" r:id="rId10"/>
+    <p:sldId id="261" r:id="rId11"/>
+    <p:sldId id="262" r:id="rId12"/>
+    <p:sldId id="263" r:id="rId13"/>
+    <p:sldId id="264" r:id="rId14"/>
+    <p:sldId id="265" r:id="rId15"/>
   </p:sldIdLst>
-  <p:sldSz cx="9144000" cy="6858000" type="screen4x3"/>
+  <p:sldSz cx="12192000" cy="6858000"/>
   <p:notesSz cx="6858000" cy="9144000"/>
   <p:defaultTextStyle>
     <a:defPPr>
@@ -119,6 +113,11 @@
       </a:defRPr>
     </a:lvl9pPr>
   </p:defaultTextStyle>
+  <p:extLst>
+    <p:ext uri="{EFAFB233-063F-42B5-8137-9DF3F51BA10A}">
+      <p15:sldGuideLst xmlns:p15="http://schemas.microsoft.com/office/powerpoint/2012/main"/>
+    </p:ext>
+  </p:extLst>
 </p:presentation>
 </file>
 
@@ -151,19 +150,25 @@
         </p:nvSpPr>
         <p:spPr>
           <a:xfrm>
-            <a:off x="685800" y="2130425"/>
-            <a:ext cx="7772400" cy="1470025"/>
+            <a:off x="2417779" y="802298"/>
+            <a:ext cx="8637073" cy="2541431"/>
           </a:xfrm>
         </p:spPr>
         <p:txBody>
-          <a:bodyPr/>
-          <a:lstStyle/>
-          <a:p>
-            <a:r>
-              <a:rPr lang="en-US" smtClean="0"/>
+          <a:bodyPr bIns="0" anchor="b">
+            <a:normAutofit/>
+          </a:bodyPr>
+          <a:lstStyle>
+            <a:lvl1pPr algn="l">
+              <a:defRPr sz="6600"/>
+            </a:lvl1pPr>
+          </a:lstStyle>
+          <a:p>
+            <a:r>
+              <a:rPr lang="en-US"/>
               <a:t>Click to edit Master title style</a:t>
             </a:r>
-            <a:endParaRPr lang="en-US"/>
+            <a:endParaRPr lang="en-US" dirty="0"/>
           </a:p>
         </p:txBody>
       </p:sp>
@@ -179,110 +184,62 @@
         </p:nvSpPr>
         <p:spPr>
           <a:xfrm>
-            <a:off x="1371600" y="3886200"/>
-            <a:ext cx="6400800" cy="1752600"/>
+            <a:off x="2417780" y="3531204"/>
+            <a:ext cx="8637072" cy="977621"/>
           </a:xfrm>
         </p:spPr>
         <p:txBody>
-          <a:bodyPr/>
+          <a:bodyPr tIns="91440" bIns="91440">
+            <a:normAutofit/>
+          </a:bodyPr>
           <a:lstStyle>
-            <a:lvl1pPr marL="0" indent="0" algn="ctr">
-              <a:buNone/>
-              <a:defRPr>
+            <a:lvl1pPr marL="0" indent="0" algn="l">
+              <a:buNone/>
+              <a:defRPr sz="1800" b="0" cap="all" baseline="0">
                 <a:solidFill>
-                  <a:schemeClr val="tx1">
-                    <a:tint val="75000"/>
-                  </a:schemeClr>
+                  <a:schemeClr val="tx1"/>
                 </a:solidFill>
               </a:defRPr>
             </a:lvl1pPr>
             <a:lvl2pPr marL="457200" indent="0" algn="ctr">
               <a:buNone/>
-              <a:defRPr>
-                <a:solidFill>
-                  <a:schemeClr val="tx1">
-                    <a:tint val="75000"/>
-                  </a:schemeClr>
-                </a:solidFill>
-              </a:defRPr>
+              <a:defRPr sz="1800"/>
             </a:lvl2pPr>
             <a:lvl3pPr marL="914400" indent="0" algn="ctr">
               <a:buNone/>
-              <a:defRPr>
-                <a:solidFill>
-                  <a:schemeClr val="tx1">
-                    <a:tint val="75000"/>
-                  </a:schemeClr>
-                </a:solidFill>
-              </a:defRPr>
+              <a:defRPr sz="1800"/>
             </a:lvl3pPr>
             <a:lvl4pPr marL="1371600" indent="0" algn="ctr">
               <a:buNone/>
-              <a:defRPr>
-                <a:solidFill>
-                  <a:schemeClr val="tx1">
-                    <a:tint val="75000"/>
-                  </a:schemeClr>
-                </a:solidFill>
-              </a:defRPr>
+              <a:defRPr sz="1600"/>
             </a:lvl4pPr>
             <a:lvl5pPr marL="1828800" indent="0" algn="ctr">
               <a:buNone/>
-              <a:defRPr>
-                <a:solidFill>
-                  <a:schemeClr val="tx1">
-                    <a:tint val="75000"/>
-                  </a:schemeClr>
-                </a:solidFill>
-              </a:defRPr>
+              <a:defRPr sz="1600"/>
             </a:lvl5pPr>
             <a:lvl6pPr marL="2286000" indent="0" algn="ctr">
               <a:buNone/>
-              <a:defRPr>
-                <a:solidFill>
-                  <a:schemeClr val="tx1">
-                    <a:tint val="75000"/>
-                  </a:schemeClr>
-                </a:solidFill>
-              </a:defRPr>
+              <a:defRPr sz="1600"/>
             </a:lvl6pPr>
             <a:lvl7pPr marL="2743200" indent="0" algn="ctr">
               <a:buNone/>
-              <a:defRPr>
-                <a:solidFill>
-                  <a:schemeClr val="tx1">
-                    <a:tint val="75000"/>
-                  </a:schemeClr>
-                </a:solidFill>
-              </a:defRPr>
+              <a:defRPr sz="1600"/>
             </a:lvl7pPr>
             <a:lvl8pPr marL="3200400" indent="0" algn="ctr">
               <a:buNone/>
-              <a:defRPr>
-                <a:solidFill>
-                  <a:schemeClr val="tx1">
-                    <a:tint val="75000"/>
-                  </a:schemeClr>
-                </a:solidFill>
-              </a:defRPr>
+              <a:defRPr sz="1600"/>
             </a:lvl8pPr>
             <a:lvl9pPr marL="3657600" indent="0" algn="ctr">
               <a:buNone/>
-              <a:defRPr>
-                <a:solidFill>
-                  <a:schemeClr val="tx1">
-                    <a:tint val="75000"/>
-                  </a:schemeClr>
-                </a:solidFill>
-              </a:defRPr>
+              <a:defRPr sz="1600"/>
             </a:lvl9pPr>
           </a:lstStyle>
           <a:p>
             <a:r>
-              <a:rPr lang="en-US" smtClean="0"/>
+              <a:rPr lang="en-US"/>
               <a:t>Click to edit Master subtitle style</a:t>
             </a:r>
-            <a:endParaRPr lang="en-US"/>
+            <a:endParaRPr lang="en-US" dirty="0"/>
           </a:p>
         </p:txBody>
       </p:sp>
@@ -301,11 +258,11 @@
           <a:bodyPr/>
           <a:lstStyle/>
           <a:p>
-            <a:fld id="{5BCAD085-E8A6-8845-BD4E-CB4CCA059FC4}" type="datetimeFigureOut">
-              <a:rPr lang="en-US" smtClean="0"/>
-              <a:t>1/27/13</a:t>
+            <a:fld id="{A98F60FD-DC1C-204F-8C1F-00DE41EB5C58}" type="datetimeFigureOut">
+              <a:rPr lang="en-AM" smtClean="0"/>
+              <a:t>19.03.24</a:t>
             </a:fld>
-            <a:endParaRPr lang="en-US"/>
+            <a:endParaRPr lang="en-AM"/>
           </a:p>
         </p:txBody>
       </p:sp>
@@ -319,12 +276,17 @@
             <p:ph type="ftr" sz="quarter" idx="11"/>
           </p:nvPr>
         </p:nvSpPr>
-        <p:spPr/>
-        <p:txBody>
-          <a:bodyPr/>
-          <a:lstStyle/>
-          <a:p>
-            <a:endParaRPr lang="en-US"/>
+        <p:spPr>
+          <a:xfrm>
+            <a:off x="2416500" y="329307"/>
+            <a:ext cx="4973915" cy="309201"/>
+          </a:xfrm>
+        </p:spPr>
+        <p:txBody>
+          <a:bodyPr/>
+          <a:lstStyle/>
+          <a:p>
+            <a:endParaRPr lang="en-AM"/>
           </a:p>
         </p:txBody>
       </p:sp>
@@ -338,23 +300,59 @@
             <p:ph type="sldNum" sz="quarter" idx="12"/>
           </p:nvPr>
         </p:nvSpPr>
-        <p:spPr/>
-        <p:txBody>
-          <a:bodyPr/>
-          <a:lstStyle/>
-          <a:p>
-            <a:fld id="{C1FF6DA9-008F-8B48-92A6-B652298478BF}" type="slidenum">
-              <a:rPr lang="en-US" smtClean="0"/>
+        <p:spPr>
+          <a:xfrm>
+            <a:off x="1437664" y="798973"/>
+            <a:ext cx="811019" cy="503578"/>
+          </a:xfrm>
+        </p:spPr>
+        <p:txBody>
+          <a:bodyPr/>
+          <a:lstStyle/>
+          <a:p>
+            <a:fld id="{80B75221-7FF7-5846-8D81-216EBB3FA69A}" type="slidenum">
+              <a:rPr lang="en-AM" smtClean="0"/>
               <a:t>‹#›</a:t>
             </a:fld>
-            <a:endParaRPr lang="en-US"/>
-          </a:p>
-        </p:txBody>
-      </p:sp>
+            <a:endParaRPr lang="en-AM"/>
+          </a:p>
+        </p:txBody>
+      </p:sp>
+      <p:cxnSp>
+        <p:nvCxnSpPr>
+          <p:cNvPr id="15" name="Straight Connector 14"/>
+          <p:cNvCxnSpPr/>
+          <p:nvPr/>
+        </p:nvCxnSpPr>
+        <p:spPr>
+          <a:xfrm>
+            <a:off x="2417780" y="3528542"/>
+            <a:ext cx="8637072" cy="0"/>
+          </a:xfrm>
+          <a:prstGeom prst="line">
+            <a:avLst/>
+          </a:prstGeom>
+          <a:ln w="31750"/>
+        </p:spPr>
+        <p:style>
+          <a:lnRef idx="3">
+            <a:schemeClr val="accent1"/>
+          </a:lnRef>
+          <a:fillRef idx="0">
+            <a:schemeClr val="accent1"/>
+          </a:fillRef>
+          <a:effectRef idx="2">
+            <a:schemeClr val="accent1"/>
+          </a:effectRef>
+          <a:fontRef idx="minor">
+            <a:schemeClr val="tx1"/>
+          </a:fontRef>
+        </p:style>
+      </p:cxnSp>
     </p:spTree>
     <p:extLst>
       <p:ext uri="{BB962C8B-B14F-4D97-AF65-F5344CB8AC3E}">
-        <p14:creationId xmlns:p14="http://schemas.microsoft.com/office/powerpoint/2010/main" val="3168075583"/>
+        <p14:creationId xmlns:p14="http://schemas.microsoft.com/office/powerpoint/2010/main" val="3602499016"/>
       </p:ext>
     </p:extLst>
   </p:cSld>
@@ -397,10 +395,10 @@
           <a:lstStyle/>
           <a:p>
             <a:r>
-              <a:rPr lang="en-US" smtClean="0"/>
+              <a:rPr lang="en-US"/>
               <a:t>Click to edit Master title style</a:t>
             </a:r>
-            <a:endParaRPr lang="en-US"/>
+            <a:endParaRPr lang="en-US" dirty="0"/>
           </a:p>
         </p:txBody>
       </p:sp>
@@ -421,38 +419,38 @@
           <a:p>
             <a:pPr lvl="0"/>
             <a:r>
-              <a:rPr lang="en-US" smtClean="0"/>
+              <a:rPr lang="en-US"/>
               <a:t>Click to edit Master text styles</a:t>
             </a:r>
           </a:p>
           <a:p>
             <a:pPr lvl="1"/>
             <a:r>
-              <a:rPr lang="en-US" smtClean="0"/>
+              <a:rPr lang="en-US"/>
               <a:t>Second level</a:t>
             </a:r>
           </a:p>
           <a:p>
             <a:pPr lvl="2"/>
             <a:r>
-              <a:rPr lang="en-US" smtClean="0"/>
+              <a:rPr lang="en-US"/>
               <a:t>Third level</a:t>
             </a:r>
           </a:p>
           <a:p>
             <a:pPr lvl="3"/>
             <a:r>
-              <a:rPr lang="en-US" smtClean="0"/>
+              <a:rPr lang="en-US"/>
               <a:t>Fourth level</a:t>
             </a:r>
           </a:p>
           <a:p>
             <a:pPr lvl="4"/>
             <a:r>
-              <a:rPr lang="en-US" smtClean="0"/>
+              <a:rPr lang="en-US"/>
               <a:t>Fifth level</a:t>
             </a:r>
-            <a:endParaRPr lang="en-US"/>
+            <a:endParaRPr lang="en-US" dirty="0"/>
           </a:p>
         </p:txBody>
       </p:sp>
@@ -471,11 +469,11 @@
           <a:bodyPr/>
           <a:lstStyle/>
           <a:p>
-            <a:fld id="{5BCAD085-E8A6-8845-BD4E-CB4CCA059FC4}" type="datetimeFigureOut">
-              <a:rPr lang="en-US" smtClean="0"/>
-              <a:t>1/27/13</a:t>
+            <a:fld id="{A98F60FD-DC1C-204F-8C1F-00DE41EB5C58}" type="datetimeFigureOut">
+              <a:rPr lang="en-AM" smtClean="0"/>
+              <a:t>19.03.24</a:t>
             </a:fld>
-            <a:endParaRPr lang="en-US"/>
+            <a:endParaRPr lang="en-AM"/>
           </a:p>
         </p:txBody>
       </p:sp>
@@ -494,7 +492,7 @@
           <a:bodyPr/>
           <a:lstStyle/>
           <a:p>
-            <a:endParaRPr lang="en-US"/>
+            <a:endParaRPr lang="en-AM"/>
           </a:p>
         </p:txBody>
       </p:sp>
@@ -513,18 +511,49 @@
           <a:bodyPr/>
           <a:lstStyle/>
           <a:p>
-            <a:fld id="{C1FF6DA9-008F-8B48-92A6-B652298478BF}" type="slidenum">
-              <a:rPr lang="en-US" smtClean="0"/>
+            <a:fld id="{80B75221-7FF7-5846-8D81-216EBB3FA69A}" type="slidenum">
+              <a:rPr lang="en-AM" smtClean="0"/>
               <a:t>‹#›</a:t>
             </a:fld>
-            <a:endParaRPr lang="en-US"/>
-          </a:p>
-        </p:txBody>
-      </p:sp>
+            <a:endParaRPr lang="en-AM"/>
+          </a:p>
+        </p:txBody>
+      </p:sp>
+      <p:cxnSp>
+        <p:nvCxnSpPr>
+          <p:cNvPr id="26" name="Straight Connector 25"/>
+          <p:cNvCxnSpPr/>
+          <p:nvPr/>
+        </p:nvCxnSpPr>
+        <p:spPr>
+          <a:xfrm>
+            <a:off x="1453896" y="1847088"/>
+            <a:ext cx="9607522" cy="0"/>
+          </a:xfrm>
+          <a:prstGeom prst="line">
+            <a:avLst/>
+          </a:prstGeom>
+          <a:ln w="31750"/>
+        </p:spPr>
+        <p:style>
+          <a:lnRef idx="3">
+            <a:schemeClr val="accent1"/>
+          </a:lnRef>
+          <a:fillRef idx="0">
+            <a:schemeClr val="accent1"/>
+          </a:fillRef>
+          <a:effectRef idx="2">
+            <a:schemeClr val="accent1"/>
+          </a:effectRef>
+          <a:fontRef idx="minor">
+            <a:schemeClr val="tx1"/>
+          </a:fontRef>
+        </p:style>
+      </p:cxnSp>
     </p:spTree>
     <p:extLst>
       <p:ext uri="{BB962C8B-B14F-4D97-AF65-F5344CB8AC3E}">
-        <p14:creationId xmlns:p14="http://schemas.microsoft.com/office/powerpoint/2010/main" val="2910927964"/>
+        <p14:creationId xmlns:p14="http://schemas.microsoft.com/office/powerpoint/2010/main" val="1003740630"/>
       </p:ext>
     </p:extLst>
   </p:cSld>
@@ -563,19 +592,23 @@
         </p:nvSpPr>
         <p:spPr>
           <a:xfrm>
-            <a:off x="6629400" y="274638"/>
-            <a:ext cx="2057400" cy="5851525"/>
+            <a:off x="9439111" y="798973"/>
+            <a:ext cx="1615742" cy="4659889"/>
           </a:xfrm>
         </p:spPr>
         <p:txBody>
           <a:bodyPr vert="eaVert"/>
-          <a:lstStyle/>
-          <a:p>
-            <a:r>
-              <a:rPr lang="en-US" smtClean="0"/>
+          <a:lstStyle>
+            <a:lvl1pPr algn="l">
+              <a:defRPr/>
+            </a:lvl1pPr>
+          </a:lstStyle>
+          <a:p>
+            <a:r>
+              <a:rPr lang="en-US"/>
               <a:t>Click to edit Master title style</a:t>
             </a:r>
-            <a:endParaRPr lang="en-US"/>
+            <a:endParaRPr lang="en-US" dirty="0"/>
           </a:p>
         </p:txBody>
       </p:sp>
@@ -591,8 +624,8 @@
         </p:nvSpPr>
         <p:spPr>
           <a:xfrm>
-            <a:off x="457200" y="274638"/>
-            <a:ext cx="6019800" cy="5851525"/>
+            <a:off x="1444672" y="798973"/>
+            <a:ext cx="7828830" cy="4659889"/>
           </a:xfrm>
         </p:spPr>
         <p:txBody>
@@ -601,38 +634,38 @@
           <a:p>
             <a:pPr lvl="0"/>
             <a:r>
-              <a:rPr lang="en-US" smtClean="0"/>
+              <a:rPr lang="en-US"/>
               <a:t>Click to edit Master text styles</a:t>
             </a:r>
           </a:p>
           <a:p>
             <a:pPr lvl="1"/>
             <a:r>
-              <a:rPr lang="en-US" smtClean="0"/>
+              <a:rPr lang="en-US"/>
               <a:t>Second level</a:t>
             </a:r>
           </a:p>
           <a:p>
             <a:pPr lvl="2"/>
             <a:r>
-              <a:rPr lang="en-US" smtClean="0"/>
+              <a:rPr lang="en-US"/>
               <a:t>Third level</a:t>
             </a:r>
           </a:p>
           <a:p>
             <a:pPr lvl="3"/>
             <a:r>
-              <a:rPr lang="en-US" smtClean="0"/>
+              <a:rPr lang="en-US"/>
               <a:t>Fourth level</a:t>
             </a:r>
           </a:p>
           <a:p>
             <a:pPr lvl="4"/>
             <a:r>
-              <a:rPr lang="en-US" smtClean="0"/>
+              <a:rPr lang="en-US"/>
               <a:t>Fifth level</a:t>
             </a:r>
-            <a:endParaRPr lang="en-US"/>
+            <a:endParaRPr lang="en-US" dirty="0"/>
           </a:p>
         </p:txBody>
       </p:sp>
@@ -651,11 +684,11 @@
           <a:bodyPr/>
           <a:lstStyle/>
           <a:p>
-            <a:fld id="{5BCAD085-E8A6-8845-BD4E-CB4CCA059FC4}" type="datetimeFigureOut">
-              <a:rPr lang="en-US" smtClean="0"/>
-              <a:t>1/27/13</a:t>
+            <a:fld id="{A98F60FD-DC1C-204F-8C1F-00DE41EB5C58}" type="datetimeFigureOut">
+              <a:rPr lang="en-AM" smtClean="0"/>
+              <a:t>19.03.24</a:t>
             </a:fld>
-            <a:endParaRPr lang="en-US"/>
+            <a:endParaRPr lang="en-AM"/>
           </a:p>
         </p:txBody>
       </p:sp>
@@ -674,7 +707,7 @@
           <a:bodyPr/>
           <a:lstStyle/>
           <a:p>
-            <a:endParaRPr lang="en-US"/>
+            <a:endParaRPr lang="en-AM"/>
           </a:p>
         </p:txBody>
       </p:sp>
@@ -693,18 +726,49 @@
           <a:bodyPr/>
           <a:lstStyle/>
           <a:p>
-            <a:fld id="{C1FF6DA9-008F-8B48-92A6-B652298478BF}" type="slidenum">
-              <a:rPr lang="en-US" smtClean="0"/>
+            <a:fld id="{80B75221-7FF7-5846-8D81-216EBB3FA69A}" type="slidenum">
+              <a:rPr lang="en-AM" smtClean="0"/>
               <a:t>‹#›</a:t>
             </a:fld>
-            <a:endParaRPr lang="en-US"/>
-          </a:p>
-        </p:txBody>
-      </p:sp>
+            <a:endParaRPr lang="en-AM"/>
+          </a:p>
+        </p:txBody>
+      </p:sp>
+      <p:cxnSp>
+        <p:nvCxnSpPr>
+          <p:cNvPr id="15" name="Straight Connector 14"/>
+          <p:cNvCxnSpPr/>
+          <p:nvPr/>
+        </p:nvCxnSpPr>
+        <p:spPr>
+          <a:xfrm>
+            <a:off x="9439111" y="798973"/>
+            <a:ext cx="0" cy="4659889"/>
+          </a:xfrm>
+          <a:prstGeom prst="line">
+            <a:avLst/>
+          </a:prstGeom>
+          <a:ln w="31750"/>
+        </p:spPr>
+        <p:style>
+          <a:lnRef idx="3">
+            <a:schemeClr val="accent1"/>
+          </a:lnRef>
+          <a:fillRef idx="0">
+            <a:schemeClr val="accent1"/>
+          </a:fillRef>
+          <a:effectRef idx="2">
+            <a:schemeClr val="accent1"/>
+          </a:effectRef>
+          <a:fontRef idx="minor">
+            <a:schemeClr val="tx1"/>
+          </a:fontRef>
+        </p:style>
+      </p:cxnSp>
     </p:spTree>
     <p:extLst>
       <p:ext uri="{BB962C8B-B14F-4D97-AF65-F5344CB8AC3E}">
-        <p14:creationId xmlns:p14="http://schemas.microsoft.com/office/powerpoint/2010/main" val="3612223792"/>
+        <p14:creationId xmlns:p14="http://schemas.microsoft.com/office/powerpoint/2010/main" val="2127836802"/>
       </p:ext>
     </p:extLst>
   </p:cSld>
@@ -747,10 +811,10 @@
           <a:lstStyle/>
           <a:p>
             <a:r>
-              <a:rPr lang="en-US" smtClean="0"/>
+              <a:rPr lang="en-US"/>
               <a:t>Click to edit Master title style</a:t>
             </a:r>
-            <a:endParaRPr lang="en-US"/>
+            <a:endParaRPr lang="en-US" dirty="0"/>
           </a:p>
         </p:txBody>
       </p:sp>
@@ -766,43 +830,43 @@
         </p:nvSpPr>
         <p:spPr/>
         <p:txBody>
-          <a:bodyPr/>
+          <a:bodyPr anchor="t"/>
           <a:lstStyle/>
           <a:p>
             <a:pPr lvl="0"/>
             <a:r>
-              <a:rPr lang="en-US" smtClean="0"/>
+              <a:rPr lang="en-US"/>
               <a:t>Click to edit Master text styles</a:t>
             </a:r>
           </a:p>
           <a:p>
             <a:pPr lvl="1"/>
             <a:r>
-              <a:rPr lang="en-US" smtClean="0"/>
+              <a:rPr lang="en-US"/>
               <a:t>Second level</a:t>
             </a:r>
           </a:p>
           <a:p>
             <a:pPr lvl="2"/>
             <a:r>
-              <a:rPr lang="en-US" smtClean="0"/>
+              <a:rPr lang="en-US"/>
               <a:t>Third level</a:t>
             </a:r>
           </a:p>
           <a:p>
             <a:pPr lvl="3"/>
             <a:r>
-              <a:rPr lang="en-US" smtClean="0"/>
+              <a:rPr lang="en-US"/>
               <a:t>Fourth level</a:t>
             </a:r>
           </a:p>
           <a:p>
             <a:pPr lvl="4"/>
             <a:r>
-              <a:rPr lang="en-US" smtClean="0"/>
+              <a:rPr lang="en-US"/>
               <a:t>Fifth level</a:t>
             </a:r>
-            <a:endParaRPr lang="en-US"/>
+            <a:endParaRPr lang="en-US" dirty="0"/>
           </a:p>
         </p:txBody>
       </p:sp>
@@ -821,11 +885,11 @@
           <a:bodyPr/>
           <a:lstStyle/>
           <a:p>
-            <a:fld id="{5BCAD085-E8A6-8845-BD4E-CB4CCA059FC4}" type="datetimeFigureOut">
-              <a:rPr lang="en-US" smtClean="0"/>
-              <a:t>1/27/13</a:t>
+            <a:fld id="{A98F60FD-DC1C-204F-8C1F-00DE41EB5C58}" type="datetimeFigureOut">
+              <a:rPr lang="en-AM" smtClean="0"/>
+              <a:t>19.03.24</a:t>
             </a:fld>
-            <a:endParaRPr lang="en-US"/>
+            <a:endParaRPr lang="en-AM"/>
           </a:p>
         </p:txBody>
       </p:sp>
@@ -844,7 +908,7 @@
           <a:bodyPr/>
           <a:lstStyle/>
           <a:p>
-            <a:endParaRPr lang="en-US"/>
+            <a:endParaRPr lang="en-AM"/>
           </a:p>
         </p:txBody>
       </p:sp>
@@ -863,18 +927,49 @@
           <a:bodyPr/>
           <a:lstStyle/>
           <a:p>
-            <a:fld id="{C1FF6DA9-008F-8B48-92A6-B652298478BF}" type="slidenum">
-              <a:rPr lang="en-US" smtClean="0"/>
+            <a:fld id="{80B75221-7FF7-5846-8D81-216EBB3FA69A}" type="slidenum">
+              <a:rPr lang="en-AM" smtClean="0"/>
               <a:t>‹#›</a:t>
             </a:fld>
-            <a:endParaRPr lang="en-US"/>
-          </a:p>
-        </p:txBody>
-      </p:sp>
+            <a:endParaRPr lang="en-AM"/>
+          </a:p>
+        </p:txBody>
+      </p:sp>
+      <p:cxnSp>
+        <p:nvCxnSpPr>
+          <p:cNvPr id="33" name="Straight Connector 32"/>
+          <p:cNvCxnSpPr/>
+          <p:nvPr/>
+        </p:nvCxnSpPr>
+        <p:spPr>
+          <a:xfrm>
+            <a:off x="1453896" y="1847088"/>
+            <a:ext cx="9607522" cy="0"/>
+          </a:xfrm>
+          <a:prstGeom prst="line">
+            <a:avLst/>
+          </a:prstGeom>
+          <a:ln w="31750"/>
+        </p:spPr>
+        <p:style>
+          <a:lnRef idx="3">
+            <a:schemeClr val="accent1"/>
+          </a:lnRef>
+          <a:fillRef idx="0">
+            <a:schemeClr val="accent1"/>
+          </a:fillRef>
+          <a:effectRef idx="2">
+            <a:schemeClr val="accent1"/>
+          </a:effectRef>
+          <a:fontRef idx="minor">
+            <a:schemeClr val="tx1"/>
+          </a:fontRef>
+        </p:style>
+      </p:cxnSp>
     </p:spTree>
     <p:extLst>
       <p:ext uri="{BB962C8B-B14F-4D97-AF65-F5344CB8AC3E}">
-        <p14:creationId xmlns:p14="http://schemas.microsoft.com/office/powerpoint/2010/main" val="2614314258"/>
+        <p14:creationId xmlns:p14="http://schemas.microsoft.com/office/powerpoint/2010/main" val="862244763"/>
       </p:ext>
     </p:extLst>
   </p:cSld>
@@ -913,23 +1008,25 @@
         </p:nvSpPr>
         <p:spPr>
           <a:xfrm>
-            <a:off x="722313" y="4406900"/>
-            <a:ext cx="7772400" cy="1362075"/>
+            <a:off x="1454239" y="1756130"/>
+            <a:ext cx="8643154" cy="1887950"/>
           </a:xfrm>
         </p:spPr>
         <p:txBody>
-          <a:bodyPr anchor="t"/>
+          <a:bodyPr anchor="b">
+            <a:normAutofit/>
+          </a:bodyPr>
           <a:lstStyle>
             <a:lvl1pPr algn="l">
-              <a:defRPr sz="4000" b="1" cap="all"/>
+              <a:defRPr sz="3600"/>
             </a:lvl1pPr>
           </a:lstStyle>
           <a:p>
             <a:r>
-              <a:rPr lang="en-US" smtClean="0"/>
+              <a:rPr lang="en-US"/>
               <a:t>Click to edit Master title style</a:t>
             </a:r>
-            <a:endParaRPr lang="en-US"/>
+            <a:endParaRPr lang="en-US" dirty="0"/>
           </a:p>
         </p:txBody>
       </p:sp>
@@ -945,20 +1042,20 @@
         </p:nvSpPr>
         <p:spPr>
           <a:xfrm>
-            <a:off x="722313" y="2906713"/>
-            <a:ext cx="7772400" cy="1500187"/>
+            <a:off x="1454239" y="3806195"/>
+            <a:ext cx="8630446" cy="1012929"/>
           </a:xfrm>
         </p:spPr>
         <p:txBody>
-          <a:bodyPr anchor="b"/>
+          <a:bodyPr tIns="91440">
+            <a:normAutofit/>
+          </a:bodyPr>
           <a:lstStyle>
-            <a:lvl1pPr marL="0" indent="0">
-              <a:buNone/>
-              <a:defRPr sz="2000">
+            <a:lvl1pPr marL="0" indent="0" algn="l">
+              <a:buNone/>
+              <a:defRPr sz="1800">
                 <a:solidFill>
-                  <a:schemeClr val="tx1">
-                    <a:tint val="75000"/>
-                  </a:schemeClr>
+                  <a:schemeClr val="tx1"/>
                 </a:solidFill>
               </a:defRPr>
             </a:lvl1pPr>
@@ -974,7 +1071,7 @@
             </a:lvl2pPr>
             <a:lvl3pPr marL="914400" indent="0">
               <a:buNone/>
-              <a:defRPr sz="1600">
+              <a:defRPr sz="1800">
                 <a:solidFill>
                   <a:schemeClr val="tx1">
                     <a:tint val="75000"/>
@@ -984,7 +1081,7 @@
             </a:lvl3pPr>
             <a:lvl4pPr marL="1371600" indent="0">
               <a:buNone/>
-              <a:defRPr sz="1400">
+              <a:defRPr sz="1600">
                 <a:solidFill>
                   <a:schemeClr val="tx1">
                     <a:tint val="75000"/>
@@ -994,7 +1091,7 @@
             </a:lvl4pPr>
             <a:lvl5pPr marL="1828800" indent="0">
               <a:buNone/>
-              <a:defRPr sz="1400">
+              <a:defRPr sz="1600">
                 <a:solidFill>
                   <a:schemeClr val="tx1">
                     <a:tint val="75000"/>
@@ -1004,7 +1101,7 @@
             </a:lvl5pPr>
             <a:lvl6pPr marL="2286000" indent="0">
               <a:buNone/>
-              <a:defRPr sz="1400">
+              <a:defRPr sz="1600">
                 <a:solidFill>
                   <a:schemeClr val="tx1">
                     <a:tint val="75000"/>
@@ -1014,7 +1111,7 @@
             </a:lvl6pPr>
             <a:lvl7pPr marL="2743200" indent="0">
               <a:buNone/>
-              <a:defRPr sz="1400">
+              <a:defRPr sz="1600">
                 <a:solidFill>
                   <a:schemeClr val="tx1">
                     <a:tint val="75000"/>
@@ -1024,7 +1121,7 @@
             </a:lvl7pPr>
             <a:lvl8pPr marL="3200400" indent="0">
               <a:buNone/>
-              <a:defRPr sz="1400">
+              <a:defRPr sz="1600">
                 <a:solidFill>
                   <a:schemeClr val="tx1">
                     <a:tint val="75000"/>
@@ -1034,7 +1131,7 @@
             </a:lvl8pPr>
             <a:lvl9pPr marL="3657600" indent="0">
               <a:buNone/>
-              <a:defRPr sz="1400">
+              <a:defRPr sz="1600">
                 <a:solidFill>
                   <a:schemeClr val="tx1">
                     <a:tint val="75000"/>
@@ -1046,7 +1143,7 @@
           <a:p>
             <a:pPr lvl="0"/>
             <a:r>
-              <a:rPr lang="en-US" smtClean="0"/>
+              <a:rPr lang="en-US"/>
               <a:t>Click to edit Master text styles</a:t>
             </a:r>
           </a:p>
@@ -1067,11 +1164,11 @@
           <a:bodyPr/>
           <a:lstStyle/>
           <a:p>
-            <a:fld id="{5BCAD085-E8A6-8845-BD4E-CB4CCA059FC4}" type="datetimeFigureOut">
-              <a:rPr lang="en-US" smtClean="0"/>
-              <a:t>1/27/13</a:t>
+            <a:fld id="{A98F60FD-DC1C-204F-8C1F-00DE41EB5C58}" type="datetimeFigureOut">
+              <a:rPr lang="en-AM" smtClean="0"/>
+              <a:t>19.03.24</a:t>
             </a:fld>
-            <a:endParaRPr lang="en-US"/>
+            <a:endParaRPr lang="en-AM"/>
           </a:p>
         </p:txBody>
       </p:sp>
@@ -1090,7 +1187,7 @@
           <a:bodyPr/>
           <a:lstStyle/>
           <a:p>
-            <a:endParaRPr lang="en-US"/>
+            <a:endParaRPr lang="en-AM"/>
           </a:p>
         </p:txBody>
       </p:sp>
@@ -1109,18 +1206,49 @@
           <a:bodyPr/>
           <a:lstStyle/>
           <a:p>
-            <a:fld id="{C1FF6DA9-008F-8B48-92A6-B652298478BF}" type="slidenum">
-              <a:rPr lang="en-US" smtClean="0"/>
+            <a:fld id="{80B75221-7FF7-5846-8D81-216EBB3FA69A}" type="slidenum">
+              <a:rPr lang="en-AM" smtClean="0"/>
               <a:t>‹#›</a:t>
             </a:fld>
-            <a:endParaRPr lang="en-US"/>
-          </a:p>
-        </p:txBody>
-      </p:sp>
+            <a:endParaRPr lang="en-AM"/>
+          </a:p>
+        </p:txBody>
+      </p:sp>
+      <p:cxnSp>
+        <p:nvCxnSpPr>
+          <p:cNvPr id="15" name="Straight Connector 14"/>
+          <p:cNvCxnSpPr/>
+          <p:nvPr/>
+        </p:nvCxnSpPr>
+        <p:spPr>
+          <a:xfrm>
+            <a:off x="1454239" y="3804985"/>
+            <a:ext cx="8630446" cy="0"/>
+          </a:xfrm>
+          <a:prstGeom prst="line">
+            <a:avLst/>
+          </a:prstGeom>
+          <a:ln w="31750"/>
+        </p:spPr>
+        <p:style>
+          <a:lnRef idx="3">
+            <a:schemeClr val="accent1"/>
+          </a:lnRef>
+          <a:fillRef idx="0">
+            <a:schemeClr val="accent1"/>
+          </a:fillRef>
+          <a:effectRef idx="2">
+            <a:schemeClr val="accent1"/>
+          </a:effectRef>
+          <a:fontRef idx="minor">
+            <a:schemeClr val="tx1"/>
+          </a:fontRef>
+        </p:style>
+      </p:cxnSp>
     </p:spTree>
     <p:extLst>
       <p:ext uri="{BB962C8B-B14F-4D97-AF65-F5344CB8AC3E}">
-        <p14:creationId xmlns:p14="http://schemas.microsoft.com/office/powerpoint/2010/main" val="960648375"/>
+        <p14:creationId xmlns:p14="http://schemas.microsoft.com/office/powerpoint/2010/main" val="1801554767"/>
       </p:ext>
     </p:extLst>
   </p:cSld>
@@ -1157,186 +1285,135 @@
             <p:ph type="title"/>
           </p:nvPr>
         </p:nvSpPr>
-        <p:spPr/>
-        <p:txBody>
-          <a:bodyPr/>
-          <a:lstStyle/>
-          <a:p>
-            <a:r>
-              <a:rPr lang="en-US" smtClean="0"/>
-              <a:t>Click to edit Master title style</a:t>
-            </a:r>
-            <a:endParaRPr lang="en-US"/>
-          </a:p>
-        </p:txBody>
-      </p:sp>
-      <p:sp>
-        <p:nvSpPr>
-          <p:cNvPr id="3" name="Content Placeholder 2"/>
-          <p:cNvSpPr>
-            <a:spLocks noGrp="1"/>
-          </p:cNvSpPr>
-          <p:nvPr>
-            <p:ph sz="half" idx="1"/>
-          </p:nvPr>
-        </p:nvSpPr>
         <p:spPr>
           <a:xfrm>
-            <a:off x="457200" y="1600200"/>
-            <a:ext cx="4038600" cy="4525963"/>
+            <a:off x="1449217" y="804889"/>
+            <a:ext cx="9605635" cy="1059305"/>
           </a:xfrm>
         </p:spPr>
         <p:txBody>
           <a:bodyPr/>
-          <a:lstStyle>
-            <a:lvl1pPr>
-              <a:defRPr sz="2800"/>
-            </a:lvl1pPr>
-            <a:lvl2pPr>
-              <a:defRPr sz="2400"/>
-            </a:lvl2pPr>
-            <a:lvl3pPr>
-              <a:defRPr sz="2000"/>
-            </a:lvl3pPr>
-            <a:lvl4pPr>
-              <a:defRPr sz="1800"/>
-            </a:lvl4pPr>
-            <a:lvl5pPr>
-              <a:defRPr sz="1800"/>
-            </a:lvl5pPr>
-            <a:lvl6pPr>
-              <a:defRPr sz="1800"/>
-            </a:lvl6pPr>
-            <a:lvl7pPr>
-              <a:defRPr sz="1800"/>
-            </a:lvl7pPr>
-            <a:lvl8pPr>
-              <a:defRPr sz="1800"/>
-            </a:lvl8pPr>
-            <a:lvl9pPr>
-              <a:defRPr sz="1800"/>
-            </a:lvl9pPr>
-          </a:lstStyle>
-          <a:p>
-            <a:pPr lvl="0"/>
-            <a:r>
-              <a:rPr lang="en-US" smtClean="0"/>
-              <a:t>Click to edit Master text styles</a:t>
-            </a:r>
-          </a:p>
-          <a:p>
-            <a:pPr lvl="1"/>
-            <a:r>
-              <a:rPr lang="en-US" smtClean="0"/>
-              <a:t>Second level</a:t>
-            </a:r>
-          </a:p>
-          <a:p>
-            <a:pPr lvl="2"/>
-            <a:r>
-              <a:rPr lang="en-US" smtClean="0"/>
-              <a:t>Third level</a:t>
-            </a:r>
-          </a:p>
-          <a:p>
-            <a:pPr lvl="3"/>
-            <a:r>
-              <a:rPr lang="en-US" smtClean="0"/>
-              <a:t>Fourth level</a:t>
-            </a:r>
-          </a:p>
-          <a:p>
-            <a:pPr lvl="4"/>
-            <a:r>
-              <a:rPr lang="en-US" smtClean="0"/>
-              <a:t>Fifth level</a:t>
-            </a:r>
-            <a:endParaRPr lang="en-US"/>
-          </a:p>
-        </p:txBody>
-      </p:sp>
-      <p:sp>
-        <p:nvSpPr>
-          <p:cNvPr id="4" name="Content Placeholder 3"/>
-          <p:cNvSpPr>
-            <a:spLocks noGrp="1"/>
-          </p:cNvSpPr>
-          <p:nvPr>
-            <p:ph sz="half" idx="2"/>
+          <a:lstStyle/>
+          <a:p>
+            <a:r>
+              <a:rPr lang="en-US"/>
+              <a:t>Click to edit Master title style</a:t>
+            </a:r>
+            <a:endParaRPr lang="en-US" dirty="0"/>
+          </a:p>
+        </p:txBody>
+      </p:sp>
+      <p:sp>
+        <p:nvSpPr>
+          <p:cNvPr id="3" name="Content Placeholder 2"/>
+          <p:cNvSpPr>
+            <a:spLocks noGrp="1"/>
+          </p:cNvSpPr>
+          <p:nvPr>
+            <p:ph sz="half" idx="1"/>
           </p:nvPr>
         </p:nvSpPr>
         <p:spPr>
           <a:xfrm>
-            <a:off x="4648200" y="1600200"/>
-            <a:ext cx="4038600" cy="4525963"/>
+            <a:off x="1447331" y="2010878"/>
+            <a:ext cx="4645152" cy="3448595"/>
           </a:xfrm>
         </p:spPr>
         <p:txBody>
           <a:bodyPr/>
-          <a:lstStyle>
-            <a:lvl1pPr>
-              <a:defRPr sz="2800"/>
-            </a:lvl1pPr>
-            <a:lvl2pPr>
-              <a:defRPr sz="2400"/>
-            </a:lvl2pPr>
-            <a:lvl3pPr>
-              <a:defRPr sz="2000"/>
-            </a:lvl3pPr>
-            <a:lvl4pPr>
-              <a:defRPr sz="1800"/>
-            </a:lvl4pPr>
-            <a:lvl5pPr>
-              <a:defRPr sz="1800"/>
-            </a:lvl5pPr>
-            <a:lvl6pPr>
-              <a:defRPr sz="1800"/>
-            </a:lvl6pPr>
-            <a:lvl7pPr>
-              <a:defRPr sz="1800"/>
-            </a:lvl7pPr>
-            <a:lvl8pPr>
-              <a:defRPr sz="1800"/>
-            </a:lvl8pPr>
-            <a:lvl9pPr>
-              <a:defRPr sz="1800"/>
-            </a:lvl9pPr>
-          </a:lstStyle>
+          <a:lstStyle/>
           <a:p>
             <a:pPr lvl="0"/>
             <a:r>
-              <a:rPr lang="en-US" smtClean="0"/>
+              <a:rPr lang="en-US"/>
               <a:t>Click to edit Master text styles</a:t>
             </a:r>
           </a:p>
           <a:p>
             <a:pPr lvl="1"/>
             <a:r>
-              <a:rPr lang="en-US" smtClean="0"/>
+              <a:rPr lang="en-US"/>
               <a:t>Second level</a:t>
             </a:r>
           </a:p>
           <a:p>
             <a:pPr lvl="2"/>
             <a:r>
-              <a:rPr lang="en-US" smtClean="0"/>
+              <a:rPr lang="en-US"/>
               <a:t>Third level</a:t>
             </a:r>
           </a:p>
           <a:p>
             <a:pPr lvl="3"/>
             <a:r>
-              <a:rPr lang="en-US" smtClean="0"/>
+              <a:rPr lang="en-US"/>
               <a:t>Fourth level</a:t>
             </a:r>
           </a:p>
           <a:p>
             <a:pPr lvl="4"/>
             <a:r>
-              <a:rPr lang="en-US" smtClean="0"/>
+              <a:rPr lang="en-US"/>
               <a:t>Fifth level</a:t>
             </a:r>
-            <a:endParaRPr lang="en-US"/>
+            <a:endParaRPr lang="en-US" dirty="0"/>
+          </a:p>
+        </p:txBody>
+      </p:sp>
+      <p:sp>
+        <p:nvSpPr>
+          <p:cNvPr id="4" name="Content Placeholder 3"/>
+          <p:cNvSpPr>
+            <a:spLocks noGrp="1"/>
+          </p:cNvSpPr>
+          <p:nvPr>
+            <p:ph sz="half" idx="2"/>
+          </p:nvPr>
+        </p:nvSpPr>
+        <p:spPr>
+          <a:xfrm>
+            <a:off x="6413771" y="2017343"/>
+            <a:ext cx="4645152" cy="3441520"/>
+          </a:xfrm>
+        </p:spPr>
+        <p:txBody>
+          <a:bodyPr/>
+          <a:lstStyle/>
+          <a:p>
+            <a:pPr lvl="0"/>
+            <a:r>
+              <a:rPr lang="en-US"/>
+              <a:t>Click to edit Master text styles</a:t>
+            </a:r>
+          </a:p>
+          <a:p>
+            <a:pPr lvl="1"/>
+            <a:r>
+              <a:rPr lang="en-US"/>
+              <a:t>Second level</a:t>
+            </a:r>
+          </a:p>
+          <a:p>
+            <a:pPr lvl="2"/>
+            <a:r>
+              <a:rPr lang="en-US"/>
+              <a:t>Third level</a:t>
+            </a:r>
+          </a:p>
+          <a:p>
+            <a:pPr lvl="3"/>
+            <a:r>
+              <a:rPr lang="en-US"/>
+              <a:t>Fourth level</a:t>
+            </a:r>
+          </a:p>
+          <a:p>
+            <a:pPr lvl="4"/>
+            <a:r>
+              <a:rPr lang="en-US"/>
+              <a:t>Fifth level</a:t>
+            </a:r>
+            <a:endParaRPr lang="en-US" dirty="0"/>
           </a:p>
         </p:txBody>
       </p:sp>
@@ -1355,11 +1432,11 @@
           <a:bodyPr/>
           <a:lstStyle/>
           <a:p>
-            <a:fld id="{5BCAD085-E8A6-8845-BD4E-CB4CCA059FC4}" type="datetimeFigureOut">
-              <a:rPr lang="en-US" smtClean="0"/>
-              <a:t>1/27/13</a:t>
+            <a:fld id="{A98F60FD-DC1C-204F-8C1F-00DE41EB5C58}" type="datetimeFigureOut">
+              <a:rPr lang="en-AM" smtClean="0"/>
+              <a:t>19.03.24</a:t>
             </a:fld>
-            <a:endParaRPr lang="en-US"/>
+            <a:endParaRPr lang="en-AM"/>
           </a:p>
         </p:txBody>
       </p:sp>
@@ -1378,7 +1455,7 @@
           <a:bodyPr/>
           <a:lstStyle/>
           <a:p>
-            <a:endParaRPr lang="en-US"/>
+            <a:endParaRPr lang="en-AM"/>
           </a:p>
         </p:txBody>
       </p:sp>
@@ -1397,18 +1474,49 @@
           <a:bodyPr/>
           <a:lstStyle/>
           <a:p>
-            <a:fld id="{C1FF6DA9-008F-8B48-92A6-B652298478BF}" type="slidenum">
-              <a:rPr lang="en-US" smtClean="0"/>
+            <a:fld id="{80B75221-7FF7-5846-8D81-216EBB3FA69A}" type="slidenum">
+              <a:rPr lang="en-AM" smtClean="0"/>
               <a:t>‹#›</a:t>
             </a:fld>
-            <a:endParaRPr lang="en-US"/>
-          </a:p>
-        </p:txBody>
-      </p:sp>
+            <a:endParaRPr lang="en-AM"/>
+          </a:p>
+        </p:txBody>
+      </p:sp>
+      <p:cxnSp>
+        <p:nvCxnSpPr>
+          <p:cNvPr id="35" name="Straight Connector 34"/>
+          <p:cNvCxnSpPr/>
+          <p:nvPr/>
+        </p:nvCxnSpPr>
+        <p:spPr>
+          <a:xfrm>
+            <a:off x="1453896" y="1847088"/>
+            <a:ext cx="9607522" cy="0"/>
+          </a:xfrm>
+          <a:prstGeom prst="line">
+            <a:avLst/>
+          </a:prstGeom>
+          <a:ln w="31750"/>
+        </p:spPr>
+        <p:style>
+          <a:lnRef idx="3">
+            <a:schemeClr val="accent1"/>
+          </a:lnRef>
+          <a:fillRef idx="0">
+            <a:schemeClr val="accent1"/>
+          </a:fillRef>
+          <a:effectRef idx="2">
+            <a:schemeClr val="accent1"/>
+          </a:effectRef>
+          <a:fontRef idx="minor">
+            <a:schemeClr val="tx1"/>
+          </a:fontRef>
+        </p:style>
+      </p:cxnSp>
     </p:spTree>
     <p:extLst>
       <p:ext uri="{BB962C8B-B14F-4D97-AF65-F5344CB8AC3E}">
-        <p14:creationId xmlns:p14="http://schemas.microsoft.com/office/powerpoint/2010/main" val="2782244947"/>
+        <p14:creationId xmlns:p14="http://schemas.microsoft.com/office/powerpoint/2010/main" val="2549366655"/>
       </p:ext>
     </p:extLst>
   </p:cSld>
@@ -1445,45 +1553,55 @@
             <p:ph type="title"/>
           </p:nvPr>
         </p:nvSpPr>
-        <p:spPr/>
-        <p:txBody>
-          <a:bodyPr/>
-          <a:lstStyle>
-            <a:lvl1pPr>
-              <a:defRPr/>
-            </a:lvl1pPr>
-          </a:lstStyle>
-          <a:p>
-            <a:r>
-              <a:rPr lang="en-US" smtClean="0"/>
-              <a:t>Click to edit Master title style</a:t>
-            </a:r>
-            <a:endParaRPr lang="en-US"/>
-          </a:p>
-        </p:txBody>
-      </p:sp>
-      <p:sp>
-        <p:nvSpPr>
-          <p:cNvPr id="3" name="Text Placeholder 2"/>
-          <p:cNvSpPr>
-            <a:spLocks noGrp="1"/>
-          </p:cNvSpPr>
-          <p:nvPr>
-            <p:ph type="body" idx="1"/>
-          </p:nvPr>
-        </p:nvSpPr>
         <p:spPr>
           <a:xfrm>
-            <a:off x="457200" y="1535113"/>
-            <a:ext cx="4040188" cy="639762"/>
+            <a:off x="1447191" y="804163"/>
+            <a:ext cx="9607661" cy="1056319"/>
           </a:xfrm>
         </p:spPr>
         <p:txBody>
-          <a:bodyPr anchor="b"/>
+          <a:bodyPr/>
+          <a:lstStyle/>
+          <a:p>
+            <a:r>
+              <a:rPr lang="en-US"/>
+              <a:t>Click to edit Master title style</a:t>
+            </a:r>
+            <a:endParaRPr lang="en-US" dirty="0"/>
+          </a:p>
+        </p:txBody>
+      </p:sp>
+      <p:sp>
+        <p:nvSpPr>
+          <p:cNvPr id="3" name="Text Placeholder 2"/>
+          <p:cNvSpPr>
+            <a:spLocks noGrp="1"/>
+          </p:cNvSpPr>
+          <p:nvPr>
+            <p:ph type="body" idx="1"/>
+          </p:nvPr>
+        </p:nvSpPr>
+        <p:spPr>
+          <a:xfrm>
+            <a:off x="1447191" y="2019549"/>
+            <a:ext cx="4645152" cy="801943"/>
+          </a:xfrm>
+        </p:spPr>
+        <p:txBody>
+          <a:bodyPr anchor="b">
+            <a:normAutofit/>
+          </a:bodyPr>
           <a:lstStyle>
             <a:lvl1pPr marL="0" indent="0">
-              <a:buNone/>
-              <a:defRPr sz="2400" b="1"/>
+              <a:lnSpc>
+                <a:spcPct val="100000"/>
+              </a:lnSpc>
+              <a:buNone/>
+              <a:defRPr sz="2200" b="0" cap="all" baseline="0">
+                <a:solidFill>
+                  <a:schemeClr val="accent1"/>
+                </a:solidFill>
+              </a:defRPr>
             </a:lvl1pPr>
             <a:lvl2pPr marL="457200" indent="0">
               <a:buNone/>
@@ -1521,7 +1639,7 @@
           <a:p>
             <a:pPr lvl="0"/>
             <a:r>
-              <a:rPr lang="en-US" smtClean="0"/>
+              <a:rPr lang="en-US"/>
               <a:t>Click to edit Master text styles</a:t>
             </a:r>
           </a:p>
@@ -1539,76 +1657,48 @@
         </p:nvSpPr>
         <p:spPr>
           <a:xfrm>
-            <a:off x="457200" y="2174875"/>
-            <a:ext cx="4040188" cy="3951288"/>
+            <a:off x="1447191" y="2824269"/>
+            <a:ext cx="4645152" cy="2644457"/>
           </a:xfrm>
         </p:spPr>
         <p:txBody>
           <a:bodyPr/>
-          <a:lstStyle>
-            <a:lvl1pPr>
-              <a:defRPr sz="2400"/>
-            </a:lvl1pPr>
-            <a:lvl2pPr>
-              <a:defRPr sz="2000"/>
-            </a:lvl2pPr>
-            <a:lvl3pPr>
-              <a:defRPr sz="1800"/>
-            </a:lvl3pPr>
-            <a:lvl4pPr>
-              <a:defRPr sz="1600"/>
-            </a:lvl4pPr>
-            <a:lvl5pPr>
-              <a:defRPr sz="1600"/>
-            </a:lvl5pPr>
-            <a:lvl6pPr>
-              <a:defRPr sz="1600"/>
-            </a:lvl6pPr>
-            <a:lvl7pPr>
-              <a:defRPr sz="1600"/>
-            </a:lvl7pPr>
-            <a:lvl8pPr>
-              <a:defRPr sz="1600"/>
-            </a:lvl8pPr>
-            <a:lvl9pPr>
-              <a:defRPr sz="1600"/>
-            </a:lvl9pPr>
-          </a:lstStyle>
+          <a:lstStyle/>
           <a:p>
             <a:pPr lvl="0"/>
             <a:r>
-              <a:rPr lang="en-US" smtClean="0"/>
+              <a:rPr lang="en-US"/>
               <a:t>Click to edit Master text styles</a:t>
             </a:r>
           </a:p>
           <a:p>
             <a:pPr lvl="1"/>
             <a:r>
-              <a:rPr lang="en-US" smtClean="0"/>
+              <a:rPr lang="en-US"/>
               <a:t>Second level</a:t>
             </a:r>
           </a:p>
           <a:p>
             <a:pPr lvl="2"/>
             <a:r>
-              <a:rPr lang="en-US" smtClean="0"/>
+              <a:rPr lang="en-US"/>
               <a:t>Third level</a:t>
             </a:r>
           </a:p>
           <a:p>
             <a:pPr lvl="3"/>
             <a:r>
-              <a:rPr lang="en-US" smtClean="0"/>
+              <a:rPr lang="en-US"/>
               <a:t>Fourth level</a:t>
             </a:r>
           </a:p>
           <a:p>
             <a:pPr lvl="4"/>
             <a:r>
-              <a:rPr lang="en-US" smtClean="0"/>
+              <a:rPr lang="en-US"/>
               <a:t>Fifth level</a:t>
             </a:r>
-            <a:endParaRPr lang="en-US"/>
+            <a:endParaRPr lang="en-US" dirty="0"/>
           </a:p>
         </p:txBody>
       </p:sp>
@@ -1624,16 +1714,25 @@
         </p:nvSpPr>
         <p:spPr>
           <a:xfrm>
-            <a:off x="4645025" y="1535113"/>
-            <a:ext cx="4041775" cy="639762"/>
+            <a:off x="6412362" y="2023003"/>
+            <a:ext cx="4645152" cy="802237"/>
           </a:xfrm>
         </p:spPr>
         <p:txBody>
-          <a:bodyPr anchor="b"/>
+          <a:bodyPr anchor="b">
+            <a:normAutofit/>
+          </a:bodyPr>
           <a:lstStyle>
             <a:lvl1pPr marL="0" indent="0">
-              <a:buNone/>
-              <a:defRPr sz="2400" b="1"/>
+              <a:lnSpc>
+                <a:spcPct val="100000"/>
+              </a:lnSpc>
+              <a:buNone/>
+              <a:defRPr sz="2200" b="0" cap="all" baseline="0">
+                <a:solidFill>
+                  <a:schemeClr val="accent1"/>
+                </a:solidFill>
+              </a:defRPr>
             </a:lvl1pPr>
             <a:lvl2pPr marL="457200" indent="0">
               <a:buNone/>
@@ -1671,7 +1770,7 @@
           <a:p>
             <a:pPr lvl="0"/>
             <a:r>
-              <a:rPr lang="en-US" smtClean="0"/>
+              <a:rPr lang="en-US"/>
               <a:t>Click to edit Master text styles</a:t>
             </a:r>
           </a:p>
@@ -1689,76 +1788,48 @@
         </p:nvSpPr>
         <p:spPr>
           <a:xfrm>
-            <a:off x="4645025" y="2174875"/>
-            <a:ext cx="4041775" cy="3951288"/>
+            <a:off x="6412362" y="2821491"/>
+            <a:ext cx="4645152" cy="2637371"/>
           </a:xfrm>
         </p:spPr>
         <p:txBody>
           <a:bodyPr/>
-          <a:lstStyle>
-            <a:lvl1pPr>
-              <a:defRPr sz="2400"/>
-            </a:lvl1pPr>
-            <a:lvl2pPr>
-              <a:defRPr sz="2000"/>
-            </a:lvl2pPr>
-            <a:lvl3pPr>
-              <a:defRPr sz="1800"/>
-            </a:lvl3pPr>
-            <a:lvl4pPr>
-              <a:defRPr sz="1600"/>
-            </a:lvl4pPr>
-            <a:lvl5pPr>
-              <a:defRPr sz="1600"/>
-            </a:lvl5pPr>
-            <a:lvl6pPr>
-              <a:defRPr sz="1600"/>
-            </a:lvl6pPr>
-            <a:lvl7pPr>
-              <a:defRPr sz="1600"/>
-            </a:lvl7pPr>
-            <a:lvl8pPr>
-              <a:defRPr sz="1600"/>
-            </a:lvl8pPr>
-            <a:lvl9pPr>
-              <a:defRPr sz="1600"/>
-            </a:lvl9pPr>
-          </a:lstStyle>
+          <a:lstStyle/>
           <a:p>
             <a:pPr lvl="0"/>
             <a:r>
-              <a:rPr lang="en-US" smtClean="0"/>
+              <a:rPr lang="en-US"/>
               <a:t>Click to edit Master text styles</a:t>
             </a:r>
           </a:p>
           <a:p>
             <a:pPr lvl="1"/>
             <a:r>
-              <a:rPr lang="en-US" smtClean="0"/>
+              <a:rPr lang="en-US"/>
               <a:t>Second level</a:t>
             </a:r>
           </a:p>
           <a:p>
             <a:pPr lvl="2"/>
             <a:r>
-              <a:rPr lang="en-US" smtClean="0"/>
+              <a:rPr lang="en-US"/>
               <a:t>Third level</a:t>
             </a:r>
           </a:p>
           <a:p>
             <a:pPr lvl="3"/>
             <a:r>
-              <a:rPr lang="en-US" smtClean="0"/>
+              <a:rPr lang="en-US"/>
               <a:t>Fourth level</a:t>
             </a:r>
           </a:p>
           <a:p>
             <a:pPr lvl="4"/>
             <a:r>
-              <a:rPr lang="en-US" smtClean="0"/>
+              <a:rPr lang="en-US"/>
               <a:t>Fifth level</a:t>
             </a:r>
-            <a:endParaRPr lang="en-US"/>
+            <a:endParaRPr lang="en-US" dirty="0"/>
           </a:p>
         </p:txBody>
       </p:sp>
@@ -1777,11 +1848,11 @@
           <a:bodyPr/>
           <a:lstStyle/>
           <a:p>
-            <a:fld id="{5BCAD085-E8A6-8845-BD4E-CB4CCA059FC4}" type="datetimeFigureOut">
-              <a:rPr lang="en-US" smtClean="0"/>
-              <a:t>1/27/13</a:t>
+            <a:fld id="{A98F60FD-DC1C-204F-8C1F-00DE41EB5C58}" type="datetimeFigureOut">
+              <a:rPr lang="en-AM" smtClean="0"/>
+              <a:t>19.03.24</a:t>
             </a:fld>
-            <a:endParaRPr lang="en-US"/>
+            <a:endParaRPr lang="en-AM"/>
           </a:p>
         </p:txBody>
       </p:sp>
@@ -1800,7 +1871,7 @@
           <a:bodyPr/>
           <a:lstStyle/>
           <a:p>
-            <a:endParaRPr lang="en-US"/>
+            <a:endParaRPr lang="en-AM"/>
           </a:p>
         </p:txBody>
       </p:sp>
@@ -1819,18 +1890,49 @@
           <a:bodyPr/>
           <a:lstStyle/>
           <a:p>
-            <a:fld id="{C1FF6DA9-008F-8B48-92A6-B652298478BF}" type="slidenum">
-              <a:rPr lang="en-US" smtClean="0"/>
+            <a:fld id="{80B75221-7FF7-5846-8D81-216EBB3FA69A}" type="slidenum">
+              <a:rPr lang="en-AM" smtClean="0"/>
               <a:t>‹#›</a:t>
             </a:fld>
-            <a:endParaRPr lang="en-US"/>
-          </a:p>
-        </p:txBody>
-      </p:sp>
+            <a:endParaRPr lang="en-AM"/>
+          </a:p>
+        </p:txBody>
+      </p:sp>
+      <p:cxnSp>
+        <p:nvCxnSpPr>
+          <p:cNvPr id="29" name="Straight Connector 28"/>
+          <p:cNvCxnSpPr/>
+          <p:nvPr/>
+        </p:nvCxnSpPr>
+        <p:spPr>
+          <a:xfrm>
+            <a:off x="1453896" y="1847088"/>
+            <a:ext cx="9607522" cy="0"/>
+          </a:xfrm>
+          <a:prstGeom prst="line">
+            <a:avLst/>
+          </a:prstGeom>
+          <a:ln w="31750"/>
+        </p:spPr>
+        <p:style>
+          <a:lnRef idx="3">
+            <a:schemeClr val="accent1"/>
+          </a:lnRef>
+          <a:fillRef idx="0">
+            <a:schemeClr val="accent1"/>
+          </a:fillRef>
+          <a:effectRef idx="2">
+            <a:schemeClr val="accent1"/>
+          </a:effectRef>
+          <a:fontRef idx="minor">
+            <a:schemeClr val="tx1"/>
+          </a:fontRef>
+        </p:style>
+      </p:cxnSp>
     </p:spTree>
     <p:extLst>
       <p:ext uri="{BB962C8B-B14F-4D97-AF65-F5344CB8AC3E}">
-        <p14:creationId xmlns:p14="http://schemas.microsoft.com/office/powerpoint/2010/main" val="990158736"/>
+        <p14:creationId xmlns:p14="http://schemas.microsoft.com/office/powerpoint/2010/main" val="2937218754"/>
       </p:ext>
     </p:extLst>
   </p:cSld>
@@ -1873,10 +1975,10 @@
           <a:lstStyle/>
           <a:p>
             <a:r>
-              <a:rPr lang="en-US" smtClean="0"/>
+              <a:rPr lang="en-US"/>
               <a:t>Click to edit Master title style</a:t>
             </a:r>
-            <a:endParaRPr lang="en-US"/>
+            <a:endParaRPr lang="en-US" dirty="0"/>
           </a:p>
         </p:txBody>
       </p:sp>
@@ -1895,11 +1997,11 @@
           <a:bodyPr/>
           <a:lstStyle/>
           <a:p>
-            <a:fld id="{5BCAD085-E8A6-8845-BD4E-CB4CCA059FC4}" type="datetimeFigureOut">
-              <a:rPr lang="en-US" smtClean="0"/>
-              <a:t>1/27/13</a:t>
+            <a:fld id="{A98F60FD-DC1C-204F-8C1F-00DE41EB5C58}" type="datetimeFigureOut">
+              <a:rPr lang="en-AM" smtClean="0"/>
+              <a:t>19.03.24</a:t>
             </a:fld>
-            <a:endParaRPr lang="en-US"/>
+            <a:endParaRPr lang="en-AM"/>
           </a:p>
         </p:txBody>
       </p:sp>
@@ -1918,7 +2020,7 @@
           <a:bodyPr/>
           <a:lstStyle/>
           <a:p>
-            <a:endParaRPr lang="en-US"/>
+            <a:endParaRPr lang="en-AM"/>
           </a:p>
         </p:txBody>
       </p:sp>
@@ -1937,18 +2039,49 @@
           <a:bodyPr/>
           <a:lstStyle/>
           <a:p>
-            <a:fld id="{C1FF6DA9-008F-8B48-92A6-B652298478BF}" type="slidenum">
-              <a:rPr lang="en-US" smtClean="0"/>
+            <a:fld id="{80B75221-7FF7-5846-8D81-216EBB3FA69A}" type="slidenum">
+              <a:rPr lang="en-AM" smtClean="0"/>
               <a:t>‹#›</a:t>
             </a:fld>
-            <a:endParaRPr lang="en-US"/>
-          </a:p>
-        </p:txBody>
-      </p:sp>
+            <a:endParaRPr lang="en-AM"/>
+          </a:p>
+        </p:txBody>
+      </p:sp>
+      <p:cxnSp>
+        <p:nvCxnSpPr>
+          <p:cNvPr id="25" name="Straight Connector 24"/>
+          <p:cNvCxnSpPr/>
+          <p:nvPr/>
+        </p:nvCxnSpPr>
+        <p:spPr>
+          <a:xfrm>
+            <a:off x="1453896" y="1847088"/>
+            <a:ext cx="9607522" cy="0"/>
+          </a:xfrm>
+          <a:prstGeom prst="line">
+            <a:avLst/>
+          </a:prstGeom>
+          <a:ln w="31750"/>
+        </p:spPr>
+        <p:style>
+          <a:lnRef idx="3">
+            <a:schemeClr val="accent1"/>
+          </a:lnRef>
+          <a:fillRef idx="0">
+            <a:schemeClr val="accent1"/>
+          </a:fillRef>
+          <a:effectRef idx="2">
+            <a:schemeClr val="accent1"/>
+          </a:effectRef>
+          <a:fontRef idx="minor">
+            <a:schemeClr val="tx1"/>
+          </a:fontRef>
+        </p:style>
+      </p:cxnSp>
     </p:spTree>
     <p:extLst>
       <p:ext uri="{BB962C8B-B14F-4D97-AF65-F5344CB8AC3E}">
-        <p14:creationId xmlns:p14="http://schemas.microsoft.com/office/powerpoint/2010/main" val="727027711"/>
+        <p14:creationId xmlns:p14="http://schemas.microsoft.com/office/powerpoint/2010/main" val="1111330508"/>
       </p:ext>
     </p:extLst>
   </p:cSld>
@@ -1990,11 +2123,11 @@
           <a:bodyPr/>
           <a:lstStyle/>
           <a:p>
-            <a:fld id="{5BCAD085-E8A6-8845-BD4E-CB4CCA059FC4}" type="datetimeFigureOut">
-              <a:rPr lang="en-US" smtClean="0"/>
-              <a:t>1/27/13</a:t>
+            <a:fld id="{A98F60FD-DC1C-204F-8C1F-00DE41EB5C58}" type="datetimeFigureOut">
+              <a:rPr lang="en-AM" smtClean="0"/>
+              <a:t>19.03.24</a:t>
             </a:fld>
-            <a:endParaRPr lang="en-US"/>
+            <a:endParaRPr lang="en-AM"/>
           </a:p>
         </p:txBody>
       </p:sp>
@@ -2013,7 +2146,7 @@
           <a:bodyPr/>
           <a:lstStyle/>
           <a:p>
-            <a:endParaRPr lang="en-US"/>
+            <a:endParaRPr lang="en-AM"/>
           </a:p>
         </p:txBody>
       </p:sp>
@@ -2032,18 +2165,18 @@
           <a:bodyPr/>
           <a:lstStyle/>
           <a:p>
-            <a:fld id="{C1FF6DA9-008F-8B48-92A6-B652298478BF}" type="slidenum">
-              <a:rPr lang="en-US" smtClean="0"/>
+            <a:fld id="{80B75221-7FF7-5846-8D81-216EBB3FA69A}" type="slidenum">
+              <a:rPr lang="en-AM" smtClean="0"/>
               <a:t>‹#›</a:t>
             </a:fld>
-            <a:endParaRPr lang="en-US"/>
+            <a:endParaRPr lang="en-AM"/>
           </a:p>
         </p:txBody>
       </p:sp>
     </p:spTree>
     <p:extLst>
       <p:ext uri="{BB962C8B-B14F-4D97-AF65-F5344CB8AC3E}">
-        <p14:creationId xmlns:p14="http://schemas.microsoft.com/office/powerpoint/2010/main" val="1212999818"/>
+        <p14:creationId xmlns:p14="http://schemas.microsoft.com/office/powerpoint/2010/main" val="2221443804"/>
       </p:ext>
     </p:extLst>
   </p:cSld>
@@ -2082,23 +2215,25 @@
         </p:nvSpPr>
         <p:spPr>
           <a:xfrm>
-            <a:off x="457200" y="273050"/>
-            <a:ext cx="3008313" cy="1162050"/>
+            <a:off x="1444671" y="798973"/>
+            <a:ext cx="3273099" cy="2247117"/>
           </a:xfrm>
         </p:spPr>
         <p:txBody>
-          <a:bodyPr anchor="b"/>
+          <a:bodyPr anchor="b">
+            <a:normAutofit/>
+          </a:bodyPr>
           <a:lstStyle>
             <a:lvl1pPr algn="l">
-              <a:defRPr sz="2000" b="1"/>
+              <a:defRPr sz="2400"/>
             </a:lvl1pPr>
           </a:lstStyle>
           <a:p>
             <a:r>
-              <a:rPr lang="en-US" smtClean="0"/>
+              <a:rPr lang="en-US"/>
               <a:t>Click to edit Master title style</a:t>
             </a:r>
-            <a:endParaRPr lang="en-US"/>
+            <a:endParaRPr lang="en-US" dirty="0"/>
           </a:p>
         </p:txBody>
       </p:sp>
@@ -2114,213 +2249,216 @@
         </p:nvSpPr>
         <p:spPr>
           <a:xfrm>
-            <a:off x="3575050" y="273050"/>
-            <a:ext cx="5111750" cy="5853113"/>
+            <a:off x="5043714" y="798974"/>
+            <a:ext cx="6012470" cy="4658826"/>
           </a:xfrm>
         </p:spPr>
         <p:txBody>
+          <a:bodyPr anchor="ctr"/>
+          <a:lstStyle/>
+          <a:p>
+            <a:pPr lvl="0"/>
+            <a:r>
+              <a:rPr lang="en-US"/>
+              <a:t>Click to edit Master text styles</a:t>
+            </a:r>
+          </a:p>
+          <a:p>
+            <a:pPr lvl="1"/>
+            <a:r>
+              <a:rPr lang="en-US"/>
+              <a:t>Second level</a:t>
+            </a:r>
+          </a:p>
+          <a:p>
+            <a:pPr lvl="2"/>
+            <a:r>
+              <a:rPr lang="en-US"/>
+              <a:t>Third level</a:t>
+            </a:r>
+          </a:p>
+          <a:p>
+            <a:pPr lvl="3"/>
+            <a:r>
+              <a:rPr lang="en-US"/>
+              <a:t>Fourth level</a:t>
+            </a:r>
+          </a:p>
+          <a:p>
+            <a:pPr lvl="4"/>
+            <a:r>
+              <a:rPr lang="en-US"/>
+              <a:t>Fifth level</a:t>
+            </a:r>
+            <a:endParaRPr lang="en-US" dirty="0"/>
+          </a:p>
+        </p:txBody>
+      </p:sp>
+      <p:sp>
+        <p:nvSpPr>
+          <p:cNvPr id="4" name="Text Placeholder 3"/>
+          <p:cNvSpPr>
+            <a:spLocks noGrp="1"/>
+          </p:cNvSpPr>
+          <p:nvPr>
+            <p:ph type="body" sz="half" idx="2"/>
+          </p:nvPr>
+        </p:nvSpPr>
+        <p:spPr>
+          <a:xfrm>
+            <a:off x="1444671" y="3205491"/>
+            <a:ext cx="3275013" cy="2248181"/>
+          </a:xfrm>
+        </p:spPr>
+        <p:txBody>
           <a:bodyPr/>
           <a:lstStyle>
-            <a:lvl1pPr>
-              <a:defRPr sz="3200"/>
+            <a:lvl1pPr marL="0" indent="0" algn="l">
+              <a:buNone/>
+              <a:defRPr sz="1600"/>
             </a:lvl1pPr>
-            <a:lvl2pPr>
-              <a:defRPr sz="2800"/>
+            <a:lvl2pPr marL="457200" indent="0">
+              <a:buNone/>
+              <a:defRPr sz="1400"/>
             </a:lvl2pPr>
-            <a:lvl3pPr>
-              <a:defRPr sz="2400"/>
+            <a:lvl3pPr marL="914400" indent="0">
+              <a:buNone/>
+              <a:defRPr sz="1200"/>
             </a:lvl3pPr>
-            <a:lvl4pPr>
-              <a:defRPr sz="2000"/>
+            <a:lvl4pPr marL="1371600" indent="0">
+              <a:buNone/>
+              <a:defRPr sz="1000"/>
             </a:lvl4pPr>
-            <a:lvl5pPr>
-              <a:defRPr sz="2000"/>
+            <a:lvl5pPr marL="1828800" indent="0">
+              <a:buNone/>
+              <a:defRPr sz="1000"/>
             </a:lvl5pPr>
-            <a:lvl6pPr>
-              <a:defRPr sz="2000"/>
+            <a:lvl6pPr marL="2286000" indent="0">
+              <a:buNone/>
+              <a:defRPr sz="1000"/>
             </a:lvl6pPr>
-            <a:lvl7pPr>
-              <a:defRPr sz="2000"/>
+            <a:lvl7pPr marL="2743200" indent="0">
+              <a:buNone/>
+              <a:defRPr sz="1000"/>
             </a:lvl7pPr>
-            <a:lvl8pPr>
-              <a:defRPr sz="2000"/>
+            <a:lvl8pPr marL="3200400" indent="0">
+              <a:buNone/>
+              <a:defRPr sz="1000"/>
             </a:lvl8pPr>
-            <a:lvl9pPr>
-              <a:defRPr sz="2000"/>
+            <a:lvl9pPr marL="3657600" indent="0">
+              <a:buNone/>
+              <a:defRPr sz="1000"/>
             </a:lvl9pPr>
           </a:lstStyle>
           <a:p>
             <a:pPr lvl="0"/>
             <a:r>
-              <a:rPr lang="en-US" smtClean="0"/>
+              <a:rPr lang="en-US"/>
               <a:t>Click to edit Master text styles</a:t>
             </a:r>
           </a:p>
-          <a:p>
-            <a:pPr lvl="1"/>
-            <a:r>
-              <a:rPr lang="en-US" smtClean="0"/>
-              <a:t>Second level</a:t>
-            </a:r>
-          </a:p>
-          <a:p>
-            <a:pPr lvl="2"/>
-            <a:r>
-              <a:rPr lang="en-US" smtClean="0"/>
-              <a:t>Third level</a:t>
-            </a:r>
-          </a:p>
-          <a:p>
-            <a:pPr lvl="3"/>
-            <a:r>
-              <a:rPr lang="en-US" smtClean="0"/>
-              <a:t>Fourth level</a:t>
-            </a:r>
-          </a:p>
-          <a:p>
-            <a:pPr lvl="4"/>
-            <a:r>
-              <a:rPr lang="en-US" smtClean="0"/>
-              <a:t>Fifth level</a:t>
-            </a:r>
-            <a:endParaRPr lang="en-US"/>
-          </a:p>
-        </p:txBody>
-      </p:sp>
-      <p:sp>
-        <p:nvSpPr>
-          <p:cNvPr id="4" name="Text Placeholder 3"/>
-          <p:cNvSpPr>
-            <a:spLocks noGrp="1"/>
-          </p:cNvSpPr>
-          <p:nvPr>
-            <p:ph type="body" sz="half" idx="2"/>
-          </p:nvPr>
-        </p:nvSpPr>
+        </p:txBody>
+      </p:sp>
+      <p:sp>
+        <p:nvSpPr>
+          <p:cNvPr id="5" name="Date Placeholder 4"/>
+          <p:cNvSpPr>
+            <a:spLocks noGrp="1"/>
+          </p:cNvSpPr>
+          <p:nvPr>
+            <p:ph type="dt" sz="half" idx="10"/>
+          </p:nvPr>
+        </p:nvSpPr>
+        <p:spPr/>
+        <p:txBody>
+          <a:bodyPr/>
+          <a:lstStyle/>
+          <a:p>
+            <a:fld id="{A98F60FD-DC1C-204F-8C1F-00DE41EB5C58}" type="datetimeFigureOut">
+              <a:rPr lang="en-AM" smtClean="0"/>
+              <a:t>19.03.24</a:t>
+            </a:fld>
+            <a:endParaRPr lang="en-AM"/>
+          </a:p>
+        </p:txBody>
+      </p:sp>
+      <p:sp>
+        <p:nvSpPr>
+          <p:cNvPr id="6" name="Footer Placeholder 5"/>
+          <p:cNvSpPr>
+            <a:spLocks noGrp="1"/>
+          </p:cNvSpPr>
+          <p:nvPr>
+            <p:ph type="ftr" sz="quarter" idx="11"/>
+          </p:nvPr>
+        </p:nvSpPr>
+        <p:spPr/>
+        <p:txBody>
+          <a:bodyPr/>
+          <a:lstStyle/>
+          <a:p>
+            <a:endParaRPr lang="en-AM"/>
+          </a:p>
+        </p:txBody>
+      </p:sp>
+      <p:sp>
+        <p:nvSpPr>
+          <p:cNvPr id="7" name="Slide Number Placeholder 6"/>
+          <p:cNvSpPr>
+            <a:spLocks noGrp="1"/>
+          </p:cNvSpPr>
+          <p:nvPr>
+            <p:ph type="sldNum" sz="quarter" idx="12"/>
+          </p:nvPr>
+        </p:nvSpPr>
+        <p:spPr/>
+        <p:txBody>
+          <a:bodyPr/>
+          <a:lstStyle/>
+          <a:p>
+            <a:fld id="{80B75221-7FF7-5846-8D81-216EBB3FA69A}" type="slidenum">
+              <a:rPr lang="en-AM" smtClean="0"/>
+              <a:t>‹#›</a:t>
+            </a:fld>
+            <a:endParaRPr lang="en-AM"/>
+          </a:p>
+        </p:txBody>
+      </p:sp>
+      <p:cxnSp>
+        <p:nvCxnSpPr>
+          <p:cNvPr id="17" name="Straight Connector 16"/>
+          <p:cNvCxnSpPr/>
+          <p:nvPr/>
+        </p:nvCxnSpPr>
         <p:spPr>
           <a:xfrm>
-            <a:off x="457200" y="1435100"/>
-            <a:ext cx="3008313" cy="4691063"/>
+            <a:off x="1448280" y="3205491"/>
+            <a:ext cx="3269490" cy="0"/>
           </a:xfrm>
+          <a:prstGeom prst="line">
+            <a:avLst/>
+          </a:prstGeom>
+          <a:ln w="31750"/>
         </p:spPr>
-        <p:txBody>
-          <a:bodyPr/>
-          <a:lstStyle>
-            <a:lvl1pPr marL="0" indent="0">
-              <a:buNone/>
-              <a:defRPr sz="1400"/>
-            </a:lvl1pPr>
-            <a:lvl2pPr marL="457200" indent="0">
-              <a:buNone/>
-              <a:defRPr sz="1200"/>
-            </a:lvl2pPr>
-            <a:lvl3pPr marL="914400" indent="0">
-              <a:buNone/>
-              <a:defRPr sz="1000"/>
-            </a:lvl3pPr>
-            <a:lvl4pPr marL="1371600" indent="0">
-              <a:buNone/>
-              <a:defRPr sz="900"/>
-            </a:lvl4pPr>
-            <a:lvl5pPr marL="1828800" indent="0">
-              <a:buNone/>
-              <a:defRPr sz="900"/>
-            </a:lvl5pPr>
-            <a:lvl6pPr marL="2286000" indent="0">
-              <a:buNone/>
-              <a:defRPr sz="900"/>
-            </a:lvl6pPr>
-            <a:lvl7pPr marL="2743200" indent="0">
-              <a:buNone/>
-              <a:defRPr sz="900"/>
-            </a:lvl7pPr>
-            <a:lvl8pPr marL="3200400" indent="0">
-              <a:buNone/>
-              <a:defRPr sz="900"/>
-            </a:lvl8pPr>
-            <a:lvl9pPr marL="3657600" indent="0">
-              <a:buNone/>
-              <a:defRPr sz="900"/>
-            </a:lvl9pPr>
-          </a:lstStyle>
-          <a:p>
-            <a:pPr lvl="0"/>
-            <a:r>
-              <a:rPr lang="en-US" smtClean="0"/>
-              <a:t>Click to edit Master text styles</a:t>
-            </a:r>
-          </a:p>
-        </p:txBody>
-      </p:sp>
-      <p:sp>
-        <p:nvSpPr>
-          <p:cNvPr id="5" name="Date Placeholder 4"/>
-          <p:cNvSpPr>
-            <a:spLocks noGrp="1"/>
-          </p:cNvSpPr>
-          <p:nvPr>
-            <p:ph type="dt" sz="half" idx="10"/>
-          </p:nvPr>
-        </p:nvSpPr>
-        <p:spPr/>
-        <p:txBody>
-          <a:bodyPr/>
-          <a:lstStyle/>
-          <a:p>
-            <a:fld id="{5BCAD085-E8A6-8845-BD4E-CB4CCA059FC4}" type="datetimeFigureOut">
-              <a:rPr lang="en-US" smtClean="0"/>
-              <a:t>1/27/13</a:t>
-            </a:fld>
-            <a:endParaRPr lang="en-US"/>
-          </a:p>
-        </p:txBody>
-      </p:sp>
-      <p:sp>
-        <p:nvSpPr>
-          <p:cNvPr id="6" name="Footer Placeholder 5"/>
-          <p:cNvSpPr>
-            <a:spLocks noGrp="1"/>
-          </p:cNvSpPr>
-          <p:nvPr>
-            <p:ph type="ftr" sz="quarter" idx="11"/>
-          </p:nvPr>
-        </p:nvSpPr>
-        <p:spPr/>
-        <p:txBody>
-          <a:bodyPr/>
-          <a:lstStyle/>
-          <a:p>
-            <a:endParaRPr lang="en-US"/>
-          </a:p>
-        </p:txBody>
-      </p:sp>
-      <p:sp>
-        <p:nvSpPr>
-          <p:cNvPr id="7" name="Slide Number Placeholder 6"/>
-          <p:cNvSpPr>
-            <a:spLocks noGrp="1"/>
-          </p:cNvSpPr>
-          <p:nvPr>
-            <p:ph type="sldNum" sz="quarter" idx="12"/>
-          </p:nvPr>
-        </p:nvSpPr>
-        <p:spPr/>
-        <p:txBody>
-          <a:bodyPr/>
-          <a:lstStyle/>
-          <a:p>
-            <a:fld id="{C1FF6DA9-008F-8B48-92A6-B652298478BF}" type="slidenum">
-              <a:rPr lang="en-US" smtClean="0"/>
-              <a:t>‹#›</a:t>
-            </a:fld>
-            <a:endParaRPr lang="en-US"/>
-          </a:p>
-        </p:txBody>
-      </p:sp>
+        <p:style>
+          <a:lnRef idx="3">
+            <a:schemeClr val="accent1"/>
+          </a:lnRef>
+          <a:fillRef idx="0">
+            <a:schemeClr val="accent1"/>
+          </a:fillRef>
+          <a:effectRef idx="2">
+            <a:schemeClr val="accent1"/>
+          </a:effectRef>
+          <a:fontRef idx="minor">
+            <a:schemeClr val="tx1"/>
+          </a:fontRef>
+        </p:style>
+      </p:cxnSp>
     </p:spTree>
     <p:extLst>
       <p:ext uri="{BB962C8B-B14F-4D97-AF65-F5344CB8AC3E}">
-        <p14:creationId xmlns:p14="http://schemas.microsoft.com/office/powerpoint/2010/main" val="1840726560"/>
+        <p14:creationId xmlns:p14="http://schemas.microsoft.com/office/powerpoint/2010/main" val="211984913"/>
       </p:ext>
     </p:extLst>
   </p:cSld>
@@ -2347,6 +2485,140 @@
           <a:chExt cx="0" cy="0"/>
         </a:xfrm>
       </p:grpSpPr>
+      <p:grpSp>
+        <p:nvGrpSpPr>
+          <p:cNvPr id="8" name="Group 7"/>
+          <p:cNvGrpSpPr/>
+          <p:nvPr/>
+        </p:nvGrpSpPr>
+        <p:grpSpPr>
+          <a:xfrm>
+            <a:off x="7477387" y="482170"/>
+            <a:ext cx="4074533" cy="5149101"/>
+            <a:chOff x="7477387" y="482170"/>
+            <a:chExt cx="4074533" cy="5149101"/>
+          </a:xfrm>
+        </p:grpSpPr>
+        <p:sp>
+          <p:nvSpPr>
+            <p:cNvPr id="18" name="Rectangle 17"/>
+            <p:cNvSpPr/>
+            <p:nvPr/>
+          </p:nvSpPr>
+          <p:spPr bwMode="black">
+            <a:xfrm>
+              <a:off x="7477387" y="482170"/>
+              <a:ext cx="4074533" cy="5149101"/>
+            </a:xfrm>
+            <a:prstGeom prst="rect">
+              <a:avLst/>
+            </a:prstGeom>
+            <a:gradFill>
+              <a:gsLst>
+                <a:gs pos="0">
+                  <a:srgbClr val="000001"/>
+                </a:gs>
+                <a:gs pos="100000">
+                  <a:srgbClr val="191919"/>
+                </a:gs>
+              </a:gsLst>
+            </a:gradFill>
+            <a:ln w="76200" cmpd="sng">
+              <a:noFill/>
+              <a:miter lim="800000"/>
+            </a:ln>
+            <a:effectLst>
+              <a:outerShdw blurRad="127000" dist="228600" dir="4740000" sx="98000" sy="98000" algn="tl" rotWithShape="0">
+                <a:srgbClr val="000000">
+                  <a:alpha val="34000"/>
+                </a:srgbClr>
+              </a:outerShdw>
+            </a:effectLst>
+            <a:scene3d>
+              <a:camera prst="orthographicFront"/>
+              <a:lightRig rig="threePt" dir="t"/>
+            </a:scene3d>
+            <a:sp3d>
+              <a:bevelT w="152400" h="50800" prst="softRound"/>
+            </a:sp3d>
+          </p:spPr>
+          <p:style>
+            <a:lnRef idx="1">
+              <a:schemeClr val="accent1"/>
+            </a:lnRef>
+            <a:fillRef idx="3">
+              <a:schemeClr val="accent1"/>
+            </a:fillRef>
+            <a:effectRef idx="2">
+              <a:schemeClr val="accent1"/>
+            </a:effectRef>
+            <a:fontRef idx="minor">
+              <a:schemeClr val="lt1"/>
+            </a:fontRef>
+          </p:style>
+        </p:sp>
+        <p:sp>
+          <p:nvSpPr>
+            <p:cNvPr id="19" name="Rectangle 18"/>
+            <p:cNvSpPr/>
+            <p:nvPr/>
+          </p:nvSpPr>
+          <p:spPr bwMode="blackWhite">
+            <a:xfrm>
+              <a:off x="7790446" y="812506"/>
+              <a:ext cx="3450289" cy="4466452"/>
+            </a:xfrm>
+            <a:prstGeom prst="rect">
+              <a:avLst/>
+            </a:prstGeom>
+            <a:gradFill>
+              <a:gsLst>
+                <a:gs pos="0">
+                  <a:srgbClr val="DADADA"/>
+                </a:gs>
+                <a:gs pos="100000">
+                  <a:srgbClr val="FFFFFE"/>
+                </a:gs>
+              </a:gsLst>
+              <a:lin ang="16200000" scaled="0"/>
+            </a:gradFill>
+            <a:ln w="50800" cmpd="sng">
+              <a:solidFill>
+                <a:srgbClr val="191919"/>
+              </a:solidFill>
+              <a:miter lim="800000"/>
+            </a:ln>
+            <a:effectLst>
+              <a:innerShdw blurRad="63500" dist="88900" dir="14100000">
+                <a:srgbClr val="000000">
+                  <a:alpha val="30000"/>
+                </a:srgbClr>
+              </a:innerShdw>
+            </a:effectLst>
+            <a:scene3d>
+              <a:camera prst="orthographicFront"/>
+              <a:lightRig rig="threePt" dir="t"/>
+            </a:scene3d>
+            <a:sp3d>
+              <a:bevelT prst="relaxedInset"/>
+            </a:sp3d>
+          </p:spPr>
+          <p:style>
+            <a:lnRef idx="1">
+              <a:schemeClr val="accent1"/>
+            </a:lnRef>
+            <a:fillRef idx="3">
+              <a:schemeClr val="accent1"/>
+            </a:fillRef>
+            <a:effectRef idx="2">
+              <a:schemeClr val="accent1"/>
+            </a:effectRef>
+            <a:fontRef idx="minor">
+              <a:schemeClr val="lt1"/>
+            </a:fontRef>
+          </p:style>
+        </p:sp>
+      </p:grpSp>
       <p:sp>
         <p:nvSpPr>
           <p:cNvPr id="2" name="Title 1"/>
@@ -2359,23 +2631,25 @@
         </p:nvSpPr>
         <p:spPr>
           <a:xfrm>
-            <a:off x="1792288" y="4800600"/>
-            <a:ext cx="5486400" cy="566738"/>
+            <a:off x="1451206" y="1129513"/>
+            <a:ext cx="5532328" cy="1830584"/>
           </a:xfrm>
         </p:spPr>
         <p:txBody>
-          <a:bodyPr anchor="b"/>
+          <a:bodyPr anchor="b">
+            <a:normAutofit/>
+          </a:bodyPr>
           <a:lstStyle>
-            <a:lvl1pPr algn="l">
-              <a:defRPr sz="2000" b="1"/>
+            <a:lvl1pPr>
+              <a:defRPr sz="3200"/>
             </a:lvl1pPr>
           </a:lstStyle>
           <a:p>
             <a:r>
-              <a:rPr lang="en-US" smtClean="0"/>
+              <a:rPr lang="en-US"/>
               <a:t>Click to edit Master title style</a:t>
             </a:r>
-            <a:endParaRPr lang="en-US"/>
+            <a:endParaRPr lang="en-US" dirty="0"/>
           </a:p>
         </p:txBody>
       </p:sp>
@@ -2383,7 +2657,7 @@
         <p:nvSpPr>
           <p:cNvPr id="3" name="Picture Placeholder 2"/>
           <p:cNvSpPr>
-            <a:spLocks noGrp="1"/>
+            <a:spLocks noGrp="1" noChangeAspect="1"/>
           </p:cNvSpPr>
           <p:nvPr>
             <p:ph type="pic" idx="1"/>
@@ -2391,14 +2665,24 @@
         </p:nvSpPr>
         <p:spPr>
           <a:xfrm>
-            <a:off x="1792288" y="612775"/>
-            <a:ext cx="5486400" cy="4114800"/>
+            <a:off x="8124389" y="1122542"/>
+            <a:ext cx="2791171" cy="3866327"/>
           </a:xfrm>
+          <a:solidFill>
+            <a:schemeClr val="bg1">
+              <a:lumMod val="85000"/>
+            </a:schemeClr>
+          </a:solidFill>
+          <a:ln w="9525" cap="sq">
+            <a:noFill/>
+            <a:miter lim="800000"/>
+          </a:ln>
+          <a:effectLst/>
         </p:spPr>
         <p:txBody>
-          <a:bodyPr/>
+          <a:bodyPr anchor="t"/>
           <a:lstStyle>
-            <a:lvl1pPr marL="0" indent="0">
+            <a:lvl1pPr marL="0" indent="0" algn="ctr">
               <a:buNone/>
               <a:defRPr sz="3200"/>
             </a:lvl1pPr>
@@ -2436,7 +2720,11 @@
             </a:lvl9pPr>
           </a:lstStyle>
           <a:p>
-            <a:endParaRPr lang="en-US"/>
+            <a:r>
+              <a:rPr lang="en-US"/>
+              <a:t>Click icon to add picture</a:t>
+            </a:r>
+            <a:endParaRPr lang="en-US" dirty="0"/>
           </a:p>
         </p:txBody>
       </p:sp>
@@ -2452,54 +2740,56 @@
         </p:nvSpPr>
         <p:spPr>
           <a:xfrm>
-            <a:off x="1792288" y="5367338"/>
-            <a:ext cx="5486400" cy="804862"/>
+            <a:off x="1450329" y="3145992"/>
+            <a:ext cx="5524404" cy="2003742"/>
           </a:xfrm>
         </p:spPr>
         <p:txBody>
-          <a:bodyPr/>
+          <a:bodyPr>
+            <a:normAutofit/>
+          </a:bodyPr>
           <a:lstStyle>
-            <a:lvl1pPr marL="0" indent="0">
-              <a:buNone/>
-              <a:defRPr sz="1400"/>
+            <a:lvl1pPr marL="0" indent="0" algn="l">
+              <a:buNone/>
+              <a:defRPr sz="1800"/>
             </a:lvl1pPr>
             <a:lvl2pPr marL="457200" indent="0">
               <a:buNone/>
-              <a:defRPr sz="1200"/>
+              <a:defRPr sz="1400"/>
             </a:lvl2pPr>
             <a:lvl3pPr marL="914400" indent="0">
               <a:buNone/>
-              <a:defRPr sz="1000"/>
+              <a:defRPr sz="1200"/>
             </a:lvl3pPr>
             <a:lvl4pPr marL="1371600" indent="0">
               <a:buNone/>
-              <a:defRPr sz="900"/>
+              <a:defRPr sz="1000"/>
             </a:lvl4pPr>
             <a:lvl5pPr marL="1828800" indent="0">
               <a:buNone/>
-              <a:defRPr sz="900"/>
+              <a:defRPr sz="1000"/>
             </a:lvl5pPr>
             <a:lvl6pPr marL="2286000" indent="0">
               <a:buNone/>
-              <a:defRPr sz="900"/>
+              <a:defRPr sz="1000"/>
             </a:lvl6pPr>
             <a:lvl7pPr marL="2743200" indent="0">
               <a:buNone/>
-              <a:defRPr sz="900"/>
+              <a:defRPr sz="1000"/>
             </a:lvl7pPr>
             <a:lvl8pPr marL="3200400" indent="0">
               <a:buNone/>
-              <a:defRPr sz="900"/>
+              <a:defRPr sz="1000"/>
             </a:lvl8pPr>
             <a:lvl9pPr marL="3657600" indent="0">
               <a:buNone/>
-              <a:defRPr sz="900"/>
+              <a:defRPr sz="1000"/>
             </a:lvl9pPr>
           </a:lstStyle>
           <a:p>
             <a:pPr lvl="0"/>
             <a:r>
-              <a:rPr lang="en-US" smtClean="0"/>
+              <a:rPr lang="en-US"/>
               <a:t>Click to edit Master text styles</a:t>
             </a:r>
           </a:p>
@@ -2515,16 +2805,25 @@
             <p:ph type="dt" sz="half" idx="10"/>
           </p:nvPr>
         </p:nvSpPr>
-        <p:spPr/>
-        <p:txBody>
-          <a:bodyPr/>
-          <a:lstStyle/>
-          <a:p>
-            <a:fld id="{5BCAD085-E8A6-8845-BD4E-CB4CCA059FC4}" type="datetimeFigureOut">
-              <a:rPr lang="en-US" smtClean="0"/>
-              <a:t>1/27/13</a:t>
+        <p:spPr>
+          <a:xfrm>
+            <a:off x="1447382" y="5469856"/>
+            <a:ext cx="5527351" cy="320123"/>
+          </a:xfrm>
+        </p:spPr>
+        <p:txBody>
+          <a:bodyPr/>
+          <a:lstStyle>
+            <a:lvl1pPr algn="l">
+              <a:defRPr/>
+            </a:lvl1pPr>
+          </a:lstStyle>
+          <a:p>
+            <a:fld id="{A98F60FD-DC1C-204F-8C1F-00DE41EB5C58}" type="datetimeFigureOut">
+              <a:rPr lang="en-AM" smtClean="0"/>
+              <a:t>19.03.24</a:t>
             </a:fld>
-            <a:endParaRPr lang="en-US"/>
+            <a:endParaRPr lang="en-AM"/>
           </a:p>
         </p:txBody>
       </p:sp>
@@ -2538,12 +2837,17 @@
             <p:ph type="ftr" sz="quarter" idx="11"/>
           </p:nvPr>
         </p:nvSpPr>
-        <p:spPr/>
-        <p:txBody>
-          <a:bodyPr/>
-          <a:lstStyle/>
-          <a:p>
-            <a:endParaRPr lang="en-US"/>
+        <p:spPr>
+          <a:xfrm>
+            <a:off x="1447382" y="318640"/>
+            <a:ext cx="5541004" cy="320931"/>
+          </a:xfrm>
+        </p:spPr>
+        <p:txBody>
+          <a:bodyPr/>
+          <a:lstStyle/>
+          <a:p>
+            <a:endParaRPr lang="en-AM"/>
           </a:p>
         </p:txBody>
       </p:sp>
@@ -2562,18 +2866,49 @@
           <a:bodyPr/>
           <a:lstStyle/>
           <a:p>
-            <a:fld id="{C1FF6DA9-008F-8B48-92A6-B652298478BF}" type="slidenum">
-              <a:rPr lang="en-US" smtClean="0"/>
+            <a:fld id="{80B75221-7FF7-5846-8D81-216EBB3FA69A}" type="slidenum">
+              <a:rPr lang="en-AM" smtClean="0"/>
               <a:t>‹#›</a:t>
             </a:fld>
-            <a:endParaRPr lang="en-US"/>
-          </a:p>
-        </p:txBody>
-      </p:sp>
+            <a:endParaRPr lang="en-AM"/>
+          </a:p>
+        </p:txBody>
+      </p:sp>
+      <p:cxnSp>
+        <p:nvCxnSpPr>
+          <p:cNvPr id="31" name="Straight Connector 30"/>
+          <p:cNvCxnSpPr/>
+          <p:nvPr/>
+        </p:nvCxnSpPr>
+        <p:spPr>
+          <a:xfrm>
+            <a:off x="1447382" y="3143605"/>
+            <a:ext cx="5527351" cy="0"/>
+          </a:xfrm>
+          <a:prstGeom prst="line">
+            <a:avLst/>
+          </a:prstGeom>
+          <a:ln w="31750"/>
+        </p:spPr>
+        <p:style>
+          <a:lnRef idx="3">
+            <a:schemeClr val="accent1"/>
+          </a:lnRef>
+          <a:fillRef idx="0">
+            <a:schemeClr val="accent1"/>
+          </a:fillRef>
+          <a:effectRef idx="2">
+            <a:schemeClr val="accent1"/>
+          </a:effectRef>
+          <a:fontRef idx="minor">
+            <a:schemeClr val="tx1"/>
+          </a:fontRef>
+        </p:style>
+      </p:cxnSp>
     </p:spTree>
     <p:extLst>
       <p:ext uri="{BB962C8B-B14F-4D97-AF65-F5344CB8AC3E}">
-        <p14:creationId xmlns:p14="http://schemas.microsoft.com/office/powerpoint/2010/main" val="3889236939"/>
+        <p14:creationId xmlns:p14="http://schemas.microsoft.com/office/powerpoint/2010/main" val="930504445"/>
       </p:ext>
     </p:extLst>
   </p:cSld>
@@ -2587,8 +2922,8 @@
 <p:sldMaster xmlns:a="http://schemas.openxmlformats.org/drawingml/2006/main" xmlns:r="http://schemas.openxmlformats.org/officeDocument/2006/relationships" xmlns:p="http://schemas.openxmlformats.org/presentationml/2006/main">
   <p:cSld>
     <p:bg>
-      <p:bgRef idx="1001">
-        <a:schemeClr val="bg1"/>
+      <p:bgRef idx="1003">
+        <a:schemeClr val="bg2"/>
       </p:bgRef>
     </p:bg>
     <p:spTree>
@@ -2607,123 +2942,201 @@
       </p:grpSpPr>
       <p:sp>
         <p:nvSpPr>
-          <p:cNvPr id="2" name="Title Placeholder 1"/>
-          <p:cNvSpPr>
-            <a:spLocks noGrp="1"/>
-          </p:cNvSpPr>
-          <p:nvPr>
-            <p:ph type="title"/>
-          </p:nvPr>
+          <p:cNvPr id="8" name="Rectangle 7"/>
+          <p:cNvSpPr/>
+          <p:nvPr/>
         </p:nvSpPr>
         <p:spPr>
           <a:xfrm>
-            <a:off x="457200" y="274638"/>
-            <a:ext cx="8229600" cy="1143000"/>
+            <a:off x="0" y="2019476"/>
+            <a:ext cx="12192000" cy="4105941"/>
+          </a:xfrm>
+          <a:prstGeom prst="rect">
+            <a:avLst/>
+          </a:prstGeom>
+          <a:gradFill flip="none" rotWithShape="1">
+            <a:gsLst>
+              <a:gs pos="0">
+                <a:schemeClr val="bg2">
+                  <a:alpha val="0"/>
+                </a:schemeClr>
+              </a:gs>
+              <a:gs pos="100000">
+                <a:schemeClr val="bg2"/>
+              </a:gs>
+            </a:gsLst>
+            <a:lin ang="5400000" scaled="0"/>
+            <a:tileRect/>
+          </a:gradFill>
+          <a:ln>
+            <a:noFill/>
+          </a:ln>
+        </p:spPr>
+        <p:style>
+          <a:lnRef idx="2">
+            <a:schemeClr val="accent1">
+              <a:shade val="50000"/>
+            </a:schemeClr>
+          </a:lnRef>
+          <a:fillRef idx="1">
+            <a:schemeClr val="accent1"/>
+          </a:fillRef>
+          <a:effectRef idx="0">
+            <a:schemeClr val="accent1"/>
+          </a:effectRef>
+          <a:fontRef idx="minor">
+            <a:schemeClr val="lt1"/>
+          </a:fontRef>
+        </p:style>
+      </p:sp>
+      <p:pic>
+        <p:nvPicPr>
+          <p:cNvPr id="7" name="Picture 6"/>
+          <p:cNvPicPr>
+            <a:picLocks noChangeAspect="1"/>
+          </p:cNvPicPr>
+          <p:nvPr/>
+        </p:nvPicPr>
+        <p:blipFill rotWithShape="1">
+          <a:blip r:embed="rId13">
+            <a:extLst>
+              <a:ext uri="{28A0092B-C50C-407E-A947-70E740481C1C}">
+                <a14:useLocalDpi xmlns:a14="http://schemas.microsoft.com/office/drawing/2010/main" val="0"/>
+              </a:ext>
+            </a:extLst>
+          </a:blip>
+          <a:srcRect t="1538" b="-1538"/>
+          <a:stretch/>
+        </p:blipFill>
+        <p:spPr bwMode="black">
+          <a:xfrm>
+            <a:off x="0" y="6126480"/>
+            <a:ext cx="12192000" cy="742950"/>
           </a:xfrm>
           <a:prstGeom prst="rect">
             <a:avLst/>
           </a:prstGeom>
         </p:spPr>
-        <p:txBody>
-          <a:bodyPr vert="horz" lIns="91440" tIns="45720" rIns="91440" bIns="45720" rtlCol="0" anchor="ctr">
-            <a:normAutofit/>
-          </a:bodyPr>
-          <a:lstStyle/>
-          <a:p>
-            <a:r>
-              <a:rPr lang="en-US" smtClean="0"/>
-              <a:t>Click to edit Master title style</a:t>
-            </a:r>
-            <a:endParaRPr lang="en-US"/>
-          </a:p>
-        </p:txBody>
-      </p:sp>
-      <p:sp>
-        <p:nvSpPr>
-          <p:cNvPr id="3" name="Text Placeholder 2"/>
-          <p:cNvSpPr>
-            <a:spLocks noGrp="1"/>
-          </p:cNvSpPr>
-          <p:nvPr>
-            <p:ph type="body" idx="1"/>
+      </p:pic>
+      <p:sp>
+        <p:nvSpPr>
+          <p:cNvPr id="2" name="Title Placeholder 1"/>
+          <p:cNvSpPr>
+            <a:spLocks noGrp="1"/>
+          </p:cNvSpPr>
+          <p:nvPr>
+            <p:ph type="title"/>
           </p:nvPr>
         </p:nvSpPr>
         <p:spPr>
           <a:xfrm>
-            <a:off x="457200" y="1600200"/>
-            <a:ext cx="8229600" cy="4525963"/>
+            <a:off x="1451579" y="804519"/>
+            <a:ext cx="9603275" cy="1049235"/>
           </a:xfrm>
           <a:prstGeom prst="rect">
             <a:avLst/>
           </a:prstGeom>
         </p:spPr>
         <p:txBody>
-          <a:bodyPr vert="horz" lIns="91440" tIns="45720" rIns="91440" bIns="45720" rtlCol="0">
+          <a:bodyPr vert="horz" lIns="91440" tIns="45720" rIns="91440" bIns="45720" rtlCol="0" anchor="t">
             <a:normAutofit/>
           </a:bodyPr>
           <a:lstStyle/>
           <a:p>
-            <a:pPr lvl="0"/>
-            <a:r>
-              <a:rPr lang="en-US" smtClean="0"/>
-              <a:t>Click to edit Master text styles</a:t>
-            </a:r>
-          </a:p>
-          <a:p>
-            <a:pPr lvl="1"/>
-            <a:r>
-              <a:rPr lang="en-US" smtClean="0"/>
-              <a:t>Second level</a:t>
-            </a:r>
-          </a:p>
-          <a:p>
-            <a:pPr lvl="2"/>
-            <a:r>
-              <a:rPr lang="en-US" smtClean="0"/>
-              <a:t>Third level</a:t>
-            </a:r>
-          </a:p>
-          <a:p>
-            <a:pPr lvl="3"/>
-            <a:r>
-              <a:rPr lang="en-US" smtClean="0"/>
-              <a:t>Fourth level</a:t>
-            </a:r>
-          </a:p>
-          <a:p>
-            <a:pPr lvl="4"/>
-            <a:r>
-              <a:rPr lang="en-US" smtClean="0"/>
-              <a:t>Fifth level</a:t>
-            </a:r>
-            <a:endParaRPr lang="en-US"/>
-          </a:p>
-        </p:txBody>
-      </p:sp>
-      <p:sp>
-        <p:nvSpPr>
-          <p:cNvPr id="4" name="Date Placeholder 3"/>
-          <p:cNvSpPr>
-            <a:spLocks noGrp="1"/>
-          </p:cNvSpPr>
-          <p:nvPr>
-            <p:ph type="dt" sz="half" idx="2"/>
+            <a:r>
+              <a:rPr lang="en-US"/>
+              <a:t>Click to edit Master title style</a:t>
+            </a:r>
+            <a:endParaRPr lang="en-US" dirty="0"/>
+          </a:p>
+        </p:txBody>
+      </p:sp>
+      <p:sp>
+        <p:nvSpPr>
+          <p:cNvPr id="3" name="Text Placeholder 2"/>
+          <p:cNvSpPr>
+            <a:spLocks noGrp="1"/>
+          </p:cNvSpPr>
+          <p:nvPr>
+            <p:ph type="body" idx="1"/>
           </p:nvPr>
         </p:nvSpPr>
         <p:spPr>
           <a:xfrm>
-            <a:off x="457200" y="6356350"/>
-            <a:ext cx="2133600" cy="365125"/>
+            <a:off x="1451579" y="2015732"/>
+            <a:ext cx="9603275" cy="3450613"/>
           </a:xfrm>
           <a:prstGeom prst="rect">
             <a:avLst/>
           </a:prstGeom>
         </p:spPr>
         <p:txBody>
+          <a:bodyPr vert="horz" lIns="91440" tIns="45720" rIns="91440" bIns="45720" rtlCol="0">
+            <a:normAutofit/>
+          </a:bodyPr>
+          <a:lstStyle/>
+          <a:p>
+            <a:pPr lvl="0"/>
+            <a:r>
+              <a:rPr lang="en-US"/>
+              <a:t>Click to edit Master text styles</a:t>
+            </a:r>
+          </a:p>
+          <a:p>
+            <a:pPr lvl="1"/>
+            <a:r>
+              <a:rPr lang="en-US"/>
+              <a:t>Second level</a:t>
+            </a:r>
+          </a:p>
+          <a:p>
+            <a:pPr lvl="2"/>
+            <a:r>
+              <a:rPr lang="en-US"/>
+              <a:t>Third level</a:t>
+            </a:r>
+          </a:p>
+          <a:p>
+            <a:pPr lvl="3"/>
+            <a:r>
+              <a:rPr lang="en-US"/>
+              <a:t>Fourth level</a:t>
+            </a:r>
+          </a:p>
+          <a:p>
+            <a:pPr lvl="4"/>
+            <a:r>
+              <a:rPr lang="en-US"/>
+              <a:t>Fifth level</a:t>
+            </a:r>
+            <a:endParaRPr lang="en-US" dirty="0"/>
+          </a:p>
+        </p:txBody>
+      </p:sp>
+      <p:sp>
+        <p:nvSpPr>
+          <p:cNvPr id="4" name="Date Placeholder 3"/>
+          <p:cNvSpPr>
+            <a:spLocks noGrp="1"/>
+          </p:cNvSpPr>
+          <p:nvPr>
+            <p:ph type="dt" sz="half" idx="2"/>
+          </p:nvPr>
+        </p:nvSpPr>
+        <p:spPr>
+          <a:xfrm>
+            <a:off x="7554138" y="330370"/>
+            <a:ext cx="3500715" cy="309201"/>
+          </a:xfrm>
+          <a:prstGeom prst="rect">
+            <a:avLst/>
+          </a:prstGeom>
+        </p:spPr>
+        <p:txBody>
           <a:bodyPr vert="horz" lIns="91440" tIns="45720" rIns="91440" bIns="45720" rtlCol="0" anchor="ctr"/>
           <a:lstStyle>
-            <a:lvl1pPr algn="l">
-              <a:defRPr sz="1200">
+            <a:lvl1pPr algn="r">
+              <a:defRPr sz="1000">
                 <a:solidFill>
                   <a:schemeClr val="tx1">
                     <a:tint val="75000"/>
@@ -2733,11 +3146,11 @@
             </a:lvl1pPr>
           </a:lstStyle>
           <a:p>
-            <a:fld id="{5BCAD085-E8A6-8845-BD4E-CB4CCA059FC4}" type="datetimeFigureOut">
-              <a:rPr lang="en-US" smtClean="0"/>
-              <a:t>1/27/13</a:t>
+            <a:fld id="{A98F60FD-DC1C-204F-8C1F-00DE41EB5C58}" type="datetimeFigureOut">
+              <a:rPr lang="en-AM" smtClean="0"/>
+              <a:t>19.03.24</a:t>
             </a:fld>
-            <a:endParaRPr lang="en-US"/>
+            <a:endParaRPr lang="en-AM"/>
           </a:p>
         </p:txBody>
       </p:sp>
@@ -2753,8 +3166,8 @@
         </p:nvSpPr>
         <p:spPr>
           <a:xfrm>
-            <a:off x="3124200" y="6356350"/>
-            <a:ext cx="2895600" cy="365125"/>
+            <a:off x="1451579" y="329307"/>
+            <a:ext cx="5938836" cy="309201"/>
           </a:xfrm>
           <a:prstGeom prst="rect">
             <a:avLst/>
@@ -2763,8 +3176,8 @@
         <p:txBody>
           <a:bodyPr vert="horz" lIns="91440" tIns="45720" rIns="91440" bIns="45720" rtlCol="0" anchor="ctr"/>
           <a:lstStyle>
-            <a:lvl1pPr algn="ctr">
-              <a:defRPr sz="1200">
+            <a:lvl1pPr algn="l">
+              <a:defRPr sz="1000">
                 <a:solidFill>
                   <a:schemeClr val="tx1">
                     <a:tint val="75000"/>
@@ -2774,7 +3187,7 @@
             </a:lvl1pPr>
           </a:lstStyle>
           <a:p>
-            <a:endParaRPr lang="en-US"/>
+            <a:endParaRPr lang="en-AM"/>
           </a:p>
         </p:txBody>
       </p:sp>
@@ -2790,67 +3203,106 @@
         </p:nvSpPr>
         <p:spPr>
           <a:xfrm>
-            <a:off x="6553200" y="6356350"/>
-            <a:ext cx="2133600" cy="365125"/>
+            <a:off x="480060" y="798973"/>
+            <a:ext cx="811019" cy="503578"/>
           </a:xfrm>
           <a:prstGeom prst="rect">
             <a:avLst/>
           </a:prstGeom>
         </p:spPr>
         <p:txBody>
-          <a:bodyPr vert="horz" lIns="91440" tIns="45720" rIns="91440" bIns="45720" rtlCol="0" anchor="ctr"/>
+          <a:bodyPr vert="horz" lIns="91440" tIns="45720" rIns="91440" bIns="45720" rtlCol="0" anchor="t"/>
           <a:lstStyle>
             <a:lvl1pPr algn="r">
-              <a:defRPr sz="1200">
+              <a:defRPr sz="2800">
                 <a:solidFill>
-                  <a:schemeClr val="tx1">
-                    <a:tint val="75000"/>
-                  </a:schemeClr>
+                  <a:schemeClr val="accent1"/>
                 </a:solidFill>
               </a:defRPr>
             </a:lvl1pPr>
           </a:lstStyle>
           <a:p>
-            <a:fld id="{C1FF6DA9-008F-8B48-92A6-B652298478BF}" type="slidenum">
-              <a:rPr lang="en-US" smtClean="0"/>
+            <a:fld id="{80B75221-7FF7-5846-8D81-216EBB3FA69A}" type="slidenum">
+              <a:rPr lang="en-AM" smtClean="0"/>
               <a:t>‹#›</a:t>
             </a:fld>
-            <a:endParaRPr lang="en-US"/>
-          </a:p>
-        </p:txBody>
-      </p:sp>
+            <a:endParaRPr lang="en-AM"/>
+          </a:p>
+        </p:txBody>
+      </p:sp>
+      <p:cxnSp>
+        <p:nvCxnSpPr>
+          <p:cNvPr id="10" name="Straight Connector 9"/>
+          <p:cNvCxnSpPr/>
+          <p:nvPr/>
+        </p:nvCxnSpPr>
+        <p:spPr>
+          <a:xfrm>
+            <a:off x="0" y="6128413"/>
+            <a:ext cx="12192000" cy="0"/>
+          </a:xfrm>
+          <a:prstGeom prst="line">
+            <a:avLst/>
+          </a:prstGeom>
+          <a:ln w="12700">
+            <a:solidFill>
+              <a:srgbClr val="000001">
+                <a:alpha val="20000"/>
+              </a:srgbClr>
+            </a:solidFill>
+          </a:ln>
+        </p:spPr>
+        <p:style>
+          <a:lnRef idx="1">
+            <a:schemeClr val="accent1"/>
+          </a:lnRef>
+          <a:fillRef idx="0">
+            <a:schemeClr val="accent1"/>
+          </a:fillRef>
+          <a:effectRef idx="0">
+            <a:schemeClr val="accent1"/>
+          </a:effectRef>
+          <a:fontRef idx="minor">
+            <a:schemeClr val="tx1"/>
+          </a:fontRef>
+        </p:style>
+      </p:cxnSp>
     </p:spTree>
     <p:extLst>
       <p:ext uri="{BB962C8B-B14F-4D97-AF65-F5344CB8AC3E}">
-        <p14:creationId xmlns:p14="http://schemas.microsoft.com/office/powerpoint/2010/main" val="2209977519"/>
+        <p14:creationId xmlns:p14="http://schemas.microsoft.com/office/powerpoint/2010/main" val="1038822162"/>
       </p:ext>
     </p:extLst>
   </p:cSld>
   <p:clrMap bg1="lt1" tx1="dk1" bg2="lt2" tx2="dk2" accent1="accent1" accent2="accent2" accent3="accent3" accent4="accent4" accent5="accent5" accent6="accent6" hlink="hlink" folHlink="folHlink"/>
   <p:sldLayoutIdLst>
-    <p:sldLayoutId id="2147483649" r:id="rId1"/>
-    <p:sldLayoutId id="2147483650" r:id="rId2"/>
-    <p:sldLayoutId id="2147483651" r:id="rId3"/>
-    <p:sldLayoutId id="2147483652" r:id="rId4"/>
-    <p:sldLayoutId id="2147483653" r:id="rId5"/>
-    <p:sldLayoutId id="2147483654" r:id="rId6"/>
-    <p:sldLayoutId id="2147483655" r:id="rId7"/>
-    <p:sldLayoutId id="2147483656" r:id="rId8"/>
-    <p:sldLayoutId id="2147483657" r:id="rId9"/>
-    <p:sldLayoutId id="2147483658" r:id="rId10"/>
-    <p:sldLayoutId id="2147483659" r:id="rId11"/>
+    <p:sldLayoutId id="2147483673" r:id="rId1"/>
+    <p:sldLayoutId id="2147483674" r:id="rId2"/>
+    <p:sldLayoutId id="2147483675" r:id="rId3"/>
+    <p:sldLayoutId id="2147483676" r:id="rId4"/>
+    <p:sldLayoutId id="2147483677" r:id="rId5"/>
+    <p:sldLayoutId id="2147483678" r:id="rId6"/>
+    <p:sldLayoutId id="2147483679" r:id="rId7"/>
+    <p:sldLayoutId id="2147483680" r:id="rId8"/>
+    <p:sldLayoutId id="2147483681" r:id="rId9"/>
+    <p:sldLayoutId id="2147483682" r:id="rId10"/>
+    <p:sldLayoutId id="2147483683" r:id="rId11"/>
   </p:sldLayoutIdLst>
   <p:txStyles>
     <p:titleStyle>
-      <a:lvl1pPr algn="ctr" defTabSz="457200" rtl="0" eaLnBrk="1" latinLnBrk="0" hangingPunct="1">
+      <a:lvl1pPr algn="l" defTabSz="914400" rtl="0" eaLnBrk="1" latinLnBrk="0" hangingPunct="1">
+        <a:lnSpc>
+          <a:spcPct val="90000"/>
+        </a:lnSpc>
         <a:spcBef>
           <a:spcPct val="0"/>
         </a:spcBef>
         <a:buNone/>
-        <a:defRPr sz="4400" kern="1200">
+        <a:defRPr sz="3200" b="0" i="0" kern="1200" cap="all">
           <a:solidFill>
             <a:schemeClr val="tx1"/>
           </a:solidFill>
+          <a:effectLst/>
           <a:latin typeface="+mj-lt"/>
           <a:ea typeface="+mj-ea"/>
           <a:cs typeface="+mj-cs"/>
@@ -2858,136 +3310,208 @@
       </a:lvl1pPr>
     </p:titleStyle>
     <p:bodyStyle>
-      <a:lvl1pPr marL="342900" indent="-342900" algn="l" defTabSz="457200" rtl="0" eaLnBrk="1" latinLnBrk="0" hangingPunct="1">
+      <a:lvl1pPr marL="228600" indent="-228600" algn="l" defTabSz="914400" rtl="0" eaLnBrk="1" latinLnBrk="0" hangingPunct="1">
+        <a:lnSpc>
+          <a:spcPct val="120000"/>
+        </a:lnSpc>
         <a:spcBef>
-          <a:spcPct val="20000"/>
+          <a:spcPts val="1000"/>
         </a:spcBef>
-        <a:buFont typeface="Arial"/>
+        <a:buClr>
+          <a:schemeClr val="accent1"/>
+        </a:buClr>
+        <a:buSzPct val="100000"/>
+        <a:buFont typeface="Arial" panose="020B0604020202020204" pitchFamily="34" charset="0"/>
         <a:buChar char="•"/>
-        <a:defRPr sz="3200" kern="1200">
+        <a:defRPr sz="2000" kern="1200">
           <a:solidFill>
             <a:schemeClr val="tx1"/>
           </a:solidFill>
+          <a:effectLst/>
           <a:latin typeface="+mn-lt"/>
           <a:ea typeface="+mn-ea"/>
           <a:cs typeface="+mn-cs"/>
         </a:defRPr>
       </a:lvl1pPr>
-      <a:lvl2pPr marL="742950" indent="-285750" algn="l" defTabSz="457200" rtl="0" eaLnBrk="1" latinLnBrk="0" hangingPunct="1">
+      <a:lvl2pPr marL="685800" indent="-228600" algn="l" defTabSz="914400" rtl="0" eaLnBrk="1" latinLnBrk="0" hangingPunct="1">
+        <a:lnSpc>
+          <a:spcPct val="120000"/>
+        </a:lnSpc>
         <a:spcBef>
-          <a:spcPct val="20000"/>
+          <a:spcPts val="500"/>
         </a:spcBef>
-        <a:buFont typeface="Arial"/>
-        <a:buChar char="–"/>
-        <a:defRPr sz="2800" kern="1200">
+        <a:buClr>
+          <a:schemeClr val="accent1"/>
+        </a:buClr>
+        <a:buSzPct val="100000"/>
+        <a:buFont typeface="Arial" panose="020B0604020202020204" pitchFamily="34" charset="0"/>
+        <a:buChar char="•"/>
+        <a:defRPr sz="1800" kern="1200" cap="none" baseline="0">
           <a:solidFill>
             <a:schemeClr val="tx1"/>
           </a:solidFill>
+          <a:effectLst/>
           <a:latin typeface="+mn-lt"/>
           <a:ea typeface="+mn-ea"/>
           <a:cs typeface="+mn-cs"/>
         </a:defRPr>
       </a:lvl2pPr>
-      <a:lvl3pPr marL="1143000" indent="-228600" algn="l" defTabSz="457200" rtl="0" eaLnBrk="1" latinLnBrk="0" hangingPunct="1">
+      <a:lvl3pPr marL="1143000" indent="-228600" algn="l" defTabSz="914400" rtl="0" eaLnBrk="1" latinLnBrk="0" hangingPunct="1">
+        <a:lnSpc>
+          <a:spcPct val="120000"/>
+        </a:lnSpc>
         <a:spcBef>
-          <a:spcPct val="20000"/>
+          <a:spcPts val="500"/>
         </a:spcBef>
-        <a:buFont typeface="Arial"/>
+        <a:buClr>
+          <a:schemeClr val="accent1"/>
+        </a:buClr>
+        <a:buSzPct val="100000"/>
+        <a:buFont typeface="Arial" panose="020B0604020202020204" pitchFamily="34" charset="0"/>
         <a:buChar char="•"/>
-        <a:defRPr sz="2400" kern="1200">
+        <a:defRPr sz="1600" kern="1200">
           <a:solidFill>
             <a:schemeClr val="tx1"/>
           </a:solidFill>
+          <a:effectLst/>
           <a:latin typeface="+mn-lt"/>
           <a:ea typeface="+mn-ea"/>
           <a:cs typeface="+mn-cs"/>
         </a:defRPr>
       </a:lvl3pPr>
-      <a:lvl4pPr marL="1600200" indent="-228600" algn="l" defTabSz="457200" rtl="0" eaLnBrk="1" latinLnBrk="0" hangingPunct="1">
+      <a:lvl4pPr marL="1600200" indent="-228600" algn="l" defTabSz="914400" rtl="0" eaLnBrk="1" latinLnBrk="0" hangingPunct="1">
+        <a:lnSpc>
+          <a:spcPct val="120000"/>
+        </a:lnSpc>
         <a:spcBef>
-          <a:spcPct val="20000"/>
+          <a:spcPts val="500"/>
         </a:spcBef>
-        <a:buFont typeface="Arial"/>
-        <a:buChar char="–"/>
-        <a:defRPr sz="2000" kern="1200">
+        <a:buClr>
+          <a:schemeClr val="accent1"/>
+        </a:buClr>
+        <a:buSzPct val="100000"/>
+        <a:buFont typeface="Arial" panose="020B0604020202020204" pitchFamily="34" charset="0"/>
+        <a:buChar char="•"/>
+        <a:defRPr sz="1400" kern="1200" cap="none" baseline="0">
           <a:solidFill>
             <a:schemeClr val="tx1"/>
           </a:solidFill>
+          <a:effectLst/>
           <a:latin typeface="+mn-lt"/>
           <a:ea typeface="+mn-ea"/>
           <a:cs typeface="+mn-cs"/>
         </a:defRPr>
       </a:lvl4pPr>
-      <a:lvl5pPr marL="2057400" indent="-228600" algn="l" defTabSz="457200" rtl="0" eaLnBrk="1" latinLnBrk="0" hangingPunct="1">
+      <a:lvl5pPr marL="2057400" indent="-228600" algn="l" defTabSz="914400" rtl="0" eaLnBrk="1" latinLnBrk="0" hangingPunct="1">
+        <a:lnSpc>
+          <a:spcPct val="120000"/>
+        </a:lnSpc>
         <a:spcBef>
-          <a:spcPct val="20000"/>
+          <a:spcPts val="500"/>
         </a:spcBef>
-        <a:buFont typeface="Arial"/>
-        <a:buChar char="»"/>
-        <a:defRPr sz="2000" kern="1200">
+        <a:buClr>
+          <a:schemeClr val="accent1"/>
+        </a:buClr>
+        <a:buSzPct val="100000"/>
+        <a:buFont typeface="Arial" panose="020B0604020202020204" pitchFamily="34" charset="0"/>
+        <a:buChar char="•"/>
+        <a:defRPr sz="1200" kern="1200">
           <a:solidFill>
             <a:schemeClr val="tx1"/>
           </a:solidFill>
+          <a:effectLst/>
           <a:latin typeface="+mn-lt"/>
           <a:ea typeface="+mn-ea"/>
           <a:cs typeface="+mn-cs"/>
         </a:defRPr>
       </a:lvl5pPr>
-      <a:lvl6pPr marL="2514600" indent="-228600" algn="l" defTabSz="457200" rtl="0" eaLnBrk="1" latinLnBrk="0" hangingPunct="1">
+      <a:lvl6pPr marL="2514600" indent="-228600" algn="l" defTabSz="914400" rtl="0" eaLnBrk="1" latinLnBrk="0" hangingPunct="1">
+        <a:lnSpc>
+          <a:spcPct val="120000"/>
+        </a:lnSpc>
         <a:spcBef>
-          <a:spcPct val="20000"/>
+          <a:spcPts val="500"/>
         </a:spcBef>
-        <a:buFont typeface="Arial"/>
+        <a:buClr>
+          <a:schemeClr val="accent1"/>
+        </a:buClr>
+        <a:buSzPct val="100000"/>
+        <a:buFont typeface="Arial" panose="020B0604020202020204" pitchFamily="34" charset="0"/>
         <a:buChar char="•"/>
-        <a:defRPr sz="2000" kern="1200">
+        <a:defRPr sz="1200" kern="1200">
           <a:solidFill>
             <a:schemeClr val="tx1"/>
           </a:solidFill>
+          <a:effectLst/>
           <a:latin typeface="+mn-lt"/>
           <a:ea typeface="+mn-ea"/>
           <a:cs typeface="+mn-cs"/>
         </a:defRPr>
       </a:lvl6pPr>
-      <a:lvl7pPr marL="2971800" indent="-228600" algn="l" defTabSz="457200" rtl="0" eaLnBrk="1" latinLnBrk="0" hangingPunct="1">
+      <a:lvl7pPr marL="2971800" indent="-228600" algn="l" defTabSz="914400" rtl="0" eaLnBrk="1" latinLnBrk="0" hangingPunct="1">
+        <a:lnSpc>
+          <a:spcPct val="120000"/>
+        </a:lnSpc>
         <a:spcBef>
-          <a:spcPct val="20000"/>
+          <a:spcPts val="500"/>
         </a:spcBef>
-        <a:buFont typeface="Arial"/>
+        <a:buClr>
+          <a:schemeClr val="accent1"/>
+        </a:buClr>
+        <a:buSzPct val="100000"/>
+        <a:buFont typeface="Arial" panose="020B0604020202020204" pitchFamily="34" charset="0"/>
         <a:buChar char="•"/>
-        <a:defRPr sz="2000" kern="1200">
+        <a:defRPr sz="1200" kern="1200">
           <a:solidFill>
             <a:schemeClr val="tx1"/>
           </a:solidFill>
+          <a:effectLst/>
           <a:latin typeface="+mn-lt"/>
           <a:ea typeface="+mn-ea"/>
           <a:cs typeface="+mn-cs"/>
         </a:defRPr>
       </a:lvl7pPr>
-      <a:lvl8pPr marL="3429000" indent="-228600" algn="l" defTabSz="457200" rtl="0" eaLnBrk="1" latinLnBrk="0" hangingPunct="1">
+      <a:lvl8pPr marL="3429000" indent="-228600" algn="l" defTabSz="914400" rtl="0" eaLnBrk="1" latinLnBrk="0" hangingPunct="1">
+        <a:lnSpc>
+          <a:spcPct val="120000"/>
+        </a:lnSpc>
         <a:spcBef>
-          <a:spcPct val="20000"/>
+          <a:spcPts val="500"/>
         </a:spcBef>
-        <a:buFont typeface="Arial"/>
+        <a:buClr>
+          <a:schemeClr val="accent1"/>
+        </a:buClr>
+        <a:buSzPct val="100000"/>
+        <a:buFont typeface="Arial" panose="020B0604020202020204" pitchFamily="34" charset="0"/>
         <a:buChar char="•"/>
-        <a:defRPr sz="2000" kern="1200">
+        <a:defRPr sz="1200" kern="1200" baseline="0">
           <a:solidFill>
             <a:schemeClr val="tx1"/>
           </a:solidFill>
+          <a:effectLst/>
           <a:latin typeface="+mn-lt"/>
           <a:ea typeface="+mn-ea"/>
           <a:cs typeface="+mn-cs"/>
         </a:defRPr>
       </a:lvl8pPr>
-      <a:lvl9pPr marL="3886200" indent="-228600" algn="l" defTabSz="457200" rtl="0" eaLnBrk="1" latinLnBrk="0" hangingPunct="1">
+      <a:lvl9pPr marL="3886200" indent="-228600" algn="l" defTabSz="914400" rtl="0" eaLnBrk="1" latinLnBrk="0" hangingPunct="1">
+        <a:lnSpc>
+          <a:spcPct val="120000"/>
+        </a:lnSpc>
         <a:spcBef>
-          <a:spcPct val="20000"/>
+          <a:spcPts val="500"/>
         </a:spcBef>
-        <a:buFont typeface="Arial"/>
+        <a:buClr>
+          <a:schemeClr val="accent1"/>
+        </a:buClr>
+        <a:buSzPct val="100000"/>
+        <a:buFont typeface="Arial" panose="020B0604020202020204" pitchFamily="34" charset="0"/>
         <a:buChar char="•"/>
-        <a:defRPr sz="2000" kern="1200">
+        <a:defRPr sz="1200" kern="1200" baseline="0">
           <a:solidFill>
             <a:schemeClr val="tx1"/>
           </a:solidFill>
+          <a:effectLst/>
           <a:latin typeface="+mn-lt"/>
           <a:ea typeface="+mn-ea"/>
           <a:cs typeface="+mn-cs"/>
@@ -2998,7 +3522,7 @@
       <a:defPPr>
         <a:defRPr lang="en-US"/>
       </a:defPPr>
-      <a:lvl1pPr marL="0" algn="l" defTabSz="457200" rtl="0" eaLnBrk="1" latinLnBrk="0" hangingPunct="1">
+      <a:lvl1pPr marL="0" algn="l" defTabSz="914400" rtl="0" eaLnBrk="1" latinLnBrk="0" hangingPunct="1">
         <a:defRPr sz="1800" kern="1200">
           <a:solidFill>
             <a:schemeClr val="tx1"/>
@@ -3008,7 +3532,7 @@
           <a:cs typeface="+mn-cs"/>
         </a:defRPr>
       </a:lvl1pPr>
-      <a:lvl2pPr marL="457200" algn="l" defTabSz="457200" rtl="0" eaLnBrk="1" latinLnBrk="0" hangingPunct="1">
+      <a:lvl2pPr marL="457200" algn="l" defTabSz="914400" rtl="0" eaLnBrk="1" latinLnBrk="0" hangingPunct="1">
         <a:defRPr sz="1800" kern="1200">
           <a:solidFill>
             <a:schemeClr val="tx1"/>
@@ -3018,7 +3542,7 @@
           <a:cs typeface="+mn-cs"/>
         </a:defRPr>
       </a:lvl2pPr>
-      <a:lvl3pPr marL="914400" algn="l" defTabSz="457200" rtl="0" eaLnBrk="1" latinLnBrk="0" hangingPunct="1">
+      <a:lvl3pPr marL="914400" algn="l" defTabSz="914400" rtl="0" eaLnBrk="1" latinLnBrk="0" hangingPunct="1">
         <a:defRPr sz="1800" kern="1200">
           <a:solidFill>
             <a:schemeClr val="tx1"/>
@@ -3028,7 +3552,7 @@
           <a:cs typeface="+mn-cs"/>
         </a:defRPr>
       </a:lvl3pPr>
-      <a:lvl4pPr marL="1371600" algn="l" defTabSz="457200" rtl="0" eaLnBrk="1" latinLnBrk="0" hangingPunct="1">
+      <a:lvl4pPr marL="1371600" algn="l" defTabSz="914400" rtl="0" eaLnBrk="1" latinLnBrk="0" hangingPunct="1">
         <a:defRPr sz="1800" kern="1200">
           <a:solidFill>
             <a:schemeClr val="tx1"/>
@@ -3038,7 +3562,7 @@
           <a:cs typeface="+mn-cs"/>
         </a:defRPr>
       </a:lvl4pPr>
-      <a:lvl5pPr marL="1828800" algn="l" defTabSz="457200" rtl="0" eaLnBrk="1" latinLnBrk="0" hangingPunct="1">
+      <a:lvl5pPr marL="1828800" algn="l" defTabSz="914400" rtl="0" eaLnBrk="1" latinLnBrk="0" hangingPunct="1">
         <a:defRPr sz="1800" kern="1200">
           <a:solidFill>
             <a:schemeClr val="tx1"/>
@@ -3048,7 +3572,7 @@
           <a:cs typeface="+mn-cs"/>
         </a:defRPr>
       </a:lvl5pPr>
-      <a:lvl6pPr marL="2286000" algn="l" defTabSz="457200" rtl="0" eaLnBrk="1" latinLnBrk="0" hangingPunct="1">
+      <a:lvl6pPr marL="2286000" algn="l" defTabSz="914400" rtl="0" eaLnBrk="1" latinLnBrk="0" hangingPunct="1">
         <a:defRPr sz="1800" kern="1200">
           <a:solidFill>
             <a:schemeClr val="tx1"/>
@@ -3058,7 +3582,7 @@
           <a:cs typeface="+mn-cs"/>
         </a:defRPr>
       </a:lvl6pPr>
-      <a:lvl7pPr marL="2743200" algn="l" defTabSz="457200" rtl="0" eaLnBrk="1" latinLnBrk="0" hangingPunct="1">
+      <a:lvl7pPr marL="2743200" algn="l" defTabSz="914400" rtl="0" eaLnBrk="1" latinLnBrk="0" hangingPunct="1">
         <a:defRPr sz="1800" kern="1200">
           <a:solidFill>
             <a:schemeClr val="tx1"/>
@@ -3068,7 +3592,7 @@
           <a:cs typeface="+mn-cs"/>
         </a:defRPr>
       </a:lvl7pPr>
-      <a:lvl8pPr marL="3200400" algn="l" defTabSz="457200" rtl="0" eaLnBrk="1" latinLnBrk="0" hangingPunct="1">
+      <a:lvl8pPr marL="3200400" algn="l" defTabSz="914400" rtl="0" eaLnBrk="1" latinLnBrk="0" hangingPunct="1">
         <a:defRPr sz="1800" kern="1200">
           <a:solidFill>
             <a:schemeClr val="tx1"/>
@@ -3078,7 +3602,7 @@
           <a:cs typeface="+mn-cs"/>
         </a:defRPr>
       </a:lvl8pPr>
-      <a:lvl9pPr marL="3657600" algn="l" defTabSz="457200" rtl="0" eaLnBrk="1" latinLnBrk="0" hangingPunct="1">
+      <a:lvl9pPr marL="3657600" algn="l" defTabSz="914400" rtl="0" eaLnBrk="1" latinLnBrk="0" hangingPunct="1">
         <a:defRPr sz="1800" kern="1200">
           <a:solidFill>
             <a:schemeClr val="tx1"/>
@@ -3119,7 +3643,7 @@
           <a:lstStyle/>
           <a:p>
             <a:r>
-              <a:t>Introduction to Object-Oriented Programming</a:t>
+              <a:t>Convolutional Neural Networks</a:t>
             </a:r>
           </a:p>
         </p:txBody>
@@ -3140,7 +3664,7 @@
           <a:lstStyle/>
           <a:p>
             <a:r>
-              <a:t>Understanding the Fundamentals of OOP</a:t>
+              <a:t>An Introduction to CNNs and Their Applications</a:t>
             </a:r>
           </a:p>
         </p:txBody>
@@ -3179,7 +3703,7 @@
           <a:lstStyle/>
           <a:p>
             <a:r>
-              <a:t>Advanced Concepts of Inheritance in OOP</a:t>
+              <a:t>Conclusion</a:t>
             </a:r>
           </a:p>
         </p:txBody>
@@ -3207,7 +3731,7 @@
             </a:pPr>
             <a:r>
               <a:rPr sz="1800"/>
-              <a:t>Inheritance in Object-Oriented Programming allows classes to inherit attributes and behaviors from parent classes.</a:t>
+              <a:t>CNNs have revolutionized the field of image recognition and continue to push the boundaries of what is possible in machine learning and artificial intelligence</a:t>
             </a:r>
           </a:p>
           <a:p>
@@ -3218,552 +3742,7 @@
             </a:pPr>
             <a:r>
               <a:rPr sz="1800"/>
-              <a:t>This promotes code reusability, as common functionality can be defined once in a parent class and reused in child classes.</a:t>
-            </a:r>
-          </a:p>
-          <a:p>
-            <a:pPr>
-              <a:spcAft>
-                <a:spcPts val="720"/>
-              </a:spcAft>
-            </a:pPr>
-            <a:r>
-              <a:rPr sz="1800"/>
-              <a:t>For example, in a hierarchy of classes representing vehicles, a base class 'Vehicle' can define common properties like 'color' and 'speed', which are inherited by subclasses like 'Car' and 'Truck'.</a:t>
-            </a:r>
-          </a:p>
-        </p:txBody>
-      </p:sp>
-    </p:spTree>
-  </p:cSld>
-  <p:clrMapOvr>
-    <a:masterClrMapping/>
-  </p:clrMapOvr>
-</p:sld>
-</file>
-
-<file path=ppt/slides/slide11.xml><?xml version="1.0" encoding="utf-8"?>
-<p:sld xmlns:a="http://schemas.openxmlformats.org/drawingml/2006/main" xmlns:p="http://schemas.openxmlformats.org/presentationml/2006/main" xmlns:r="http://schemas.openxmlformats.org/officeDocument/2006/relationships">
-  <p:cSld>
-    <p:spTree>
-      <p:nvGrpSpPr>
-        <p:cNvPr id="1" name=""/>
-        <p:cNvGrpSpPr/>
-        <p:nvPr/>
-      </p:nvGrpSpPr>
-      <p:grpSpPr/>
-      <p:sp>
-        <p:nvSpPr>
-          <p:cNvPr id="2" name="Title 1"/>
-          <p:cNvSpPr>
-            <a:spLocks noGrp="1"/>
-          </p:cNvSpPr>
-          <p:nvPr>
-            <p:ph type="title"/>
-          </p:nvPr>
-        </p:nvSpPr>
-        <p:spPr/>
-        <p:txBody>
-          <a:bodyPr/>
-          <a:lstStyle/>
-          <a:p>
-            <a:r>
-              <a:t>Challenges in Implementing Inheritance</a:t>
-            </a:r>
-          </a:p>
-        </p:txBody>
-      </p:sp>
-      <p:sp>
-        <p:nvSpPr>
-          <p:cNvPr id="3" name="Content Placeholder 2"/>
-          <p:cNvSpPr>
-            <a:spLocks noGrp="1"/>
-          </p:cNvSpPr>
-          <p:nvPr>
-            <p:ph idx="1"/>
-          </p:nvPr>
-        </p:nvSpPr>
-        <p:spPr/>
-        <p:txBody>
-          <a:bodyPr/>
-          <a:lstStyle/>
-          <a:p/>
-          <a:p>
-            <a:pPr>
-              <a:spcAft>
-                <a:spcPts val="720"/>
-              </a:spcAft>
-            </a:pPr>
-            <a:r>
-              <a:rPr sz="1800"/>
-              <a:t>While inheritance provides benefits such as code reuse and structure, it can introduce complexities and dependencies in the code.</a:t>
-            </a:r>
-          </a:p>
-          <a:p>
-            <a:pPr>
-              <a:spcAft>
-                <a:spcPts val="720"/>
-              </a:spcAft>
-            </a:pPr>
-            <a:r>
-              <a:rPr sz="1800"/>
-              <a:t>Deep class hierarchies can lead to issues like the 'diamond problem' where multiple inheritance causes conflicts in method resolution.</a:t>
-            </a:r>
-          </a:p>
-          <a:p>
-            <a:pPr>
-              <a:spcAft>
-                <a:spcPts val="720"/>
-              </a:spcAft>
-            </a:pPr>
-            <a:r>
-              <a:rPr sz="1800"/>
-              <a:t>Careful design and planning are necessary to ensure that inheritance relationships are logical and maintainable in the long term.</a:t>
-            </a:r>
-          </a:p>
-        </p:txBody>
-      </p:sp>
-    </p:spTree>
-  </p:cSld>
-  <p:clrMapOvr>
-    <a:masterClrMapping/>
-  </p:clrMapOvr>
-</p:sld>
-</file>
-
-<file path=ppt/slides/slide12.xml><?xml version="1.0" encoding="utf-8"?>
-<p:sld xmlns:a="http://schemas.openxmlformats.org/drawingml/2006/main" xmlns:p="http://schemas.openxmlformats.org/presentationml/2006/main" xmlns:r="http://schemas.openxmlformats.org/officeDocument/2006/relationships">
-  <p:cSld>
-    <p:spTree>
-      <p:nvGrpSpPr>
-        <p:cNvPr id="1" name=""/>
-        <p:cNvGrpSpPr/>
-        <p:nvPr/>
-      </p:nvGrpSpPr>
-      <p:grpSpPr/>
-      <p:sp>
-        <p:nvSpPr>
-          <p:cNvPr id="2" name="Title 1"/>
-          <p:cNvSpPr>
-            <a:spLocks noGrp="1"/>
-          </p:cNvSpPr>
-          <p:nvPr>
-            <p:ph type="title"/>
-          </p:nvPr>
-        </p:nvSpPr>
-        <p:spPr/>
-        <p:txBody>
-          <a:bodyPr/>
-          <a:lstStyle/>
-          <a:p>
-            <a:r>
-              <a:t>Best Practices for Inheritance</a:t>
-            </a:r>
-          </a:p>
-        </p:txBody>
-      </p:sp>
-      <p:sp>
-        <p:nvSpPr>
-          <p:cNvPr id="3" name="Content Placeholder 2"/>
-          <p:cNvSpPr>
-            <a:spLocks noGrp="1"/>
-          </p:cNvSpPr>
-          <p:nvPr>
-            <p:ph idx="1"/>
-          </p:nvPr>
-        </p:nvSpPr>
-        <p:spPr/>
-        <p:txBody>
-          <a:bodyPr/>
-          <a:lstStyle/>
-          <a:p/>
-          <a:p>
-            <a:pPr>
-              <a:spcAft>
-                <a:spcPts val="720"/>
-              </a:spcAft>
-            </a:pPr>
-            <a:r>
-              <a:rPr sz="1800"/>
-              <a:t>Avoid deep inheritance hierarchies to prevent complexity and confusion in the codebase.</a:t>
-            </a:r>
-          </a:p>
-          <a:p>
-            <a:pPr>
-              <a:spcAft>
-                <a:spcPts val="720"/>
-              </a:spcAft>
-            </a:pPr>
-            <a:r>
-              <a:rPr sz="1800"/>
-              <a:t>Prefer composition over inheritance when classes have a 'has-a' relationship rather than an 'is-a' relationship.</a:t>
-            </a:r>
-          </a:p>
-          <a:p>
-            <a:pPr>
-              <a:spcAft>
-                <a:spcPts val="720"/>
-              </a:spcAft>
-            </a:pPr>
-            <a:r>
-              <a:rPr sz="1800"/>
-              <a:t>Use interfaces or abstract classes to define common behavior without the constraints of single inheritance.</a:t>
-            </a:r>
-          </a:p>
-        </p:txBody>
-      </p:sp>
-    </p:spTree>
-  </p:cSld>
-  <p:clrMapOvr>
-    <a:masterClrMapping/>
-  </p:clrMapOvr>
-</p:sld>
-</file>
-
-<file path=ppt/slides/slide13.xml><?xml version="1.0" encoding="utf-8"?>
-<p:sld xmlns:a="http://schemas.openxmlformats.org/drawingml/2006/main" xmlns:p="http://schemas.openxmlformats.org/presentationml/2006/main" xmlns:r="http://schemas.openxmlformats.org/officeDocument/2006/relationships">
-  <p:cSld>
-    <p:spTree>
-      <p:nvGrpSpPr>
-        <p:cNvPr id="1" name=""/>
-        <p:cNvGrpSpPr/>
-        <p:nvPr/>
-      </p:nvGrpSpPr>
-      <p:grpSpPr/>
-      <p:sp>
-        <p:nvSpPr>
-          <p:cNvPr id="2" name="Title 1"/>
-          <p:cNvSpPr>
-            <a:spLocks noGrp="1"/>
-          </p:cNvSpPr>
-          <p:nvPr>
-            <p:ph type="title"/>
-          </p:nvPr>
-        </p:nvSpPr>
-        <p:spPr/>
-        <p:txBody>
-          <a:bodyPr/>
-          <a:lstStyle/>
-          <a:p>
-            <a:r>
-              <a:t>Real-World Examples of Inheritance in Applications</a:t>
-            </a:r>
-          </a:p>
-        </p:txBody>
-      </p:sp>
-      <p:sp>
-        <p:nvSpPr>
-          <p:cNvPr id="3" name="Content Placeholder 2"/>
-          <p:cNvSpPr>
-            <a:spLocks noGrp="1"/>
-          </p:cNvSpPr>
-          <p:nvPr>
-            <p:ph idx="1"/>
-          </p:nvPr>
-        </p:nvSpPr>
-        <p:spPr/>
-        <p:txBody>
-          <a:bodyPr/>
-          <a:lstStyle/>
-          <a:p/>
-          <a:p>
-            <a:pPr>
-              <a:spcAft>
-                <a:spcPts val="720"/>
-              </a:spcAft>
-            </a:pPr>
-            <a:r>
-              <a:rPr sz="1800"/>
-              <a:t>Inheritance is commonly used in software development to model relationships between entities and promote code reuse.</a:t>
-            </a:r>
-          </a:p>
-          <a:p>
-            <a:pPr>
-              <a:spcAft>
-                <a:spcPts val="720"/>
-              </a:spcAft>
-            </a:pPr>
-            <a:r>
-              <a:rPr sz="1800"/>
-              <a:t>For instance, in a banking application, different account types like 'SavingsAccount' and 'CheckingAccount' can inherit common properties from a base 'Account' class.</a:t>
-            </a:r>
-          </a:p>
-          <a:p>
-            <a:pPr>
-              <a:spcAft>
-                <a:spcPts val="720"/>
-              </a:spcAft>
-            </a:pPr>
-            <a:r>
-              <a:rPr sz="1800"/>
-              <a:t>This allows for consistent behavior across account types while enabling specific functionality in each subclass.</a:t>
-            </a:r>
-          </a:p>
-        </p:txBody>
-      </p:sp>
-    </p:spTree>
-  </p:cSld>
-  <p:clrMapOvr>
-    <a:masterClrMapping/>
-  </p:clrMapOvr>
-</p:sld>
-</file>
-
-<file path=ppt/slides/slide14.xml><?xml version="1.0" encoding="utf-8"?>
-<p:sld xmlns:a="http://schemas.openxmlformats.org/drawingml/2006/main" xmlns:p="http://schemas.openxmlformats.org/presentationml/2006/main" xmlns:r="http://schemas.openxmlformats.org/officeDocument/2006/relationships">
-  <p:cSld>
-    <p:spTree>
-      <p:nvGrpSpPr>
-        <p:cNvPr id="1" name=""/>
-        <p:cNvGrpSpPr/>
-        <p:nvPr/>
-      </p:nvGrpSpPr>
-      <p:grpSpPr/>
-      <p:sp>
-        <p:nvSpPr>
-          <p:cNvPr id="2" name="Title 1"/>
-          <p:cNvSpPr>
-            <a:spLocks noGrp="1"/>
-          </p:cNvSpPr>
-          <p:nvPr>
-            <p:ph type="title"/>
-          </p:nvPr>
-        </p:nvSpPr>
-        <p:spPr/>
-        <p:txBody>
-          <a:bodyPr/>
-          <a:lstStyle/>
-          <a:p>
-            <a:r>
-              <a:t>Conclusion on the Significance of Inheritance</a:t>
-            </a:r>
-          </a:p>
-        </p:txBody>
-      </p:sp>
-      <p:sp>
-        <p:nvSpPr>
-          <p:cNvPr id="3" name="Content Placeholder 2"/>
-          <p:cNvSpPr>
-            <a:spLocks noGrp="1"/>
-          </p:cNvSpPr>
-          <p:nvPr>
-            <p:ph idx="1"/>
-          </p:nvPr>
-        </p:nvSpPr>
-        <p:spPr/>
-        <p:txBody>
-          <a:bodyPr/>
-          <a:lstStyle/>
-          <a:p/>
-          <a:p>
-            <a:pPr>
-              <a:spcAft>
-                <a:spcPts val="720"/>
-              </a:spcAft>
-            </a:pPr>
-            <a:r>
-              <a:rPr sz="1800"/>
-              <a:t>The concept of inheritance plays a crucial role in shaping the structure and design of software systems.</a:t>
-            </a:r>
-          </a:p>
-          <a:p>
-            <a:pPr>
-              <a:spcAft>
-                <a:spcPts val="720"/>
-              </a:spcAft>
-            </a:pPr>
-            <a:r>
-              <a:rPr sz="1800"/>
-              <a:t>By fostering code reusability, hierarchy, and extensibility, inheritance contributes to the development of maintainable and scalable applications.</a:t>
-            </a:r>
-          </a:p>
-          <a:p>
-            <a:pPr>
-              <a:spcAft>
-                <a:spcPts val="720"/>
-              </a:spcAft>
-            </a:pPr>
-            <a:r>
-              <a:rPr sz="1800"/>
-              <a:t>Understanding and effectively implementing inheritance is essential for software engineers to create robust and efficient software solutions.</a:t>
-            </a:r>
-          </a:p>
-        </p:txBody>
-      </p:sp>
-    </p:spTree>
-  </p:cSld>
-  <p:clrMapOvr>
-    <a:masterClrMapping/>
-  </p:clrMapOvr>
-</p:sld>
-</file>
-
-<file path=ppt/slides/slide15.xml><?xml version="1.0" encoding="utf-8"?>
-<p:sld xmlns:a="http://schemas.openxmlformats.org/drawingml/2006/main" xmlns:p="http://schemas.openxmlformats.org/presentationml/2006/main" xmlns:r="http://schemas.openxmlformats.org/officeDocument/2006/relationships">
-  <p:cSld>
-    <p:spTree>
-      <p:nvGrpSpPr>
-        <p:cNvPr id="1" name=""/>
-        <p:cNvGrpSpPr/>
-        <p:nvPr/>
-      </p:nvGrpSpPr>
-      <p:grpSpPr/>
-      <p:sp>
-        <p:nvSpPr>
-          <p:cNvPr id="2" name="Title 1"/>
-          <p:cNvSpPr>
-            <a:spLocks noGrp="1"/>
-          </p:cNvSpPr>
-          <p:nvPr>
-            <p:ph type="title"/>
-          </p:nvPr>
-        </p:nvSpPr>
-        <p:spPr/>
-        <p:txBody>
-          <a:bodyPr/>
-          <a:lstStyle/>
-          <a:p>
-            <a:r>
-              <a:t>References</a:t>
-            </a:r>
-          </a:p>
-        </p:txBody>
-      </p:sp>
-      <p:sp>
-        <p:nvSpPr>
-          <p:cNvPr id="3" name="Content Placeholder 2"/>
-          <p:cNvSpPr>
-            <a:spLocks noGrp="1"/>
-          </p:cNvSpPr>
-          <p:nvPr>
-            <p:ph idx="1"/>
-          </p:nvPr>
-        </p:nvSpPr>
-        <p:spPr/>
-        <p:txBody>
-          <a:bodyPr/>
-          <a:lstStyle/>
-          <a:p/>
-          <a:p>
-            <a:pPr>
-              <a:spcAft>
-                <a:spcPts val="720"/>
-              </a:spcAft>
-            </a:pPr>
-            <a:r>
-              <a:rPr sz="1800"/>
-              <a:t>1. Deitel, P., &amp; Deitel, H. (2009). Java: How to Program (8th ed.). Pearson Education, Inc.</a:t>
-            </a:r>
-          </a:p>
-          <a:p>
-            <a:pPr>
-              <a:spcAft>
-                <a:spcPts val="720"/>
-              </a:spcAft>
-            </a:pPr>
-            <a:r>
-              <a:rPr sz="1800"/>
-              <a:t>2. Eckel, B. (2006). Thinking in Java (4th ed.). Prentice Hall.</a:t>
-            </a:r>
-          </a:p>
-          <a:p>
-            <a:pPr>
-              <a:spcAft>
-                <a:spcPts val="720"/>
-              </a:spcAft>
-            </a:pPr>
-            <a:r>
-              <a:rPr sz="1800"/>
-              <a:t>3. Lethbridge, T., &amp; Laganière, R. (2005). Object-Oriented Software Engineering: Practical Software Development Using UML and Java, 2nd Edition. McGraw-Hill.</a:t>
-            </a:r>
-          </a:p>
-        </p:txBody>
-      </p:sp>
-    </p:spTree>
-  </p:cSld>
-  <p:clrMapOvr>
-    <a:masterClrMapping/>
-  </p:clrMapOvr>
-</p:sld>
-</file>
-
-<file path=ppt/slides/slide16.xml><?xml version="1.0" encoding="utf-8"?>
-<p:sld xmlns:a="http://schemas.openxmlformats.org/drawingml/2006/main" xmlns:p="http://schemas.openxmlformats.org/presentationml/2006/main" xmlns:r="http://schemas.openxmlformats.org/officeDocument/2006/relationships">
-  <p:cSld>
-    <p:spTree>
-      <p:nvGrpSpPr>
-        <p:cNvPr id="1" name=""/>
-        <p:cNvGrpSpPr/>
-        <p:nvPr/>
-      </p:nvGrpSpPr>
-      <p:grpSpPr/>
-      <p:sp>
-        <p:nvSpPr>
-          <p:cNvPr id="2" name="Title 1"/>
-          <p:cNvSpPr>
-            <a:spLocks noGrp="1"/>
-          </p:cNvSpPr>
-          <p:nvPr>
-            <p:ph type="title"/>
-          </p:nvPr>
-        </p:nvSpPr>
-        <p:spPr/>
-        <p:txBody>
-          <a:bodyPr/>
-          <a:lstStyle/>
-          <a:p>
-            <a:r>
-              <a:t>Thank You</a:t>
-            </a:r>
-          </a:p>
-        </p:txBody>
-      </p:sp>
-      <p:sp>
-        <p:nvSpPr>
-          <p:cNvPr id="3" name="Content Placeholder 2"/>
-          <p:cNvSpPr>
-            <a:spLocks noGrp="1"/>
-          </p:cNvSpPr>
-          <p:nvPr>
-            <p:ph idx="1"/>
-          </p:nvPr>
-        </p:nvSpPr>
-        <p:spPr/>
-        <p:txBody>
-          <a:bodyPr/>
-          <a:lstStyle/>
-          <a:p/>
-          <a:p>
-            <a:pPr>
-              <a:spcAft>
-                <a:spcPts val="720"/>
-              </a:spcAft>
-            </a:pPr>
-            <a:r>
-              <a:rPr sz="1800"/>
-              <a:t>Thank you for exploring the concepts of Object-Oriented Programming and Inheritance!</a:t>
-            </a:r>
-          </a:p>
-          <a:p>
-            <a:pPr>
-              <a:spcAft>
-                <a:spcPts val="720"/>
-              </a:spcAft>
-            </a:pPr>
-            <a:r>
-              <a:rPr sz="1800"/>
-              <a:t>Feel free to ask any further questions about OOP and inheritance.</a:t>
-            </a:r>
-          </a:p>
-          <a:p>
-            <a:pPr>
-              <a:spcAft>
-                <a:spcPts val="720"/>
-              </a:spcAft>
-            </a:pPr>
-            <a:r>
-              <a:rPr sz="1800"/>
-              <a:t>Hope you found the presentation insightful and helpful!</a:t>
+              <a:t>Ongoing research and development promise to further expand their capabilities and applications</a:t>
             </a:r>
           </a:p>
         </p:txBody>
@@ -3802,7 +3781,7 @@
           <a:lstStyle/>
           <a:p>
             <a:r>
-              <a:t>What is OOP?</a:t>
+              <a:t>What are Convolutional Neural Networks?</a:t>
             </a:r>
           </a:p>
         </p:txBody>
@@ -3830,7 +3809,7 @@
             </a:pPr>
             <a:r>
               <a:rPr sz="1800"/>
-              <a:t>Object-Oriented Programming (OOP) is a programming paradigm that uses objects to design applications and computer programs.</a:t>
+              <a:t>Convolutional Neural Networks (CNNs) are a class of deep neural networks most commonly applied to analyzing visual imagery</a:t>
             </a:r>
           </a:p>
           <a:p>
@@ -3841,7 +3820,7 @@
             </a:pPr>
             <a:r>
               <a:rPr sz="1800"/>
-              <a:t>In OOP, objects are instances of classes that encapsulate data and behavior, allowing for modular and reusable code.</a:t>
+              <a:t>They are specifically designed to process pixel data and are used in image recognition and classification challenges</a:t>
             </a:r>
           </a:p>
           <a:p>
@@ -3852,7 +3831,7 @@
             </a:pPr>
             <a:r>
               <a:rPr sz="1800"/>
-              <a:t>OOP focuses on concepts such as abstraction, encapsulation, inheritance, and polymorphism to organize code and improve software design.</a:t>
+              <a:t>CNNs use a series of convolutional layers to filter inputs for useful information</a:t>
             </a:r>
           </a:p>
         </p:txBody>
@@ -3891,7 +3870,7 @@
           <a:lstStyle/>
           <a:p>
             <a:r>
-              <a:t>Key Concepts of OOP</a:t>
+              <a:t>Architecture of CNNs</a:t>
             </a:r>
           </a:p>
         </p:txBody>
@@ -3903,7 +3882,7 @@
             <a:spLocks noGrp="1"/>
           </p:cNvSpPr>
           <p:nvPr>
-            <p:ph idx="1"/>
+            <p:ph idx="1" sz="half"/>
           </p:nvPr>
         </p:nvSpPr>
         <p:spPr/>
@@ -3919,7 +3898,7 @@
             </a:pPr>
             <a:r>
               <a:rPr sz="1800"/>
-              <a:t>Abstraction allows programmers to hide complex implementation details and only show the necessary features of an object.</a:t>
+              <a:t>The architecture of a CNN includes layers like convolutional layers, pooling layers, and fully connected layers</a:t>
             </a:r>
           </a:p>
           <a:p>
@@ -3930,22 +3909,30 @@
             </a:pPr>
             <a:r>
               <a:rPr sz="1800"/>
-              <a:t>Encapsulation combines data and methods into a single unit, protecting data from outside interference and misuse.</a:t>
-            </a:r>
-          </a:p>
-          <a:p>
-            <a:pPr>
-              <a:spcAft>
-                <a:spcPts val="720"/>
-              </a:spcAft>
-            </a:pPr>
-            <a:r>
-              <a:rPr sz="1800"/>
-              <a:t>Inheritance enables new classes to inherit attributes and methods from existing classes, promoting code reusability and hierarchy.</a:t>
-            </a:r>
-          </a:p>
-        </p:txBody>
-      </p:sp>
+              <a:t>Each layer performs distinct operations on the input data to capture and represent the features effectively</a:t>
+            </a:r>
+          </a:p>
+        </p:txBody>
+      </p:sp>
+      <p:pic>
+        <p:nvPicPr>
+          <p:cNvPr id="4" name="Content Placeholder 3" descr="downloaded_image_0.png"/>
+          <p:cNvPicPr>
+            <a:picLocks noGrp="1" noChangeAspect="1"/>
+          </p:cNvPicPr>
+          <p:nvPr>
+            <p:ph idx="2" sz="half"/>
+          </p:nvPr>
+        </p:nvPicPr>
+        <p:blipFill>
+          <a:blip r:embed="rId2"/>
+          <a:srcRect t="12956" b="12956"/>
+          <a:stretch>
+            <a:fillRect/>
+          </a:stretch>
+        </p:blipFill>
+        <p:spPr/>
+      </p:pic>
     </p:spTree>
   </p:cSld>
   <p:clrMapOvr>
@@ -3980,7 +3967,7 @@
           <a:lstStyle/>
           <a:p>
             <a:r>
-              <a:t>Classes and Objects in OOP</a:t>
+              <a:t>Convolutional Layers</a:t>
             </a:r>
           </a:p>
         </p:txBody>
@@ -3992,7 +3979,7 @@
             <a:spLocks noGrp="1"/>
           </p:cNvSpPr>
           <p:nvPr>
-            <p:ph idx="1" sz="half"/>
+            <p:ph idx="1"/>
           </p:nvPr>
         </p:nvSpPr>
         <p:spPr/>
@@ -4008,7 +3995,7 @@
             </a:pPr>
             <a:r>
               <a:rPr sz="1800"/>
-              <a:t>Classes are blueprints for creating objects, defining their structure and behavior.</a:t>
+              <a:t>Convolutional masks use filters to perform convolution operations</a:t>
             </a:r>
           </a:p>
           <a:p>
@@ -4019,7 +4006,7 @@
             </a:pPr>
             <a:r>
               <a:rPr sz="1800"/>
-              <a:t>Objects are instances of classes, representing real-world entities with attributes (data) and methods (behavior).</a:t>
+              <a:t>This operation extracts high-level features such as edges from the input image</a:t>
             </a:r>
           </a:p>
           <a:p>
@@ -4030,58 +4017,11 @@
             </a:pPr>
             <a:r>
               <a:rPr sz="1800"/>
-              <a:t>Inheritance allows classes to inherit characteristics from a parent class, promoting code reusability and modularity.</a:t>
-            </a:r>
-          </a:p>
-        </p:txBody>
-      </p:sp>
-      <p:sp>
-        <p:nvSpPr>
-          <p:cNvPr id="4" name="Content Placeholder 3"/>
-          <p:cNvSpPr>
-            <a:spLocks noGrp="1"/>
-          </p:cNvSpPr>
-          <p:nvPr>
-            <p:ph idx="2" sz="half"/>
-          </p:nvPr>
-        </p:nvSpPr>
-        <p:spPr/>
-        <p:txBody>
-          <a:bodyPr/>
-          <a:lstStyle/>
-          <a:p/>
-          <a:p>
-            <a:r>
-              <a:rPr sz="1800"/>
-              <a:t>Class and Object Diagram</a:t>
-            </a:r>
-          </a:p>
-        </p:txBody>
-      </p:sp>
-      <p:pic>
-        <p:nvPicPr>
-          <p:cNvPr id="5" name="Picture 4" descr="downloaded_image_0.png"/>
-          <p:cNvPicPr>
-            <a:picLocks noChangeAspect="1"/>
-          </p:cNvPicPr>
-          <p:nvPr/>
-        </p:nvPicPr>
-        <p:blipFill>
-          <a:blip r:embed="rId2"/>
-          <a:stretch>
-            <a:fillRect/>
-          </a:stretch>
-        </p:blipFill>
-        <p:spPr>
-          <a:xfrm>
-            <a:off x="5029200" y="2743200"/>
-            <a:ext cx="3657600" cy="3657600"/>
-          </a:xfrm>
-          <a:prstGeom prst="rect">
-            <a:avLst/>
-          </a:prstGeom>
-        </p:spPr>
-      </p:pic>
+              <a:t>Filters are adjusted during the learning process to capture the most relevant features</a:t>
+            </a:r>
+          </a:p>
+        </p:txBody>
+      </p:sp>
     </p:spTree>
   </p:cSld>
   <p:clrMapOvr>
@@ -4116,7 +4056,7 @@
           <a:lstStyle/>
           <a:p>
             <a:r>
-              <a:t>Polymorphism in OOP</a:t>
+              <a:t>Pooling Layers</a:t>
             </a:r>
           </a:p>
         </p:txBody>
@@ -4144,7 +4084,7 @@
             </a:pPr>
             <a:r>
               <a:rPr sz="1800"/>
-              <a:t>Polymorphism enables objects to be treated as instances of their parent class, allowing for flexibility and dynamic behavior at runtime.</a:t>
+              <a:t>Pooling layers reduce the spatial size of the representation to reduce the number of parameters and computation in the network</a:t>
             </a:r>
           </a:p>
           <a:p>
@@ -4155,18 +4095,7 @@
             </a:pPr>
             <a:r>
               <a:rPr sz="1800"/>
-              <a:t>Method overloading and method overriding are common examples of polymorphism in OOP, providing different implementations of the same method.</a:t>
-            </a:r>
-          </a:p>
-          <a:p>
-            <a:pPr>
-              <a:spcAft>
-                <a:spcPts val="720"/>
-              </a:spcAft>
-            </a:pPr>
-            <a:r>
-              <a:rPr sz="1800"/>
-              <a:t>Polymorphism simplifies code maintenance and promotes code reusability by facilitating flexibility and extensibility.</a:t>
+              <a:t>The most common type of pooling is max pooling, which selects the maximum value from each sub-region of the feature map</a:t>
             </a:r>
           </a:p>
         </p:txBody>
@@ -4205,7 +4134,7 @@
           <a:lstStyle/>
           <a:p>
             <a:r>
-              <a:t>Benefits of OOP</a:t>
+              <a:t>Fully Connected Layers</a:t>
             </a:r>
           </a:p>
         </p:txBody>
@@ -4233,7 +4162,7 @@
             </a:pPr>
             <a:r>
               <a:rPr sz="1800"/>
-              <a:t>OOP promotes code reusability, modularity, and flexibility, making it easier to maintain and update software.</a:t>
+              <a:t>After several convolutional and pooling layers, the high-level reasoning in the neural network is done via fully connected layers</a:t>
             </a:r>
           </a:p>
           <a:p>
@@ -4244,18 +4173,7 @@
             </a:pPr>
             <a:r>
               <a:rPr sz="1800"/>
-              <a:t>Encapsulation enhances data security and reduces system complexity by hiding implementation details.</a:t>
-            </a:r>
-          </a:p>
-          <a:p>
-            <a:pPr>
-              <a:spcAft>
-                <a:spcPts val="720"/>
-              </a:spcAft>
-            </a:pPr>
-            <a:r>
-              <a:rPr sz="1800"/>
-              <a:t>Inheritance simplifies code structure and promotes hierarchical relationships between classes, improving software design.</a:t>
+              <a:t>Neurons in a fully connected layer have full connections to all activations in the previous layer</a:t>
             </a:r>
           </a:p>
         </p:txBody>
@@ -4294,7 +4212,7 @@
           <a:lstStyle/>
           <a:p>
             <a:r>
-              <a:t>Challenges in OOP</a:t>
+              <a:t>Applications of CNNs</a:t>
             </a:r>
           </a:p>
         </p:txBody>
@@ -4322,7 +4240,7 @@
             </a:pPr>
             <a:r>
               <a:rPr sz="1800"/>
-              <a:t>Complexity in class hierarchies and relationships can lead to difficulties in understanding and maintaining OOP code.</a:t>
+              <a:t>CNNs are widely used in image and video recognition, image classification, medical image analysis, and natural language processing</a:t>
             </a:r>
           </a:p>
           <a:p>
@@ -4333,18 +4251,7 @@
             </a:pPr>
             <a:r>
               <a:rPr sz="1800"/>
-              <a:t>Overuse of inheritance can result in tightly coupled classes, making code modification and extension challenging.</a:t>
-            </a:r>
-          </a:p>
-          <a:p>
-            <a:pPr>
-              <a:spcAft>
-                <a:spcPts val="720"/>
-              </a:spcAft>
-            </a:pPr>
-            <a:r>
-              <a:rPr sz="1800"/>
-              <a:t>Proper design patterns and principles such as SOLID (Single Responsibility, Open/Closed, Liskov Substitution, Interface Segregation, Dependency Inversion) can help address these challenges.</a:t>
+              <a:t>They also play a crucial role in the development of autonomous vehicles by enabling them to recognize obstacles</a:t>
             </a:r>
           </a:p>
         </p:txBody>
@@ -4383,7 +4290,7 @@
           <a:lstStyle/>
           <a:p>
             <a:r>
-              <a:t>Real-World Examples of OOP</a:t>
+              <a:t>Advancements in CNNs</a:t>
             </a:r>
           </a:p>
         </p:txBody>
@@ -4411,7 +4318,7 @@
             </a:pPr>
             <a:r>
               <a:rPr sz="1800"/>
-              <a:t>Software applications like web browsers, graphic design tools, and word processors are often developed using OOP principles.</a:t>
+              <a:t>Research in CNN architectures has led to the development of deeper and more complex networks capable of achieving state-of-the-art performance on various tasks</a:t>
             </a:r>
           </a:p>
           <a:p>
@@ -4422,18 +4329,7 @@
             </a:pPr>
             <a:r>
               <a:rPr sz="1800"/>
-              <a:t>Game development, financial modeling, and enterprise software systems also leverage OOP for creating scalable and maintainable solutions.</a:t>
-            </a:r>
-          </a:p>
-          <a:p>
-            <a:pPr>
-              <a:spcAft>
-                <a:spcPts val="720"/>
-              </a:spcAft>
-            </a:pPr>
-            <a:r>
-              <a:rPr sz="1800"/>
-              <a:t>Popular programming languages such as Java, C++, and Python support OOP features to facilitate software development.</a:t>
+              <a:t>New advancements focus on making CNNs more efficient, requiring less computational power and data</a:t>
             </a:r>
           </a:p>
         </p:txBody>
@@ -4472,7 +4368,7 @@
           <a:lstStyle/>
           <a:p>
             <a:r>
-              <a:t>Conclusion</a:t>
+              <a:t>Challenges in CNN Development</a:t>
             </a:r>
           </a:p>
         </p:txBody>
@@ -4484,7 +4380,7 @@
             <a:spLocks noGrp="1"/>
           </p:cNvSpPr>
           <p:nvPr>
-            <p:ph idx="1"/>
+            <p:ph idx="1" sz="half"/>
           </p:nvPr>
         </p:nvSpPr>
         <p:spPr/>
@@ -4500,7 +4396,7 @@
             </a:pPr>
             <a:r>
               <a:rPr sz="1800"/>
-              <a:t>In conclusion, Object-Oriented Programming provides a powerful framework for developing software systems by focusing on objects and classes.</a:t>
+              <a:t>Despite their success, CNNs face challenges such as overfitting to training data</a:t>
             </a:r>
           </a:p>
           <a:p>
@@ -4511,22 +4407,30 @@
             </a:pPr>
             <a:r>
               <a:rPr sz="1800"/>
-              <a:t>By incorporating key concepts such as inheritance, encapsulation, and polymorphism, OOP promotes code reusability and modularity.</a:t>
-            </a:r>
-          </a:p>
-          <a:p>
-            <a:pPr>
-              <a:spcAft>
-                <a:spcPts val="720"/>
-              </a:spcAft>
-            </a:pPr>
-            <a:r>
-              <a:rPr sz="1800"/>
-              <a:t>As software complexity grows, OOP remains a valuable approach for creating scalable, maintainable, and efficient applications.</a:t>
-            </a:r>
-          </a:p>
-        </p:txBody>
-      </p:sp>
+              <a:t>They also require significant computational resources, which can be a barrier to entry for smaller organizations</a:t>
+            </a:r>
+          </a:p>
+        </p:txBody>
+      </p:sp>
+      <p:pic>
+        <p:nvPicPr>
+          <p:cNvPr id="4" name="Content Placeholder 3" descr="downloaded_image_1.png"/>
+          <p:cNvPicPr>
+            <a:picLocks noGrp="1" noChangeAspect="1"/>
+          </p:cNvPicPr>
+          <p:nvPr>
+            <p:ph idx="2" sz="half"/>
+          </p:nvPr>
+        </p:nvPicPr>
+        <p:blipFill>
+          <a:blip r:embed="rId2"/>
+          <a:srcRect t="12956" b="12956"/>
+          <a:stretch>
+            <a:fillRect/>
+          </a:stretch>
+        </p:blipFill>
+        <p:spPr/>
+      </p:pic>
     </p:spTree>
   </p:cSld>
   <p:clrMapOvr>
@@ -4536,9 +4440,9 @@
 </file>
 
 <file path=ppt/theme/theme1.xml><?xml version="1.0" encoding="utf-8"?>
-<a:theme xmlns:a="http://schemas.openxmlformats.org/drawingml/2006/main" name="Office Theme">
+<a:theme xmlns:a="http://schemas.openxmlformats.org/drawingml/2006/main" name="Gallery">
   <a:themeElements>
-    <a:clrScheme name="Office">
+    <a:clrScheme name="Gallery">
       <a:dk1>
         <a:sysClr val="windowText" lastClr="000000"/>
       </a:dk1>
@@ -4546,44 +4450,44 @@
         <a:sysClr val="window" lastClr="FFFFFF"/>
       </a:lt1>
       <a:dk2>
-        <a:srgbClr val="1F497D"/>
+        <a:srgbClr val="454545"/>
       </a:dk2>
       <a:lt2>
-        <a:srgbClr val="EEECE1"/>
+        <a:srgbClr val="DFDBD5"/>
       </a:lt2>
       <a:accent1>
-        <a:srgbClr val="4F81BD"/>
+        <a:srgbClr val="B71E42"/>
       </a:accent1>
       <a:accent2>
-        <a:srgbClr val="C0504D"/>
+        <a:srgbClr val="DE478E"/>
       </a:accent2>
       <a:accent3>
-        <a:srgbClr val="9BBB59"/>
+        <a:srgbClr val="BC72F0"/>
       </a:accent3>
       <a:accent4>
-        <a:srgbClr val="8064A2"/>
+        <a:srgbClr val="795FAF"/>
       </a:accent4>
       <a:accent5>
-        <a:srgbClr val="4BACC6"/>
+        <a:srgbClr val="586EA6"/>
       </a:accent5>
       <a:accent6>
-        <a:srgbClr val="F79646"/>
+        <a:srgbClr val="6892A0"/>
       </a:accent6>
       <a:hlink>
-        <a:srgbClr val="0000FF"/>
+        <a:srgbClr val="FA2B5C"/>
       </a:hlink>
       <a:folHlink>
-        <a:srgbClr val="800080"/>
+        <a:srgbClr val="BC658E"/>
       </a:folHlink>
     </a:clrScheme>
-    <a:fontScheme name="Office">
+    <a:fontScheme name="Gallery">
       <a:majorFont>
-        <a:latin typeface="Calibri"/>
+        <a:latin typeface="Gill Sans MT" panose="020B0502020104020203"/>
         <a:ea typeface=""/>
         <a:cs typeface=""/>
-        <a:font script="Jpan" typeface="ＭＳ Ｐゴシック"/>
+        <a:font script="Jpan" typeface="游ゴシック Light"/>
         <a:font script="Hang" typeface="맑은 고딕"/>
-        <a:font script="Hans" typeface="宋体"/>
+        <a:font script="Hans" typeface="等线 Light"/>
         <a:font script="Hant" typeface="新細明體"/>
         <a:font script="Arab" typeface="Times New Roman"/>
         <a:font script="Hebr" typeface="Times New Roman"/>
@@ -4613,12 +4517,12 @@
         <a:font script="Geor" typeface="Sylfaen"/>
       </a:majorFont>
       <a:minorFont>
-        <a:latin typeface="Calibri"/>
+        <a:latin typeface="Gill Sans MT" panose="020B0502020104020203"/>
         <a:ea typeface=""/>
         <a:cs typeface=""/>
-        <a:font script="Jpan" typeface="ＭＳ Ｐゴシック"/>
+        <a:font script="Jpan" typeface="游ゴシック"/>
         <a:font script="Hang" typeface="맑은 고딕"/>
-        <a:font script="Hans" typeface="宋体"/>
+        <a:font script="Hans" typeface="等线"/>
         <a:font script="Hant" typeface="新細明體"/>
         <a:font script="Arab" typeface="Arial"/>
         <a:font script="Hebr" typeface="Arial"/>
@@ -4648,7 +4552,7 @@
         <a:font script="Geor" typeface="Sylfaen"/>
       </a:minorFont>
     </a:fontScheme>
-    <a:fmtScheme name="Office">
+    <a:fmtScheme name="Gallery">
       <a:fillStyleLst>
         <a:solidFill>
           <a:schemeClr val="phClr"/>
@@ -4657,62 +4561,64 @@
           <a:gsLst>
             <a:gs pos="0">
               <a:schemeClr val="phClr">
-                <a:tint val="50000"/>
-                <a:satMod val="300000"/>
-              </a:schemeClr>
-            </a:gs>
-            <a:gs pos="35000">
-              <a:schemeClr val="phClr">
-                <a:tint val="37000"/>
-                <a:satMod val="300000"/>
+                <a:tint val="54000"/>
+                <a:alpha val="100000"/>
+                <a:satMod val="105000"/>
+                <a:lumMod val="110000"/>
               </a:schemeClr>
             </a:gs>
             <a:gs pos="100000">
               <a:schemeClr val="phClr">
-                <a:tint val="15000"/>
-                <a:satMod val="350000"/>
+                <a:tint val="78000"/>
+                <a:alpha val="92000"/>
+                <a:satMod val="109000"/>
+                <a:lumMod val="100000"/>
               </a:schemeClr>
             </a:gs>
           </a:gsLst>
-          <a:lin ang="16200000" scaled="1"/>
+          <a:lin ang="5400000" scaled="0"/>
         </a:gradFill>
         <a:gradFill rotWithShape="1">
           <a:gsLst>
             <a:gs pos="0">
               <a:schemeClr val="phClr">
-                <a:tint val="100000"/>
-                <a:shade val="100000"/>
+                <a:tint val="98000"/>
+                <a:satMod val="110000"/>
+                <a:lumMod val="104000"/>
+              </a:schemeClr>
+            </a:gs>
+            <a:gs pos="69000">
+              <a:schemeClr val="phClr">
+                <a:shade val="88000"/>
                 <a:satMod val="130000"/>
+                <a:lumMod val="92000"/>
               </a:schemeClr>
             </a:gs>
             <a:gs pos="100000">
               <a:schemeClr val="phClr">
-                <a:tint val="50000"/>
-                <a:shade val="100000"/>
-                <a:satMod val="350000"/>
+                <a:shade val="78000"/>
+                <a:satMod val="130000"/>
+                <a:lumMod val="92000"/>
               </a:schemeClr>
             </a:gs>
           </a:gsLst>
-          <a:lin ang="16200000" scaled="0"/>
+          <a:lin ang="5400000" scaled="0"/>
         </a:gradFill>
       </a:fillStyleLst>
       <a:lnStyleLst>
         <a:ln w="9525" cap="flat" cmpd="sng" algn="ctr">
           <a:solidFill>
-            <a:schemeClr val="phClr">
-              <a:shade val="95000"/>
-              <a:satMod val="105000"/>
-            </a:schemeClr>
+            <a:schemeClr val="phClr"/>
           </a:solidFill>
           <a:prstDash val="solid"/>
         </a:ln>
-        <a:ln w="25400" cap="flat" cmpd="sng" algn="ctr">
+        <a:ln w="15875" cap="flat" cmpd="sng" algn="ctr">
           <a:solidFill>
             <a:schemeClr val="phClr"/>
           </a:solidFill>
           <a:prstDash val="solid"/>
         </a:ln>
-        <a:ln w="38100" cap="flat" cmpd="sng" algn="ctr">
+        <a:ln w="22225" cap="flat" cmpd="sng" algn="ctr">
           <a:solidFill>
             <a:schemeClr val="phClr"/>
           </a:solidFill>
@@ -4721,28 +4627,16 @@
       </a:lnStyleLst>
       <a:effectStyleLst>
         <a:effectStyle>
-          <a:effectLst>
-            <a:outerShdw blurRad="40000" dist="20000" dir="5400000" rotWithShape="0">
-              <a:srgbClr val="000000">
-                <a:alpha val="38000"/>
-              </a:srgbClr>
-            </a:outerShdw>
-          </a:effectLst>
+          <a:effectLst/>
+        </a:effectStyle>
+        <a:effectStyle>
+          <a:effectLst/>
         </a:effectStyle>
         <a:effectStyle>
           <a:effectLst>
-            <a:outerShdw blurRad="40000" dist="23000" dir="5400000" rotWithShape="0">
+            <a:outerShdw blurRad="50800" dist="50800" dir="5400000" sx="96000" sy="96000" rotWithShape="0">
               <a:srgbClr val="000000">
-                <a:alpha val="35000"/>
-              </a:srgbClr>
-            </a:outerShdw>
-          </a:effectLst>
-        </a:effectStyle>
-        <a:effectStyle>
-          <a:effectLst>
-            <a:outerShdw blurRad="40000" dist="23000" dir="5400000" rotWithShape="0">
-              <a:srgbClr val="000000">
-                <a:alpha val="35000"/>
+                <a:alpha val="48000"/>
               </a:srgbClr>
             </a:outerShdw>
           </a:effectLst>
@@ -4750,12 +4644,12 @@
             <a:camera prst="orthographicFront">
               <a:rot lat="0" lon="0" rev="0"/>
             </a:camera>
-            <a:lightRig rig="threePt" dir="t">
-              <a:rot lat="0" lon="0" rev="1200000"/>
+            <a:lightRig rig="balanced" dir="t">
+              <a:rot lat="0" lon="0" rev="1080000"/>
             </a:lightRig>
           </a:scene3d>
           <a:sp3d>
-            <a:bevelT w="63500" h="25400"/>
+            <a:bevelT w="38100" h="12700" prst="softRound"/>
           </a:sp3d>
         </a:effectStyle>
       </a:effectStyleLst>
@@ -4763,44 +4657,21 @@
         <a:solidFill>
           <a:schemeClr val="phClr"/>
         </a:solidFill>
+        <a:solidFill>
+          <a:schemeClr val="phClr"/>
+        </a:solidFill>
         <a:gradFill rotWithShape="1">
           <a:gsLst>
             <a:gs pos="0">
               <a:schemeClr val="phClr">
-                <a:tint val="40000"/>
-                <a:satMod val="350000"/>
-              </a:schemeClr>
-            </a:gs>
-            <a:gs pos="40000">
-              <a:schemeClr val="phClr">
-                <a:tint val="45000"/>
-                <a:shade val="99000"/>
-                <a:satMod val="350000"/>
+                <a:tint val="94000"/>
+                <a:satMod val="80000"/>
+                <a:lumMod val="106000"/>
               </a:schemeClr>
             </a:gs>
             <a:gs pos="100000">
               <a:schemeClr val="phClr">
-                <a:shade val="20000"/>
-                <a:satMod val="255000"/>
-              </a:schemeClr>
-            </a:gs>
-          </a:gsLst>
-          <a:path path="circle">
-            <a:fillToRect l="50000" t="-80000" r="50000" b="180000"/>
-          </a:path>
-        </a:gradFill>
-        <a:gradFill rotWithShape="1">
-          <a:gsLst>
-            <a:gs pos="0">
-              <a:schemeClr val="phClr">
-                <a:tint val="80000"/>
-                <a:satMod val="300000"/>
-              </a:schemeClr>
-            </a:gs>
-            <a:gs pos="100000">
-              <a:schemeClr val="phClr">
-                <a:shade val="30000"/>
-                <a:satMod val="200000"/>
+                <a:shade val="80000"/>
               </a:schemeClr>
             </a:gs>
           </a:gsLst>
@@ -4811,46 +4682,12 @@
       </a:bgFillStyleLst>
     </a:fmtScheme>
   </a:themeElements>
-  <a:objectDefaults>
-    <a:spDef>
-      <a:spPr/>
-      <a:bodyPr/>
-      <a:lstStyle/>
-      <a:style>
-        <a:lnRef idx="1">
-          <a:schemeClr val="accent1"/>
-        </a:lnRef>
-        <a:fillRef idx="3">
-          <a:schemeClr val="accent1"/>
-        </a:fillRef>
-        <a:effectRef idx="2">
-          <a:schemeClr val="accent1"/>
-        </a:effectRef>
-        <a:fontRef idx="minor">
-          <a:schemeClr val="lt1"/>
-        </a:fontRef>
-      </a:style>
-    </a:spDef>
-    <a:lnDef>
-      <a:spPr/>
-      <a:bodyPr/>
-      <a:lstStyle/>
-      <a:style>
-        <a:lnRef idx="2">
-          <a:schemeClr val="accent1"/>
-        </a:lnRef>
-        <a:fillRef idx="0">
-          <a:schemeClr val="accent1"/>
-        </a:fillRef>
-        <a:effectRef idx="1">
-          <a:schemeClr val="accent1"/>
-        </a:effectRef>
-        <a:fontRef idx="minor">
-          <a:schemeClr val="tx1"/>
-        </a:fontRef>
-      </a:style>
-    </a:lnDef>
-  </a:objectDefaults>
+  <a:objectDefaults/>
   <a:extraClrSchemeLst/>
+  <a:extLst>
+    <a:ext uri="{05A4C25C-085E-4340-85A3-A5531E510DB2}">
+      <thm15:themeFamily xmlns:thm15="http://schemas.microsoft.com/office/thememl/2012/main" name="Gallery" id="{BBFCD31E-59A1-489D-B089-A3EAD7CAE12E}" vid="{F5E91637-A7B6-4E27-B710-77DA7014EE1E}"/>
+    </a:ext>
+  </a:extLst>
 </a:theme>
 </file>
--- a/my_presentation_modified.pptx
+++ b/my_presentation_modified.pptx
@@ -2,13 +2,11 @@
 <file path=ppt/presentation.xml><?xml version="1.0" encoding="utf-8"?>
 <p:presentation xmlns:a="http://schemas.openxmlformats.org/drawingml/2006/main" xmlns:r="http://schemas.openxmlformats.org/officeDocument/2006/relationships" xmlns:p="http://schemas.openxmlformats.org/presentationml/2006/main" saveSubsetFonts="1" autoCompressPictures="0">
   <p:sldMasterIdLst>
-    <p:sldMasterId id="2147483660" r:id="rId1"/>
+    <p:sldMasterId id="2147483945" r:id="rId1"/>
   </p:sldMasterIdLst>
   <p:sldIdLst>
     <p:sldId id="256" r:id="rId6"/>
     <p:sldId id="257" r:id="rId7"/>
-    <p:sldId id="258" r:id="rId8"/>
-    <p:sldId id="259" r:id="rId9"/>
   </p:sldIdLst>
   <p:sldSz cx="12192000" cy="6858000"/>
   <p:notesSz cx="6858000" cy="9144000"/>
@@ -118,14 +116,6 @@
 <file path=ppt/slideLayouts/slideLayout1.xml><?xml version="1.0" encoding="utf-8"?>
 <p:sldLayout xmlns:a="http://schemas.openxmlformats.org/drawingml/2006/main" xmlns:r="http://schemas.openxmlformats.org/officeDocument/2006/relationships" xmlns:p="http://schemas.openxmlformats.org/presentationml/2006/main" type="title" preserve="1">
   <p:cSld name="Title Slide">
-    <p:bg>
-      <p:bgPr>
-        <a:solidFill>
-          <a:schemeClr val="accent2"/>
-        </a:solidFill>
-        <a:effectLst/>
-      </p:bgPr>
-    </p:bg>
     <p:spTree>
       <p:nvGrpSpPr>
         <p:cNvPr id="1" name=""/>
@@ -140,6 +130,36 @@
           <a:chExt cx="0" cy="0"/>
         </a:xfrm>
       </p:grpSpPr>
+      <p:pic>
+        <p:nvPicPr>
+          <p:cNvPr id="7" name="Picture 6" descr="C0-HD-BTM.png"/>
+          <p:cNvPicPr>
+            <a:picLocks noChangeAspect="1"/>
+          </p:cNvPicPr>
+          <p:nvPr/>
+        </p:nvPicPr>
+        <p:blipFill>
+          <a:blip r:embed="rId2">
+            <a:extLst>
+              <a:ext uri="{28A0092B-C50C-407E-A947-70E740481C1C}">
+                <a14:useLocalDpi xmlns:a14="http://schemas.microsoft.com/office/drawing/2010/main" val="0"/>
+              </a:ext>
+            </a:extLst>
+          </a:blip>
+          <a:stretch>
+            <a:fillRect/>
+          </a:stretch>
+        </p:blipFill>
+        <p:spPr>
+          <a:xfrm>
+            <a:off x="0" y="4375150"/>
+            <a:ext cx="12192000" cy="2482850"/>
+          </a:xfrm>
+          <a:prstGeom prst="rect">
+            <a:avLst/>
+          </a:prstGeom>
+        </p:spPr>
+      </p:pic>
       <p:sp>
         <p:nvSpPr>
           <p:cNvPr id="2" name="Title 1"/>
@@ -150,31 +170,19 @@
             <p:ph type="ctrTitle"/>
           </p:nvPr>
         </p:nvSpPr>
-        <p:spPr bwMode="blackWhite">
-          <a:xfrm>
-            <a:off x="1600200" y="2386744"/>
-            <a:ext cx="8991600" cy="1645920"/>
-          </a:xfrm>
-          <a:solidFill>
-            <a:srgbClr val="FFFFFF"/>
-          </a:solidFill>
-          <a:ln w="38100">
-            <a:solidFill>
-              <a:srgbClr val="404040"/>
-            </a:solidFill>
-          </a:ln>
-        </p:spPr>
-        <p:txBody>
-          <a:bodyPr lIns="274320" rIns="274320" anchor="ctr" anchorCtr="1">
+        <p:spPr>
+          <a:xfrm>
+            <a:off x="1371600" y="1803405"/>
+            <a:ext cx="9448800" cy="1825096"/>
+          </a:xfrm>
+        </p:spPr>
+        <p:txBody>
+          <a:bodyPr anchor="b">
             <a:normAutofit/>
           </a:bodyPr>
           <a:lstStyle>
-            <a:lvl1pPr algn="ctr">
-              <a:defRPr sz="3800">
-                <a:solidFill>
-                  <a:srgbClr val="262626"/>
-                </a:solidFill>
-              </a:defRPr>
+            <a:lvl1pPr algn="l">
+              <a:defRPr sz="6000"/>
             </a:lvl1pPr>
           </a:lstStyle>
           <a:p>
@@ -198,26 +206,18 @@
         </p:nvSpPr>
         <p:spPr>
           <a:xfrm>
-            <a:off x="2695194" y="4352544"/>
-            <a:ext cx="6801612" cy="1239894"/>
-          </a:xfrm>
-          <a:noFill/>
+            <a:off x="1371600" y="3632201"/>
+            <a:ext cx="9448800" cy="685800"/>
+          </a:xfrm>
         </p:spPr>
         <p:txBody>
           <a:bodyPr>
             <a:normAutofit/>
           </a:bodyPr>
           <a:lstStyle>
-            <a:lvl1pPr marL="0" indent="0" algn="ctr">
-              <a:buNone/>
-              <a:defRPr sz="2000">
-                <a:solidFill>
-                  <a:schemeClr val="tx1">
-                    <a:lumMod val="75000"/>
-                    <a:lumOff val="25000"/>
-                  </a:schemeClr>
-                </a:solidFill>
-              </a:defRPr>
+            <a:lvl1pPr marL="0" indent="0" algn="l">
+              <a:buNone/>
+              <a:defRPr sz="2000"/>
             </a:lvl1pPr>
             <a:lvl2pPr marL="457200" indent="0" algn="ctr">
               <a:buNone/>
@@ -263,7 +263,7 @@
       </p:sp>
       <p:sp>
         <p:nvSpPr>
-          <p:cNvPr id="7" name="Date Placeholder 6"/>
+          <p:cNvPr id="4" name="Date Placeholder 3"/>
           <p:cNvSpPr>
             <a:spLocks noGrp="1"/>
           </p:cNvSpPr>
@@ -271,12 +271,17 @@
             <p:ph type="dt" sz="half" idx="10"/>
           </p:nvPr>
         </p:nvSpPr>
-        <p:spPr/>
-        <p:txBody>
-          <a:bodyPr/>
-          <a:lstStyle/>
-          <a:p>
-            <a:fld id="{03D47D63-9155-7F43-AE56-3E58423064CB}" type="datetimeFigureOut">
+        <p:spPr>
+          <a:xfrm>
+            <a:off x="7909561" y="4314328"/>
+            <a:ext cx="2910840" cy="374642"/>
+          </a:xfrm>
+        </p:spPr>
+        <p:txBody>
+          <a:bodyPr/>
+          <a:lstStyle/>
+          <a:p>
+            <a:fld id="{7FB56609-CE72-8142-81BC-C32929048CAB}" type="datetimeFigureOut">
               <a:rPr lang="en-AM" smtClean="0"/>
               <a:t>19.03.24</a:t>
             </a:fld>
@@ -286,7 +291,7 @@
       </p:sp>
       <p:sp>
         <p:nvSpPr>
-          <p:cNvPr id="8" name="Footer Placeholder 7"/>
+          <p:cNvPr id="5" name="Footer Placeholder 4"/>
           <p:cNvSpPr>
             <a:spLocks noGrp="1"/>
           </p:cNvSpPr>
@@ -294,7 +299,12 @@
             <p:ph type="ftr" sz="quarter" idx="11"/>
           </p:nvPr>
         </p:nvSpPr>
-        <p:spPr/>
+        <p:spPr>
+          <a:xfrm>
+            <a:off x="1371600" y="4323845"/>
+            <a:ext cx="6400800" cy="365125"/>
+          </a:xfrm>
+        </p:spPr>
         <p:txBody>
           <a:bodyPr/>
           <a:lstStyle/>
@@ -305,7 +315,7 @@
       </p:sp>
       <p:sp>
         <p:nvSpPr>
-          <p:cNvPr id="9" name="Slide Number Placeholder 8"/>
+          <p:cNvPr id="6" name="Slide Number Placeholder 5"/>
           <p:cNvSpPr>
             <a:spLocks noGrp="1"/>
           </p:cNvSpPr>
@@ -313,12 +323,17 @@
             <p:ph type="sldNum" sz="quarter" idx="12"/>
           </p:nvPr>
         </p:nvSpPr>
-        <p:spPr/>
-        <p:txBody>
-          <a:bodyPr/>
-          <a:lstStyle/>
-          <a:p>
-            <a:fld id="{2F062A5C-2D98-054F-A583-25405835DB28}" type="slidenum">
+        <p:spPr>
+          <a:xfrm>
+            <a:off x="8077200" y="1430866"/>
+            <a:ext cx="2743200" cy="365125"/>
+          </a:xfrm>
+        </p:spPr>
+        <p:txBody>
+          <a:bodyPr/>
+          <a:lstStyle/>
+          <a:p>
+            <a:fld id="{3C84C624-DF5C-6F40-A7ED-3643018B58CE}" type="slidenum">
               <a:rPr lang="en-AM" smtClean="0"/>
               <a:t>‹#›</a:t>
             </a:fld>
@@ -329,17 +344,2609 @@
     </p:spTree>
     <p:extLst>
       <p:ext uri="{BB962C8B-B14F-4D97-AF65-F5344CB8AC3E}">
-        <p14:creationId xmlns:p14="http://schemas.microsoft.com/office/powerpoint/2010/main" val="2509070918"/>
+        <p14:creationId xmlns:p14="http://schemas.microsoft.com/office/powerpoint/2010/main" val="2991096208"/>
       </p:ext>
     </p:extLst>
   </p:cSld>
   <p:clrMapOvr>
-    <a:overrideClrMapping bg1="dk1" tx1="lt1" bg2="dk2" tx2="lt2" accent1="accent1" accent2="accent2" accent3="accent3" accent4="accent4" accent5="accent5" accent6="accent6" hlink="hlink" folHlink="folHlink"/>
+    <a:masterClrMapping/>
   </p:clrMapOvr>
 </p:sldLayout>
 </file>
 
 <file path=ppt/slideLayouts/slideLayout10.xml><?xml version="1.0" encoding="utf-8"?>
+<p:sldLayout xmlns:a="http://schemas.openxmlformats.org/drawingml/2006/main" xmlns:r="http://schemas.openxmlformats.org/officeDocument/2006/relationships" xmlns:p="http://schemas.openxmlformats.org/presentationml/2006/main" preserve="1">
+  <p:cSld name="Panoramic Picture with Caption">
+    <p:spTree>
+      <p:nvGrpSpPr>
+        <p:cNvPr id="1" name=""/>
+        <p:cNvGrpSpPr/>
+        <p:nvPr/>
+      </p:nvGrpSpPr>
+      <p:grpSpPr>
+        <a:xfrm>
+          <a:off x="0" y="0"/>
+          <a:ext cx="0" cy="0"/>
+          <a:chOff x="0" y="0"/>
+          <a:chExt cx="0" cy="0"/>
+        </a:xfrm>
+      </p:grpSpPr>
+      <p:sp>
+        <p:nvSpPr>
+          <p:cNvPr id="2" name="Title 1"/>
+          <p:cNvSpPr>
+            <a:spLocks noGrp="1"/>
+          </p:cNvSpPr>
+          <p:nvPr>
+            <p:ph type="title"/>
+          </p:nvPr>
+        </p:nvSpPr>
+        <p:spPr>
+          <a:xfrm>
+            <a:off x="685777" y="4697360"/>
+            <a:ext cx="10822034" cy="819355"/>
+          </a:xfrm>
+        </p:spPr>
+        <p:txBody>
+          <a:bodyPr anchor="b"/>
+          <a:lstStyle>
+            <a:lvl1pPr algn="l">
+              <a:defRPr sz="3200"/>
+            </a:lvl1pPr>
+          </a:lstStyle>
+          <a:p>
+            <a:r>
+              <a:rPr lang="en-US"/>
+              <a:t>Click to edit Master title style</a:t>
+            </a:r>
+            <a:endParaRPr lang="en-US" dirty="0"/>
+          </a:p>
+        </p:txBody>
+      </p:sp>
+      <p:sp>
+        <p:nvSpPr>
+          <p:cNvPr id="3" name="Picture Placeholder 2"/>
+          <p:cNvSpPr>
+            <a:spLocks noGrp="1" noChangeAspect="1"/>
+          </p:cNvSpPr>
+          <p:nvPr>
+            <p:ph type="pic" idx="1"/>
+          </p:nvPr>
+        </p:nvSpPr>
+        <p:spPr>
+          <a:xfrm>
+            <a:off x="681727" y="941439"/>
+            <a:ext cx="10821840" cy="3478161"/>
+          </a:xfrm>
+        </p:spPr>
+        <p:txBody>
+          <a:bodyPr anchor="t"/>
+          <a:lstStyle>
+            <a:lvl1pPr marL="0" indent="0">
+              <a:buNone/>
+              <a:defRPr sz="3200"/>
+            </a:lvl1pPr>
+            <a:lvl2pPr marL="457200" indent="0">
+              <a:buNone/>
+              <a:defRPr sz="2800"/>
+            </a:lvl2pPr>
+            <a:lvl3pPr marL="914400" indent="0">
+              <a:buNone/>
+              <a:defRPr sz="2400"/>
+            </a:lvl3pPr>
+            <a:lvl4pPr marL="1371600" indent="0">
+              <a:buNone/>
+              <a:defRPr sz="2000"/>
+            </a:lvl4pPr>
+            <a:lvl5pPr marL="1828800" indent="0">
+              <a:buNone/>
+              <a:defRPr sz="2000"/>
+            </a:lvl5pPr>
+            <a:lvl6pPr marL="2286000" indent="0">
+              <a:buNone/>
+              <a:defRPr sz="2000"/>
+            </a:lvl6pPr>
+            <a:lvl7pPr marL="2743200" indent="0">
+              <a:buNone/>
+              <a:defRPr sz="2000"/>
+            </a:lvl7pPr>
+            <a:lvl8pPr marL="3200400" indent="0">
+              <a:buNone/>
+              <a:defRPr sz="2000"/>
+            </a:lvl8pPr>
+            <a:lvl9pPr marL="3657600" indent="0">
+              <a:buNone/>
+              <a:defRPr sz="2000"/>
+            </a:lvl9pPr>
+          </a:lstStyle>
+          <a:p>
+            <a:r>
+              <a:rPr lang="en-US"/>
+              <a:t>Click icon to add picture</a:t>
+            </a:r>
+            <a:endParaRPr lang="en-US" dirty="0"/>
+          </a:p>
+        </p:txBody>
+      </p:sp>
+      <p:sp>
+        <p:nvSpPr>
+          <p:cNvPr id="4" name="Text Placeholder 3"/>
+          <p:cNvSpPr>
+            <a:spLocks noGrp="1"/>
+          </p:cNvSpPr>
+          <p:nvPr>
+            <p:ph type="body" sz="half" idx="2"/>
+          </p:nvPr>
+        </p:nvSpPr>
+        <p:spPr>
+          <a:xfrm>
+            <a:off x="685800" y="5516715"/>
+            <a:ext cx="10820400" cy="701969"/>
+          </a:xfrm>
+        </p:spPr>
+        <p:txBody>
+          <a:bodyPr/>
+          <a:lstStyle>
+            <a:lvl1pPr marL="0" indent="0" algn="l">
+              <a:buNone/>
+              <a:defRPr sz="1600"/>
+            </a:lvl1pPr>
+            <a:lvl2pPr marL="457200" indent="0">
+              <a:buNone/>
+              <a:defRPr sz="1400"/>
+            </a:lvl2pPr>
+            <a:lvl3pPr marL="914400" indent="0">
+              <a:buNone/>
+              <a:defRPr sz="1200"/>
+            </a:lvl3pPr>
+            <a:lvl4pPr marL="1371600" indent="0">
+              <a:buNone/>
+              <a:defRPr sz="1000"/>
+            </a:lvl4pPr>
+            <a:lvl5pPr marL="1828800" indent="0">
+              <a:buNone/>
+              <a:defRPr sz="1000"/>
+            </a:lvl5pPr>
+            <a:lvl6pPr marL="2286000" indent="0">
+              <a:buNone/>
+              <a:defRPr sz="1000"/>
+            </a:lvl6pPr>
+            <a:lvl7pPr marL="2743200" indent="0">
+              <a:buNone/>
+              <a:defRPr sz="1000"/>
+            </a:lvl7pPr>
+            <a:lvl8pPr marL="3200400" indent="0">
+              <a:buNone/>
+              <a:defRPr sz="1000"/>
+            </a:lvl8pPr>
+            <a:lvl9pPr marL="3657600" indent="0">
+              <a:buNone/>
+              <a:defRPr sz="1000"/>
+            </a:lvl9pPr>
+          </a:lstStyle>
+          <a:p>
+            <a:pPr lvl="0"/>
+            <a:r>
+              <a:rPr lang="en-US"/>
+              <a:t>Click to edit Master text styles</a:t>
+            </a:r>
+          </a:p>
+        </p:txBody>
+      </p:sp>
+      <p:sp>
+        <p:nvSpPr>
+          <p:cNvPr id="5" name="Date Placeholder 4"/>
+          <p:cNvSpPr>
+            <a:spLocks noGrp="1"/>
+          </p:cNvSpPr>
+          <p:nvPr>
+            <p:ph type="dt" sz="half" idx="10"/>
+          </p:nvPr>
+        </p:nvSpPr>
+        <p:spPr/>
+        <p:txBody>
+          <a:bodyPr/>
+          <a:lstStyle/>
+          <a:p>
+            <a:fld id="{7FB56609-CE72-8142-81BC-C32929048CAB}" type="datetimeFigureOut">
+              <a:rPr lang="en-AM" smtClean="0"/>
+              <a:t>19.03.24</a:t>
+            </a:fld>
+            <a:endParaRPr lang="en-AM"/>
+          </a:p>
+        </p:txBody>
+      </p:sp>
+      <p:sp>
+        <p:nvSpPr>
+          <p:cNvPr id="6" name="Footer Placeholder 5"/>
+          <p:cNvSpPr>
+            <a:spLocks noGrp="1"/>
+          </p:cNvSpPr>
+          <p:nvPr>
+            <p:ph type="ftr" sz="quarter" idx="11"/>
+          </p:nvPr>
+        </p:nvSpPr>
+        <p:spPr/>
+        <p:txBody>
+          <a:bodyPr/>
+          <a:lstStyle/>
+          <a:p>
+            <a:endParaRPr lang="en-AM"/>
+          </a:p>
+        </p:txBody>
+      </p:sp>
+      <p:sp>
+        <p:nvSpPr>
+          <p:cNvPr id="7" name="Slide Number Placeholder 6"/>
+          <p:cNvSpPr>
+            <a:spLocks noGrp="1"/>
+          </p:cNvSpPr>
+          <p:nvPr>
+            <p:ph type="sldNum" sz="quarter" idx="12"/>
+          </p:nvPr>
+        </p:nvSpPr>
+        <p:spPr/>
+        <p:txBody>
+          <a:bodyPr/>
+          <a:lstStyle/>
+          <a:p>
+            <a:fld id="{3C84C624-DF5C-6F40-A7ED-3643018B58CE}" type="slidenum">
+              <a:rPr lang="en-AM" smtClean="0"/>
+              <a:t>‹#›</a:t>
+            </a:fld>
+            <a:endParaRPr lang="en-AM"/>
+          </a:p>
+        </p:txBody>
+      </p:sp>
+    </p:spTree>
+    <p:extLst>
+      <p:ext uri="{BB962C8B-B14F-4D97-AF65-F5344CB8AC3E}">
+        <p14:creationId xmlns:p14="http://schemas.microsoft.com/office/powerpoint/2010/main" val="4188205940"/>
+      </p:ext>
+    </p:extLst>
+  </p:cSld>
+  <p:clrMapOvr>
+    <a:masterClrMapping/>
+  </p:clrMapOvr>
+</p:sldLayout>
+</file>
+
+<file path=ppt/slideLayouts/slideLayout11.xml><?xml version="1.0" encoding="utf-8"?>
+<p:sldLayout xmlns:a="http://schemas.openxmlformats.org/drawingml/2006/main" xmlns:r="http://schemas.openxmlformats.org/officeDocument/2006/relationships" xmlns:p="http://schemas.openxmlformats.org/presentationml/2006/main" showMasterSp="0" preserve="1">
+  <p:cSld name="Title and Caption">
+    <p:spTree>
+      <p:nvGrpSpPr>
+        <p:cNvPr id="1" name=""/>
+        <p:cNvGrpSpPr/>
+        <p:nvPr/>
+      </p:nvGrpSpPr>
+      <p:grpSpPr>
+        <a:xfrm>
+          <a:off x="0" y="0"/>
+          <a:ext cx="0" cy="0"/>
+          <a:chOff x="0" y="0"/>
+          <a:chExt cx="0" cy="0"/>
+        </a:xfrm>
+      </p:grpSpPr>
+      <p:pic>
+        <p:nvPicPr>
+          <p:cNvPr id="8" name="Picture 7" descr="C0-HD-BTM.png"/>
+          <p:cNvPicPr>
+            <a:picLocks noChangeAspect="1"/>
+          </p:cNvPicPr>
+          <p:nvPr/>
+        </p:nvPicPr>
+        <p:blipFill>
+          <a:blip r:embed="rId2">
+            <a:extLst>
+              <a:ext uri="{28A0092B-C50C-407E-A947-70E740481C1C}">
+                <a14:useLocalDpi xmlns:a14="http://schemas.microsoft.com/office/drawing/2010/main" val="0"/>
+              </a:ext>
+            </a:extLst>
+          </a:blip>
+          <a:stretch>
+            <a:fillRect/>
+          </a:stretch>
+        </p:blipFill>
+        <p:spPr>
+          <a:xfrm>
+            <a:off x="0" y="4375150"/>
+            <a:ext cx="12192000" cy="2482850"/>
+          </a:xfrm>
+          <a:prstGeom prst="rect">
+            <a:avLst/>
+          </a:prstGeom>
+        </p:spPr>
+      </p:pic>
+      <p:sp>
+        <p:nvSpPr>
+          <p:cNvPr id="2" name="Title 1"/>
+          <p:cNvSpPr>
+            <a:spLocks noGrp="1"/>
+          </p:cNvSpPr>
+          <p:nvPr>
+            <p:ph type="title"/>
+          </p:nvPr>
+        </p:nvSpPr>
+        <p:spPr>
+          <a:xfrm>
+            <a:off x="685800" y="753532"/>
+            <a:ext cx="10820400" cy="2802467"/>
+          </a:xfrm>
+        </p:spPr>
+        <p:txBody>
+          <a:bodyPr anchor="ctr"/>
+          <a:lstStyle>
+            <a:lvl1pPr algn="l">
+              <a:defRPr sz="3200"/>
+            </a:lvl1pPr>
+          </a:lstStyle>
+          <a:p>
+            <a:r>
+              <a:rPr lang="en-US"/>
+              <a:t>Click to edit Master title style</a:t>
+            </a:r>
+            <a:endParaRPr lang="en-US" dirty="0"/>
+          </a:p>
+        </p:txBody>
+      </p:sp>
+      <p:sp>
+        <p:nvSpPr>
+          <p:cNvPr id="4" name="Text Placeholder 3"/>
+          <p:cNvSpPr>
+            <a:spLocks noGrp="1"/>
+          </p:cNvSpPr>
+          <p:nvPr>
+            <p:ph type="body" sz="half" idx="2"/>
+          </p:nvPr>
+        </p:nvSpPr>
+        <p:spPr>
+          <a:xfrm>
+            <a:off x="1024467" y="3649133"/>
+            <a:ext cx="10130516" cy="999067"/>
+          </a:xfrm>
+        </p:spPr>
+        <p:txBody>
+          <a:bodyPr anchor="ctr"/>
+          <a:lstStyle>
+            <a:lvl1pPr marL="0" indent="0">
+              <a:buNone/>
+              <a:defRPr sz="1600"/>
+            </a:lvl1pPr>
+            <a:lvl2pPr marL="457200" indent="0">
+              <a:buNone/>
+              <a:defRPr sz="1400"/>
+            </a:lvl2pPr>
+            <a:lvl3pPr marL="914400" indent="0">
+              <a:buNone/>
+              <a:defRPr sz="1200"/>
+            </a:lvl3pPr>
+            <a:lvl4pPr marL="1371600" indent="0">
+              <a:buNone/>
+              <a:defRPr sz="1000"/>
+            </a:lvl4pPr>
+            <a:lvl5pPr marL="1828800" indent="0">
+              <a:buNone/>
+              <a:defRPr sz="1000"/>
+            </a:lvl5pPr>
+            <a:lvl6pPr marL="2286000" indent="0">
+              <a:buNone/>
+              <a:defRPr sz="1000"/>
+            </a:lvl6pPr>
+            <a:lvl7pPr marL="2743200" indent="0">
+              <a:buNone/>
+              <a:defRPr sz="1000"/>
+            </a:lvl7pPr>
+            <a:lvl8pPr marL="3200400" indent="0">
+              <a:buNone/>
+              <a:defRPr sz="1000"/>
+            </a:lvl8pPr>
+            <a:lvl9pPr marL="3657600" indent="0">
+              <a:buNone/>
+              <a:defRPr sz="1000"/>
+            </a:lvl9pPr>
+          </a:lstStyle>
+          <a:p>
+            <a:pPr lvl="0"/>
+            <a:r>
+              <a:rPr lang="en-US"/>
+              <a:t>Click to edit Master text styles</a:t>
+            </a:r>
+          </a:p>
+        </p:txBody>
+      </p:sp>
+      <p:sp>
+        <p:nvSpPr>
+          <p:cNvPr id="5" name="Date Placeholder 4"/>
+          <p:cNvSpPr>
+            <a:spLocks noGrp="1"/>
+          </p:cNvSpPr>
+          <p:nvPr>
+            <p:ph type="dt" sz="half" idx="10"/>
+          </p:nvPr>
+        </p:nvSpPr>
+        <p:spPr>
+          <a:xfrm>
+            <a:off x="7814452" y="381000"/>
+            <a:ext cx="2910840" cy="365125"/>
+          </a:xfrm>
+        </p:spPr>
+        <p:txBody>
+          <a:bodyPr/>
+          <a:lstStyle>
+            <a:lvl1pPr algn="r">
+              <a:defRPr/>
+            </a:lvl1pPr>
+          </a:lstStyle>
+          <a:p>
+            <a:fld id="{7FB56609-CE72-8142-81BC-C32929048CAB}" type="datetimeFigureOut">
+              <a:rPr lang="en-AM" smtClean="0"/>
+              <a:t>19.03.24</a:t>
+            </a:fld>
+            <a:endParaRPr lang="en-AM"/>
+          </a:p>
+        </p:txBody>
+      </p:sp>
+      <p:sp>
+        <p:nvSpPr>
+          <p:cNvPr id="6" name="Footer Placeholder 5"/>
+          <p:cNvSpPr>
+            <a:spLocks noGrp="1"/>
+          </p:cNvSpPr>
+          <p:nvPr>
+            <p:ph type="ftr" sz="quarter" idx="11"/>
+          </p:nvPr>
+        </p:nvSpPr>
+        <p:spPr>
+          <a:xfrm>
+            <a:off x="685800" y="379941"/>
+            <a:ext cx="6991492" cy="365125"/>
+          </a:xfrm>
+        </p:spPr>
+        <p:txBody>
+          <a:bodyPr/>
+          <a:lstStyle/>
+          <a:p>
+            <a:endParaRPr lang="en-AM"/>
+          </a:p>
+        </p:txBody>
+      </p:sp>
+      <p:sp>
+        <p:nvSpPr>
+          <p:cNvPr id="7" name="Slide Number Placeholder 6"/>
+          <p:cNvSpPr>
+            <a:spLocks noGrp="1"/>
+          </p:cNvSpPr>
+          <p:nvPr>
+            <p:ph type="sldNum" sz="quarter" idx="12"/>
+          </p:nvPr>
+        </p:nvSpPr>
+        <p:spPr>
+          <a:xfrm>
+            <a:off x="10862452" y="381000"/>
+            <a:ext cx="643748" cy="365125"/>
+          </a:xfrm>
+        </p:spPr>
+        <p:txBody>
+          <a:bodyPr/>
+          <a:lstStyle/>
+          <a:p>
+            <a:fld id="{3C84C624-DF5C-6F40-A7ED-3643018B58CE}" type="slidenum">
+              <a:rPr lang="en-AM" smtClean="0"/>
+              <a:t>‹#›</a:t>
+            </a:fld>
+            <a:endParaRPr lang="en-AM"/>
+          </a:p>
+        </p:txBody>
+      </p:sp>
+    </p:spTree>
+    <p:extLst>
+      <p:ext uri="{BB962C8B-B14F-4D97-AF65-F5344CB8AC3E}">
+        <p14:creationId xmlns:p14="http://schemas.microsoft.com/office/powerpoint/2010/main" val="2378657312"/>
+      </p:ext>
+    </p:extLst>
+  </p:cSld>
+  <p:clrMapOvr>
+    <a:masterClrMapping/>
+  </p:clrMapOvr>
+</p:sldLayout>
+</file>
+
+<file path=ppt/slideLayouts/slideLayout12.xml><?xml version="1.0" encoding="utf-8"?>
+<p:sldLayout xmlns:a="http://schemas.openxmlformats.org/drawingml/2006/main" xmlns:r="http://schemas.openxmlformats.org/officeDocument/2006/relationships" xmlns:p="http://schemas.openxmlformats.org/presentationml/2006/main" showMasterSp="0" preserve="1">
+  <p:cSld name="Quote with Caption">
+    <p:spTree>
+      <p:nvGrpSpPr>
+        <p:cNvPr id="1" name=""/>
+        <p:cNvGrpSpPr/>
+        <p:nvPr/>
+      </p:nvGrpSpPr>
+      <p:grpSpPr>
+        <a:xfrm>
+          <a:off x="0" y="0"/>
+          <a:ext cx="0" cy="0"/>
+          <a:chOff x="0" y="0"/>
+          <a:chExt cx="0" cy="0"/>
+        </a:xfrm>
+      </p:grpSpPr>
+      <p:pic>
+        <p:nvPicPr>
+          <p:cNvPr id="13" name="Picture 12" descr="C0-HD-BTM.png"/>
+          <p:cNvPicPr>
+            <a:picLocks noChangeAspect="1"/>
+          </p:cNvPicPr>
+          <p:nvPr/>
+        </p:nvPicPr>
+        <p:blipFill>
+          <a:blip r:embed="rId2">
+            <a:extLst>
+              <a:ext uri="{28A0092B-C50C-407E-A947-70E740481C1C}">
+                <a14:useLocalDpi xmlns:a14="http://schemas.microsoft.com/office/drawing/2010/main" val="0"/>
+              </a:ext>
+            </a:extLst>
+          </a:blip>
+          <a:stretch>
+            <a:fillRect/>
+          </a:stretch>
+        </p:blipFill>
+        <p:spPr>
+          <a:xfrm>
+            <a:off x="0" y="4375150"/>
+            <a:ext cx="12192000" cy="2482850"/>
+          </a:xfrm>
+          <a:prstGeom prst="rect">
+            <a:avLst/>
+          </a:prstGeom>
+        </p:spPr>
+      </p:pic>
+      <p:sp>
+        <p:nvSpPr>
+          <p:cNvPr id="2" name="Title 1"/>
+          <p:cNvSpPr>
+            <a:spLocks noGrp="1"/>
+          </p:cNvSpPr>
+          <p:nvPr>
+            <p:ph type="title"/>
+          </p:nvPr>
+        </p:nvSpPr>
+        <p:spPr>
+          <a:xfrm>
+            <a:off x="1024467" y="753533"/>
+            <a:ext cx="10151533" cy="2604495"/>
+          </a:xfrm>
+        </p:spPr>
+        <p:txBody>
+          <a:bodyPr anchor="ctr"/>
+          <a:lstStyle>
+            <a:lvl1pPr algn="l">
+              <a:defRPr sz="3200"/>
+            </a:lvl1pPr>
+          </a:lstStyle>
+          <a:p>
+            <a:r>
+              <a:rPr lang="en-US"/>
+              <a:t>Click to edit Master title style</a:t>
+            </a:r>
+            <a:endParaRPr lang="en-US" dirty="0"/>
+          </a:p>
+        </p:txBody>
+      </p:sp>
+      <p:sp>
+        <p:nvSpPr>
+          <p:cNvPr id="12" name="Text Placeholder 3"/>
+          <p:cNvSpPr>
+            <a:spLocks noGrp="1"/>
+          </p:cNvSpPr>
+          <p:nvPr>
+            <p:ph type="body" sz="half" idx="13"/>
+          </p:nvPr>
+        </p:nvSpPr>
+        <p:spPr>
+          <a:xfrm>
+            <a:off x="1303865" y="3365556"/>
+            <a:ext cx="9592736" cy="444443"/>
+          </a:xfrm>
+        </p:spPr>
+        <p:txBody>
+          <a:bodyPr anchor="t">
+            <a:normAutofit/>
+          </a:bodyPr>
+          <a:lstStyle>
+            <a:lvl1pPr marL="0" indent="0">
+              <a:buNone/>
+              <a:defRPr sz="1400"/>
+            </a:lvl1pPr>
+            <a:lvl2pPr marL="457200" indent="0">
+              <a:buNone/>
+              <a:defRPr sz="1400"/>
+            </a:lvl2pPr>
+            <a:lvl3pPr marL="914400" indent="0">
+              <a:buNone/>
+              <a:defRPr sz="1200"/>
+            </a:lvl3pPr>
+            <a:lvl4pPr marL="1371600" indent="0">
+              <a:buNone/>
+              <a:defRPr sz="1000"/>
+            </a:lvl4pPr>
+            <a:lvl5pPr marL="1828800" indent="0">
+              <a:buNone/>
+              <a:defRPr sz="1000"/>
+            </a:lvl5pPr>
+            <a:lvl6pPr marL="2286000" indent="0">
+              <a:buNone/>
+              <a:defRPr sz="1000"/>
+            </a:lvl6pPr>
+            <a:lvl7pPr marL="2743200" indent="0">
+              <a:buNone/>
+              <a:defRPr sz="1000"/>
+            </a:lvl7pPr>
+            <a:lvl8pPr marL="3200400" indent="0">
+              <a:buNone/>
+              <a:defRPr sz="1000"/>
+            </a:lvl8pPr>
+            <a:lvl9pPr marL="3657600" indent="0">
+              <a:buNone/>
+              <a:defRPr sz="1000"/>
+            </a:lvl9pPr>
+          </a:lstStyle>
+          <a:p>
+            <a:pPr lvl="0"/>
+            <a:r>
+              <a:rPr lang="en-US"/>
+              <a:t>Click to edit Master text styles</a:t>
+            </a:r>
+          </a:p>
+        </p:txBody>
+      </p:sp>
+      <p:sp>
+        <p:nvSpPr>
+          <p:cNvPr id="4" name="Text Placeholder 3"/>
+          <p:cNvSpPr>
+            <a:spLocks noGrp="1"/>
+          </p:cNvSpPr>
+          <p:nvPr>
+            <p:ph type="body" sz="half" idx="2"/>
+          </p:nvPr>
+        </p:nvSpPr>
+        <p:spPr>
+          <a:xfrm>
+            <a:off x="1024467" y="3959862"/>
+            <a:ext cx="10151533" cy="679871"/>
+          </a:xfrm>
+        </p:spPr>
+        <p:txBody>
+          <a:bodyPr anchor="ctr">
+            <a:normAutofit/>
+          </a:bodyPr>
+          <a:lstStyle>
+            <a:lvl1pPr marL="0" indent="0">
+              <a:buNone/>
+              <a:defRPr sz="1600"/>
+            </a:lvl1pPr>
+            <a:lvl2pPr marL="457200" indent="0">
+              <a:buNone/>
+              <a:defRPr sz="1400"/>
+            </a:lvl2pPr>
+            <a:lvl3pPr marL="914400" indent="0">
+              <a:buNone/>
+              <a:defRPr sz="1200"/>
+            </a:lvl3pPr>
+            <a:lvl4pPr marL="1371600" indent="0">
+              <a:buNone/>
+              <a:defRPr sz="1000"/>
+            </a:lvl4pPr>
+            <a:lvl5pPr marL="1828800" indent="0">
+              <a:buNone/>
+              <a:defRPr sz="1000"/>
+            </a:lvl5pPr>
+            <a:lvl6pPr marL="2286000" indent="0">
+              <a:buNone/>
+              <a:defRPr sz="1000"/>
+            </a:lvl6pPr>
+            <a:lvl7pPr marL="2743200" indent="0">
+              <a:buNone/>
+              <a:defRPr sz="1000"/>
+            </a:lvl7pPr>
+            <a:lvl8pPr marL="3200400" indent="0">
+              <a:buNone/>
+              <a:defRPr sz="1000"/>
+            </a:lvl8pPr>
+            <a:lvl9pPr marL="3657600" indent="0">
+              <a:buNone/>
+              <a:defRPr sz="1000"/>
+            </a:lvl9pPr>
+          </a:lstStyle>
+          <a:p>
+            <a:pPr lvl="0"/>
+            <a:r>
+              <a:rPr lang="en-US"/>
+              <a:t>Click to edit Master text styles</a:t>
+            </a:r>
+          </a:p>
+        </p:txBody>
+      </p:sp>
+      <p:sp>
+        <p:nvSpPr>
+          <p:cNvPr id="5" name="Date Placeholder 4"/>
+          <p:cNvSpPr>
+            <a:spLocks noGrp="1"/>
+          </p:cNvSpPr>
+          <p:nvPr>
+            <p:ph type="dt" sz="half" idx="10"/>
+          </p:nvPr>
+        </p:nvSpPr>
+        <p:spPr>
+          <a:xfrm>
+            <a:off x="7814452" y="381000"/>
+            <a:ext cx="2910840" cy="365125"/>
+          </a:xfrm>
+        </p:spPr>
+        <p:txBody>
+          <a:bodyPr/>
+          <a:lstStyle>
+            <a:lvl1pPr algn="r">
+              <a:defRPr/>
+            </a:lvl1pPr>
+          </a:lstStyle>
+          <a:p>
+            <a:fld id="{7FB56609-CE72-8142-81BC-C32929048CAB}" type="datetimeFigureOut">
+              <a:rPr lang="en-AM" smtClean="0"/>
+              <a:t>19.03.24</a:t>
+            </a:fld>
+            <a:endParaRPr lang="en-AM"/>
+          </a:p>
+        </p:txBody>
+      </p:sp>
+      <p:sp>
+        <p:nvSpPr>
+          <p:cNvPr id="6" name="Footer Placeholder 5"/>
+          <p:cNvSpPr>
+            <a:spLocks noGrp="1"/>
+          </p:cNvSpPr>
+          <p:nvPr>
+            <p:ph type="ftr" sz="quarter" idx="11"/>
+          </p:nvPr>
+        </p:nvSpPr>
+        <p:spPr>
+          <a:xfrm>
+            <a:off x="685800" y="379941"/>
+            <a:ext cx="6991492" cy="365125"/>
+          </a:xfrm>
+        </p:spPr>
+        <p:txBody>
+          <a:bodyPr/>
+          <a:lstStyle/>
+          <a:p>
+            <a:endParaRPr lang="en-AM"/>
+          </a:p>
+        </p:txBody>
+      </p:sp>
+      <p:sp>
+        <p:nvSpPr>
+          <p:cNvPr id="7" name="Slide Number Placeholder 6"/>
+          <p:cNvSpPr>
+            <a:spLocks noGrp="1"/>
+          </p:cNvSpPr>
+          <p:nvPr>
+            <p:ph type="sldNum" sz="quarter" idx="12"/>
+          </p:nvPr>
+        </p:nvSpPr>
+        <p:spPr>
+          <a:xfrm>
+            <a:off x="10862452" y="381000"/>
+            <a:ext cx="643748" cy="365125"/>
+          </a:xfrm>
+        </p:spPr>
+        <p:txBody>
+          <a:bodyPr/>
+          <a:lstStyle/>
+          <a:p>
+            <a:fld id="{3C84C624-DF5C-6F40-A7ED-3643018B58CE}" type="slidenum">
+              <a:rPr lang="en-AM" smtClean="0"/>
+              <a:t>‹#›</a:t>
+            </a:fld>
+            <a:endParaRPr lang="en-AM"/>
+          </a:p>
+        </p:txBody>
+      </p:sp>
+      <p:sp>
+        <p:nvSpPr>
+          <p:cNvPr id="9" name="TextBox 8"/>
+          <p:cNvSpPr txBox="1"/>
+          <p:nvPr/>
+        </p:nvSpPr>
+        <p:spPr>
+          <a:xfrm>
+            <a:off x="476250" y="933450"/>
+            <a:ext cx="609600" cy="584776"/>
+          </a:xfrm>
+          <a:prstGeom prst="rect">
+            <a:avLst/>
+          </a:prstGeom>
+        </p:spPr>
+        <p:txBody>
+          <a:bodyPr vert="horz" lIns="91440" tIns="45720" rIns="91440" bIns="45720" rtlCol="0" anchor="ctr">
+            <a:noAutofit/>
+          </a:bodyPr>
+          <a:lstStyle>
+            <a:lvl1pPr>
+              <a:spcBef>
+                <a:spcPct val="0"/>
+              </a:spcBef>
+              <a:buNone/>
+              <a:defRPr sz="3200" b="0" cap="all">
+                <a:ln w="3175" cmpd="sng">
+                  <a:noFill/>
+                </a:ln>
+                <a:effectLst>
+                  <a:glow rad="38100">
+                    <a:schemeClr val="bg1">
+                      <a:lumMod val="65000"/>
+                      <a:lumOff val="35000"/>
+                      <a:alpha val="40000"/>
+                    </a:schemeClr>
+                  </a:glow>
+                  <a:outerShdw blurRad="28575" dist="38100" dir="14040000" algn="tl" rotWithShape="0">
+                    <a:srgbClr val="000000">
+                      <a:alpha val="25000"/>
+                    </a:srgbClr>
+                  </a:outerShdw>
+                </a:effectLst>
+              </a:defRPr>
+            </a:lvl1pPr>
+            <a:lvl2pPr>
+              <a:defRPr>
+                <a:solidFill>
+                  <a:schemeClr val="tx2"/>
+                </a:solidFill>
+              </a:defRPr>
+            </a:lvl2pPr>
+            <a:lvl3pPr>
+              <a:defRPr>
+                <a:solidFill>
+                  <a:schemeClr val="tx2"/>
+                </a:solidFill>
+              </a:defRPr>
+            </a:lvl3pPr>
+            <a:lvl4pPr>
+              <a:defRPr>
+                <a:solidFill>
+                  <a:schemeClr val="tx2"/>
+                </a:solidFill>
+              </a:defRPr>
+            </a:lvl4pPr>
+            <a:lvl5pPr>
+              <a:defRPr>
+                <a:solidFill>
+                  <a:schemeClr val="tx2"/>
+                </a:solidFill>
+              </a:defRPr>
+            </a:lvl5pPr>
+            <a:lvl6pPr>
+              <a:defRPr>
+                <a:solidFill>
+                  <a:schemeClr val="tx2"/>
+                </a:solidFill>
+              </a:defRPr>
+            </a:lvl6pPr>
+            <a:lvl7pPr>
+              <a:defRPr>
+                <a:solidFill>
+                  <a:schemeClr val="tx2"/>
+                </a:solidFill>
+              </a:defRPr>
+            </a:lvl7pPr>
+            <a:lvl8pPr>
+              <a:defRPr>
+                <a:solidFill>
+                  <a:schemeClr val="tx2"/>
+                </a:solidFill>
+              </a:defRPr>
+            </a:lvl8pPr>
+            <a:lvl9pPr>
+              <a:defRPr>
+                <a:solidFill>
+                  <a:schemeClr val="tx2"/>
+                </a:solidFill>
+              </a:defRPr>
+            </a:lvl9pPr>
+          </a:lstStyle>
+          <a:p>
+            <a:pPr lvl="0"/>
+            <a:r>
+              <a:rPr lang="en-US" sz="8000" dirty="0">
+                <a:solidFill>
+                  <a:schemeClr val="tx1"/>
+                </a:solidFill>
+                <a:effectLst/>
+              </a:rPr>
+              <a:t>“</a:t>
+            </a:r>
+          </a:p>
+        </p:txBody>
+      </p:sp>
+      <p:sp>
+        <p:nvSpPr>
+          <p:cNvPr id="10" name="TextBox 9"/>
+          <p:cNvSpPr txBox="1"/>
+          <p:nvPr/>
+        </p:nvSpPr>
+        <p:spPr>
+          <a:xfrm>
+            <a:off x="10984230" y="2701290"/>
+            <a:ext cx="609600" cy="584776"/>
+          </a:xfrm>
+          <a:prstGeom prst="rect">
+            <a:avLst/>
+          </a:prstGeom>
+        </p:spPr>
+        <p:txBody>
+          <a:bodyPr vert="horz" lIns="91440" tIns="45720" rIns="91440" bIns="45720" rtlCol="0" anchor="ctr">
+            <a:noAutofit/>
+          </a:bodyPr>
+          <a:lstStyle>
+            <a:lvl1pPr>
+              <a:spcBef>
+                <a:spcPct val="0"/>
+              </a:spcBef>
+              <a:buNone/>
+              <a:defRPr sz="3200" b="0" cap="all">
+                <a:ln w="3175" cmpd="sng">
+                  <a:noFill/>
+                </a:ln>
+                <a:effectLst>
+                  <a:glow rad="38100">
+                    <a:schemeClr val="bg1">
+                      <a:lumMod val="65000"/>
+                      <a:lumOff val="35000"/>
+                      <a:alpha val="40000"/>
+                    </a:schemeClr>
+                  </a:glow>
+                  <a:outerShdw blurRad="28575" dist="38100" dir="14040000" algn="tl" rotWithShape="0">
+                    <a:srgbClr val="000000">
+                      <a:alpha val="25000"/>
+                    </a:srgbClr>
+                  </a:outerShdw>
+                </a:effectLst>
+              </a:defRPr>
+            </a:lvl1pPr>
+            <a:lvl2pPr>
+              <a:defRPr>
+                <a:solidFill>
+                  <a:schemeClr val="tx2"/>
+                </a:solidFill>
+              </a:defRPr>
+            </a:lvl2pPr>
+            <a:lvl3pPr>
+              <a:defRPr>
+                <a:solidFill>
+                  <a:schemeClr val="tx2"/>
+                </a:solidFill>
+              </a:defRPr>
+            </a:lvl3pPr>
+            <a:lvl4pPr>
+              <a:defRPr>
+                <a:solidFill>
+                  <a:schemeClr val="tx2"/>
+                </a:solidFill>
+              </a:defRPr>
+            </a:lvl4pPr>
+            <a:lvl5pPr>
+              <a:defRPr>
+                <a:solidFill>
+                  <a:schemeClr val="tx2"/>
+                </a:solidFill>
+              </a:defRPr>
+            </a:lvl5pPr>
+            <a:lvl6pPr>
+              <a:defRPr>
+                <a:solidFill>
+                  <a:schemeClr val="tx2"/>
+                </a:solidFill>
+              </a:defRPr>
+            </a:lvl6pPr>
+            <a:lvl7pPr>
+              <a:defRPr>
+                <a:solidFill>
+                  <a:schemeClr val="tx2"/>
+                </a:solidFill>
+              </a:defRPr>
+            </a:lvl7pPr>
+            <a:lvl8pPr>
+              <a:defRPr>
+                <a:solidFill>
+                  <a:schemeClr val="tx2"/>
+                </a:solidFill>
+              </a:defRPr>
+            </a:lvl8pPr>
+            <a:lvl9pPr>
+              <a:defRPr>
+                <a:solidFill>
+                  <a:schemeClr val="tx2"/>
+                </a:solidFill>
+              </a:defRPr>
+            </a:lvl9pPr>
+          </a:lstStyle>
+          <a:p>
+            <a:pPr lvl="0" algn="r"/>
+            <a:r>
+              <a:rPr lang="en-US" sz="8000" dirty="0">
+                <a:solidFill>
+                  <a:schemeClr val="tx1"/>
+                </a:solidFill>
+                <a:effectLst/>
+              </a:rPr>
+              <a:t>”</a:t>
+            </a:r>
+          </a:p>
+        </p:txBody>
+      </p:sp>
+    </p:spTree>
+    <p:extLst>
+      <p:ext uri="{BB962C8B-B14F-4D97-AF65-F5344CB8AC3E}">
+        <p14:creationId xmlns:p14="http://schemas.microsoft.com/office/powerpoint/2010/main" val="977354796"/>
+      </p:ext>
+    </p:extLst>
+  </p:cSld>
+  <p:clrMapOvr>
+    <a:masterClrMapping/>
+  </p:clrMapOvr>
+</p:sldLayout>
+</file>
+
+<file path=ppt/slideLayouts/slideLayout13.xml><?xml version="1.0" encoding="utf-8"?>
+<p:sldLayout xmlns:a="http://schemas.openxmlformats.org/drawingml/2006/main" xmlns:r="http://schemas.openxmlformats.org/officeDocument/2006/relationships" xmlns:p="http://schemas.openxmlformats.org/presentationml/2006/main" showMasterSp="0" preserve="1">
+  <p:cSld name="Name Card">
+    <p:spTree>
+      <p:nvGrpSpPr>
+        <p:cNvPr id="1" name=""/>
+        <p:cNvGrpSpPr/>
+        <p:nvPr/>
+      </p:nvGrpSpPr>
+      <p:grpSpPr>
+        <a:xfrm>
+          <a:off x="0" y="0"/>
+          <a:ext cx="0" cy="0"/>
+          <a:chOff x="0" y="0"/>
+          <a:chExt cx="0" cy="0"/>
+        </a:xfrm>
+      </p:grpSpPr>
+      <p:pic>
+        <p:nvPicPr>
+          <p:cNvPr id="9" name="Picture 8" descr="C0-HD-BTM.png"/>
+          <p:cNvPicPr>
+            <a:picLocks noChangeAspect="1"/>
+          </p:cNvPicPr>
+          <p:nvPr/>
+        </p:nvPicPr>
+        <p:blipFill>
+          <a:blip r:embed="rId2">
+            <a:extLst>
+              <a:ext uri="{28A0092B-C50C-407E-A947-70E740481C1C}">
+                <a14:useLocalDpi xmlns:a14="http://schemas.microsoft.com/office/drawing/2010/main" val="0"/>
+              </a:ext>
+            </a:extLst>
+          </a:blip>
+          <a:stretch>
+            <a:fillRect/>
+          </a:stretch>
+        </p:blipFill>
+        <p:spPr>
+          <a:xfrm>
+            <a:off x="0" y="4375150"/>
+            <a:ext cx="12192000" cy="2482850"/>
+          </a:xfrm>
+          <a:prstGeom prst="rect">
+            <a:avLst/>
+          </a:prstGeom>
+        </p:spPr>
+      </p:pic>
+      <p:sp>
+        <p:nvSpPr>
+          <p:cNvPr id="2" name="Title 1"/>
+          <p:cNvSpPr>
+            <a:spLocks noGrp="1"/>
+          </p:cNvSpPr>
+          <p:nvPr>
+            <p:ph type="title"/>
+          </p:nvPr>
+        </p:nvSpPr>
+        <p:spPr>
+          <a:xfrm>
+            <a:off x="1024495" y="1124701"/>
+            <a:ext cx="10146186" cy="2511835"/>
+          </a:xfrm>
+        </p:spPr>
+        <p:txBody>
+          <a:bodyPr anchor="b"/>
+          <a:lstStyle>
+            <a:lvl1pPr algn="l">
+              <a:defRPr sz="3200"/>
+            </a:lvl1pPr>
+          </a:lstStyle>
+          <a:p>
+            <a:r>
+              <a:rPr lang="en-US"/>
+              <a:t>Click to edit Master title style</a:t>
+            </a:r>
+            <a:endParaRPr lang="en-US" dirty="0"/>
+          </a:p>
+        </p:txBody>
+      </p:sp>
+      <p:sp>
+        <p:nvSpPr>
+          <p:cNvPr id="4" name="Text Placeholder 3"/>
+          <p:cNvSpPr>
+            <a:spLocks noGrp="1"/>
+          </p:cNvSpPr>
+          <p:nvPr>
+            <p:ph type="body" sz="half" idx="2"/>
+          </p:nvPr>
+        </p:nvSpPr>
+        <p:spPr>
+          <a:xfrm>
+            <a:off x="1024467" y="3648315"/>
+            <a:ext cx="10144654" cy="999885"/>
+          </a:xfrm>
+        </p:spPr>
+        <p:txBody>
+          <a:bodyPr anchor="t"/>
+          <a:lstStyle>
+            <a:lvl1pPr marL="0" indent="0">
+              <a:buNone/>
+              <a:defRPr sz="1600"/>
+            </a:lvl1pPr>
+            <a:lvl2pPr marL="457200" indent="0">
+              <a:buNone/>
+              <a:defRPr sz="1400"/>
+            </a:lvl2pPr>
+            <a:lvl3pPr marL="914400" indent="0">
+              <a:buNone/>
+              <a:defRPr sz="1200"/>
+            </a:lvl3pPr>
+            <a:lvl4pPr marL="1371600" indent="0">
+              <a:buNone/>
+              <a:defRPr sz="1000"/>
+            </a:lvl4pPr>
+            <a:lvl5pPr marL="1828800" indent="0">
+              <a:buNone/>
+              <a:defRPr sz="1000"/>
+            </a:lvl5pPr>
+            <a:lvl6pPr marL="2286000" indent="0">
+              <a:buNone/>
+              <a:defRPr sz="1000"/>
+            </a:lvl6pPr>
+            <a:lvl7pPr marL="2743200" indent="0">
+              <a:buNone/>
+              <a:defRPr sz="1000"/>
+            </a:lvl7pPr>
+            <a:lvl8pPr marL="3200400" indent="0">
+              <a:buNone/>
+              <a:defRPr sz="1000"/>
+            </a:lvl8pPr>
+            <a:lvl9pPr marL="3657600" indent="0">
+              <a:buNone/>
+              <a:defRPr sz="1000"/>
+            </a:lvl9pPr>
+          </a:lstStyle>
+          <a:p>
+            <a:pPr lvl="0"/>
+            <a:r>
+              <a:rPr lang="en-US"/>
+              <a:t>Click to edit Master text styles</a:t>
+            </a:r>
+          </a:p>
+        </p:txBody>
+      </p:sp>
+      <p:sp>
+        <p:nvSpPr>
+          <p:cNvPr id="5" name="Date Placeholder 4"/>
+          <p:cNvSpPr>
+            <a:spLocks noGrp="1"/>
+          </p:cNvSpPr>
+          <p:nvPr>
+            <p:ph type="dt" sz="half" idx="10"/>
+          </p:nvPr>
+        </p:nvSpPr>
+        <p:spPr>
+          <a:xfrm>
+            <a:off x="7814452" y="378883"/>
+            <a:ext cx="2910840" cy="365125"/>
+          </a:xfrm>
+        </p:spPr>
+        <p:txBody>
+          <a:bodyPr/>
+          <a:lstStyle>
+            <a:lvl1pPr algn="r">
+              <a:defRPr/>
+            </a:lvl1pPr>
+          </a:lstStyle>
+          <a:p>
+            <a:fld id="{7FB56609-CE72-8142-81BC-C32929048CAB}" type="datetimeFigureOut">
+              <a:rPr lang="en-AM" smtClean="0"/>
+              <a:t>19.03.24</a:t>
+            </a:fld>
+            <a:endParaRPr lang="en-AM"/>
+          </a:p>
+        </p:txBody>
+      </p:sp>
+      <p:sp>
+        <p:nvSpPr>
+          <p:cNvPr id="6" name="Footer Placeholder 5"/>
+          <p:cNvSpPr>
+            <a:spLocks noGrp="1"/>
+          </p:cNvSpPr>
+          <p:nvPr>
+            <p:ph type="ftr" sz="quarter" idx="11"/>
+          </p:nvPr>
+        </p:nvSpPr>
+        <p:spPr>
+          <a:xfrm>
+            <a:off x="685800" y="378883"/>
+            <a:ext cx="6991492" cy="365125"/>
+          </a:xfrm>
+        </p:spPr>
+        <p:txBody>
+          <a:bodyPr/>
+          <a:lstStyle/>
+          <a:p>
+            <a:endParaRPr lang="en-AM"/>
+          </a:p>
+        </p:txBody>
+      </p:sp>
+      <p:sp>
+        <p:nvSpPr>
+          <p:cNvPr id="7" name="Slide Number Placeholder 6"/>
+          <p:cNvSpPr>
+            <a:spLocks noGrp="1"/>
+          </p:cNvSpPr>
+          <p:nvPr>
+            <p:ph type="sldNum" sz="quarter" idx="12"/>
+          </p:nvPr>
+        </p:nvSpPr>
+        <p:spPr>
+          <a:xfrm>
+            <a:off x="10862452" y="381000"/>
+            <a:ext cx="643748" cy="365125"/>
+          </a:xfrm>
+        </p:spPr>
+        <p:txBody>
+          <a:bodyPr/>
+          <a:lstStyle/>
+          <a:p>
+            <a:fld id="{3C84C624-DF5C-6F40-A7ED-3643018B58CE}" type="slidenum">
+              <a:rPr lang="en-AM" smtClean="0"/>
+              <a:t>‹#›</a:t>
+            </a:fld>
+            <a:endParaRPr lang="en-AM"/>
+          </a:p>
+        </p:txBody>
+      </p:sp>
+    </p:spTree>
+    <p:extLst>
+      <p:ext uri="{BB962C8B-B14F-4D97-AF65-F5344CB8AC3E}">
+        <p14:creationId xmlns:p14="http://schemas.microsoft.com/office/powerpoint/2010/main" val="3689315290"/>
+      </p:ext>
+    </p:extLst>
+  </p:cSld>
+  <p:clrMapOvr>
+    <a:masterClrMapping/>
+  </p:clrMapOvr>
+</p:sldLayout>
+</file>
+
+<file path=ppt/slideLayouts/slideLayout14.xml><?xml version="1.0" encoding="utf-8"?>
+<p:sldLayout xmlns:a="http://schemas.openxmlformats.org/drawingml/2006/main" xmlns:r="http://schemas.openxmlformats.org/officeDocument/2006/relationships" xmlns:p="http://schemas.openxmlformats.org/presentationml/2006/main" preserve="1">
+  <p:cSld name="3 Column">
+    <p:spTree>
+      <p:nvGrpSpPr>
+        <p:cNvPr id="1" name=""/>
+        <p:cNvGrpSpPr/>
+        <p:nvPr/>
+      </p:nvGrpSpPr>
+      <p:grpSpPr>
+        <a:xfrm>
+          <a:off x="0" y="0"/>
+          <a:ext cx="0" cy="0"/>
+          <a:chOff x="0" y="0"/>
+          <a:chExt cx="0" cy="0"/>
+        </a:xfrm>
+      </p:grpSpPr>
+      <p:sp>
+        <p:nvSpPr>
+          <p:cNvPr id="15" name="Title 1"/>
+          <p:cNvSpPr>
+            <a:spLocks noGrp="1"/>
+          </p:cNvSpPr>
+          <p:nvPr>
+            <p:ph type="title"/>
+          </p:nvPr>
+        </p:nvSpPr>
+        <p:spPr>
+          <a:xfrm>
+            <a:off x="2895600" y="761999"/>
+            <a:ext cx="8610599" cy="1303867"/>
+          </a:xfrm>
+        </p:spPr>
+        <p:txBody>
+          <a:bodyPr/>
+          <a:lstStyle/>
+          <a:p>
+            <a:r>
+              <a:rPr lang="en-US"/>
+              <a:t>Click to edit Master title style</a:t>
+            </a:r>
+            <a:endParaRPr lang="en-US" dirty="0"/>
+          </a:p>
+        </p:txBody>
+      </p:sp>
+      <p:sp>
+        <p:nvSpPr>
+          <p:cNvPr id="7" name="Text Placeholder 2"/>
+          <p:cNvSpPr>
+            <a:spLocks noGrp="1"/>
+          </p:cNvSpPr>
+          <p:nvPr>
+            <p:ph type="body" idx="1"/>
+          </p:nvPr>
+        </p:nvSpPr>
+        <p:spPr>
+          <a:xfrm>
+            <a:off x="685800" y="2202080"/>
+            <a:ext cx="3456432" cy="617320"/>
+          </a:xfrm>
+        </p:spPr>
+        <p:txBody>
+          <a:bodyPr anchor="b">
+            <a:noAutofit/>
+          </a:bodyPr>
+          <a:lstStyle>
+            <a:lvl1pPr marL="0" indent="0">
+              <a:buNone/>
+              <a:defRPr sz="2400" b="0">
+                <a:solidFill>
+                  <a:schemeClr val="tx1"/>
+                </a:solidFill>
+              </a:defRPr>
+            </a:lvl1pPr>
+            <a:lvl2pPr marL="457200" indent="0">
+              <a:buNone/>
+              <a:defRPr sz="2000" b="1"/>
+            </a:lvl2pPr>
+            <a:lvl3pPr marL="914400" indent="0">
+              <a:buNone/>
+              <a:defRPr sz="1800" b="1"/>
+            </a:lvl3pPr>
+            <a:lvl4pPr marL="1371600" indent="0">
+              <a:buNone/>
+              <a:defRPr sz="1600" b="1"/>
+            </a:lvl4pPr>
+            <a:lvl5pPr marL="1828800" indent="0">
+              <a:buNone/>
+              <a:defRPr sz="1600" b="1"/>
+            </a:lvl5pPr>
+            <a:lvl6pPr marL="2286000" indent="0">
+              <a:buNone/>
+              <a:defRPr sz="1600" b="1"/>
+            </a:lvl6pPr>
+            <a:lvl7pPr marL="2743200" indent="0">
+              <a:buNone/>
+              <a:defRPr sz="1600" b="1"/>
+            </a:lvl7pPr>
+            <a:lvl8pPr marL="3200400" indent="0">
+              <a:buNone/>
+              <a:defRPr sz="1600" b="1"/>
+            </a:lvl8pPr>
+            <a:lvl9pPr marL="3657600" indent="0">
+              <a:buNone/>
+              <a:defRPr sz="1600" b="1"/>
+            </a:lvl9pPr>
+          </a:lstStyle>
+          <a:p>
+            <a:pPr lvl="0"/>
+            <a:r>
+              <a:rPr lang="en-US"/>
+              <a:t>Click to edit Master text styles</a:t>
+            </a:r>
+          </a:p>
+        </p:txBody>
+      </p:sp>
+      <p:sp>
+        <p:nvSpPr>
+          <p:cNvPr id="8" name="Text Placeholder 3"/>
+          <p:cNvSpPr>
+            <a:spLocks noGrp="1"/>
+          </p:cNvSpPr>
+          <p:nvPr>
+            <p:ph type="body" sz="half" idx="15"/>
+          </p:nvPr>
+        </p:nvSpPr>
+        <p:spPr>
+          <a:xfrm>
+            <a:off x="685799" y="2904565"/>
+            <a:ext cx="3456432" cy="3314132"/>
+          </a:xfrm>
+        </p:spPr>
+        <p:txBody>
+          <a:bodyPr anchor="t">
+            <a:normAutofit/>
+          </a:bodyPr>
+          <a:lstStyle>
+            <a:lvl1pPr marL="0" indent="0">
+              <a:buNone/>
+              <a:defRPr sz="1400"/>
+            </a:lvl1pPr>
+            <a:lvl2pPr marL="457200" indent="0">
+              <a:buNone/>
+              <a:defRPr sz="1200"/>
+            </a:lvl2pPr>
+            <a:lvl3pPr marL="914400" indent="0">
+              <a:buNone/>
+              <a:defRPr sz="1000"/>
+            </a:lvl3pPr>
+            <a:lvl4pPr marL="1371600" indent="0">
+              <a:buNone/>
+              <a:defRPr sz="900"/>
+            </a:lvl4pPr>
+            <a:lvl5pPr marL="1828800" indent="0">
+              <a:buNone/>
+              <a:defRPr sz="900"/>
+            </a:lvl5pPr>
+            <a:lvl6pPr marL="2286000" indent="0">
+              <a:buNone/>
+              <a:defRPr sz="900"/>
+            </a:lvl6pPr>
+            <a:lvl7pPr marL="2743200" indent="0">
+              <a:buNone/>
+              <a:defRPr sz="900"/>
+            </a:lvl7pPr>
+            <a:lvl8pPr marL="3200400" indent="0">
+              <a:buNone/>
+              <a:defRPr sz="900"/>
+            </a:lvl8pPr>
+            <a:lvl9pPr marL="3657600" indent="0">
+              <a:buNone/>
+              <a:defRPr sz="900"/>
+            </a:lvl9pPr>
+          </a:lstStyle>
+          <a:p>
+            <a:pPr lvl="0"/>
+            <a:r>
+              <a:rPr lang="en-US"/>
+              <a:t>Click to edit Master text styles</a:t>
+            </a:r>
+          </a:p>
+        </p:txBody>
+      </p:sp>
+      <p:sp>
+        <p:nvSpPr>
+          <p:cNvPr id="9" name="Text Placeholder 4"/>
+          <p:cNvSpPr>
+            <a:spLocks noGrp="1"/>
+          </p:cNvSpPr>
+          <p:nvPr>
+            <p:ph type="body" sz="quarter" idx="3"/>
+          </p:nvPr>
+        </p:nvSpPr>
+        <p:spPr>
+          <a:xfrm>
+            <a:off x="4368800" y="2201333"/>
+            <a:ext cx="3456432" cy="626534"/>
+          </a:xfrm>
+        </p:spPr>
+        <p:txBody>
+          <a:bodyPr anchor="b">
+            <a:noAutofit/>
+          </a:bodyPr>
+          <a:lstStyle>
+            <a:lvl1pPr marL="0" indent="0">
+              <a:buNone/>
+              <a:defRPr sz="2400" b="0">
+                <a:solidFill>
+                  <a:schemeClr val="tx1"/>
+                </a:solidFill>
+              </a:defRPr>
+            </a:lvl1pPr>
+            <a:lvl2pPr marL="457200" indent="0">
+              <a:buNone/>
+              <a:defRPr sz="2000" b="1"/>
+            </a:lvl2pPr>
+            <a:lvl3pPr marL="914400" indent="0">
+              <a:buNone/>
+              <a:defRPr sz="1800" b="1"/>
+            </a:lvl3pPr>
+            <a:lvl4pPr marL="1371600" indent="0">
+              <a:buNone/>
+              <a:defRPr sz="1600" b="1"/>
+            </a:lvl4pPr>
+            <a:lvl5pPr marL="1828800" indent="0">
+              <a:buNone/>
+              <a:defRPr sz="1600" b="1"/>
+            </a:lvl5pPr>
+            <a:lvl6pPr marL="2286000" indent="0">
+              <a:buNone/>
+              <a:defRPr sz="1600" b="1"/>
+            </a:lvl6pPr>
+            <a:lvl7pPr marL="2743200" indent="0">
+              <a:buNone/>
+              <a:defRPr sz="1600" b="1"/>
+            </a:lvl7pPr>
+            <a:lvl8pPr marL="3200400" indent="0">
+              <a:buNone/>
+              <a:defRPr sz="1600" b="1"/>
+            </a:lvl8pPr>
+            <a:lvl9pPr marL="3657600" indent="0">
+              <a:buNone/>
+              <a:defRPr sz="1600" b="1"/>
+            </a:lvl9pPr>
+          </a:lstStyle>
+          <a:p>
+            <a:pPr lvl="0"/>
+            <a:r>
+              <a:rPr lang="en-US"/>
+              <a:t>Click to edit Master text styles</a:t>
+            </a:r>
+          </a:p>
+        </p:txBody>
+      </p:sp>
+      <p:sp>
+        <p:nvSpPr>
+          <p:cNvPr id="10" name="Text Placeholder 3"/>
+          <p:cNvSpPr>
+            <a:spLocks noGrp="1"/>
+          </p:cNvSpPr>
+          <p:nvPr>
+            <p:ph type="body" sz="half" idx="16"/>
+          </p:nvPr>
+        </p:nvSpPr>
+        <p:spPr>
+          <a:xfrm>
+            <a:off x="4366858" y="2904067"/>
+            <a:ext cx="3456432" cy="3314618"/>
+          </a:xfrm>
+        </p:spPr>
+        <p:txBody>
+          <a:bodyPr anchor="t">
+            <a:normAutofit/>
+          </a:bodyPr>
+          <a:lstStyle>
+            <a:lvl1pPr marL="0" indent="0">
+              <a:buNone/>
+              <a:defRPr sz="1400"/>
+            </a:lvl1pPr>
+            <a:lvl2pPr marL="457200" indent="0">
+              <a:buNone/>
+              <a:defRPr sz="1200"/>
+            </a:lvl2pPr>
+            <a:lvl3pPr marL="914400" indent="0">
+              <a:buNone/>
+              <a:defRPr sz="1000"/>
+            </a:lvl3pPr>
+            <a:lvl4pPr marL="1371600" indent="0">
+              <a:buNone/>
+              <a:defRPr sz="900"/>
+            </a:lvl4pPr>
+            <a:lvl5pPr marL="1828800" indent="0">
+              <a:buNone/>
+              <a:defRPr sz="900"/>
+            </a:lvl5pPr>
+            <a:lvl6pPr marL="2286000" indent="0">
+              <a:buNone/>
+              <a:defRPr sz="900"/>
+            </a:lvl6pPr>
+            <a:lvl7pPr marL="2743200" indent="0">
+              <a:buNone/>
+              <a:defRPr sz="900"/>
+            </a:lvl7pPr>
+            <a:lvl8pPr marL="3200400" indent="0">
+              <a:buNone/>
+              <a:defRPr sz="900"/>
+            </a:lvl8pPr>
+            <a:lvl9pPr marL="3657600" indent="0">
+              <a:buNone/>
+              <a:defRPr sz="900"/>
+            </a:lvl9pPr>
+          </a:lstStyle>
+          <a:p>
+            <a:pPr lvl="0"/>
+            <a:r>
+              <a:rPr lang="en-US"/>
+              <a:t>Click to edit Master text styles</a:t>
+            </a:r>
+          </a:p>
+        </p:txBody>
+      </p:sp>
+      <p:sp>
+        <p:nvSpPr>
+          <p:cNvPr id="11" name="Text Placeholder 4"/>
+          <p:cNvSpPr>
+            <a:spLocks noGrp="1"/>
+          </p:cNvSpPr>
+          <p:nvPr>
+            <p:ph type="body" sz="quarter" idx="13"/>
+          </p:nvPr>
+        </p:nvSpPr>
+        <p:spPr>
+          <a:xfrm>
+            <a:off x="8051800" y="2192866"/>
+            <a:ext cx="3456432" cy="626534"/>
+          </a:xfrm>
+        </p:spPr>
+        <p:txBody>
+          <a:bodyPr anchor="b">
+            <a:noAutofit/>
+          </a:bodyPr>
+          <a:lstStyle>
+            <a:lvl1pPr marL="0" indent="0">
+              <a:buNone/>
+              <a:defRPr sz="2400" b="0">
+                <a:solidFill>
+                  <a:schemeClr val="tx1"/>
+                </a:solidFill>
+              </a:defRPr>
+            </a:lvl1pPr>
+            <a:lvl2pPr marL="457200" indent="0">
+              <a:buNone/>
+              <a:defRPr sz="2000" b="1"/>
+            </a:lvl2pPr>
+            <a:lvl3pPr marL="914400" indent="0">
+              <a:buNone/>
+              <a:defRPr sz="1800" b="1"/>
+            </a:lvl3pPr>
+            <a:lvl4pPr marL="1371600" indent="0">
+              <a:buNone/>
+              <a:defRPr sz="1600" b="1"/>
+            </a:lvl4pPr>
+            <a:lvl5pPr marL="1828800" indent="0">
+              <a:buNone/>
+              <a:defRPr sz="1600" b="1"/>
+            </a:lvl5pPr>
+            <a:lvl6pPr marL="2286000" indent="0">
+              <a:buNone/>
+              <a:defRPr sz="1600" b="1"/>
+            </a:lvl6pPr>
+            <a:lvl7pPr marL="2743200" indent="0">
+              <a:buNone/>
+              <a:defRPr sz="1600" b="1"/>
+            </a:lvl7pPr>
+            <a:lvl8pPr marL="3200400" indent="0">
+              <a:buNone/>
+              <a:defRPr sz="1600" b="1"/>
+            </a:lvl8pPr>
+            <a:lvl9pPr marL="3657600" indent="0">
+              <a:buNone/>
+              <a:defRPr sz="1600" b="1"/>
+            </a:lvl9pPr>
+          </a:lstStyle>
+          <a:p>
+            <a:pPr lvl="0"/>
+            <a:r>
+              <a:rPr lang="en-US"/>
+              <a:t>Click to edit Master text styles</a:t>
+            </a:r>
+          </a:p>
+        </p:txBody>
+      </p:sp>
+      <p:sp>
+        <p:nvSpPr>
+          <p:cNvPr id="12" name="Text Placeholder 3"/>
+          <p:cNvSpPr>
+            <a:spLocks noGrp="1"/>
+          </p:cNvSpPr>
+          <p:nvPr>
+            <p:ph type="body" sz="half" idx="17"/>
+          </p:nvPr>
+        </p:nvSpPr>
+        <p:spPr>
+          <a:xfrm>
+            <a:off x="8051801" y="2904565"/>
+            <a:ext cx="3456432" cy="3314132"/>
+          </a:xfrm>
+        </p:spPr>
+        <p:txBody>
+          <a:bodyPr anchor="t">
+            <a:normAutofit/>
+          </a:bodyPr>
+          <a:lstStyle>
+            <a:lvl1pPr marL="0" indent="0">
+              <a:buNone/>
+              <a:defRPr sz="1400"/>
+            </a:lvl1pPr>
+            <a:lvl2pPr marL="457200" indent="0">
+              <a:buNone/>
+              <a:defRPr sz="1200"/>
+            </a:lvl2pPr>
+            <a:lvl3pPr marL="914400" indent="0">
+              <a:buNone/>
+              <a:defRPr sz="1000"/>
+            </a:lvl3pPr>
+            <a:lvl4pPr marL="1371600" indent="0">
+              <a:buNone/>
+              <a:defRPr sz="900"/>
+            </a:lvl4pPr>
+            <a:lvl5pPr marL="1828800" indent="0">
+              <a:buNone/>
+              <a:defRPr sz="900"/>
+            </a:lvl5pPr>
+            <a:lvl6pPr marL="2286000" indent="0">
+              <a:buNone/>
+              <a:defRPr sz="900"/>
+            </a:lvl6pPr>
+            <a:lvl7pPr marL="2743200" indent="0">
+              <a:buNone/>
+              <a:defRPr sz="900"/>
+            </a:lvl7pPr>
+            <a:lvl8pPr marL="3200400" indent="0">
+              <a:buNone/>
+              <a:defRPr sz="900"/>
+            </a:lvl8pPr>
+            <a:lvl9pPr marL="3657600" indent="0">
+              <a:buNone/>
+              <a:defRPr sz="900"/>
+            </a:lvl9pPr>
+          </a:lstStyle>
+          <a:p>
+            <a:pPr lvl="0"/>
+            <a:r>
+              <a:rPr lang="en-US"/>
+              <a:t>Click to edit Master text styles</a:t>
+            </a:r>
+          </a:p>
+        </p:txBody>
+      </p:sp>
+      <p:sp>
+        <p:nvSpPr>
+          <p:cNvPr id="3" name="Date Placeholder 2"/>
+          <p:cNvSpPr>
+            <a:spLocks noGrp="1"/>
+          </p:cNvSpPr>
+          <p:nvPr>
+            <p:ph type="dt" sz="half" idx="10"/>
+          </p:nvPr>
+        </p:nvSpPr>
+        <p:spPr/>
+        <p:txBody>
+          <a:bodyPr/>
+          <a:lstStyle/>
+          <a:p>
+            <a:fld id="{7FB56609-CE72-8142-81BC-C32929048CAB}" type="datetimeFigureOut">
+              <a:rPr lang="en-AM" smtClean="0"/>
+              <a:t>19.03.24</a:t>
+            </a:fld>
+            <a:endParaRPr lang="en-AM"/>
+          </a:p>
+        </p:txBody>
+      </p:sp>
+      <p:sp>
+        <p:nvSpPr>
+          <p:cNvPr id="4" name="Footer Placeholder 3"/>
+          <p:cNvSpPr>
+            <a:spLocks noGrp="1"/>
+          </p:cNvSpPr>
+          <p:nvPr>
+            <p:ph type="ftr" sz="quarter" idx="11"/>
+          </p:nvPr>
+        </p:nvSpPr>
+        <p:spPr/>
+        <p:txBody>
+          <a:bodyPr/>
+          <a:lstStyle/>
+          <a:p>
+            <a:endParaRPr lang="en-AM"/>
+          </a:p>
+        </p:txBody>
+      </p:sp>
+      <p:sp>
+        <p:nvSpPr>
+          <p:cNvPr id="5" name="Slide Number Placeholder 4"/>
+          <p:cNvSpPr>
+            <a:spLocks noGrp="1"/>
+          </p:cNvSpPr>
+          <p:nvPr>
+            <p:ph type="sldNum" sz="quarter" idx="12"/>
+          </p:nvPr>
+        </p:nvSpPr>
+        <p:spPr/>
+        <p:txBody>
+          <a:bodyPr/>
+          <a:lstStyle/>
+          <a:p>
+            <a:fld id="{3C84C624-DF5C-6F40-A7ED-3643018B58CE}" type="slidenum">
+              <a:rPr lang="en-AM" smtClean="0"/>
+              <a:t>‹#›</a:t>
+            </a:fld>
+            <a:endParaRPr lang="en-AM"/>
+          </a:p>
+        </p:txBody>
+      </p:sp>
+    </p:spTree>
+    <p:extLst>
+      <p:ext uri="{BB962C8B-B14F-4D97-AF65-F5344CB8AC3E}">
+        <p14:creationId xmlns:p14="http://schemas.microsoft.com/office/powerpoint/2010/main" val="2427568189"/>
+      </p:ext>
+    </p:extLst>
+  </p:cSld>
+  <p:clrMapOvr>
+    <a:masterClrMapping/>
+  </p:clrMapOvr>
+</p:sldLayout>
+</file>
+
+<file path=ppt/slideLayouts/slideLayout15.xml><?xml version="1.0" encoding="utf-8"?>
+<p:sldLayout xmlns:a="http://schemas.openxmlformats.org/drawingml/2006/main" xmlns:r="http://schemas.openxmlformats.org/officeDocument/2006/relationships" xmlns:p="http://schemas.openxmlformats.org/presentationml/2006/main" preserve="1">
+  <p:cSld name="3 Picture Column">
+    <p:spTree>
+      <p:nvGrpSpPr>
+        <p:cNvPr id="1" name=""/>
+        <p:cNvGrpSpPr/>
+        <p:nvPr/>
+      </p:nvGrpSpPr>
+      <p:grpSpPr>
+        <a:xfrm>
+          <a:off x="0" y="0"/>
+          <a:ext cx="0" cy="0"/>
+          <a:chOff x="0" y="0"/>
+          <a:chExt cx="0" cy="0"/>
+        </a:xfrm>
+      </p:grpSpPr>
+      <p:sp>
+        <p:nvSpPr>
+          <p:cNvPr id="30" name="Title 1"/>
+          <p:cNvSpPr>
+            <a:spLocks noGrp="1"/>
+          </p:cNvSpPr>
+          <p:nvPr>
+            <p:ph type="title"/>
+          </p:nvPr>
+        </p:nvSpPr>
+        <p:spPr>
+          <a:xfrm>
+            <a:off x="2895600" y="762000"/>
+            <a:ext cx="8610599" cy="1295400"/>
+          </a:xfrm>
+        </p:spPr>
+        <p:txBody>
+          <a:bodyPr/>
+          <a:lstStyle/>
+          <a:p>
+            <a:r>
+              <a:rPr lang="en-US"/>
+              <a:t>Click to edit Master title style</a:t>
+            </a:r>
+            <a:endParaRPr lang="en-US" dirty="0"/>
+          </a:p>
+        </p:txBody>
+      </p:sp>
+      <p:sp>
+        <p:nvSpPr>
+          <p:cNvPr id="19" name="Text Placeholder 2"/>
+          <p:cNvSpPr>
+            <a:spLocks noGrp="1"/>
+          </p:cNvSpPr>
+          <p:nvPr>
+            <p:ph type="body" idx="1"/>
+          </p:nvPr>
+        </p:nvSpPr>
+        <p:spPr>
+          <a:xfrm>
+            <a:off x="688618" y="4191000"/>
+            <a:ext cx="3451582" cy="682765"/>
+          </a:xfrm>
+        </p:spPr>
+        <p:txBody>
+          <a:bodyPr anchor="b">
+            <a:noAutofit/>
+          </a:bodyPr>
+          <a:lstStyle>
+            <a:lvl1pPr marL="0" indent="0">
+              <a:buNone/>
+              <a:defRPr sz="2400" b="0">
+                <a:solidFill>
+                  <a:schemeClr val="tx1"/>
+                </a:solidFill>
+              </a:defRPr>
+            </a:lvl1pPr>
+            <a:lvl2pPr marL="457200" indent="0">
+              <a:buNone/>
+              <a:defRPr sz="2000" b="1"/>
+            </a:lvl2pPr>
+            <a:lvl3pPr marL="914400" indent="0">
+              <a:buNone/>
+              <a:defRPr sz="1800" b="1"/>
+            </a:lvl3pPr>
+            <a:lvl4pPr marL="1371600" indent="0">
+              <a:buNone/>
+              <a:defRPr sz="1600" b="1"/>
+            </a:lvl4pPr>
+            <a:lvl5pPr marL="1828800" indent="0">
+              <a:buNone/>
+              <a:defRPr sz="1600" b="1"/>
+            </a:lvl5pPr>
+            <a:lvl6pPr marL="2286000" indent="0">
+              <a:buNone/>
+              <a:defRPr sz="1600" b="1"/>
+            </a:lvl6pPr>
+            <a:lvl7pPr marL="2743200" indent="0">
+              <a:buNone/>
+              <a:defRPr sz="1600" b="1"/>
+            </a:lvl7pPr>
+            <a:lvl8pPr marL="3200400" indent="0">
+              <a:buNone/>
+              <a:defRPr sz="1600" b="1"/>
+            </a:lvl8pPr>
+            <a:lvl9pPr marL="3657600" indent="0">
+              <a:buNone/>
+              <a:defRPr sz="1600" b="1"/>
+            </a:lvl9pPr>
+          </a:lstStyle>
+          <a:p>
+            <a:pPr lvl="0"/>
+            <a:r>
+              <a:rPr lang="en-US"/>
+              <a:t>Click to edit Master text styles</a:t>
+            </a:r>
+          </a:p>
+        </p:txBody>
+      </p:sp>
+      <p:sp>
+        <p:nvSpPr>
+          <p:cNvPr id="20" name="Picture Placeholder 2"/>
+          <p:cNvSpPr>
+            <a:spLocks noGrp="1" noChangeAspect="1"/>
+          </p:cNvSpPr>
+          <p:nvPr>
+            <p:ph type="pic" idx="15"/>
+          </p:nvPr>
+        </p:nvSpPr>
+        <p:spPr>
+          <a:xfrm>
+            <a:off x="688618" y="2362200"/>
+            <a:ext cx="3451582" cy="1524000"/>
+          </a:xfrm>
+          <a:prstGeom prst="roundRect">
+            <a:avLst>
+              <a:gd name="adj" fmla="val 0"/>
+            </a:avLst>
+          </a:prstGeom>
+          <a:effectLst>
+            <a:outerShdw blurRad="50800" dist="50800" dir="5400000" algn="tl" rotWithShape="0">
+              <a:srgbClr val="000000">
+                <a:alpha val="43000"/>
+              </a:srgbClr>
+            </a:outerShdw>
+          </a:effectLst>
+        </p:spPr>
+        <p:txBody>
+          <a:bodyPr anchor="t">
+            <a:normAutofit/>
+          </a:bodyPr>
+          <a:lstStyle>
+            <a:lvl1pPr marL="0" indent="0" algn="ctr">
+              <a:buNone/>
+              <a:defRPr sz="1600"/>
+            </a:lvl1pPr>
+            <a:lvl2pPr marL="457200" indent="0">
+              <a:buNone/>
+              <a:defRPr sz="1600"/>
+            </a:lvl2pPr>
+            <a:lvl3pPr marL="914400" indent="0">
+              <a:buNone/>
+              <a:defRPr sz="1600"/>
+            </a:lvl3pPr>
+            <a:lvl4pPr marL="1371600" indent="0">
+              <a:buNone/>
+              <a:defRPr sz="1600"/>
+            </a:lvl4pPr>
+            <a:lvl5pPr marL="1828800" indent="0">
+              <a:buNone/>
+              <a:defRPr sz="1600"/>
+            </a:lvl5pPr>
+            <a:lvl6pPr marL="2286000" indent="0">
+              <a:buNone/>
+              <a:defRPr sz="1600"/>
+            </a:lvl6pPr>
+            <a:lvl7pPr marL="2743200" indent="0">
+              <a:buNone/>
+              <a:defRPr sz="1600"/>
+            </a:lvl7pPr>
+            <a:lvl8pPr marL="3200400" indent="0">
+              <a:buNone/>
+              <a:defRPr sz="1600"/>
+            </a:lvl8pPr>
+            <a:lvl9pPr marL="3657600" indent="0">
+              <a:buNone/>
+              <a:defRPr sz="1600"/>
+            </a:lvl9pPr>
+          </a:lstStyle>
+          <a:p>
+            <a:r>
+              <a:rPr lang="en-US"/>
+              <a:t>Click icon to add picture</a:t>
+            </a:r>
+            <a:endParaRPr lang="en-US" dirty="0"/>
+          </a:p>
+        </p:txBody>
+      </p:sp>
+      <p:sp>
+        <p:nvSpPr>
+          <p:cNvPr id="21" name="Text Placeholder 3"/>
+          <p:cNvSpPr>
+            <a:spLocks noGrp="1"/>
+          </p:cNvSpPr>
+          <p:nvPr>
+            <p:ph type="body" sz="half" idx="18"/>
+          </p:nvPr>
+        </p:nvSpPr>
+        <p:spPr>
+          <a:xfrm>
+            <a:off x="688618" y="4873764"/>
+            <a:ext cx="3451582" cy="1344921"/>
+          </a:xfrm>
+        </p:spPr>
+        <p:txBody>
+          <a:bodyPr anchor="t">
+            <a:normAutofit/>
+          </a:bodyPr>
+          <a:lstStyle>
+            <a:lvl1pPr marL="0" indent="0">
+              <a:buNone/>
+              <a:defRPr sz="1400"/>
+            </a:lvl1pPr>
+            <a:lvl2pPr marL="457200" indent="0">
+              <a:buNone/>
+              <a:defRPr sz="1200"/>
+            </a:lvl2pPr>
+            <a:lvl3pPr marL="914400" indent="0">
+              <a:buNone/>
+              <a:defRPr sz="1000"/>
+            </a:lvl3pPr>
+            <a:lvl4pPr marL="1371600" indent="0">
+              <a:buNone/>
+              <a:defRPr sz="900"/>
+            </a:lvl4pPr>
+            <a:lvl5pPr marL="1828800" indent="0">
+              <a:buNone/>
+              <a:defRPr sz="900"/>
+            </a:lvl5pPr>
+            <a:lvl6pPr marL="2286000" indent="0">
+              <a:buNone/>
+              <a:defRPr sz="900"/>
+            </a:lvl6pPr>
+            <a:lvl7pPr marL="2743200" indent="0">
+              <a:buNone/>
+              <a:defRPr sz="900"/>
+            </a:lvl7pPr>
+            <a:lvl8pPr marL="3200400" indent="0">
+              <a:buNone/>
+              <a:defRPr sz="900"/>
+            </a:lvl8pPr>
+            <a:lvl9pPr marL="3657600" indent="0">
+              <a:buNone/>
+              <a:defRPr sz="900"/>
+            </a:lvl9pPr>
+          </a:lstStyle>
+          <a:p>
+            <a:pPr lvl="0"/>
+            <a:r>
+              <a:rPr lang="en-US"/>
+              <a:t>Click to edit Master text styles</a:t>
+            </a:r>
+          </a:p>
+        </p:txBody>
+      </p:sp>
+      <p:sp>
+        <p:nvSpPr>
+          <p:cNvPr id="22" name="Text Placeholder 4"/>
+          <p:cNvSpPr>
+            <a:spLocks noGrp="1"/>
+          </p:cNvSpPr>
+          <p:nvPr>
+            <p:ph type="body" sz="quarter" idx="3"/>
+          </p:nvPr>
+        </p:nvSpPr>
+        <p:spPr>
+          <a:xfrm>
+            <a:off x="4374263" y="4191000"/>
+            <a:ext cx="3448935" cy="682765"/>
+          </a:xfrm>
+        </p:spPr>
+        <p:txBody>
+          <a:bodyPr anchor="b">
+            <a:noAutofit/>
+          </a:bodyPr>
+          <a:lstStyle>
+            <a:lvl1pPr marL="0" indent="0">
+              <a:buNone/>
+              <a:defRPr sz="2400" b="0">
+                <a:solidFill>
+                  <a:schemeClr val="tx1"/>
+                </a:solidFill>
+              </a:defRPr>
+            </a:lvl1pPr>
+            <a:lvl2pPr marL="457200" indent="0">
+              <a:buNone/>
+              <a:defRPr sz="2000" b="1"/>
+            </a:lvl2pPr>
+            <a:lvl3pPr marL="914400" indent="0">
+              <a:buNone/>
+              <a:defRPr sz="1800" b="1"/>
+            </a:lvl3pPr>
+            <a:lvl4pPr marL="1371600" indent="0">
+              <a:buNone/>
+              <a:defRPr sz="1600" b="1"/>
+            </a:lvl4pPr>
+            <a:lvl5pPr marL="1828800" indent="0">
+              <a:buNone/>
+              <a:defRPr sz="1600" b="1"/>
+            </a:lvl5pPr>
+            <a:lvl6pPr marL="2286000" indent="0">
+              <a:buNone/>
+              <a:defRPr sz="1600" b="1"/>
+            </a:lvl6pPr>
+            <a:lvl7pPr marL="2743200" indent="0">
+              <a:buNone/>
+              <a:defRPr sz="1600" b="1"/>
+            </a:lvl7pPr>
+            <a:lvl8pPr marL="3200400" indent="0">
+              <a:buNone/>
+              <a:defRPr sz="1600" b="1"/>
+            </a:lvl8pPr>
+            <a:lvl9pPr marL="3657600" indent="0">
+              <a:buNone/>
+              <a:defRPr sz="1600" b="1"/>
+            </a:lvl9pPr>
+          </a:lstStyle>
+          <a:p>
+            <a:pPr lvl="0"/>
+            <a:r>
+              <a:rPr lang="en-US"/>
+              <a:t>Click to edit Master text styles</a:t>
+            </a:r>
+          </a:p>
+        </p:txBody>
+      </p:sp>
+      <p:sp>
+        <p:nvSpPr>
+          <p:cNvPr id="23" name="Picture Placeholder 2"/>
+          <p:cNvSpPr>
+            <a:spLocks noGrp="1" noChangeAspect="1"/>
+          </p:cNvSpPr>
+          <p:nvPr>
+            <p:ph type="pic" idx="21"/>
+          </p:nvPr>
+        </p:nvSpPr>
+        <p:spPr>
+          <a:xfrm>
+            <a:off x="4374263" y="2362200"/>
+            <a:ext cx="3448936" cy="1524000"/>
+          </a:xfrm>
+          <a:prstGeom prst="roundRect">
+            <a:avLst>
+              <a:gd name="adj" fmla="val 0"/>
+            </a:avLst>
+          </a:prstGeom>
+          <a:effectLst>
+            <a:outerShdw blurRad="50800" dist="50800" dir="5400000" algn="tl" rotWithShape="0">
+              <a:srgbClr val="000000">
+                <a:alpha val="43000"/>
+              </a:srgbClr>
+            </a:outerShdw>
+          </a:effectLst>
+        </p:spPr>
+        <p:txBody>
+          <a:bodyPr anchor="t">
+            <a:normAutofit/>
+          </a:bodyPr>
+          <a:lstStyle>
+            <a:lvl1pPr marL="0" indent="0" algn="ctr">
+              <a:buNone/>
+              <a:defRPr sz="1600"/>
+            </a:lvl1pPr>
+            <a:lvl2pPr marL="457200" indent="0">
+              <a:buNone/>
+              <a:defRPr sz="1600"/>
+            </a:lvl2pPr>
+            <a:lvl3pPr marL="914400" indent="0">
+              <a:buNone/>
+              <a:defRPr sz="1600"/>
+            </a:lvl3pPr>
+            <a:lvl4pPr marL="1371600" indent="0">
+              <a:buNone/>
+              <a:defRPr sz="1600"/>
+            </a:lvl4pPr>
+            <a:lvl5pPr marL="1828800" indent="0">
+              <a:buNone/>
+              <a:defRPr sz="1600"/>
+            </a:lvl5pPr>
+            <a:lvl6pPr marL="2286000" indent="0">
+              <a:buNone/>
+              <a:defRPr sz="1600"/>
+            </a:lvl6pPr>
+            <a:lvl7pPr marL="2743200" indent="0">
+              <a:buNone/>
+              <a:defRPr sz="1600"/>
+            </a:lvl7pPr>
+            <a:lvl8pPr marL="3200400" indent="0">
+              <a:buNone/>
+              <a:defRPr sz="1600"/>
+            </a:lvl8pPr>
+            <a:lvl9pPr marL="3657600" indent="0">
+              <a:buNone/>
+              <a:defRPr sz="1600"/>
+            </a:lvl9pPr>
+          </a:lstStyle>
+          <a:p>
+            <a:r>
+              <a:rPr lang="en-US"/>
+              <a:t>Click icon to add picture</a:t>
+            </a:r>
+            <a:endParaRPr lang="en-US" dirty="0"/>
+          </a:p>
+        </p:txBody>
+      </p:sp>
+      <p:sp>
+        <p:nvSpPr>
+          <p:cNvPr id="24" name="Text Placeholder 3"/>
+          <p:cNvSpPr>
+            <a:spLocks noGrp="1"/>
+          </p:cNvSpPr>
+          <p:nvPr>
+            <p:ph type="body" sz="half" idx="19"/>
+          </p:nvPr>
+        </p:nvSpPr>
+        <p:spPr>
+          <a:xfrm>
+            <a:off x="4374264" y="4873763"/>
+            <a:ext cx="3448935" cy="1344921"/>
+          </a:xfrm>
+        </p:spPr>
+        <p:txBody>
+          <a:bodyPr anchor="t">
+            <a:normAutofit/>
+          </a:bodyPr>
+          <a:lstStyle>
+            <a:lvl1pPr marL="0" indent="0">
+              <a:buNone/>
+              <a:defRPr sz="1400"/>
+            </a:lvl1pPr>
+            <a:lvl2pPr marL="457200" indent="0">
+              <a:buNone/>
+              <a:defRPr sz="1200"/>
+            </a:lvl2pPr>
+            <a:lvl3pPr marL="914400" indent="0">
+              <a:buNone/>
+              <a:defRPr sz="1000"/>
+            </a:lvl3pPr>
+            <a:lvl4pPr marL="1371600" indent="0">
+              <a:buNone/>
+              <a:defRPr sz="900"/>
+            </a:lvl4pPr>
+            <a:lvl5pPr marL="1828800" indent="0">
+              <a:buNone/>
+              <a:defRPr sz="900"/>
+            </a:lvl5pPr>
+            <a:lvl6pPr marL="2286000" indent="0">
+              <a:buNone/>
+              <a:defRPr sz="900"/>
+            </a:lvl6pPr>
+            <a:lvl7pPr marL="2743200" indent="0">
+              <a:buNone/>
+              <a:defRPr sz="900"/>
+            </a:lvl7pPr>
+            <a:lvl8pPr marL="3200400" indent="0">
+              <a:buNone/>
+              <a:defRPr sz="900"/>
+            </a:lvl8pPr>
+            <a:lvl9pPr marL="3657600" indent="0">
+              <a:buNone/>
+              <a:defRPr sz="900"/>
+            </a:lvl9pPr>
+          </a:lstStyle>
+          <a:p>
+            <a:pPr lvl="0"/>
+            <a:r>
+              <a:rPr lang="en-US"/>
+              <a:t>Click to edit Master text styles</a:t>
+            </a:r>
+          </a:p>
+        </p:txBody>
+      </p:sp>
+      <p:sp>
+        <p:nvSpPr>
+          <p:cNvPr id="25" name="Text Placeholder 4"/>
+          <p:cNvSpPr>
+            <a:spLocks noGrp="1"/>
+          </p:cNvSpPr>
+          <p:nvPr>
+            <p:ph type="body" sz="quarter" idx="13"/>
+          </p:nvPr>
+        </p:nvSpPr>
+        <p:spPr>
+          <a:xfrm>
+            <a:off x="8049731" y="4191000"/>
+            <a:ext cx="3456469" cy="682765"/>
+          </a:xfrm>
+        </p:spPr>
+        <p:txBody>
+          <a:bodyPr anchor="b">
+            <a:noAutofit/>
+          </a:bodyPr>
+          <a:lstStyle>
+            <a:lvl1pPr marL="0" indent="0">
+              <a:buNone/>
+              <a:defRPr sz="2400" b="0">
+                <a:solidFill>
+                  <a:schemeClr val="tx1"/>
+                </a:solidFill>
+              </a:defRPr>
+            </a:lvl1pPr>
+            <a:lvl2pPr marL="457200" indent="0">
+              <a:buNone/>
+              <a:defRPr sz="2000" b="1"/>
+            </a:lvl2pPr>
+            <a:lvl3pPr marL="914400" indent="0">
+              <a:buNone/>
+              <a:defRPr sz="1800" b="1"/>
+            </a:lvl3pPr>
+            <a:lvl4pPr marL="1371600" indent="0">
+              <a:buNone/>
+              <a:defRPr sz="1600" b="1"/>
+            </a:lvl4pPr>
+            <a:lvl5pPr marL="1828800" indent="0">
+              <a:buNone/>
+              <a:defRPr sz="1600" b="1"/>
+            </a:lvl5pPr>
+            <a:lvl6pPr marL="2286000" indent="0">
+              <a:buNone/>
+              <a:defRPr sz="1600" b="1"/>
+            </a:lvl6pPr>
+            <a:lvl7pPr marL="2743200" indent="0">
+              <a:buNone/>
+              <a:defRPr sz="1600" b="1"/>
+            </a:lvl7pPr>
+            <a:lvl8pPr marL="3200400" indent="0">
+              <a:buNone/>
+              <a:defRPr sz="1600" b="1"/>
+            </a:lvl8pPr>
+            <a:lvl9pPr marL="3657600" indent="0">
+              <a:buNone/>
+              <a:defRPr sz="1600" b="1"/>
+            </a:lvl9pPr>
+          </a:lstStyle>
+          <a:p>
+            <a:pPr lvl="0"/>
+            <a:r>
+              <a:rPr lang="en-US"/>
+              <a:t>Click to edit Master text styles</a:t>
+            </a:r>
+          </a:p>
+        </p:txBody>
+      </p:sp>
+      <p:sp>
+        <p:nvSpPr>
+          <p:cNvPr id="26" name="Picture Placeholder 2"/>
+          <p:cNvSpPr>
+            <a:spLocks noGrp="1" noChangeAspect="1"/>
+          </p:cNvSpPr>
+          <p:nvPr>
+            <p:ph type="pic" idx="22"/>
+          </p:nvPr>
+        </p:nvSpPr>
+        <p:spPr>
+          <a:xfrm>
+            <a:off x="8049855" y="2362200"/>
+            <a:ext cx="3447878" cy="1524000"/>
+          </a:xfrm>
+          <a:prstGeom prst="roundRect">
+            <a:avLst>
+              <a:gd name="adj" fmla="val 0"/>
+            </a:avLst>
+          </a:prstGeom>
+          <a:effectLst>
+            <a:outerShdw blurRad="50800" dist="50800" dir="5400000" algn="tl" rotWithShape="0">
+              <a:srgbClr val="000000">
+                <a:alpha val="43000"/>
+              </a:srgbClr>
+            </a:outerShdw>
+          </a:effectLst>
+        </p:spPr>
+        <p:txBody>
+          <a:bodyPr anchor="t">
+            <a:normAutofit/>
+          </a:bodyPr>
+          <a:lstStyle>
+            <a:lvl1pPr marL="0" indent="0" algn="ctr">
+              <a:buNone/>
+              <a:defRPr sz="1600"/>
+            </a:lvl1pPr>
+            <a:lvl2pPr marL="457200" indent="0">
+              <a:buNone/>
+              <a:defRPr sz="1600"/>
+            </a:lvl2pPr>
+            <a:lvl3pPr marL="914400" indent="0">
+              <a:buNone/>
+              <a:defRPr sz="1600"/>
+            </a:lvl3pPr>
+            <a:lvl4pPr marL="1371600" indent="0">
+              <a:buNone/>
+              <a:defRPr sz="1600"/>
+            </a:lvl4pPr>
+            <a:lvl5pPr marL="1828800" indent="0">
+              <a:buNone/>
+              <a:defRPr sz="1600"/>
+            </a:lvl5pPr>
+            <a:lvl6pPr marL="2286000" indent="0">
+              <a:buNone/>
+              <a:defRPr sz="1600"/>
+            </a:lvl6pPr>
+            <a:lvl7pPr marL="2743200" indent="0">
+              <a:buNone/>
+              <a:defRPr sz="1600"/>
+            </a:lvl7pPr>
+            <a:lvl8pPr marL="3200400" indent="0">
+              <a:buNone/>
+              <a:defRPr sz="1600"/>
+            </a:lvl8pPr>
+            <a:lvl9pPr marL="3657600" indent="0">
+              <a:buNone/>
+              <a:defRPr sz="1600"/>
+            </a:lvl9pPr>
+          </a:lstStyle>
+          <a:p>
+            <a:r>
+              <a:rPr lang="en-US"/>
+              <a:t>Click icon to add picture</a:t>
+            </a:r>
+            <a:endParaRPr lang="en-US" dirty="0"/>
+          </a:p>
+        </p:txBody>
+      </p:sp>
+      <p:sp>
+        <p:nvSpPr>
+          <p:cNvPr id="27" name="Text Placeholder 3"/>
+          <p:cNvSpPr>
+            <a:spLocks noGrp="1"/>
+          </p:cNvSpPr>
+          <p:nvPr>
+            <p:ph type="body" sz="half" idx="20"/>
+          </p:nvPr>
+        </p:nvSpPr>
+        <p:spPr>
+          <a:xfrm>
+            <a:off x="8049731" y="4873761"/>
+            <a:ext cx="3452445" cy="1344921"/>
+          </a:xfrm>
+        </p:spPr>
+        <p:txBody>
+          <a:bodyPr anchor="t">
+            <a:normAutofit/>
+          </a:bodyPr>
+          <a:lstStyle>
+            <a:lvl1pPr marL="0" indent="0">
+              <a:buNone/>
+              <a:defRPr sz="1400"/>
+            </a:lvl1pPr>
+            <a:lvl2pPr marL="457200" indent="0">
+              <a:buNone/>
+              <a:defRPr sz="1200"/>
+            </a:lvl2pPr>
+            <a:lvl3pPr marL="914400" indent="0">
+              <a:buNone/>
+              <a:defRPr sz="1000"/>
+            </a:lvl3pPr>
+            <a:lvl4pPr marL="1371600" indent="0">
+              <a:buNone/>
+              <a:defRPr sz="900"/>
+            </a:lvl4pPr>
+            <a:lvl5pPr marL="1828800" indent="0">
+              <a:buNone/>
+              <a:defRPr sz="900"/>
+            </a:lvl5pPr>
+            <a:lvl6pPr marL="2286000" indent="0">
+              <a:buNone/>
+              <a:defRPr sz="900"/>
+            </a:lvl6pPr>
+            <a:lvl7pPr marL="2743200" indent="0">
+              <a:buNone/>
+              <a:defRPr sz="900"/>
+            </a:lvl7pPr>
+            <a:lvl8pPr marL="3200400" indent="0">
+              <a:buNone/>
+              <a:defRPr sz="900"/>
+            </a:lvl8pPr>
+            <a:lvl9pPr marL="3657600" indent="0">
+              <a:buNone/>
+              <a:defRPr sz="900"/>
+            </a:lvl9pPr>
+          </a:lstStyle>
+          <a:p>
+            <a:pPr lvl="0"/>
+            <a:r>
+              <a:rPr lang="en-US"/>
+              <a:t>Click to edit Master text styles</a:t>
+            </a:r>
+          </a:p>
+        </p:txBody>
+      </p:sp>
+      <p:sp>
+        <p:nvSpPr>
+          <p:cNvPr id="3" name="Date Placeholder 2"/>
+          <p:cNvSpPr>
+            <a:spLocks noGrp="1"/>
+          </p:cNvSpPr>
+          <p:nvPr>
+            <p:ph type="dt" sz="half" idx="10"/>
+          </p:nvPr>
+        </p:nvSpPr>
+        <p:spPr/>
+        <p:txBody>
+          <a:bodyPr/>
+          <a:lstStyle/>
+          <a:p>
+            <a:fld id="{7FB56609-CE72-8142-81BC-C32929048CAB}" type="datetimeFigureOut">
+              <a:rPr lang="en-AM" smtClean="0"/>
+              <a:t>19.03.24</a:t>
+            </a:fld>
+            <a:endParaRPr lang="en-AM"/>
+          </a:p>
+        </p:txBody>
+      </p:sp>
+      <p:sp>
+        <p:nvSpPr>
+          <p:cNvPr id="4" name="Footer Placeholder 3"/>
+          <p:cNvSpPr>
+            <a:spLocks noGrp="1"/>
+          </p:cNvSpPr>
+          <p:nvPr>
+            <p:ph type="ftr" sz="quarter" idx="11"/>
+          </p:nvPr>
+        </p:nvSpPr>
+        <p:spPr/>
+        <p:txBody>
+          <a:bodyPr/>
+          <a:lstStyle/>
+          <a:p>
+            <a:endParaRPr lang="en-AM"/>
+          </a:p>
+        </p:txBody>
+      </p:sp>
+      <p:sp>
+        <p:nvSpPr>
+          <p:cNvPr id="5" name="Slide Number Placeholder 4"/>
+          <p:cNvSpPr>
+            <a:spLocks noGrp="1"/>
+          </p:cNvSpPr>
+          <p:nvPr>
+            <p:ph type="sldNum" sz="quarter" idx="12"/>
+          </p:nvPr>
+        </p:nvSpPr>
+        <p:spPr/>
+        <p:txBody>
+          <a:bodyPr/>
+          <a:lstStyle/>
+          <a:p>
+            <a:fld id="{3C84C624-DF5C-6F40-A7ED-3643018B58CE}" type="slidenum">
+              <a:rPr lang="en-AM" smtClean="0"/>
+              <a:t>‹#›</a:t>
+            </a:fld>
+            <a:endParaRPr lang="en-AM"/>
+          </a:p>
+        </p:txBody>
+      </p:sp>
+    </p:spTree>
+    <p:extLst>
+      <p:ext uri="{BB962C8B-B14F-4D97-AF65-F5344CB8AC3E}">
+        <p14:creationId xmlns:p14="http://schemas.microsoft.com/office/powerpoint/2010/main" val="3708811538"/>
+      </p:ext>
+    </p:extLst>
+  </p:cSld>
+  <p:clrMapOvr>
+    <a:masterClrMapping/>
+  </p:clrMapOvr>
+</p:sldLayout>
+</file>
+
+<file path=ppt/slideLayouts/slideLayout16.xml><?xml version="1.0" encoding="utf-8"?>
 <p:sldLayout xmlns:a="http://schemas.openxmlformats.org/drawingml/2006/main" xmlns:r="http://schemas.openxmlformats.org/officeDocument/2006/relationships" xmlns:p="http://schemas.openxmlformats.org/presentationml/2006/main" type="vertTx" preserve="1">
   <p:cSld name="Title and Vertical Text">
     <p:spTree>
@@ -389,64 +2996,69 @@
             <p:ph type="body" orient="vert" idx="1"/>
           </p:nvPr>
         </p:nvSpPr>
+        <p:spPr>
+          <a:xfrm>
+            <a:off x="685800" y="2194559"/>
+            <a:ext cx="10820400" cy="4024125"/>
+          </a:xfrm>
+        </p:spPr>
+        <p:txBody>
+          <a:bodyPr vert="eaVert"/>
+          <a:lstStyle/>
+          <a:p>
+            <a:pPr lvl="0"/>
+            <a:r>
+              <a:rPr lang="en-US"/>
+              <a:t>Click to edit Master text styles</a:t>
+            </a:r>
+          </a:p>
+          <a:p>
+            <a:pPr lvl="1"/>
+            <a:r>
+              <a:rPr lang="en-US"/>
+              <a:t>Second level</a:t>
+            </a:r>
+          </a:p>
+          <a:p>
+            <a:pPr lvl="2"/>
+            <a:r>
+              <a:rPr lang="en-US"/>
+              <a:t>Third level</a:t>
+            </a:r>
+          </a:p>
+          <a:p>
+            <a:pPr lvl="3"/>
+            <a:r>
+              <a:rPr lang="en-US"/>
+              <a:t>Fourth level</a:t>
+            </a:r>
+          </a:p>
+          <a:p>
+            <a:pPr lvl="4"/>
+            <a:r>
+              <a:rPr lang="en-US"/>
+              <a:t>Fifth level</a:t>
+            </a:r>
+            <a:endParaRPr lang="en-US" dirty="0"/>
+          </a:p>
+        </p:txBody>
+      </p:sp>
+      <p:sp>
+        <p:nvSpPr>
+          <p:cNvPr id="4" name="Date Placeholder 3"/>
+          <p:cNvSpPr>
+            <a:spLocks noGrp="1"/>
+          </p:cNvSpPr>
+          <p:nvPr>
+            <p:ph type="dt" sz="half" idx="10"/>
+          </p:nvPr>
+        </p:nvSpPr>
         <p:spPr/>
         <p:txBody>
-          <a:bodyPr vert="eaVert"/>
-          <a:lstStyle/>
-          <a:p>
-            <a:pPr lvl="0"/>
-            <a:r>
-              <a:rPr lang="en-US"/>
-              <a:t>Click to edit Master text styles</a:t>
-            </a:r>
-          </a:p>
-          <a:p>
-            <a:pPr lvl="1"/>
-            <a:r>
-              <a:rPr lang="en-US"/>
-              <a:t>Second level</a:t>
-            </a:r>
-          </a:p>
-          <a:p>
-            <a:pPr lvl="2"/>
-            <a:r>
-              <a:rPr lang="en-US"/>
-              <a:t>Third level</a:t>
-            </a:r>
-          </a:p>
-          <a:p>
-            <a:pPr lvl="3"/>
-            <a:r>
-              <a:rPr lang="en-US"/>
-              <a:t>Fourth level</a:t>
-            </a:r>
-          </a:p>
-          <a:p>
-            <a:pPr lvl="4"/>
-            <a:r>
-              <a:rPr lang="en-US"/>
-              <a:t>Fifth level</a:t>
-            </a:r>
-            <a:endParaRPr lang="en-US" dirty="0"/>
-          </a:p>
-        </p:txBody>
-      </p:sp>
-      <p:sp>
-        <p:nvSpPr>
-          <p:cNvPr id="4" name="Date Placeholder 3"/>
-          <p:cNvSpPr>
-            <a:spLocks noGrp="1"/>
-          </p:cNvSpPr>
-          <p:nvPr>
-            <p:ph type="dt" sz="half" idx="10"/>
-          </p:nvPr>
-        </p:nvSpPr>
-        <p:spPr/>
-        <p:txBody>
-          <a:bodyPr/>
-          <a:lstStyle/>
-          <a:p>
-            <a:fld id="{03D47D63-9155-7F43-AE56-3E58423064CB}" type="datetimeFigureOut">
+          <a:bodyPr/>
+          <a:lstStyle/>
+          <a:p>
+            <a:fld id="{7FB56609-CE72-8142-81BC-C32929048CAB}" type="datetimeFigureOut">
               <a:rPr lang="en-AM" smtClean="0"/>
               <a:t>19.03.24</a:t>
             </a:fld>
@@ -488,7 +3100,7 @@
           <a:bodyPr/>
           <a:lstStyle/>
           <a:p>
-            <a:fld id="{2F062A5C-2D98-054F-A583-25405835DB28}" type="slidenum">
+            <a:fld id="{3C84C624-DF5C-6F40-A7ED-3643018B58CE}" type="slidenum">
               <a:rPr lang="en-AM" smtClean="0"/>
               <a:t>‹#›</a:t>
             </a:fld>
@@ -499,7 +3111,7 @@
     </p:spTree>
     <p:extLst>
       <p:ext uri="{BB962C8B-B14F-4D97-AF65-F5344CB8AC3E}">
-        <p14:creationId xmlns:p14="http://schemas.microsoft.com/office/powerpoint/2010/main" val="222300367"/>
+        <p14:creationId xmlns:p14="http://schemas.microsoft.com/office/powerpoint/2010/main" val="3003205654"/>
       </p:ext>
     </p:extLst>
   </p:cSld>
@@ -509,8 +3121,8 @@
 </p:sldLayout>
 </file>
 
-<file path=ppt/slideLayouts/slideLayout11.xml><?xml version="1.0" encoding="utf-8"?>
-<p:sldLayout xmlns:a="http://schemas.openxmlformats.org/drawingml/2006/main" xmlns:r="http://schemas.openxmlformats.org/officeDocument/2006/relationships" xmlns:p="http://schemas.openxmlformats.org/presentationml/2006/main" type="vertTitleAndTx" preserve="1">
+<file path=ppt/slideLayouts/slideLayout17.xml><?xml version="1.0" encoding="utf-8"?>
+<p:sldLayout xmlns:a="http://schemas.openxmlformats.org/drawingml/2006/main" xmlns:r="http://schemas.openxmlformats.org/officeDocument/2006/relationships" xmlns:p="http://schemas.openxmlformats.org/presentationml/2006/main" showMasterSp="0" type="vertTitleAndTx" preserve="1">
   <p:cSld name="Vertical Title and Text">
     <p:spTree>
       <p:nvGrpSpPr>
@@ -526,6 +3138,36 @@
           <a:chExt cx="0" cy="0"/>
         </a:xfrm>
       </p:grpSpPr>
+      <p:pic>
+        <p:nvPicPr>
+          <p:cNvPr id="8" name="Picture 7" descr="C0-HD-BTM.png"/>
+          <p:cNvPicPr>
+            <a:picLocks noChangeAspect="1"/>
+          </p:cNvPicPr>
+          <p:nvPr/>
+        </p:nvPicPr>
+        <p:blipFill>
+          <a:blip r:embed="rId2">
+            <a:extLst>
+              <a:ext uri="{28A0092B-C50C-407E-A947-70E740481C1C}">
+                <a14:useLocalDpi xmlns:a14="http://schemas.microsoft.com/office/drawing/2010/main" val="0"/>
+              </a:ext>
+            </a:extLst>
+          </a:blip>
+          <a:stretch>
+            <a:fillRect/>
+          </a:stretch>
+        </p:blipFill>
+        <p:spPr>
+          <a:xfrm>
+            <a:off x="0" y="4375150"/>
+            <a:ext cx="12192000" cy="2482850"/>
+          </a:xfrm>
+          <a:prstGeom prst="rect">
+            <a:avLst/>
+          </a:prstGeom>
+        </p:spPr>
+      </p:pic>
       <p:sp>
         <p:nvSpPr>
           <p:cNvPr id="2" name="Vertical Title 1"/>
@@ -538,13 +3180,17 @@
         </p:nvSpPr>
         <p:spPr>
           <a:xfrm>
-            <a:off x="8653112" y="937260"/>
-            <a:ext cx="1298608" cy="4983480"/>
+            <a:off x="9448800" y="745066"/>
+            <a:ext cx="2057400" cy="3903133"/>
           </a:xfrm>
         </p:spPr>
         <p:txBody>
           <a:bodyPr vert="eaVert"/>
-          <a:lstStyle/>
+          <a:lstStyle>
+            <a:lvl1pPr algn="l">
+              <a:defRPr/>
+            </a:lvl1pPr>
+          </a:lstStyle>
           <a:p>
             <a:r>
               <a:rPr lang="en-US"/>
@@ -566,8 +3212,8 @@
         </p:nvSpPr>
         <p:spPr>
           <a:xfrm>
-            <a:off x="2231136" y="937260"/>
-            <a:ext cx="6198489" cy="4983480"/>
+            <a:off x="1024466" y="745067"/>
+            <a:ext cx="8204201" cy="3903133"/>
           </a:xfrm>
         </p:spPr>
         <p:txBody>
@@ -621,12 +3267,21 @@
             <p:ph type="dt" sz="half" idx="10"/>
           </p:nvPr>
         </p:nvSpPr>
-        <p:spPr/>
-        <p:txBody>
-          <a:bodyPr/>
-          <a:lstStyle/>
-          <a:p>
-            <a:fld id="{03D47D63-9155-7F43-AE56-3E58423064CB}" type="datetimeFigureOut">
+        <p:spPr>
+          <a:xfrm>
+            <a:off x="7814452" y="379941"/>
+            <a:ext cx="2910840" cy="365125"/>
+          </a:xfrm>
+        </p:spPr>
+        <p:txBody>
+          <a:bodyPr/>
+          <a:lstStyle>
+            <a:lvl1pPr algn="r">
+              <a:defRPr/>
+            </a:lvl1pPr>
+          </a:lstStyle>
+          <a:p>
+            <a:fld id="{7FB56609-CE72-8142-81BC-C32929048CAB}" type="datetimeFigureOut">
               <a:rPr lang="en-AM" smtClean="0"/>
               <a:t>19.03.24</a:t>
             </a:fld>
@@ -644,7 +3299,12 @@
             <p:ph type="ftr" sz="quarter" idx="11"/>
           </p:nvPr>
         </p:nvSpPr>
-        <p:spPr/>
+        <p:spPr>
+          <a:xfrm>
+            <a:off x="685800" y="381000"/>
+            <a:ext cx="6991492" cy="365125"/>
+          </a:xfrm>
+        </p:spPr>
         <p:txBody>
           <a:bodyPr/>
           <a:lstStyle/>
@@ -663,12 +3323,17 @@
             <p:ph type="sldNum" sz="quarter" idx="12"/>
           </p:nvPr>
         </p:nvSpPr>
-        <p:spPr/>
-        <p:txBody>
-          <a:bodyPr/>
-          <a:lstStyle/>
-          <a:p>
-            <a:fld id="{2F062A5C-2D98-054F-A583-25405835DB28}" type="slidenum">
+        <p:spPr>
+          <a:xfrm>
+            <a:off x="10862452" y="381000"/>
+            <a:ext cx="643748" cy="365125"/>
+          </a:xfrm>
+        </p:spPr>
+        <p:txBody>
+          <a:bodyPr/>
+          <a:lstStyle/>
+          <a:p>
+            <a:fld id="{3C84C624-DF5C-6F40-A7ED-3643018B58CE}" type="slidenum">
               <a:rPr lang="en-AM" smtClean="0"/>
               <a:t>‹#›</a:t>
             </a:fld>
@@ -679,7 +3344,7 @@
     </p:spTree>
     <p:extLst>
       <p:ext uri="{BB962C8B-B14F-4D97-AF65-F5344CB8AC3E}">
-        <p14:creationId xmlns:p14="http://schemas.microsoft.com/office/powerpoint/2010/main" val="2411517271"/>
+        <p14:creationId xmlns:p14="http://schemas.microsoft.com/office/powerpoint/2010/main" val="1972671581"/>
       </p:ext>
     </p:extLst>
   </p:cSld>
@@ -783,7 +3448,7 @@
       </p:sp>
       <p:sp>
         <p:nvSpPr>
-          <p:cNvPr id="7" name="Date Placeholder 6"/>
+          <p:cNvPr id="4" name="Date Placeholder 3"/>
           <p:cNvSpPr>
             <a:spLocks noGrp="1"/>
           </p:cNvSpPr>
@@ -796,7 +3461,7 @@
           <a:bodyPr/>
           <a:lstStyle/>
           <a:p>
-            <a:fld id="{03D47D63-9155-7F43-AE56-3E58423064CB}" type="datetimeFigureOut">
+            <a:fld id="{7FB56609-CE72-8142-81BC-C32929048CAB}" type="datetimeFigureOut">
               <a:rPr lang="en-AM" smtClean="0"/>
               <a:t>19.03.24</a:t>
             </a:fld>
@@ -806,7 +3471,7 @@
       </p:sp>
       <p:sp>
         <p:nvSpPr>
-          <p:cNvPr id="8" name="Footer Placeholder 7"/>
+          <p:cNvPr id="5" name="Footer Placeholder 4"/>
           <p:cNvSpPr>
             <a:spLocks noGrp="1"/>
           </p:cNvSpPr>
@@ -825,7 +3490,7 @@
       </p:sp>
       <p:sp>
         <p:nvSpPr>
-          <p:cNvPr id="9" name="Slide Number Placeholder 8"/>
+          <p:cNvPr id="6" name="Slide Number Placeholder 5"/>
           <p:cNvSpPr>
             <a:spLocks noGrp="1"/>
           </p:cNvSpPr>
@@ -838,7 +3503,7 @@
           <a:bodyPr/>
           <a:lstStyle/>
           <a:p>
-            <a:fld id="{2F062A5C-2D98-054F-A583-25405835DB28}" type="slidenum">
+            <a:fld id="{3C84C624-DF5C-6F40-A7ED-3643018B58CE}" type="slidenum">
               <a:rPr lang="en-AM" smtClean="0"/>
               <a:t>‹#›</a:t>
             </a:fld>
@@ -849,7 +3514,7 @@
     </p:spTree>
     <p:extLst>
       <p:ext uri="{BB962C8B-B14F-4D97-AF65-F5344CB8AC3E}">
-        <p14:creationId xmlns:p14="http://schemas.microsoft.com/office/powerpoint/2010/main" val="678951938"/>
+        <p14:creationId xmlns:p14="http://schemas.microsoft.com/office/powerpoint/2010/main" val="2505327561"/>
       </p:ext>
     </p:extLst>
   </p:cSld>
@@ -860,16 +3525,8 @@
 </file>
 
 <file path=ppt/slideLayouts/slideLayout3.xml><?xml version="1.0" encoding="utf-8"?>
-<p:sldLayout xmlns:a="http://schemas.openxmlformats.org/drawingml/2006/main" xmlns:r="http://schemas.openxmlformats.org/officeDocument/2006/relationships" xmlns:p="http://schemas.openxmlformats.org/presentationml/2006/main" type="secHead" preserve="1">
+<p:sldLayout xmlns:a="http://schemas.openxmlformats.org/drawingml/2006/main" xmlns:r="http://schemas.openxmlformats.org/officeDocument/2006/relationships" xmlns:p="http://schemas.openxmlformats.org/presentationml/2006/main" showMasterSp="0" type="secHead" preserve="1">
   <p:cSld name="Section Header">
-    <p:bg>
-      <p:bgPr>
-        <a:solidFill>
-          <a:schemeClr val="accent1"/>
-        </a:solidFill>
-        <a:effectLst/>
-      </p:bgPr>
-    </p:bg>
     <p:spTree>
       <p:nvGrpSpPr>
         <p:cNvPr id="1" name=""/>
@@ -884,6 +3541,36 @@
           <a:chExt cx="0" cy="0"/>
         </a:xfrm>
       </p:grpSpPr>
+      <p:pic>
+        <p:nvPicPr>
+          <p:cNvPr id="9" name="Picture 8" descr="C0-HD-BTM.png"/>
+          <p:cNvPicPr>
+            <a:picLocks noChangeAspect="1"/>
+          </p:cNvPicPr>
+          <p:nvPr/>
+        </p:nvPicPr>
+        <p:blipFill>
+          <a:blip r:embed="rId2">
+            <a:extLst>
+              <a:ext uri="{28A0092B-C50C-407E-A947-70E740481C1C}">
+                <a14:useLocalDpi xmlns:a14="http://schemas.microsoft.com/office/drawing/2010/main" val="0"/>
+              </a:ext>
+            </a:extLst>
+          </a:blip>
+          <a:stretch>
+            <a:fillRect/>
+          </a:stretch>
+        </p:blipFill>
+        <p:spPr>
+          <a:xfrm>
+            <a:off x="0" y="4375150"/>
+            <a:ext cx="12192000" cy="2482850"/>
+          </a:xfrm>
+          <a:prstGeom prst="rect">
+            <a:avLst/>
+          </a:prstGeom>
+        </p:spPr>
+      </p:pic>
       <p:sp>
         <p:nvSpPr>
           <p:cNvPr id="2" name="Title 1"/>
@@ -894,31 +3581,19 @@
             <p:ph type="title"/>
           </p:nvPr>
         </p:nvSpPr>
-        <p:spPr bwMode="blackWhite">
-          <a:xfrm>
-            <a:off x="1600200" y="2386744"/>
-            <a:ext cx="8991600" cy="1645920"/>
-          </a:xfrm>
-          <a:solidFill>
-            <a:srgbClr val="FFFFFF"/>
-          </a:solidFill>
-          <a:ln w="38100">
-            <a:solidFill>
-              <a:srgbClr val="404040"/>
-            </a:solidFill>
-          </a:ln>
-        </p:spPr>
-        <p:txBody>
-          <a:bodyPr lIns="274320" rIns="274320" anchor="ctr" anchorCtr="1">
+        <p:spPr>
+          <a:xfrm>
+            <a:off x="685800" y="753533"/>
+            <a:ext cx="10820399" cy="2801935"/>
+          </a:xfrm>
+        </p:spPr>
+        <p:txBody>
+          <a:bodyPr anchor="b">
             <a:normAutofit/>
           </a:bodyPr>
           <a:lstStyle>
-            <a:lvl1pPr>
-              <a:defRPr sz="3800">
-                <a:solidFill>
-                  <a:srgbClr val="262626"/>
-                </a:solidFill>
-              </a:defRPr>
+            <a:lvl1pPr algn="r">
+              <a:defRPr sz="4000"/>
             </a:lvl1pPr>
           </a:lstStyle>
           <a:p>
@@ -942,20 +3617,22 @@
         </p:nvSpPr>
         <p:spPr>
           <a:xfrm>
-            <a:off x="2695194" y="4352465"/>
-            <a:ext cx="6801612" cy="1265082"/>
-          </a:xfrm>
-        </p:spPr>
-        <p:txBody>
-          <a:bodyPr anchor="t" anchorCtr="1">
+            <a:off x="1024467" y="3641725"/>
+            <a:ext cx="10490200" cy="955675"/>
+          </a:xfrm>
+        </p:spPr>
+        <p:txBody>
+          <a:bodyPr>
             <a:normAutofit/>
           </a:bodyPr>
           <a:lstStyle>
-            <a:lvl1pPr marL="0" indent="0">
-              <a:buNone/>
-              <a:defRPr sz="2000">
+            <a:lvl1pPr marL="0" indent="0" algn="r">
+              <a:buNone/>
+              <a:defRPr sz="2200">
                 <a:solidFill>
-                  <a:schemeClr val="tx1"/>
+                  <a:schemeClr val="tx1">
+                    <a:tint val="75000"/>
+                  </a:schemeClr>
                 </a:solidFill>
               </a:defRPr>
             </a:lvl1pPr>
@@ -1051,7 +3728,7 @@
       </p:sp>
       <p:sp>
         <p:nvSpPr>
-          <p:cNvPr id="7" name="Date Placeholder 6"/>
+          <p:cNvPr id="4" name="Date Placeholder 3"/>
           <p:cNvSpPr>
             <a:spLocks noGrp="1"/>
           </p:cNvSpPr>
@@ -1059,12 +3736,21 @@
             <p:ph type="dt" sz="half" idx="10"/>
           </p:nvPr>
         </p:nvSpPr>
-        <p:spPr/>
-        <p:txBody>
-          <a:bodyPr/>
-          <a:lstStyle/>
-          <a:p>
-            <a:fld id="{03D47D63-9155-7F43-AE56-3E58423064CB}" type="datetimeFigureOut">
+        <p:spPr>
+          <a:xfrm>
+            <a:off x="7814452" y="381000"/>
+            <a:ext cx="2910840" cy="365125"/>
+          </a:xfrm>
+        </p:spPr>
+        <p:txBody>
+          <a:bodyPr/>
+          <a:lstStyle>
+            <a:lvl1pPr algn="r">
+              <a:defRPr/>
+            </a:lvl1pPr>
+          </a:lstStyle>
+          <a:p>
+            <a:fld id="{7FB56609-CE72-8142-81BC-C32929048CAB}" type="datetimeFigureOut">
               <a:rPr lang="en-AM" smtClean="0"/>
               <a:t>19.03.24</a:t>
             </a:fld>
@@ -1074,7 +3760,7 @@
       </p:sp>
       <p:sp>
         <p:nvSpPr>
-          <p:cNvPr id="8" name="Footer Placeholder 7"/>
+          <p:cNvPr id="5" name="Footer Placeholder 4"/>
           <p:cNvSpPr>
             <a:spLocks noGrp="1"/>
           </p:cNvSpPr>
@@ -1082,7 +3768,12 @@
             <p:ph type="ftr" sz="quarter" idx="11"/>
           </p:nvPr>
         </p:nvSpPr>
-        <p:spPr/>
+        <p:spPr>
+          <a:xfrm>
+            <a:off x="685800" y="381001"/>
+            <a:ext cx="6991492" cy="364065"/>
+          </a:xfrm>
+        </p:spPr>
         <p:txBody>
           <a:bodyPr/>
           <a:lstStyle/>
@@ -1093,7 +3784,7 @@
       </p:sp>
       <p:sp>
         <p:nvSpPr>
-          <p:cNvPr id="9" name="Slide Number Placeholder 8"/>
+          <p:cNvPr id="6" name="Slide Number Placeholder 5"/>
           <p:cNvSpPr>
             <a:spLocks noGrp="1"/>
           </p:cNvSpPr>
@@ -1101,12 +3792,17 @@
             <p:ph type="sldNum" sz="quarter" idx="12"/>
           </p:nvPr>
         </p:nvSpPr>
-        <p:spPr/>
-        <p:txBody>
-          <a:bodyPr/>
-          <a:lstStyle/>
-          <a:p>
-            <a:fld id="{2F062A5C-2D98-054F-A583-25405835DB28}" type="slidenum">
+        <p:spPr>
+          <a:xfrm>
+            <a:off x="10862452" y="381000"/>
+            <a:ext cx="643748" cy="365125"/>
+          </a:xfrm>
+        </p:spPr>
+        <p:txBody>
+          <a:bodyPr/>
+          <a:lstStyle/>
+          <a:p>
+            <a:fld id="{3C84C624-DF5C-6F40-A7ED-3643018B58CE}" type="slidenum">
               <a:rPr lang="en-AM" smtClean="0"/>
               <a:t>‹#›</a:t>
             </a:fld>
@@ -1117,12 +3813,12 @@
     </p:spTree>
     <p:extLst>
       <p:ext uri="{BB962C8B-B14F-4D97-AF65-F5344CB8AC3E}">
-        <p14:creationId xmlns:p14="http://schemas.microsoft.com/office/powerpoint/2010/main" val="2838683957"/>
+        <p14:creationId xmlns:p14="http://schemas.microsoft.com/office/powerpoint/2010/main" val="3978304007"/>
       </p:ext>
     </p:extLst>
   </p:cSld>
   <p:clrMapOvr>
-    <a:overrideClrMapping bg1="dk1" tx1="lt1" bg2="dk2" tx2="lt2" accent1="accent1" accent2="accent2" accent3="accent3" accent4="accent4" accent5="accent5" accent6="accent6" hlink="hlink" folHlink="folHlink"/>
+    <a:masterClrMapping/>
   </p:clrMapOvr>
 </p:sldLayout>
 </file>
@@ -1179,8 +3875,8 @@
         </p:nvSpPr>
         <p:spPr>
           <a:xfrm>
-            <a:off x="1581912" y="2638044"/>
-            <a:ext cx="4271771" cy="3101982"/>
+            <a:off x="685800" y="2194559"/>
+            <a:ext cx="5334000" cy="4024125"/>
           </a:xfrm>
         </p:spPr>
         <p:txBody>
@@ -1236,8 +3932,8 @@
         </p:nvSpPr>
         <p:spPr>
           <a:xfrm>
-            <a:off x="6338315" y="2638044"/>
-            <a:ext cx="4270247" cy="3101982"/>
+            <a:off x="6172200" y="2194559"/>
+            <a:ext cx="5334000" cy="4024125"/>
           </a:xfrm>
         </p:spPr>
         <p:txBody>
@@ -1283,7 +3979,7 @@
       </p:sp>
       <p:sp>
         <p:nvSpPr>
-          <p:cNvPr id="8" name="Date Placeholder 7"/>
+          <p:cNvPr id="5" name="Date Placeholder 4"/>
           <p:cNvSpPr>
             <a:spLocks noGrp="1"/>
           </p:cNvSpPr>
@@ -1296,7 +3992,7 @@
           <a:bodyPr/>
           <a:lstStyle/>
           <a:p>
-            <a:fld id="{03D47D63-9155-7F43-AE56-3E58423064CB}" type="datetimeFigureOut">
+            <a:fld id="{7FB56609-CE72-8142-81BC-C32929048CAB}" type="datetimeFigureOut">
               <a:rPr lang="en-AM" smtClean="0"/>
               <a:t>19.03.24</a:t>
             </a:fld>
@@ -1306,7 +4002,7 @@
       </p:sp>
       <p:sp>
         <p:nvSpPr>
-          <p:cNvPr id="9" name="Footer Placeholder 8"/>
+          <p:cNvPr id="6" name="Footer Placeholder 5"/>
           <p:cNvSpPr>
             <a:spLocks noGrp="1"/>
           </p:cNvSpPr>
@@ -1325,7 +4021,7 @@
       </p:sp>
       <p:sp>
         <p:nvSpPr>
-          <p:cNvPr id="10" name="Slide Number Placeholder 9"/>
+          <p:cNvPr id="7" name="Slide Number Placeholder 6"/>
           <p:cNvSpPr>
             <a:spLocks noGrp="1"/>
           </p:cNvSpPr>
@@ -1338,7 +4034,7 @@
           <a:bodyPr/>
           <a:lstStyle/>
           <a:p>
-            <a:fld id="{2F062A5C-2D98-054F-A583-25405835DB28}" type="slidenum">
+            <a:fld id="{3C84C624-DF5C-6F40-A7ED-3643018B58CE}" type="slidenum">
               <a:rPr lang="en-AM" smtClean="0"/>
               <a:t>‹#›</a:t>
             </a:fld>
@@ -1349,13 +4045,18 @@
     </p:spTree>
     <p:extLst>
       <p:ext uri="{BB962C8B-B14F-4D97-AF65-F5344CB8AC3E}">
-        <p14:creationId xmlns:p14="http://schemas.microsoft.com/office/powerpoint/2010/main" val="1871528847"/>
+        <p14:creationId xmlns:p14="http://schemas.microsoft.com/office/powerpoint/2010/main" val="3164025963"/>
       </p:ext>
     </p:extLst>
   </p:cSld>
   <p:clrMapOvr>
     <a:masterClrMapping/>
   </p:clrMapOvr>
+  <p:extLst>
+    <p:ext uri="{DCECCB84-F9BA-43D5-87BE-67443E8EF086}">
+      <p15:sldGuideLst xmlns:p15="http://schemas.microsoft.com/office/powerpoint/2012/main"/>
+    </p:ext>
+  </p:extLst>
 </p:sldLayout>
 </file>
 
@@ -1378,6 +4079,34 @@
       </p:grpSpPr>
       <p:sp>
         <p:nvSpPr>
+          <p:cNvPr id="2" name="Title 1"/>
+          <p:cNvSpPr>
+            <a:spLocks noGrp="1"/>
+          </p:cNvSpPr>
+          <p:nvPr>
+            <p:ph type="title"/>
+          </p:nvPr>
+        </p:nvSpPr>
+        <p:spPr>
+          <a:xfrm>
+            <a:off x="2895600" y="762000"/>
+            <a:ext cx="8610600" cy="1295400"/>
+          </a:xfrm>
+        </p:spPr>
+        <p:txBody>
+          <a:bodyPr/>
+          <a:lstStyle/>
+          <a:p>
+            <a:r>
+              <a:rPr lang="en-US"/>
+              <a:t>Click to edit Master title style</a:t>
+            </a:r>
+            <a:endParaRPr lang="en-US" dirty="0"/>
+          </a:p>
+        </p:txBody>
+      </p:sp>
+      <p:sp>
+        <p:nvSpPr>
           <p:cNvPr id="3" name="Text Placeholder 2"/>
           <p:cNvSpPr>
             <a:spLocks noGrp="1"/>
@@ -1388,28 +4117,26 @@
         </p:nvSpPr>
         <p:spPr>
           <a:xfrm>
-            <a:off x="1583436" y="2313433"/>
-            <a:ext cx="4270248" cy="704087"/>
-          </a:xfrm>
-        </p:spPr>
-        <p:txBody>
-          <a:bodyPr anchor="b" anchorCtr="1">
+            <a:off x="914409" y="2183802"/>
+            <a:ext cx="5079991" cy="823912"/>
+          </a:xfrm>
+        </p:spPr>
+        <p:txBody>
+          <a:bodyPr anchor="b">
             <a:normAutofit/>
           </a:bodyPr>
           <a:lstStyle>
-            <a:lvl1pPr marL="0" indent="0" algn="ctr">
-              <a:buNone/>
-              <a:defRPr sz="1900" b="0" cap="all" spc="100" baseline="0">
+            <a:lvl1pPr marL="0" indent="0">
+              <a:buNone/>
+              <a:defRPr sz="2800" b="0">
                 <a:solidFill>
-                  <a:schemeClr val="accent2">
-                    <a:lumMod val="75000"/>
-                  </a:schemeClr>
+                  <a:schemeClr val="tx1"/>
                 </a:solidFill>
               </a:defRPr>
             </a:lvl1pPr>
             <a:lvl2pPr marL="457200" indent="0">
               <a:buNone/>
-              <a:defRPr sz="1900" b="1"/>
+              <a:defRPr sz="2000" b="1"/>
             </a:lvl2pPr>
             <a:lvl3pPr marL="914400" indent="0">
               <a:buNone/>
@@ -1461,8 +4188,8 @@
         </p:nvSpPr>
         <p:spPr>
           <a:xfrm>
-            <a:off x="1583436" y="3143250"/>
-            <a:ext cx="4270248" cy="2596776"/>
+            <a:off x="685800" y="3132666"/>
+            <a:ext cx="5311775" cy="3086019"/>
           </a:xfrm>
         </p:spPr>
         <p:txBody>
@@ -1508,99 +4235,36 @@
       </p:sp>
       <p:sp>
         <p:nvSpPr>
-          <p:cNvPr id="6" name="Content Placeholder 5"/>
-          <p:cNvSpPr>
-            <a:spLocks noGrp="1"/>
-          </p:cNvSpPr>
-          <p:nvPr>
-            <p:ph sz="quarter" idx="4"/>
-          </p:nvPr>
-        </p:nvSpPr>
-        <p:spPr>
-          <a:xfrm>
-            <a:off x="6338316" y="3143250"/>
-            <a:ext cx="4253484" cy="2596776"/>
-          </a:xfrm>
-        </p:spPr>
-        <p:txBody>
-          <a:bodyPr/>
-          <a:lstStyle>
-            <a:lvl5pPr>
-              <a:defRPr/>
-            </a:lvl5pPr>
-          </a:lstStyle>
-          <a:p>
-            <a:pPr lvl="0"/>
-            <a:r>
-              <a:rPr lang="en-US"/>
-              <a:t>Click to edit Master text styles</a:t>
-            </a:r>
-          </a:p>
-          <a:p>
-            <a:pPr lvl="1"/>
-            <a:r>
-              <a:rPr lang="en-US"/>
-              <a:t>Second level</a:t>
-            </a:r>
-          </a:p>
-          <a:p>
-            <a:pPr lvl="2"/>
-            <a:r>
-              <a:rPr lang="en-US"/>
-              <a:t>Third level</a:t>
-            </a:r>
-          </a:p>
-          <a:p>
-            <a:pPr lvl="3"/>
-            <a:r>
-              <a:rPr lang="en-US"/>
-              <a:t>Fourth level</a:t>
-            </a:r>
-          </a:p>
-          <a:p>
-            <a:pPr lvl="4"/>
-            <a:r>
-              <a:rPr lang="en-US"/>
-              <a:t>Fifth level</a:t>
-            </a:r>
-            <a:endParaRPr lang="en-US" dirty="0"/>
-          </a:p>
-        </p:txBody>
-      </p:sp>
-      <p:sp>
-        <p:nvSpPr>
-          <p:cNvPr id="11" name="Text Placeholder 4"/>
-          <p:cNvSpPr>
-            <a:spLocks noGrp="1"/>
-          </p:cNvSpPr>
-          <p:nvPr>
-            <p:ph type="body" sz="quarter" idx="13"/>
-          </p:nvPr>
-        </p:nvSpPr>
-        <p:spPr>
-          <a:xfrm>
-            <a:off x="6338316" y="2313433"/>
-            <a:ext cx="4270248" cy="704087"/>
-          </a:xfrm>
-        </p:spPr>
-        <p:txBody>
-          <a:bodyPr anchor="b" anchorCtr="1">
+          <p:cNvPr id="5" name="Text Placeholder 4"/>
+          <p:cNvSpPr>
+            <a:spLocks noGrp="1"/>
+          </p:cNvSpPr>
+          <p:nvPr>
+            <p:ph type="body" sz="quarter" idx="3"/>
+          </p:nvPr>
+        </p:nvSpPr>
+        <p:spPr>
+          <a:xfrm>
+            <a:off x="6400800" y="2183802"/>
+            <a:ext cx="5105400" cy="823912"/>
+          </a:xfrm>
+        </p:spPr>
+        <p:txBody>
+          <a:bodyPr anchor="b">
             <a:normAutofit/>
           </a:bodyPr>
           <a:lstStyle>
-            <a:lvl1pPr marL="0" indent="0" algn="ctr">
-              <a:buNone/>
-              <a:defRPr sz="1900" b="0" cap="all" spc="100" baseline="0">
+            <a:lvl1pPr marL="0" indent="0">
+              <a:buNone/>
+              <a:defRPr sz="2800" b="0">
                 <a:solidFill>
-                  <a:schemeClr val="accent2">
-                    <a:lumMod val="75000"/>
-                  </a:schemeClr>
+                  <a:schemeClr val="tx1"/>
                 </a:solidFill>
               </a:defRPr>
             </a:lvl1pPr>
             <a:lvl2pPr marL="457200" indent="0">
               <a:buNone/>
-              <a:defRPr sz="1900" b="1"/>
+              <a:defRPr sz="2000" b="1"/>
             </a:lvl2pPr>
             <a:lvl3pPr marL="914400" indent="0">
               <a:buNone/>
@@ -1642,6 +4306,63 @@
       </p:sp>
       <p:sp>
         <p:nvSpPr>
+          <p:cNvPr id="6" name="Content Placeholder 5"/>
+          <p:cNvSpPr>
+            <a:spLocks noGrp="1"/>
+          </p:cNvSpPr>
+          <p:nvPr>
+            <p:ph sz="quarter" idx="4"/>
+          </p:nvPr>
+        </p:nvSpPr>
+        <p:spPr>
+          <a:xfrm>
+            <a:off x="6172200" y="3132666"/>
+            <a:ext cx="5334000" cy="3086019"/>
+          </a:xfrm>
+        </p:spPr>
+        <p:txBody>
+          <a:bodyPr/>
+          <a:lstStyle/>
+          <a:p>
+            <a:pPr lvl="0"/>
+            <a:r>
+              <a:rPr lang="en-US"/>
+              <a:t>Click to edit Master text styles</a:t>
+            </a:r>
+          </a:p>
+          <a:p>
+            <a:pPr lvl="1"/>
+            <a:r>
+              <a:rPr lang="en-US"/>
+              <a:t>Second level</a:t>
+            </a:r>
+          </a:p>
+          <a:p>
+            <a:pPr lvl="2"/>
+            <a:r>
+              <a:rPr lang="en-US"/>
+              <a:t>Third level</a:t>
+            </a:r>
+          </a:p>
+          <a:p>
+            <a:pPr lvl="3"/>
+            <a:r>
+              <a:rPr lang="en-US"/>
+              <a:t>Fourth level</a:t>
+            </a:r>
+          </a:p>
+          <a:p>
+            <a:pPr lvl="4"/>
+            <a:r>
+              <a:rPr lang="en-US"/>
+              <a:t>Fifth level</a:t>
+            </a:r>
+            <a:endParaRPr lang="en-US" dirty="0"/>
+          </a:p>
+        </p:txBody>
+      </p:sp>
+      <p:sp>
+        <p:nvSpPr>
           <p:cNvPr id="7" name="Date Placeholder 6"/>
           <p:cNvSpPr>
             <a:spLocks noGrp="1"/>
@@ -1655,7 +4376,7 @@
           <a:bodyPr/>
           <a:lstStyle/>
           <a:p>
-            <a:fld id="{03D47D63-9155-7F43-AE56-3E58423064CB}" type="datetimeFigureOut">
+            <a:fld id="{7FB56609-CE72-8142-81BC-C32929048CAB}" type="datetimeFigureOut">
               <a:rPr lang="en-AM" smtClean="0"/>
               <a:t>19.03.24</a:t>
             </a:fld>
@@ -1697,7 +4418,7 @@
           <a:bodyPr/>
           <a:lstStyle/>
           <a:p>
-            <a:fld id="{2F062A5C-2D98-054F-A583-25405835DB28}" type="slidenum">
+            <a:fld id="{3C84C624-DF5C-6F40-A7ED-3643018B58CE}" type="slidenum">
               <a:rPr lang="en-AM" smtClean="0"/>
               <a:t>‹#›</a:t>
             </a:fld>
@@ -1705,39 +4426,21 @@
           </a:p>
         </p:txBody>
       </p:sp>
-      <p:sp>
-        <p:nvSpPr>
-          <p:cNvPr id="10" name="Title 9"/>
-          <p:cNvSpPr>
-            <a:spLocks noGrp="1"/>
-          </p:cNvSpPr>
-          <p:nvPr>
-            <p:ph type="title"/>
-          </p:nvPr>
-        </p:nvSpPr>
-        <p:spPr/>
-        <p:txBody>
-          <a:bodyPr/>
-          <a:lstStyle/>
-          <a:p>
-            <a:r>
-              <a:rPr lang="en-US"/>
-              <a:t>Click to edit Master title style</a:t>
-            </a:r>
-            <a:endParaRPr lang="en-US" dirty="0"/>
-          </a:p>
-        </p:txBody>
-      </p:sp>
     </p:spTree>
     <p:extLst>
       <p:ext uri="{BB962C8B-B14F-4D97-AF65-F5344CB8AC3E}">
-        <p14:creationId xmlns:p14="http://schemas.microsoft.com/office/powerpoint/2010/main" val="961772813"/>
+        <p14:creationId xmlns:p14="http://schemas.microsoft.com/office/powerpoint/2010/main" val="3029378701"/>
       </p:ext>
     </p:extLst>
   </p:cSld>
   <p:clrMapOvr>
     <a:masterClrMapping/>
   </p:clrMapOvr>
+  <p:extLst>
+    <p:ext uri="{DCECCB84-F9BA-43D5-87BE-67443E8EF086}">
+      <p15:sldGuideLst xmlns:p15="http://schemas.microsoft.com/office/powerpoint/2012/main"/>
+    </p:ext>
+  </p:extLst>
 </p:sldLayout>
 </file>
 
@@ -1796,7 +4499,7 @@
           <a:bodyPr/>
           <a:lstStyle/>
           <a:p>
-            <a:fld id="{03D47D63-9155-7F43-AE56-3E58423064CB}" type="datetimeFigureOut">
+            <a:fld id="{7FB56609-CE72-8142-81BC-C32929048CAB}" type="datetimeFigureOut">
               <a:rPr lang="en-AM" smtClean="0"/>
               <a:t>19.03.24</a:t>
             </a:fld>
@@ -1838,7 +4541,7 @@
           <a:bodyPr/>
           <a:lstStyle/>
           <a:p>
-            <a:fld id="{2F062A5C-2D98-054F-A583-25405835DB28}" type="slidenum">
+            <a:fld id="{3C84C624-DF5C-6F40-A7ED-3643018B58CE}" type="slidenum">
               <a:rPr lang="en-AM" smtClean="0"/>
               <a:t>‹#›</a:t>
             </a:fld>
@@ -1849,7 +4552,7 @@
     </p:spTree>
     <p:extLst>
       <p:ext uri="{BB962C8B-B14F-4D97-AF65-F5344CB8AC3E}">
-        <p14:creationId xmlns:p14="http://schemas.microsoft.com/office/powerpoint/2010/main" val="1110979124"/>
+        <p14:creationId xmlns:p14="http://schemas.microsoft.com/office/powerpoint/2010/main" val="2565141799"/>
       </p:ext>
     </p:extLst>
   </p:cSld>
@@ -1891,7 +4594,7 @@
           <a:bodyPr/>
           <a:lstStyle/>
           <a:p>
-            <a:fld id="{03D47D63-9155-7F43-AE56-3E58423064CB}" type="datetimeFigureOut">
+            <a:fld id="{7FB56609-CE72-8142-81BC-C32929048CAB}" type="datetimeFigureOut">
               <a:rPr lang="en-AM" smtClean="0"/>
               <a:t>19.03.24</a:t>
             </a:fld>
@@ -1933,7 +4636,7 @@
           <a:bodyPr/>
           <a:lstStyle/>
           <a:p>
-            <a:fld id="{2F062A5C-2D98-054F-A583-25405835DB28}" type="slidenum">
+            <a:fld id="{3C84C624-DF5C-6F40-A7ED-3643018B58CE}" type="slidenum">
               <a:rPr lang="en-AM" smtClean="0"/>
               <a:t>‹#›</a:t>
             </a:fld>
@@ -1944,7 +4647,7 @@
     </p:spTree>
     <p:extLst>
       <p:ext uri="{BB962C8B-B14F-4D97-AF65-F5344CB8AC3E}">
-        <p14:creationId xmlns:p14="http://schemas.microsoft.com/office/powerpoint/2010/main" val="202808714"/>
+        <p14:creationId xmlns:p14="http://schemas.microsoft.com/office/powerpoint/2010/main" val="450676709"/>
       </p:ext>
     </p:extLst>
   </p:cSld>
@@ -1973,44 +4676,6 @@
       </p:grpSpPr>
       <p:sp>
         <p:nvSpPr>
-          <p:cNvPr id="26" name="Rectangle 25"/>
-          <p:cNvSpPr/>
-          <p:nvPr/>
-        </p:nvSpPr>
-        <p:spPr>
-          <a:xfrm>
-            <a:off x="0" y="0"/>
-            <a:ext cx="6096000" cy="6858000"/>
-          </a:xfrm>
-          <a:prstGeom prst="rect">
-            <a:avLst/>
-          </a:prstGeom>
-          <a:solidFill>
-            <a:schemeClr val="accent2"/>
-          </a:solidFill>
-          <a:ln>
-            <a:noFill/>
-          </a:ln>
-        </p:spPr>
-        <p:style>
-          <a:lnRef idx="2">
-            <a:schemeClr val="accent1">
-              <a:shade val="50000"/>
-            </a:schemeClr>
-          </a:lnRef>
-          <a:fillRef idx="1">
-            <a:schemeClr val="accent1"/>
-          </a:fillRef>
-          <a:effectRef idx="0">
-            <a:schemeClr val="accent1"/>
-          </a:effectRef>
-          <a:fontRef idx="minor">
-            <a:schemeClr val="lt1"/>
-          </a:fontRef>
-        </p:style>
-      </p:sp>
-      <p:sp>
-        <p:nvSpPr>
           <p:cNvPr id="2" name="Title 1"/>
           <p:cNvSpPr>
             <a:spLocks noGrp="1"/>
@@ -2019,31 +4684,17 @@
             <p:ph type="title"/>
           </p:nvPr>
         </p:nvSpPr>
-        <p:spPr bwMode="blackWhite">
-          <a:xfrm>
-            <a:off x="804672" y="2243828"/>
-            <a:ext cx="4486656" cy="1141497"/>
-          </a:xfrm>
-          <a:solidFill>
-            <a:srgbClr val="FFFFFF"/>
-          </a:solidFill>
-          <a:ln>
-            <a:solidFill>
-              <a:srgbClr val="404040"/>
-            </a:solidFill>
-          </a:ln>
-        </p:spPr>
-        <p:txBody>
-          <a:bodyPr anchor="ctr" anchorCtr="1">
-            <a:normAutofit/>
-          </a:bodyPr>
+        <p:spPr>
+          <a:xfrm>
+            <a:off x="685800" y="1524000"/>
+            <a:ext cx="4114800" cy="1600200"/>
+          </a:xfrm>
+        </p:spPr>
+        <p:txBody>
+          <a:bodyPr anchor="b"/>
           <a:lstStyle>
-            <a:lvl1pPr>
-              <a:defRPr sz="2200">
-                <a:solidFill>
-                  <a:srgbClr val="262626"/>
-                </a:solidFill>
-              </a:defRPr>
+            <a:lvl1pPr algn="l">
+              <a:defRPr sz="3200"/>
             </a:lvl1pPr>
           </a:lstStyle>
           <a:p>
@@ -2067,129 +4718,73 @@
         </p:nvSpPr>
         <p:spPr>
           <a:xfrm>
-            <a:off x="6736080" y="804672"/>
-            <a:ext cx="4815840" cy="5248656"/>
-          </a:xfrm>
-        </p:spPr>
-        <p:txBody>
-          <a:bodyPr>
-            <a:normAutofit/>
-          </a:bodyPr>
+            <a:off x="4995582" y="746759"/>
+            <a:ext cx="6510618" cy="5471925"/>
+          </a:xfrm>
+        </p:spPr>
+        <p:txBody>
+          <a:bodyPr anchor="ctr"/>
+          <a:lstStyle/>
+          <a:p>
+            <a:pPr lvl="0"/>
+            <a:r>
+              <a:rPr lang="en-US"/>
+              <a:t>Click to edit Master text styles</a:t>
+            </a:r>
+          </a:p>
+          <a:p>
+            <a:pPr lvl="1"/>
+            <a:r>
+              <a:rPr lang="en-US"/>
+              <a:t>Second level</a:t>
+            </a:r>
+          </a:p>
+          <a:p>
+            <a:pPr lvl="2"/>
+            <a:r>
+              <a:rPr lang="en-US"/>
+              <a:t>Third level</a:t>
+            </a:r>
+          </a:p>
+          <a:p>
+            <a:pPr lvl="3"/>
+            <a:r>
+              <a:rPr lang="en-US"/>
+              <a:t>Fourth level</a:t>
+            </a:r>
+          </a:p>
+          <a:p>
+            <a:pPr lvl="4"/>
+            <a:r>
+              <a:rPr lang="en-US"/>
+              <a:t>Fifth level</a:t>
+            </a:r>
+            <a:endParaRPr lang="en-US" dirty="0"/>
+          </a:p>
+        </p:txBody>
+      </p:sp>
+      <p:sp>
+        <p:nvSpPr>
+          <p:cNvPr id="4" name="Text Placeholder 3"/>
+          <p:cNvSpPr>
+            <a:spLocks noGrp="1"/>
+          </p:cNvSpPr>
+          <p:nvPr>
+            <p:ph type="body" sz="half" idx="2"/>
+          </p:nvPr>
+        </p:nvSpPr>
+        <p:spPr>
+          <a:xfrm>
+            <a:off x="685800" y="3124199"/>
+            <a:ext cx="4114800" cy="3094485"/>
+          </a:xfrm>
+        </p:spPr>
+        <p:txBody>
+          <a:bodyPr/>
           <a:lstStyle>
-            <a:lvl1pPr>
-              <a:defRPr sz="1900">
-                <a:solidFill>
-                  <a:schemeClr val="tx1"/>
-                </a:solidFill>
-              </a:defRPr>
-            </a:lvl1pPr>
-            <a:lvl2pPr>
-              <a:defRPr sz="1600">
-                <a:solidFill>
-                  <a:schemeClr val="tx1"/>
-                </a:solidFill>
-              </a:defRPr>
-            </a:lvl2pPr>
-            <a:lvl3pPr>
-              <a:defRPr sz="1600">
-                <a:solidFill>
-                  <a:schemeClr val="tx1"/>
-                </a:solidFill>
-              </a:defRPr>
-            </a:lvl3pPr>
-            <a:lvl4pPr>
-              <a:defRPr sz="1600">
-                <a:solidFill>
-                  <a:schemeClr val="tx1"/>
-                </a:solidFill>
-              </a:defRPr>
-            </a:lvl4pPr>
-            <a:lvl5pPr>
-              <a:defRPr sz="1600">
-                <a:solidFill>
-                  <a:schemeClr val="tx1"/>
-                </a:solidFill>
-              </a:defRPr>
-            </a:lvl5pPr>
-            <a:lvl6pPr>
+            <a:lvl1pPr marL="0" indent="0">
+              <a:buNone/>
               <a:defRPr sz="1600"/>
-            </a:lvl6pPr>
-            <a:lvl7pPr>
-              <a:defRPr sz="1600"/>
-            </a:lvl7pPr>
-            <a:lvl8pPr>
-              <a:defRPr sz="1600"/>
-            </a:lvl8pPr>
-            <a:lvl9pPr>
-              <a:defRPr sz="1600"/>
-            </a:lvl9pPr>
-          </a:lstStyle>
-          <a:p>
-            <a:pPr lvl="0"/>
-            <a:r>
-              <a:rPr lang="en-US"/>
-              <a:t>Click to edit Master text styles</a:t>
-            </a:r>
-          </a:p>
-          <a:p>
-            <a:pPr lvl="1"/>
-            <a:r>
-              <a:rPr lang="en-US"/>
-              <a:t>Second level</a:t>
-            </a:r>
-          </a:p>
-          <a:p>
-            <a:pPr lvl="2"/>
-            <a:r>
-              <a:rPr lang="en-US"/>
-              <a:t>Third level</a:t>
-            </a:r>
-          </a:p>
-          <a:p>
-            <a:pPr lvl="3"/>
-            <a:r>
-              <a:rPr lang="en-US"/>
-              <a:t>Fourth level</a:t>
-            </a:r>
-          </a:p>
-          <a:p>
-            <a:pPr lvl="4"/>
-            <a:r>
-              <a:rPr lang="en-US"/>
-              <a:t>Fifth level</a:t>
-            </a:r>
-            <a:endParaRPr lang="en-US" dirty="0"/>
-          </a:p>
-        </p:txBody>
-      </p:sp>
-      <p:sp>
-        <p:nvSpPr>
-          <p:cNvPr id="4" name="Text Placeholder 3"/>
-          <p:cNvSpPr>
-            <a:spLocks noGrp="1"/>
-          </p:cNvSpPr>
-          <p:nvPr>
-            <p:ph type="body" sz="half" idx="2"/>
-          </p:nvPr>
-        </p:nvSpPr>
-        <p:spPr>
-          <a:xfrm>
-            <a:off x="1115568" y="3549918"/>
-            <a:ext cx="3794760" cy="2194036"/>
-          </a:xfrm>
-        </p:spPr>
-        <p:txBody>
-          <a:bodyPr anchor="t" anchorCtr="1">
-            <a:normAutofit/>
-          </a:bodyPr>
-          <a:lstStyle>
-            <a:lvl1pPr marL="0" indent="0" algn="ctr">
-              <a:buNone/>
-              <a:defRPr sz="1500">
-                <a:solidFill>
-                  <a:srgbClr val="FFFFFF"/>
-                </a:solidFill>
-              </a:defRPr>
             </a:lvl1pPr>
             <a:lvl2pPr marL="457200" indent="0">
               <a:buNone/>
@@ -2235,7 +4830,7 @@
       </p:sp>
       <p:sp>
         <p:nvSpPr>
-          <p:cNvPr id="9" name="Date Placeholder 8"/>
+          <p:cNvPr id="5" name="Date Placeholder 4"/>
           <p:cNvSpPr>
             <a:spLocks noGrp="1"/>
           </p:cNvSpPr>
@@ -2248,7 +4843,7 @@
           <a:bodyPr/>
           <a:lstStyle/>
           <a:p>
-            <a:fld id="{03D47D63-9155-7F43-AE56-3E58423064CB}" type="datetimeFigureOut">
+            <a:fld id="{7FB56609-CE72-8142-81BC-C32929048CAB}" type="datetimeFigureOut">
               <a:rPr lang="en-AM" smtClean="0"/>
               <a:t>19.03.24</a:t>
             </a:fld>
@@ -2258,7 +4853,7 @@
       </p:sp>
       <p:sp>
         <p:nvSpPr>
-          <p:cNvPr id="10" name="Footer Placeholder 9"/>
+          <p:cNvPr id="6" name="Footer Placeholder 5"/>
           <p:cNvSpPr>
             <a:spLocks noGrp="1"/>
           </p:cNvSpPr>
@@ -2266,25 +4861,10 @@
             <p:ph type="ftr" sz="quarter" idx="11"/>
           </p:nvPr>
         </p:nvSpPr>
-        <p:spPr>
-          <a:xfrm>
-            <a:off x="804672" y="6236208"/>
-            <a:ext cx="5124797" cy="320040"/>
-          </a:xfrm>
-        </p:spPr>
-        <p:txBody>
-          <a:bodyPr/>
-          <a:lstStyle>
-            <a:lvl1pPr>
-              <a:defRPr>
-                <a:solidFill>
-                  <a:srgbClr val="FFFFFF">
-                    <a:alpha val="70000"/>
-                  </a:srgbClr>
-                </a:solidFill>
-              </a:defRPr>
-            </a:lvl1pPr>
-          </a:lstStyle>
+        <p:spPr/>
+        <p:txBody>
+          <a:bodyPr/>
+          <a:lstStyle/>
           <a:p>
             <a:endParaRPr lang="en-AM"/>
           </a:p>
@@ -2292,7 +4872,7 @@
       </p:sp>
       <p:sp>
         <p:nvSpPr>
-          <p:cNvPr id="11" name="Slide Number Placeholder 10"/>
+          <p:cNvPr id="7" name="Slide Number Placeholder 6"/>
           <p:cNvSpPr>
             <a:spLocks noGrp="1"/>
           </p:cNvSpPr>
@@ -2305,7 +4885,7 @@
           <a:bodyPr/>
           <a:lstStyle/>
           <a:p>
-            <a:fld id="{2F062A5C-2D98-054F-A583-25405835DB28}" type="slidenum">
+            <a:fld id="{3C84C624-DF5C-6F40-A7ED-3643018B58CE}" type="slidenum">
               <a:rPr lang="en-AM" smtClean="0"/>
               <a:t>‹#›</a:t>
             </a:fld>
@@ -2316,13 +4896,18 @@
     </p:spTree>
     <p:extLst>
       <p:ext uri="{BB962C8B-B14F-4D97-AF65-F5344CB8AC3E}">
-        <p14:creationId xmlns:p14="http://schemas.microsoft.com/office/powerpoint/2010/main" val="2101445314"/>
+        <p14:creationId xmlns:p14="http://schemas.microsoft.com/office/powerpoint/2010/main" val="2364697236"/>
       </p:ext>
     </p:extLst>
   </p:cSld>
   <p:clrMapOvr>
     <a:masterClrMapping/>
   </p:clrMapOvr>
+  <p:extLst>
+    <p:ext uri="{DCECCB84-F9BA-43D5-87BE-67443E8EF086}">
+      <p15:sldGuideLst xmlns:p15="http://schemas.microsoft.com/office/powerpoint/2012/main"/>
+    </p:ext>
+  </p:extLst>
 </p:sldLayout>
 </file>
 
@@ -2345,44 +4930,6 @@
       </p:grpSpPr>
       <p:sp>
         <p:nvSpPr>
-          <p:cNvPr id="18" name="Rectangle 17"/>
-          <p:cNvSpPr/>
-          <p:nvPr/>
-        </p:nvSpPr>
-        <p:spPr>
-          <a:xfrm>
-            <a:off x="0" y="0"/>
-            <a:ext cx="6095999" cy="6858000"/>
-          </a:xfrm>
-          <a:prstGeom prst="rect">
-            <a:avLst/>
-          </a:prstGeom>
-          <a:solidFill>
-            <a:schemeClr val="accent2"/>
-          </a:solidFill>
-          <a:ln>
-            <a:noFill/>
-          </a:ln>
-        </p:spPr>
-        <p:style>
-          <a:lnRef idx="2">
-            <a:schemeClr val="accent1">
-              <a:shade val="50000"/>
-            </a:schemeClr>
-          </a:lnRef>
-          <a:fillRef idx="1">
-            <a:schemeClr val="accent1"/>
-          </a:fillRef>
-          <a:effectRef idx="0">
-            <a:schemeClr val="accent1"/>
-          </a:effectRef>
-          <a:fontRef idx="minor">
-            <a:schemeClr val="lt1"/>
-          </a:fontRef>
-        </p:style>
-      </p:sp>
-      <p:sp>
-        <p:nvSpPr>
           <p:cNvPr id="2" name="Title 1"/>
           <p:cNvSpPr>
             <a:spLocks noGrp="1"/>
@@ -2391,31 +4938,17 @@
             <p:ph type="title"/>
           </p:nvPr>
         </p:nvSpPr>
-        <p:spPr bwMode="blackWhite">
-          <a:xfrm>
-            <a:off x="808523" y="2243828"/>
-            <a:ext cx="4494998" cy="1134640"/>
-          </a:xfrm>
-          <a:solidFill>
-            <a:srgbClr val="FFFFFF"/>
-          </a:solidFill>
-          <a:ln>
-            <a:solidFill>
-              <a:srgbClr val="404040"/>
-            </a:solidFill>
-          </a:ln>
-        </p:spPr>
-        <p:txBody>
-          <a:bodyPr anchor="ctr" anchorCtr="1">
-            <a:noAutofit/>
-          </a:bodyPr>
+        <p:spPr>
+          <a:xfrm>
+            <a:off x="685800" y="1524000"/>
+            <a:ext cx="6873240" cy="1600200"/>
+          </a:xfrm>
+        </p:spPr>
+        <p:txBody>
+          <a:bodyPr anchor="b"/>
           <a:lstStyle>
-            <a:lvl1pPr>
-              <a:defRPr sz="2200">
-                <a:solidFill>
-                  <a:srgbClr val="262626"/>
-                </a:solidFill>
-              </a:defRPr>
+            <a:lvl1pPr algn="l">
+              <a:defRPr sz="3200"/>
             </a:lvl1pPr>
           </a:lstStyle>
           <a:p>
@@ -2439,28 +4972,16 @@
         </p:nvSpPr>
         <p:spPr>
           <a:xfrm>
-            <a:off x="6095999" y="0"/>
-            <a:ext cx="6102097" cy="6858000"/>
-          </a:xfrm>
-          <a:solidFill>
-            <a:schemeClr val="bg1">
-              <a:lumMod val="75000"/>
-            </a:schemeClr>
-          </a:solidFill>
+            <a:off x="7861238" y="751241"/>
+            <a:ext cx="3644962" cy="5467443"/>
+          </a:xfrm>
         </p:spPr>
         <p:txBody>
           <a:bodyPr anchor="t"/>
           <a:lstStyle>
             <a:lvl1pPr marL="0" indent="0">
               <a:buNone/>
-              <a:defRPr sz="3200">
-                <a:solidFill>
-                  <a:schemeClr val="bg1">
-                    <a:lumMod val="85000"/>
-                    <a:lumOff val="15000"/>
-                  </a:schemeClr>
-                </a:solidFill>
-              </a:defRPr>
+              <a:defRPr sz="3200"/>
             </a:lvl1pPr>
             <a:lvl2pPr marL="457200" indent="0">
               <a:buNone/>
@@ -2516,22 +5037,16 @@
         </p:nvSpPr>
         <p:spPr>
           <a:xfrm>
-            <a:off x="1115568" y="3549918"/>
-            <a:ext cx="3794760" cy="2194037"/>
-          </a:xfrm>
-        </p:spPr>
-        <p:txBody>
-          <a:bodyPr anchor="t" anchorCtr="1">
-            <a:normAutofit/>
-          </a:bodyPr>
+            <a:off x="685800" y="3124199"/>
+            <a:ext cx="6873240" cy="3094485"/>
+          </a:xfrm>
+        </p:spPr>
+        <p:txBody>
+          <a:bodyPr/>
           <a:lstStyle>
-            <a:lvl1pPr marL="0" indent="0" algn="ctr">
-              <a:buNone/>
-              <a:defRPr sz="1500">
-                <a:solidFill>
-                  <a:srgbClr val="FFFFFF"/>
-                </a:solidFill>
-              </a:defRPr>
+            <a:lvl1pPr marL="0" indent="0">
+              <a:buNone/>
+              <a:defRPr sz="1600"/>
             </a:lvl1pPr>
             <a:lvl2pPr marL="457200" indent="0">
               <a:buNone/>
@@ -2577,7 +5092,7 @@
       </p:sp>
       <p:sp>
         <p:nvSpPr>
-          <p:cNvPr id="8" name="Date Placeholder 7"/>
+          <p:cNvPr id="5" name="Date Placeholder 4"/>
           <p:cNvSpPr>
             <a:spLocks noGrp="1"/>
           </p:cNvSpPr>
@@ -2588,24 +5103,9 @@
         <p:spPr/>
         <p:txBody>
           <a:bodyPr/>
-          <a:lstStyle>
-            <a:lvl1pPr>
-              <a:defRPr>
-                <a:solidFill>
-                  <a:srgbClr val="FFFFFF"/>
-                </a:solidFill>
-                <a:effectLst>
-                  <a:outerShdw blurRad="50800" dist="38100" dir="2700000" algn="tl" rotWithShape="0">
-                    <a:prstClr val="black">
-                      <a:alpha val="43000"/>
-                    </a:prstClr>
-                  </a:outerShdw>
-                </a:effectLst>
-              </a:defRPr>
-            </a:lvl1pPr>
-          </a:lstStyle>
-          <a:p>
-            <a:fld id="{03D47D63-9155-7F43-AE56-3E58423064CB}" type="datetimeFigureOut">
+          <a:lstStyle/>
+          <a:p>
+            <a:fld id="{7FB56609-CE72-8142-81BC-C32929048CAB}" type="datetimeFigureOut">
               <a:rPr lang="en-AM" smtClean="0"/>
               <a:t>19.03.24</a:t>
             </a:fld>
@@ -2615,7 +5115,7 @@
       </p:sp>
       <p:sp>
         <p:nvSpPr>
-          <p:cNvPr id="9" name="Footer Placeholder 8"/>
+          <p:cNvPr id="6" name="Footer Placeholder 5"/>
           <p:cNvSpPr>
             <a:spLocks noGrp="1"/>
           </p:cNvSpPr>
@@ -2623,25 +5123,10 @@
             <p:ph type="ftr" sz="quarter" idx="11"/>
           </p:nvPr>
         </p:nvSpPr>
-        <p:spPr>
-          <a:xfrm>
-            <a:off x="804672" y="6236208"/>
-            <a:ext cx="5124797" cy="320040"/>
-          </a:xfrm>
-        </p:spPr>
-        <p:txBody>
-          <a:bodyPr/>
-          <a:lstStyle>
-            <a:lvl1pPr>
-              <a:defRPr>
-                <a:solidFill>
-                  <a:srgbClr val="FFFFFF">
-                    <a:alpha val="70000"/>
-                  </a:srgbClr>
-                </a:solidFill>
-              </a:defRPr>
-            </a:lvl1pPr>
-          </a:lstStyle>
+        <p:spPr/>
+        <p:txBody>
+          <a:bodyPr/>
+          <a:lstStyle/>
           <a:p>
             <a:endParaRPr lang="en-AM"/>
           </a:p>
@@ -2649,7 +5134,7 @@
       </p:sp>
       <p:sp>
         <p:nvSpPr>
-          <p:cNvPr id="10" name="Slide Number Placeholder 9"/>
+          <p:cNvPr id="7" name="Slide Number Placeholder 6"/>
           <p:cNvSpPr>
             <a:spLocks noGrp="1"/>
           </p:cNvSpPr>
@@ -2662,7 +5147,7 @@
           <a:bodyPr/>
           <a:lstStyle/>
           <a:p>
-            <a:fld id="{2F062A5C-2D98-054F-A583-25405835DB28}" type="slidenum">
+            <a:fld id="{3C84C624-DF5C-6F40-A7ED-3643018B58CE}" type="slidenum">
               <a:rPr lang="en-AM" smtClean="0"/>
               <a:t>‹#›</a:t>
             </a:fld>
@@ -2673,7 +5158,7 @@
     </p:spTree>
     <p:extLst>
       <p:ext uri="{BB962C8B-B14F-4D97-AF65-F5344CB8AC3E}">
-        <p14:creationId xmlns:p14="http://schemas.microsoft.com/office/powerpoint/2010/main" val="3320308359"/>
+        <p14:creationId xmlns:p14="http://schemas.microsoft.com/office/powerpoint/2010/main" val="2574851458"/>
       </p:ext>
     </p:extLst>
   </p:cSld>
@@ -2687,14 +5172,9 @@
 <p:sldMaster xmlns:a="http://schemas.openxmlformats.org/drawingml/2006/main" xmlns:r="http://schemas.openxmlformats.org/officeDocument/2006/relationships" xmlns:p="http://schemas.openxmlformats.org/presentationml/2006/main">
   <p:cSld>
     <p:bg>
-      <p:bgPr>
-        <a:solidFill>
-          <a:schemeClr val="bg1">
-            <a:lumMod val="95000"/>
-          </a:schemeClr>
-        </a:solidFill>
-        <a:effectLst/>
-      </p:bgPr>
+      <p:bgRef idx="1001">
+        <a:schemeClr val="bg1"/>
+      </p:bgRef>
     </p:bg>
     <p:spTree>
       <p:nvGrpSpPr>
@@ -2710,68 +5190,89 @@
           <a:chExt cx="0" cy="0"/>
         </a:xfrm>
       </p:grpSpPr>
-      <p:sp>
-        <p:nvSpPr>
-          <p:cNvPr id="2" name="Title Placeholder 1"/>
-          <p:cNvSpPr>
-            <a:spLocks noGrp="1"/>
-          </p:cNvSpPr>
-          <p:nvPr>
-            <p:ph type="title"/>
-          </p:nvPr>
-        </p:nvSpPr>
-        <p:spPr bwMode="black">
-          <a:xfrm>
-            <a:off x="2231136" y="964692"/>
-            <a:ext cx="7729728" cy="1188720"/>
+      <p:pic>
+        <p:nvPicPr>
+          <p:cNvPr id="7" name="Picture 6" descr="C0-HD-TOP.png"/>
+          <p:cNvPicPr>
+            <a:picLocks noChangeAspect="1"/>
+          </p:cNvPicPr>
+          <p:nvPr/>
+        </p:nvPicPr>
+        <p:blipFill>
+          <a:blip r:embed="rId19">
+            <a:extLst>
+              <a:ext uri="{28A0092B-C50C-407E-A947-70E740481C1C}">
+                <a14:useLocalDpi xmlns:a14="http://schemas.microsoft.com/office/drawing/2010/main" val="0"/>
+              </a:ext>
+            </a:extLst>
+          </a:blip>
+          <a:stretch>
+            <a:fillRect/>
+          </a:stretch>
+        </p:blipFill>
+        <p:spPr>
+          <a:xfrm>
+            <a:off x="0" y="0"/>
+            <a:ext cx="12192000" cy="1441450"/>
           </a:xfrm>
           <a:prstGeom prst="rect">
             <a:avLst/>
           </a:prstGeom>
-          <a:solidFill>
-            <a:srgbClr val="FFFFFF"/>
-          </a:solidFill>
-          <a:ln w="31750" cap="sq">
-            <a:solidFill>
-              <a:srgbClr val="404040"/>
-            </a:solidFill>
-            <a:miter lim="800000"/>
-          </a:ln>
-        </p:spPr>
-        <p:txBody>
-          <a:bodyPr vert="horz" lIns="182880" tIns="182880" rIns="182880" bIns="182880" rtlCol="0" anchor="ctr">
-            <a:normAutofit/>
-          </a:bodyPr>
-          <a:lstStyle/>
-          <a:p>
-            <a:r>
-              <a:rPr lang="en-US"/>
-              <a:t>Click to edit Master title style</a:t>
-            </a:r>
-            <a:endParaRPr lang="en-US" dirty="0"/>
-          </a:p>
-        </p:txBody>
-      </p:sp>
-      <p:sp>
-        <p:nvSpPr>
-          <p:cNvPr id="3" name="Text Placeholder 2"/>
-          <p:cNvSpPr>
-            <a:spLocks noGrp="1"/>
-          </p:cNvSpPr>
-          <p:nvPr>
-            <p:ph type="body" idx="1"/>
-          </p:nvPr>
-        </p:nvSpPr>
-        <p:spPr>
-          <a:xfrm>
-            <a:off x="2231136" y="2638044"/>
-            <a:ext cx="7729728" cy="3101983"/>
+        </p:spPr>
+      </p:pic>
+      <p:sp>
+        <p:nvSpPr>
+          <p:cNvPr id="2" name="Title Placeholder 1"/>
+          <p:cNvSpPr>
+            <a:spLocks noGrp="1"/>
+          </p:cNvSpPr>
+          <p:nvPr>
+            <p:ph type="title"/>
+          </p:nvPr>
+        </p:nvSpPr>
+        <p:spPr>
+          <a:xfrm>
+            <a:off x="2895600" y="764373"/>
+            <a:ext cx="8610600" cy="1293028"/>
           </a:xfrm>
           <a:prstGeom prst="rect">
             <a:avLst/>
           </a:prstGeom>
         </p:spPr>
         <p:txBody>
+          <a:bodyPr vert="horz" lIns="91440" tIns="45720" rIns="91440" bIns="45720" rtlCol="0" anchor="ctr">
+            <a:normAutofit/>
+          </a:bodyPr>
+          <a:lstStyle/>
+          <a:p>
+            <a:r>
+              <a:rPr lang="en-US"/>
+              <a:t>Click to edit Master title style</a:t>
+            </a:r>
+            <a:endParaRPr lang="en-US" dirty="0"/>
+          </a:p>
+        </p:txBody>
+      </p:sp>
+      <p:sp>
+        <p:nvSpPr>
+          <p:cNvPr id="3" name="Text Placeholder 2"/>
+          <p:cNvSpPr>
+            <a:spLocks noGrp="1"/>
+          </p:cNvSpPr>
+          <p:nvPr>
+            <p:ph type="body" idx="1"/>
+          </p:nvPr>
+        </p:nvSpPr>
+        <p:spPr>
+          <a:xfrm>
+            <a:off x="685800" y="2194560"/>
+            <a:ext cx="10820400" cy="4024125"/>
+          </a:xfrm>
+          <a:prstGeom prst="rect">
+            <a:avLst/>
+          </a:prstGeom>
+        </p:spPr>
+        <p:txBody>
           <a:bodyPr vert="horz" lIns="91440" tIns="45720" rIns="91440" bIns="45720" rtlCol="0">
             <a:normAutofit/>
           </a:bodyPr>
@@ -2826,8 +5327,8 @@
         </p:nvSpPr>
         <p:spPr>
           <a:xfrm>
-            <a:off x="7821429" y="6238816"/>
-            <a:ext cx="2753746" cy="323968"/>
+            <a:off x="8595360" y="6356350"/>
+            <a:ext cx="2910840" cy="365125"/>
           </a:xfrm>
           <a:prstGeom prst="rect">
             <a:avLst/>
@@ -2840,14 +5341,14 @@
               <a:defRPr sz="1050">
                 <a:solidFill>
                   <a:schemeClr val="tx1">
-                    <a:alpha val="70000"/>
+                    <a:tint val="75000"/>
                   </a:schemeClr>
                 </a:solidFill>
               </a:defRPr>
             </a:lvl1pPr>
           </a:lstStyle>
           <a:p>
-            <a:fld id="{03D47D63-9155-7F43-AE56-3E58423064CB}" type="datetimeFigureOut">
+            <a:fld id="{7FB56609-CE72-8142-81BC-C32929048CAB}" type="datetimeFigureOut">
               <a:rPr lang="en-AM" smtClean="0"/>
               <a:t>19.03.24</a:t>
             </a:fld>
@@ -2867,8 +5368,8 @@
         </p:nvSpPr>
         <p:spPr>
           <a:xfrm>
-            <a:off x="1600200" y="6236208"/>
-            <a:ext cx="5901189" cy="320040"/>
+            <a:off x="685800" y="6355845"/>
+            <a:ext cx="7772400" cy="365125"/>
           </a:xfrm>
           <a:prstGeom prst="rect">
             <a:avLst/>
@@ -2881,7 +5382,7 @@
               <a:defRPr sz="1050">
                 <a:solidFill>
                   <a:schemeClr val="tx1">
-                    <a:alpha val="70000"/>
+                    <a:tint val="75000"/>
                   </a:schemeClr>
                 </a:solidFill>
               </a:defRPr>
@@ -2904,33 +5405,28 @@
         </p:nvSpPr>
         <p:spPr>
           <a:xfrm>
-            <a:off x="10758922" y="6217920"/>
-            <a:ext cx="365760" cy="365760"/>
-          </a:xfrm>
-          <a:prstGeom prst="ellipse">
+            <a:off x="8763000" y="381000"/>
+            <a:ext cx="2743200" cy="365125"/>
+          </a:xfrm>
+          <a:prstGeom prst="rect">
             <a:avLst/>
           </a:prstGeom>
-          <a:solidFill>
-            <a:srgbClr val="1D1D1D">
-              <a:alpha val="70000"/>
-            </a:srgbClr>
-          </a:solidFill>
-        </p:spPr>
-        <p:txBody>
-          <a:bodyPr vert="horz" lIns="18288" tIns="45720" rIns="18288" bIns="45720" rtlCol="0" anchor="ctr">
-            <a:noAutofit/>
-          </a:bodyPr>
+        </p:spPr>
+        <p:txBody>
+          <a:bodyPr vert="horz" lIns="91440" tIns="45720" rIns="91440" bIns="45720" rtlCol="0" anchor="ctr"/>
           <a:lstStyle>
-            <a:lvl1pPr algn="ctr">
-              <a:defRPr sz="1100" spc="0" baseline="0">
+            <a:lvl1pPr algn="r">
+              <a:defRPr sz="1050">
                 <a:solidFill>
-                  <a:srgbClr val="FFFFFF"/>
+                  <a:schemeClr val="tx1">
+                    <a:tint val="75000"/>
+                  </a:schemeClr>
                 </a:solidFill>
               </a:defRPr>
             </a:lvl1pPr>
           </a:lstStyle>
           <a:p>
-            <a:fld id="{2F062A5C-2D98-054F-A583-25405835DB28}" type="slidenum">
+            <a:fld id="{3C84C624-DF5C-6F40-A7ED-3643018B58CE}" type="slidenum">
               <a:rPr lang="en-AM" smtClean="0"/>
               <a:t>‹#›</a:t>
             </a:fld>
@@ -2941,27 +5437,33 @@
     </p:spTree>
     <p:extLst>
       <p:ext uri="{BB962C8B-B14F-4D97-AF65-F5344CB8AC3E}">
-        <p14:creationId xmlns:p14="http://schemas.microsoft.com/office/powerpoint/2010/main" val="2051696260"/>
+        <p14:creationId xmlns:p14="http://schemas.microsoft.com/office/powerpoint/2010/main" val="4251085550"/>
       </p:ext>
     </p:extLst>
   </p:cSld>
-  <p:clrMap bg1="lt1" tx1="dk1" bg2="lt2" tx2="dk2" accent1="accent1" accent2="accent2" accent3="accent3" accent4="accent4" accent5="accent5" accent6="accent6" hlink="hlink" folHlink="folHlink"/>
+  <p:clrMap bg1="dk1" tx1="lt1" bg2="dk2" tx2="lt2" accent1="accent1" accent2="accent2" accent3="accent3" accent4="accent4" accent5="accent5" accent6="accent6" hlink="hlink" folHlink="folHlink"/>
   <p:sldLayoutIdLst>
-    <p:sldLayoutId id="2147483661" r:id="rId1"/>
-    <p:sldLayoutId id="2147483662" r:id="rId2"/>
-    <p:sldLayoutId id="2147483663" r:id="rId3"/>
-    <p:sldLayoutId id="2147483664" r:id="rId4"/>
-    <p:sldLayoutId id="2147483665" r:id="rId5"/>
-    <p:sldLayoutId id="2147483666" r:id="rId6"/>
-    <p:sldLayoutId id="2147483667" r:id="rId7"/>
-    <p:sldLayoutId id="2147483668" r:id="rId8"/>
-    <p:sldLayoutId id="2147483669" r:id="rId9"/>
-    <p:sldLayoutId id="2147483670" r:id="rId10"/>
-    <p:sldLayoutId id="2147483671" r:id="rId11"/>
+    <p:sldLayoutId id="2147483946" r:id="rId1"/>
+    <p:sldLayoutId id="2147483947" r:id="rId2"/>
+    <p:sldLayoutId id="2147483948" r:id="rId3"/>
+    <p:sldLayoutId id="2147483949" r:id="rId4"/>
+    <p:sldLayoutId id="2147483950" r:id="rId5"/>
+    <p:sldLayoutId id="2147483951" r:id="rId6"/>
+    <p:sldLayoutId id="2147483952" r:id="rId7"/>
+    <p:sldLayoutId id="2147483953" r:id="rId8"/>
+    <p:sldLayoutId id="2147483954" r:id="rId9"/>
+    <p:sldLayoutId id="2147483955" r:id="rId10"/>
+    <p:sldLayoutId id="2147483956" r:id="rId11"/>
+    <p:sldLayoutId id="2147483957" r:id="rId12"/>
+    <p:sldLayoutId id="2147483958" r:id="rId13"/>
+    <p:sldLayoutId id="2147483959" r:id="rId14"/>
+    <p:sldLayoutId id="2147483960" r:id="rId15"/>
+    <p:sldLayoutId id="2147483961" r:id="rId16"/>
+    <p:sldLayoutId id="2147483962" r:id="rId17"/>
   </p:sldLayoutIdLst>
   <p:txStyles>
     <p:titleStyle>
-      <a:lvl1pPr algn="ctr" defTabSz="914400" rtl="0" eaLnBrk="1" latinLnBrk="0" hangingPunct="1">
+      <a:lvl1pPr algn="r" defTabSz="914400" rtl="0" eaLnBrk="1" latinLnBrk="0" hangingPunct="1">
         <a:lnSpc>
           <a:spcPct val="90000"/>
         </a:lnSpc>
@@ -2969,9 +5471,9 @@
           <a:spcPct val="0"/>
         </a:spcBef>
         <a:buNone/>
-        <a:defRPr sz="2800" kern="1200" cap="all" spc="200" baseline="0">
+        <a:defRPr sz="4000" kern="1200" cap="all" baseline="0">
           <a:solidFill>
-            <a:srgbClr val="262626"/>
+            <a:schemeClr val="tx1"/>
           </a:solidFill>
           <a:latin typeface="+mj-lt"/>
           <a:ea typeface="+mj-ea"/>
@@ -2982,134 +5484,101 @@
     <p:bodyStyle>
       <a:lvl1pPr marL="228600" indent="-228600" algn="l" defTabSz="914400" rtl="0" eaLnBrk="1" latinLnBrk="0" hangingPunct="1">
         <a:lnSpc>
-          <a:spcPct val="100000"/>
+          <a:spcPct val="90000"/>
         </a:lnSpc>
         <a:spcBef>
           <a:spcPts val="1000"/>
         </a:spcBef>
-        <a:buClr>
-          <a:schemeClr val="accent2"/>
-        </a:buClr>
         <a:buFont typeface="Arial" panose="020B0604020202020204" pitchFamily="34" charset="0"/>
         <a:buChar char="•"/>
-        <a:defRPr sz="1800" kern="1200">
+        <a:defRPr sz="2200" kern="1200">
           <a:solidFill>
-            <a:schemeClr val="tx1">
-              <a:lumMod val="85000"/>
-              <a:lumOff val="15000"/>
-            </a:schemeClr>
+            <a:schemeClr val="tx1"/>
           </a:solidFill>
           <a:latin typeface="+mn-lt"/>
           <a:ea typeface="+mn-ea"/>
           <a:cs typeface="+mn-cs"/>
         </a:defRPr>
       </a:lvl1pPr>
-      <a:lvl2pPr marL="457200" indent="-228600" algn="l" defTabSz="914400" rtl="0" eaLnBrk="1" latinLnBrk="0" hangingPunct="1">
+      <a:lvl2pPr marL="685800" indent="-228600" algn="l" defTabSz="914400" rtl="0" eaLnBrk="1" latinLnBrk="0" hangingPunct="1">
         <a:lnSpc>
-          <a:spcPct val="100000"/>
+          <a:spcPct val="90000"/>
         </a:lnSpc>
         <a:spcBef>
-          <a:spcPts val="1000"/>
+          <a:spcPts val="500"/>
         </a:spcBef>
-        <a:buClr>
-          <a:schemeClr val="accent2"/>
-        </a:buClr>
         <a:buFont typeface="Arial" panose="020B0604020202020204" pitchFamily="34" charset="0"/>
         <a:buChar char="•"/>
-        <a:defRPr sz="1600" kern="1200">
+        <a:defRPr sz="2000" kern="1200">
           <a:solidFill>
-            <a:schemeClr val="tx1">
-              <a:lumMod val="85000"/>
-              <a:lumOff val="15000"/>
-            </a:schemeClr>
+            <a:schemeClr val="tx1"/>
           </a:solidFill>
           <a:latin typeface="+mn-lt"/>
           <a:ea typeface="+mn-ea"/>
           <a:cs typeface="+mn-cs"/>
         </a:defRPr>
       </a:lvl2pPr>
-      <a:lvl3pPr marL="685800" indent="-228600" algn="l" defTabSz="914400" rtl="0" eaLnBrk="1" latinLnBrk="0" hangingPunct="1">
+      <a:lvl3pPr marL="1143000" indent="-228600" algn="l" defTabSz="914400" rtl="0" eaLnBrk="1" latinLnBrk="0" hangingPunct="1">
         <a:lnSpc>
-          <a:spcPct val="100000"/>
+          <a:spcPct val="90000"/>
         </a:lnSpc>
         <a:spcBef>
-          <a:spcPts val="1000"/>
+          <a:spcPts val="500"/>
         </a:spcBef>
-        <a:buClr>
-          <a:schemeClr val="accent2"/>
-        </a:buClr>
         <a:buFont typeface="Arial" panose="020B0604020202020204" pitchFamily="34" charset="0"/>
         <a:buChar char="•"/>
-        <a:defRPr sz="1600" kern="1200">
+        <a:defRPr sz="1800" kern="1200">
           <a:solidFill>
-            <a:schemeClr val="tx1">
-              <a:lumMod val="85000"/>
-              <a:lumOff val="15000"/>
-            </a:schemeClr>
+            <a:schemeClr val="tx1"/>
           </a:solidFill>
           <a:latin typeface="+mn-lt"/>
           <a:ea typeface="+mn-ea"/>
           <a:cs typeface="+mn-cs"/>
         </a:defRPr>
       </a:lvl3pPr>
-      <a:lvl4pPr marL="914400" indent="-228600" algn="l" defTabSz="914400" rtl="0" eaLnBrk="1" latinLnBrk="0" hangingPunct="1">
+      <a:lvl4pPr marL="1600200" indent="-228600" algn="l" defTabSz="914400" rtl="0" eaLnBrk="1" latinLnBrk="0" hangingPunct="1">
         <a:lnSpc>
-          <a:spcPct val="100000"/>
+          <a:spcPct val="90000"/>
         </a:lnSpc>
         <a:spcBef>
-          <a:spcPts val="1000"/>
+          <a:spcPts val="500"/>
         </a:spcBef>
-        <a:buClr>
-          <a:schemeClr val="accent2"/>
-        </a:buClr>
         <a:buFont typeface="Arial" panose="020B0604020202020204" pitchFamily="34" charset="0"/>
         <a:buChar char="•"/>
         <a:defRPr sz="1600" kern="1200">
           <a:solidFill>
-            <a:schemeClr val="tx1">
-              <a:lumMod val="85000"/>
-              <a:lumOff val="15000"/>
-            </a:schemeClr>
+            <a:schemeClr val="tx1"/>
           </a:solidFill>
           <a:latin typeface="+mn-lt"/>
           <a:ea typeface="+mn-ea"/>
           <a:cs typeface="+mn-cs"/>
         </a:defRPr>
       </a:lvl4pPr>
-      <a:lvl5pPr marL="1143000" indent="-228600" algn="l" defTabSz="914400" rtl="0" eaLnBrk="1" latinLnBrk="0" hangingPunct="1">
+      <a:lvl5pPr marL="2057400" indent="-228600" algn="l" defTabSz="914400" rtl="0" eaLnBrk="1" latinLnBrk="0" hangingPunct="1">
         <a:lnSpc>
-          <a:spcPct val="100000"/>
+          <a:spcPct val="90000"/>
         </a:lnSpc>
         <a:spcBef>
-          <a:spcPts val="1000"/>
+          <a:spcPts val="500"/>
         </a:spcBef>
-        <a:buClr>
-          <a:schemeClr val="accent2"/>
-        </a:buClr>
         <a:buFont typeface="Arial" panose="020B0604020202020204" pitchFamily="34" charset="0"/>
         <a:buChar char="•"/>
         <a:defRPr sz="1600" kern="1200">
           <a:solidFill>
-            <a:schemeClr val="tx1">
-              <a:lumMod val="85000"/>
-              <a:lumOff val="15000"/>
-            </a:schemeClr>
+            <a:schemeClr val="tx1"/>
           </a:solidFill>
           <a:latin typeface="+mn-lt"/>
           <a:ea typeface="+mn-ea"/>
           <a:cs typeface="+mn-cs"/>
         </a:defRPr>
       </a:lvl5pPr>
-      <a:lvl6pPr marL="1312863" indent="-228600" algn="l" defTabSz="914400" rtl="0" eaLnBrk="1" latinLnBrk="0" hangingPunct="1">
+      <a:lvl6pPr marL="2514600" indent="-228600" algn="l" defTabSz="914400" rtl="0" eaLnBrk="1" latinLnBrk="0" hangingPunct="1">
         <a:lnSpc>
-          <a:spcPct val="100000"/>
+          <a:spcPct val="90000"/>
         </a:lnSpc>
         <a:spcBef>
-          <a:spcPts val="1000"/>
+          <a:spcPts val="500"/>
         </a:spcBef>
-        <a:buClr>
-          <a:schemeClr val="accent2"/>
-        </a:buClr>
         <a:buFont typeface="Arial" panose="020B0604020202020204" pitchFamily="34" charset="0"/>
         <a:buChar char="•"/>
         <a:defRPr sz="1600" kern="1200">
@@ -3121,16 +5590,13 @@
           <a:cs typeface="+mn-cs"/>
         </a:defRPr>
       </a:lvl6pPr>
-      <a:lvl7pPr marL="1484313" indent="-228600" algn="l" defTabSz="914400" rtl="0" eaLnBrk="1" latinLnBrk="0" hangingPunct="1">
+      <a:lvl7pPr marL="2971800" indent="-228600" algn="l" defTabSz="914400" rtl="0" eaLnBrk="1" latinLnBrk="0" hangingPunct="1">
         <a:lnSpc>
-          <a:spcPct val="100000"/>
+          <a:spcPct val="90000"/>
         </a:lnSpc>
         <a:spcBef>
-          <a:spcPts val="1000"/>
+          <a:spcPts val="500"/>
         </a:spcBef>
-        <a:buClr>
-          <a:schemeClr val="accent2"/>
-        </a:buClr>
         <a:buFont typeface="Arial" panose="020B0604020202020204" pitchFamily="34" charset="0"/>
         <a:buChar char="•"/>
         <a:defRPr sz="1600" kern="1200">
@@ -3142,19 +5608,16 @@
           <a:cs typeface="+mn-cs"/>
         </a:defRPr>
       </a:lvl7pPr>
-      <a:lvl8pPr marL="1657350" indent="-228600" algn="l" defTabSz="914400" rtl="0" eaLnBrk="1" latinLnBrk="0" hangingPunct="1">
+      <a:lvl8pPr marL="3429000" indent="-228600" algn="l" defTabSz="914400" rtl="0" eaLnBrk="1" latinLnBrk="0" hangingPunct="1">
         <a:lnSpc>
-          <a:spcPct val="100000"/>
+          <a:spcPct val="90000"/>
         </a:lnSpc>
         <a:spcBef>
-          <a:spcPts val="1000"/>
+          <a:spcPts val="500"/>
         </a:spcBef>
-        <a:buClr>
-          <a:schemeClr val="accent2"/>
-        </a:buClr>
         <a:buFont typeface="Arial" panose="020B0604020202020204" pitchFamily="34" charset="0"/>
         <a:buChar char="•"/>
-        <a:defRPr sz="1600" kern="1200" baseline="0">
+        <a:defRPr sz="1600" kern="1200">
           <a:solidFill>
             <a:schemeClr val="tx1"/>
           </a:solidFill>
@@ -3163,19 +5626,16 @@
           <a:cs typeface="+mn-cs"/>
         </a:defRPr>
       </a:lvl8pPr>
-      <a:lvl9pPr marL="1882775" indent="-228600" algn="l" defTabSz="914400" rtl="0" eaLnBrk="1" latinLnBrk="0" hangingPunct="1">
+      <a:lvl9pPr marL="3886200" indent="-228600" algn="l" defTabSz="914400" rtl="0" eaLnBrk="1" latinLnBrk="0" hangingPunct="1">
         <a:lnSpc>
-          <a:spcPct val="100000"/>
+          <a:spcPct val="90000"/>
         </a:lnSpc>
         <a:spcBef>
-          <a:spcPts val="1000"/>
+          <a:spcPts val="500"/>
         </a:spcBef>
-        <a:buClr>
-          <a:schemeClr val="accent2"/>
-        </a:buClr>
         <a:buFont typeface="Arial" panose="020B0604020202020204" pitchFamily="34" charset="0"/>
         <a:buChar char="•"/>
-        <a:defRPr sz="1600" kern="1200" baseline="0">
+        <a:defRPr sz="1600" kern="1200">
           <a:solidFill>
             <a:schemeClr val="tx1"/>
           </a:solidFill>
@@ -3281,6 +5741,11 @@
       </a:lvl9pPr>
     </p:otherStyle>
   </p:txStyles>
+  <p:extLst>
+    <p:ext uri="{27BBF7A9-308A-43DC-89C8-2F10F3537804}">
+      <p15:sldGuideLst xmlns:p15="http://schemas.microsoft.com/office/powerpoint/2012/main"/>
+    </p:ext>
+  </p:extLst>
 </p:sldMaster>
 </file>
 
@@ -3301,7 +5766,7 @@
             <a:spLocks noGrp="1"/>
           </p:cNvSpPr>
           <p:nvPr>
-            <p:ph type="title"/>
+            <p:ph type="ctrTitle"/>
           </p:nvPr>
         </p:nvSpPr>
         <p:spPr/>
@@ -3310,57 +5775,28 @@
           <a:lstStyle/>
           <a:p>
             <a:r>
-              <a:t>Cows: Significance and Impact</a:t>
-            </a:r>
-          </a:p>
-        </p:txBody>
-      </p:sp>
-      <p:sp>
-        <p:nvSpPr>
-          <p:cNvPr id="3" name="Content Placeholder 2"/>
-          <p:cNvSpPr>
-            <a:spLocks noGrp="1"/>
-          </p:cNvSpPr>
-          <p:nvPr>
-            <p:ph idx="1"/>
+              <a:t>Cows: An Introduction</a:t>
+            </a:r>
+          </a:p>
+        </p:txBody>
+      </p:sp>
+      <p:sp>
+        <p:nvSpPr>
+          <p:cNvPr id="3" name="Subtitle 2"/>
+          <p:cNvSpPr>
+            <a:spLocks noGrp="1"/>
+          </p:cNvSpPr>
+          <p:nvPr>
+            <p:ph type="subTitle" idx="1"/>
           </p:nvPr>
         </p:nvSpPr>
         <p:spPr/>
         <p:txBody>
           <a:bodyPr/>
           <a:lstStyle/>
-          <a:p/>
-          <a:p>
-            <a:pPr>
-              <a:spcAft>
-                <a:spcPts val="720"/>
-              </a:spcAft>
-            </a:pPr>
-            <a:r>
-              <a:rPr sz="1800"/>
-              <a:t>Cows play a crucial role in agricultural economies around the world, providing milk, meat, leather, and even fuel in the form of biogas from manure</a:t>
-            </a:r>
-          </a:p>
-          <a:p>
-            <a:pPr>
-              <a:spcAft>
-                <a:spcPts val="720"/>
-              </a:spcAft>
-            </a:pPr>
-            <a:r>
-              <a:rPr sz="1800"/>
-              <a:t>They are also integral to the dairy industry, with their milk being a key ingredient in products such as butter, cheese, and yogurt</a:t>
-            </a:r>
-          </a:p>
-          <a:p>
-            <a:pPr>
-              <a:spcAft>
-                <a:spcPts val="720"/>
-              </a:spcAft>
-            </a:pPr>
-            <a:r>
-              <a:rPr sz="1800"/>
-              <a:t>Beyond their economic value, cows have cultural significance in many societies and are associated with various religious and social practices</a:t>
+          <a:p>
+            <a:r>
+              <a:t>Understanding These Gentle Giants</a:t>
             </a:r>
           </a:p>
         </p:txBody>
@@ -3399,7 +5835,7 @@
           <a:lstStyle/>
           <a:p>
             <a:r>
-              <a:t>Environmental Impact of Cows</a:t>
+              <a:t>The Significance of Cows</a:t>
             </a:r>
           </a:p>
         </p:txBody>
@@ -3427,7 +5863,7 @@
             </a:pPr>
             <a:r>
               <a:rPr sz="1800"/>
-              <a:t>Cows significantly contribute to methane production, a potent greenhouse gas, through their digestive process known as enteric fermentation</a:t>
+              <a:t>Cows play a significant role in agriculture and economies around the world. They provide essential products including milk, cheese, butter, and beef which are staples in many diets</a:t>
             </a:r>
           </a:p>
           <a:p>
@@ -3438,7 +5874,7 @@
             </a:pPr>
             <a:r>
               <a:rPr sz="1800"/>
-              <a:t>Their manure also releases methane and nitrous oxide, another greenhouse gas, into the atmosphere, impacting global warming</a:t>
+              <a:t>Beyond their agricultural value, cows hold cultural significance in various societies. In some cultures, they are revered as sacred animals and are integral to rituals and traditions</a:t>
             </a:r>
           </a:p>
           <a:p>
@@ -3449,185 +5885,7 @@
             </a:pPr>
             <a:r>
               <a:rPr sz="1800"/>
-              <a:t>However, sustainable farming practices and technological advancements are being developed to mitigate these environmental impacts</a:t>
-            </a:r>
-          </a:p>
-        </p:txBody>
-      </p:sp>
-    </p:spTree>
-  </p:cSld>
-  <p:clrMapOvr>
-    <a:masterClrMapping/>
-  </p:clrMapOvr>
-</p:sld>
-</file>
-
-<file path=ppt/slides/slide3.xml><?xml version="1.0" encoding="utf-8"?>
-<p:sld xmlns:a="http://schemas.openxmlformats.org/drawingml/2006/main" xmlns:p="http://schemas.openxmlformats.org/presentationml/2006/main" xmlns:r="http://schemas.openxmlformats.org/officeDocument/2006/relationships">
-  <p:cSld>
-    <p:spTree>
-      <p:nvGrpSpPr>
-        <p:cNvPr id="1" name=""/>
-        <p:cNvGrpSpPr/>
-        <p:nvPr/>
-      </p:nvGrpSpPr>
-      <p:grpSpPr/>
-      <p:sp>
-        <p:nvSpPr>
-          <p:cNvPr id="2" name="Title 1"/>
-          <p:cNvSpPr>
-            <a:spLocks noGrp="1"/>
-          </p:cNvSpPr>
-          <p:nvPr>
-            <p:ph type="title"/>
-          </p:nvPr>
-        </p:nvSpPr>
-        <p:spPr/>
-        <p:txBody>
-          <a:bodyPr/>
-          <a:lstStyle/>
-          <a:p>
-            <a:r>
-              <a:t>Sustainable Practices in Cattle Farming</a:t>
-            </a:r>
-          </a:p>
-        </p:txBody>
-      </p:sp>
-      <p:sp>
-        <p:nvSpPr>
-          <p:cNvPr id="3" name="Content Placeholder 2"/>
-          <p:cNvSpPr>
-            <a:spLocks noGrp="1"/>
-          </p:cNvSpPr>
-          <p:nvPr>
-            <p:ph idx="1"/>
-          </p:nvPr>
-        </p:nvSpPr>
-        <p:spPr/>
-        <p:txBody>
-          <a:bodyPr/>
-          <a:lstStyle/>
-          <a:p/>
-          <a:p>
-            <a:pPr>
-              <a:spcAft>
-                <a:spcPts val="720"/>
-              </a:spcAft>
-            </a:pPr>
-            <a:r>
-              <a:rPr sz="1800"/>
-              <a:t>Innovative strategies such as precision farming, enhanced feed formulation, and waste management systems are being employed to reduce the environmental footprint of cattle farming</a:t>
-            </a:r>
-          </a:p>
-          <a:p>
-            <a:pPr>
-              <a:spcAft>
-                <a:spcPts val="720"/>
-              </a:spcAft>
-            </a:pPr>
-            <a:r>
-              <a:rPr sz="1800"/>
-              <a:t>Improved breeding techniques and genetic selection can lead to cows that produce less methane during digestion</a:t>
-            </a:r>
-          </a:p>
-          <a:p>
-            <a:pPr>
-              <a:spcAft>
-                <a:spcPts val="720"/>
-              </a:spcAft>
-            </a:pPr>
-            <a:r>
-              <a:rPr sz="1800"/>
-              <a:t>Efforts in reforestation and creating bioenergy from cow manure also present shifts towards a more sustainable interaction with cattle</a:t>
-            </a:r>
-          </a:p>
-        </p:txBody>
-      </p:sp>
-    </p:spTree>
-  </p:cSld>
-  <p:clrMapOvr>
-    <a:masterClrMapping/>
-  </p:clrMapOvr>
-</p:sld>
-</file>
-
-<file path=ppt/slides/slide4.xml><?xml version="1.0" encoding="utf-8"?>
-<p:sld xmlns:a="http://schemas.openxmlformats.org/drawingml/2006/main" xmlns:p="http://schemas.openxmlformats.org/presentationml/2006/main" xmlns:r="http://schemas.openxmlformats.org/officeDocument/2006/relationships">
-  <p:cSld>
-    <p:spTree>
-      <p:nvGrpSpPr>
-        <p:cNvPr id="1" name=""/>
-        <p:cNvGrpSpPr/>
-        <p:nvPr/>
-      </p:nvGrpSpPr>
-      <p:grpSpPr/>
-      <p:sp>
-        <p:nvSpPr>
-          <p:cNvPr id="2" name="Title 1"/>
-          <p:cNvSpPr>
-            <a:spLocks noGrp="1"/>
-          </p:cNvSpPr>
-          <p:nvPr>
-            <p:ph type="title"/>
-          </p:nvPr>
-        </p:nvSpPr>
-        <p:spPr/>
-        <p:txBody>
-          <a:bodyPr/>
-          <a:lstStyle/>
-          <a:p>
-            <a:r>
-              <a:t>The Role of Cows in Biogas Production</a:t>
-            </a:r>
-          </a:p>
-        </p:txBody>
-      </p:sp>
-      <p:sp>
-        <p:nvSpPr>
-          <p:cNvPr id="3" name="Content Placeholder 2"/>
-          <p:cNvSpPr>
-            <a:spLocks noGrp="1"/>
-          </p:cNvSpPr>
-          <p:nvPr>
-            <p:ph idx="1"/>
-          </p:nvPr>
-        </p:nvSpPr>
-        <p:spPr/>
-        <p:txBody>
-          <a:bodyPr/>
-          <a:lstStyle/>
-          <a:p/>
-          <a:p>
-            <a:pPr>
-              <a:spcAft>
-                <a:spcPts val="720"/>
-              </a:spcAft>
-            </a:pPr>
-            <a:r>
-              <a:rPr sz="1800"/>
-              <a:t>Cows' manure is not just waste; it's a valuable resource for producing biogas, a clean and renewable energy source</a:t>
-            </a:r>
-          </a:p>
-          <a:p>
-            <a:pPr>
-              <a:spcAft>
-                <a:spcPts val="720"/>
-              </a:spcAft>
-            </a:pPr>
-            <a:r>
-              <a:rPr sz="1800"/>
-              <a:t>Biogas facilities process manure in anaerobic digesters, where microorganisms break down organic matter to produce methane-rich biogas</a:t>
-            </a:r>
-          </a:p>
-          <a:p>
-            <a:pPr>
-              <a:spcAft>
-                <a:spcPts val="720"/>
-              </a:spcAft>
-            </a:pPr>
-            <a:r>
-              <a:rPr sz="1800"/>
-              <a:t>This not only reduces greenhouse gas emissions but also provides farmers with an alternative income stream and energy source</a:t>
+              <a:t>Cows also contribute to the livelihoods of millions of farmers globally. Small-scale dairy farming can be a pathway out of poverty for many families, making cow welfare and productivity key concerns</a:t>
             </a:r>
           </a:p>
         </p:txBody>
@@ -3641,58 +5899,91 @@
 </file>
 
 <file path=ppt/theme/theme1.xml><?xml version="1.0" encoding="utf-8"?>
-<a:theme xmlns:a="http://schemas.openxmlformats.org/drawingml/2006/main" name="Parcel">
+<a:theme xmlns:a="http://schemas.openxmlformats.org/drawingml/2006/main" name="Vapor Trail">
   <a:themeElements>
-    <a:clrScheme name="Parcel">
+    <a:clrScheme name="Vapor Trail">
       <a:dk1>
-        <a:srgbClr val="000000"/>
+        <a:sysClr val="windowText" lastClr="000000"/>
       </a:dk1>
       <a:lt1>
-        <a:srgbClr val="FFFFFF"/>
+        <a:sysClr val="window" lastClr="FFFFFF"/>
       </a:lt1>
       <a:dk2>
-        <a:srgbClr val="4A5356"/>
+        <a:srgbClr val="454545"/>
       </a:dk2>
       <a:lt2>
-        <a:srgbClr val="E8E3CE"/>
+        <a:srgbClr val="DADADA"/>
       </a:lt2>
       <a:accent1>
-        <a:srgbClr val="F6A21D"/>
+        <a:srgbClr val="DF2E28"/>
       </a:accent1>
       <a:accent2>
-        <a:srgbClr val="9BAFB5"/>
+        <a:srgbClr val="FE801A"/>
       </a:accent2>
       <a:accent3>
-        <a:srgbClr val="C96731"/>
+        <a:srgbClr val="E9BF35"/>
       </a:accent3>
       <a:accent4>
-        <a:srgbClr val="9CA383"/>
+        <a:srgbClr val="81BB42"/>
       </a:accent4>
       <a:accent5>
-        <a:srgbClr val="87795D"/>
+        <a:srgbClr val="32C7A9"/>
       </a:accent5>
       <a:accent6>
-        <a:srgbClr val="A0988C"/>
+        <a:srgbClr val="4A9BDC"/>
       </a:accent6>
       <a:hlink>
-        <a:srgbClr val="00B0F0"/>
+        <a:srgbClr val="F0532B"/>
       </a:hlink>
       <a:folHlink>
-        <a:srgbClr val="738F97"/>
+        <a:srgbClr val="F38B53"/>
       </a:folHlink>
     </a:clrScheme>
-    <a:fontScheme name="Parcel">
+    <a:fontScheme name="Vapor Trail">
       <a:majorFont>
-        <a:latin typeface="Gill Sans MT" panose="020B0502020104020203"/>
+        <a:latin typeface="Century Gothic" panose="020B0502020202020204"/>
         <a:ea typeface=""/>
         <a:cs typeface=""/>
-        <a:font script="Grek" typeface="Corbel"/>
-        <a:font script="Cyrl" typeface="Corbel"/>
-        <a:font script="Jpan" typeface="HGｺﾞｼｯｸE"/>
-        <a:font script="Hang" typeface="휴먼매직체"/>
-        <a:font script="Hans" typeface="华文中宋"/>
-        <a:font script="Hant" typeface="微軟正黑體"/>
-        <a:font script="Arab" typeface="Majalla UI"/>
+        <a:font script="Jpan" typeface="ＭＳ Ｐゴシック"/>
+        <a:font script="Hang" typeface="맑은 고딕"/>
+        <a:font script="Hans" typeface="宋体"/>
+        <a:font script="Hant" typeface="新細明體"/>
+        <a:font script="Arab" typeface="Times New Roman"/>
+        <a:font script="Hebr" typeface="Times New Roman"/>
+        <a:font script="Thai" typeface="Angsana New"/>
+        <a:font script="Ethi" typeface="Nyala"/>
+        <a:font script="Beng" typeface="Vrinda"/>
+        <a:font script="Gujr" typeface="Shruti"/>
+        <a:font script="Khmr" typeface="MoolBoran"/>
+        <a:font script="Knda" typeface="Tunga"/>
+        <a:font script="Guru" typeface="Raavi"/>
+        <a:font script="Cans" typeface="Euphemia"/>
+        <a:font script="Cher" typeface="Plantagenet Cherokee"/>
+        <a:font script="Yiii" typeface="Microsoft Yi Baiti"/>
+        <a:font script="Tibt" typeface="Microsoft Himalaya"/>
+        <a:font script="Thaa" typeface="MV Boli"/>
+        <a:font script="Deva" typeface="Mangal"/>
+        <a:font script="Telu" typeface="Gautami"/>
+        <a:font script="Taml" typeface="Latha"/>
+        <a:font script="Syrc" typeface="Estrangelo Edessa"/>
+        <a:font script="Orya" typeface="Kalinga"/>
+        <a:font script="Mlym" typeface="Kartika"/>
+        <a:font script="Laoo" typeface="DokChampa"/>
+        <a:font script="Sinh" typeface="Iskoola Pota"/>
+        <a:font script="Mong" typeface="Mongolian Baiti"/>
+        <a:font script="Viet" typeface="Times New Roman"/>
+        <a:font script="Uigh" typeface="Microsoft Uighur"/>
+        <a:font script="Geor" typeface="Sylfaen"/>
+      </a:majorFont>
+      <a:minorFont>
+        <a:latin typeface="Century Gothic" panose="020B0502020202020204"/>
+        <a:ea typeface=""/>
+        <a:cs typeface=""/>
+        <a:font script="Jpan" typeface="ＭＳ Ｐゴシック"/>
+        <a:font script="Hang" typeface="맑은 고딕"/>
+        <a:font script="Hans" typeface="宋体"/>
+        <a:font script="Hant" typeface="新細明體"/>
+        <a:font script="Arab" typeface="Arial"/>
         <a:font script="Hebr" typeface="Arial"/>
         <a:font script="Thai" typeface="Cordia New"/>
         <a:font script="Ethi" typeface="Nyala"/>
@@ -3715,49 +6006,12 @@
         <a:font script="Laoo" typeface="DokChampa"/>
         <a:font script="Sinh" typeface="Iskoola Pota"/>
         <a:font script="Mong" typeface="Mongolian Baiti"/>
-        <a:font script="Viet" typeface="Tahoma"/>
-        <a:font script="Uigh" typeface="Microsoft Uighur"/>
-        <a:font script="Geor" typeface="Sylfaen"/>
-      </a:majorFont>
-      <a:minorFont>
-        <a:latin typeface="Gill Sans MT" panose="020B0502020104020203"/>
-        <a:ea typeface=""/>
-        <a:cs typeface=""/>
-        <a:font script="Grek" typeface="Corbel"/>
-        <a:font script="Cyrl" typeface="Corbel"/>
-        <a:font script="Jpan" typeface="HGｺﾞｼｯｸE"/>
-        <a:font script="Hang" typeface="휴먼매직체"/>
-        <a:font script="Hans" typeface="华文中宋"/>
-        <a:font script="Hant" typeface="微軟正黑體"/>
-        <a:font script="Arab" typeface="Majalla UI"/>
-        <a:font script="Hebr" typeface="Arial"/>
-        <a:font script="Thai" typeface="Cordia New"/>
-        <a:font script="Ethi" typeface="Nyala"/>
-        <a:font script="Beng" typeface="Vrinda"/>
-        <a:font script="Gujr" typeface="Shruti"/>
-        <a:font script="Khmr" typeface="DaunPenh"/>
-        <a:font script="Knda" typeface="Tunga"/>
-        <a:font script="Guru" typeface="Raavi"/>
-        <a:font script="Cans" typeface="Euphemia"/>
-        <a:font script="Cher" typeface="Plantagenet Cherokee"/>
-        <a:font script="Yiii" typeface="Microsoft Yi Baiti"/>
-        <a:font script="Tibt" typeface="Microsoft Himalaya"/>
-        <a:font script="Thaa" typeface="MV Boli"/>
-        <a:font script="Deva" typeface="Mangal"/>
-        <a:font script="Telu" typeface="Gautami"/>
-        <a:font script="Taml" typeface="Latha"/>
-        <a:font script="Syrc" typeface="Estrangelo Edessa"/>
-        <a:font script="Orya" typeface="Kalinga"/>
-        <a:font script="Mlym" typeface="Kartika"/>
-        <a:font script="Laoo" typeface="DokChampa"/>
-        <a:font script="Sinh" typeface="Iskoola Pota"/>
-        <a:font script="Mong" typeface="Mongolian Baiti"/>
-        <a:font script="Viet" typeface="Tahoma"/>
+        <a:font script="Viet" typeface="Arial"/>
         <a:font script="Uigh" typeface="Microsoft Uighur"/>
         <a:font script="Geor" typeface="Sylfaen"/>
       </a:minorFont>
     </a:fontScheme>
-    <a:fmtScheme name="Parcel">
+    <a:fmtScheme name="Vapor Trail">
       <a:fillStyleLst>
         <a:solidFill>
           <a:schemeClr val="phClr"/>
@@ -3766,16 +6020,24 @@
           <a:gsLst>
             <a:gs pos="0">
               <a:schemeClr val="phClr">
-                <a:tint val="80000"/>
-                <a:satMod val="107000"/>
-                <a:lumMod val="103000"/>
+                <a:tint val="69000"/>
+                <a:alpha val="100000"/>
+                <a:satMod val="109000"/>
+                <a:lumMod val="110000"/>
+              </a:schemeClr>
+            </a:gs>
+            <a:gs pos="52000">
+              <a:schemeClr val="phClr">
+                <a:tint val="74000"/>
+                <a:satMod val="100000"/>
+                <a:lumMod val="104000"/>
               </a:schemeClr>
             </a:gs>
             <a:gs pos="100000">
               <a:schemeClr val="phClr">
-                <a:tint val="82000"/>
-                <a:satMod val="109000"/>
-                <a:lumMod val="103000"/>
+                <a:tint val="78000"/>
+                <a:satMod val="100000"/>
+                <a:lumMod val="100000"/>
               </a:schemeClr>
             </a:gs>
           </a:gsLst>
@@ -3785,23 +6047,16 @@
           <a:gsLst>
             <a:gs pos="0">
               <a:schemeClr val="phClr">
-                <a:tint val="97000"/>
+                <a:tint val="96000"/>
                 <a:satMod val="100000"/>
-                <a:lumMod val="102000"/>
+                <a:lumMod val="104000"/>
               </a:schemeClr>
             </a:gs>
-            <a:gs pos="50000">
+            <a:gs pos="78000">
               <a:schemeClr val="phClr">
                 <a:shade val="100000"/>
-                <a:satMod val="103000"/>
+                <a:satMod val="110000"/>
                 <a:lumMod val="100000"/>
-              </a:schemeClr>
-            </a:gs>
-            <a:gs pos="100000">
-              <a:schemeClr val="phClr">
-                <a:shade val="93000"/>
-                <a:satMod val="110000"/>
-                <a:lumMod val="99000"/>
               </a:schemeClr>
             </a:gs>
           </a:gsLst>
@@ -3809,7 +6064,7 @@
         </a:gradFill>
       </a:fillStyleLst>
       <a:lnStyleLst>
-        <a:ln w="6350" cap="flat" cmpd="sng" algn="ctr">
+        <a:ln w="9525" cap="flat" cmpd="sng" algn="ctr">
           <a:solidFill>
             <a:schemeClr val="phClr"/>
           </a:solidFill>
@@ -3821,7 +6076,7 @@
           </a:solidFill>
           <a:prstDash val="solid"/>
         </a:ln>
-        <a:ln w="31750" cap="flat" cmpd="sng" algn="ctr">
+        <a:ln w="19050" cap="flat" cmpd="sng" algn="ctr">
           <a:solidFill>
             <a:schemeClr val="phClr"/>
           </a:solidFill>
@@ -3834,12 +6089,21 @@
         </a:effectStyle>
         <a:effectStyle>
           <a:effectLst/>
+          <a:scene3d>
+            <a:camera prst="orthographicFront">
+              <a:rot lat="0" lon="0" rev="0"/>
+            </a:camera>
+            <a:lightRig rig="threePt" dir="t"/>
+          </a:scene3d>
+          <a:sp3d>
+            <a:bevelT w="25400" h="12700"/>
+          </a:sp3d>
         </a:effectStyle>
         <a:effectStyle>
           <a:effectLst>
-            <a:outerShdw blurRad="55880" dist="15240" dir="5400000" algn="ctr" rotWithShape="0">
+            <a:outerShdw blurRad="57150" dist="19050" dir="5400000" algn="ctr" rotWithShape="0">
               <a:srgbClr val="000000">
-                <a:alpha val="45000"/>
+                <a:alpha val="48000"/>
               </a:srgbClr>
             </a:outerShdw>
           </a:effectLst>
@@ -3847,10 +6111,10 @@
             <a:camera prst="orthographicFront">
               <a:rot lat="0" lon="0" rev="0"/>
             </a:camera>
-            <a:lightRig rig="brightRoom" dir="tl"/>
+            <a:lightRig rig="threePt" dir="t"/>
           </a:scene3d>
-          <a:sp3d prstMaterial="dkEdge">
-            <a:bevelT w="0" h="0"/>
+          <a:sp3d>
+            <a:bevelT w="50800" h="25400"/>
           </a:sp3d>
         </a:effectStyle>
       </a:effectStyleLst>
@@ -3868,24 +6132,28 @@
           <a:gsLst>
             <a:gs pos="0">
               <a:schemeClr val="phClr">
-                <a:tint val="97000"/>
-                <a:shade val="100000"/>
-                <a:satMod val="185000"/>
-                <a:lumMod val="120000"/>
+                <a:tint val="93000"/>
+                <a:shade val="98000"/>
+                <a:satMod val="150000"/>
+                <a:lumMod val="102000"/>
+              </a:schemeClr>
+            </a:gs>
+            <a:gs pos="50000">
+              <a:schemeClr val="phClr">
+                <a:tint val="98000"/>
+                <a:shade val="90000"/>
+                <a:satMod val="130000"/>
+                <a:lumMod val="103000"/>
               </a:schemeClr>
             </a:gs>
             <a:gs pos="100000">
               <a:schemeClr val="phClr">
-                <a:tint val="96000"/>
-                <a:shade val="95000"/>
-                <a:satMod val="215000"/>
-                <a:lumMod val="80000"/>
+                <a:shade val="63000"/>
+                <a:satMod val="120000"/>
               </a:schemeClr>
             </a:gs>
           </a:gsLst>
-          <a:path path="circle">
-            <a:fillToRect l="50000" t="55000" r="125000" b="100000"/>
-          </a:path>
+          <a:lin ang="5400000" scaled="0"/>
         </a:gradFill>
       </a:bgFillStyleLst>
     </a:fmtScheme>
@@ -3894,7 +6162,7 @@
   <a:extraClrSchemeLst/>
   <a:extLst>
     <a:ext uri="{05A4C25C-085E-4340-85A3-A5531E510DB2}">
-      <thm15:themeFamily xmlns:thm15="http://schemas.microsoft.com/office/thememl/2012/main" name="Parcel" id="{8BEC4385-4EB9-4D53-BFB5-0EA123736B6D}" vid="{4DB32801-28C0-48B0-8C1D-A9A58613615A}"/>
+      <thm15:themeFamily xmlns:thm15="http://schemas.microsoft.com/office/thememl/2012/main" name="Vapor Trail" id="{4FDF2955-7D9C-493C-B9F9-C205151B46CD}" vid="{8F31A783-2159-4870-BC29-2BA7D038EA44}"/>
     </a:ext>
   </a:extLst>
 </a:theme>
